--- a/Presentation1.pptx
+++ b/Presentation1.pptx
@@ -4,13 +4,34 @@
   <p:sldMasterIdLst>
     <p:sldMasterId id="2147483648" r:id="rId1"/>
   </p:sldMasterIdLst>
+  <p:notesMasterIdLst>
+    <p:notesMasterId r:id="rId23"/>
+  </p:notesMasterIdLst>
   <p:sldIdLst>
     <p:sldId id="256" r:id="rId3"/>
-    <p:sldId id="257" r:id="rId4"/>
-    <p:sldId id="259" r:id="rId5"/>
-    <p:sldId id="260" r:id="rId6"/>
-    <p:sldId id="261" r:id="rId7"/>
-    <p:sldId id="262" r:id="rId8"/>
+    <p:sldId id="264" r:id="rId4"/>
+    <p:sldId id="265" r:id="rId5"/>
+    <p:sldId id="266" r:id="rId6"/>
+    <p:sldId id="263" r:id="rId7"/>
+    <p:sldId id="273" r:id="rId8"/>
+    <p:sldId id="279" r:id="rId9"/>
+    <p:sldId id="257" r:id="rId10"/>
+    <p:sldId id="292" r:id="rId11"/>
+    <p:sldId id="286" r:id="rId12"/>
+    <p:sldId id="294" r:id="rId13"/>
+    <p:sldId id="298" r:id="rId14"/>
+    <p:sldId id="293" r:id="rId15"/>
+    <p:sldId id="295" r:id="rId16"/>
+    <p:sldId id="297" r:id="rId17"/>
+    <p:sldId id="296" r:id="rId18"/>
+    <p:sldId id="299" r:id="rId19"/>
+    <p:sldId id="300" r:id="rId20"/>
+    <p:sldId id="305" r:id="rId21"/>
+    <p:sldId id="306" r:id="rId22"/>
+    <p:sldId id="308" r:id="rId24"/>
+    <p:sldId id="307" r:id="rId25"/>
+    <p:sldId id="309" r:id="rId26"/>
+    <p:sldId id="310" r:id="rId27"/>
   </p:sldIdLst>
   <p:sldSz cx="12192000" cy="6858000"/>
   <p:notesSz cx="7103745" cy="10234295"/>
@@ -110,6 +131,401 @@
     </a:lvl9pPr>
   </p:defaultTextStyle>
 </p:presentation>
+</file>
+
+<file path=ppt/notesMasters/notesMaster1.xml><?xml version="1.0" encoding="utf-8"?>
+<p:notesMaster xmlns:a="http://schemas.openxmlformats.org/drawingml/2006/main" xmlns:r="http://schemas.openxmlformats.org/officeDocument/2006/relationships" xmlns:p="http://schemas.openxmlformats.org/presentationml/2006/main">
+  <p:cSld>
+    <p:bg>
+      <p:bgRef idx="1001">
+        <a:schemeClr val="bg1"/>
+      </p:bgRef>
+    </p:bg>
+    <p:spTree>
+      <p:nvGrpSpPr>
+        <p:cNvPr id="1" name=""/>
+        <p:cNvGrpSpPr/>
+        <p:nvPr/>
+      </p:nvGrpSpPr>
+      <p:grpSpPr>
+        <a:xfrm>
+          <a:off x="0" y="0"/>
+          <a:ext cx="0" cy="0"/>
+          <a:chOff x="0" y="0"/>
+          <a:chExt cx="0" cy="0"/>
+        </a:xfrm>
+      </p:grpSpPr>
+      <p:sp>
+        <p:nvSpPr>
+          <p:cNvPr id="2" name="Header Placeholder 1"/>
+          <p:cNvSpPr>
+            <a:spLocks noGrp="1"/>
+          </p:cNvSpPr>
+          <p:nvPr>
+            <p:ph type="hdr" sz="quarter"/>
+          </p:nvPr>
+        </p:nvSpPr>
+        <p:spPr>
+          <a:xfrm>
+            <a:off x="0" y="0"/>
+            <a:ext cx="3078290" cy="513492"/>
+          </a:xfrm>
+          <a:prstGeom prst="rect">
+            <a:avLst/>
+          </a:prstGeom>
+        </p:spPr>
+        <p:txBody>
+          <a:bodyPr vert="horz" lIns="91440" tIns="45720" rIns="91440" bIns="45720" rtlCol="0"/>
+          <a:lstStyle>
+            <a:lvl1pPr algn="l">
+              <a:defRPr sz="1200"/>
+            </a:lvl1pPr>
+          </a:lstStyle>
+          <a:p>
+            <a:endParaRPr lang="en-US"/>
+          </a:p>
+        </p:txBody>
+      </p:sp>
+      <p:sp>
+        <p:nvSpPr>
+          <p:cNvPr id="3" name="Date Placeholder 2"/>
+          <p:cNvSpPr>
+            <a:spLocks noGrp="1"/>
+          </p:cNvSpPr>
+          <p:nvPr>
+            <p:ph type="dt" idx="1"/>
+          </p:nvPr>
+        </p:nvSpPr>
+        <p:spPr>
+          <a:xfrm>
+            <a:off x="4023812" y="0"/>
+            <a:ext cx="3078290" cy="513492"/>
+          </a:xfrm>
+          <a:prstGeom prst="rect">
+            <a:avLst/>
+          </a:prstGeom>
+        </p:spPr>
+        <p:txBody>
+          <a:bodyPr vert="horz" lIns="91440" tIns="45720" rIns="91440" bIns="45720" rtlCol="0"/>
+          <a:lstStyle>
+            <a:lvl1pPr algn="r">
+              <a:defRPr sz="1200"/>
+            </a:lvl1pPr>
+          </a:lstStyle>
+          <a:p>
+            <a:fld id="{3EFD42F7-718C-4B98-AAEC-167E6DDD60A7}" type="datetimeFigureOut">
+              <a:rPr lang="en-US" smtClean="0"/>
+            </a:fld>
+            <a:endParaRPr lang="en-US"/>
+          </a:p>
+        </p:txBody>
+      </p:sp>
+      <p:sp>
+        <p:nvSpPr>
+          <p:cNvPr id="4" name="Slide Image Placeholder 3"/>
+          <p:cNvSpPr>
+            <a:spLocks noGrp="1" noRot="1" noChangeAspect="1"/>
+          </p:cNvSpPr>
+          <p:nvPr>
+            <p:ph type="sldImg" idx="2"/>
+          </p:nvPr>
+        </p:nvSpPr>
+        <p:spPr>
+          <a:xfrm>
+            <a:off x="481584" y="1279287"/>
+            <a:ext cx="6140577" cy="3454075"/>
+          </a:xfrm>
+          <a:prstGeom prst="rect">
+            <a:avLst/>
+          </a:prstGeom>
+          <a:noFill/>
+          <a:ln w="12700">
+            <a:solidFill>
+              <a:prstClr val="black"/>
+            </a:solidFill>
+          </a:ln>
+        </p:spPr>
+        <p:txBody>
+          <a:bodyPr vert="horz" lIns="91440" tIns="45720" rIns="91440" bIns="45720" rtlCol="0" anchor="ctr"/>
+          <a:lstStyle/>
+          <a:p>
+            <a:endParaRPr lang="en-US"/>
+          </a:p>
+        </p:txBody>
+      </p:sp>
+      <p:sp>
+        <p:nvSpPr>
+          <p:cNvPr id="5" name="Notes Placeholder 4"/>
+          <p:cNvSpPr>
+            <a:spLocks noGrp="1"/>
+          </p:cNvSpPr>
+          <p:nvPr>
+            <p:ph type="body" sz="quarter" idx="3"/>
+          </p:nvPr>
+        </p:nvSpPr>
+        <p:spPr>
+          <a:xfrm>
+            <a:off x="710375" y="4925254"/>
+            <a:ext cx="5682996" cy="4029754"/>
+          </a:xfrm>
+          <a:prstGeom prst="rect">
+            <a:avLst/>
+          </a:prstGeom>
+        </p:spPr>
+        <p:txBody>
+          <a:bodyPr vert="horz" lIns="91440" tIns="45720" rIns="91440" bIns="45720" rtlCol="0"/>
+          <a:lstStyle/>
+          <a:p>
+            <a:pPr lvl="0"/>
+            <a:r>
+              <a:rPr lang="en-US" smtClean="0"/>
+              <a:t>Click to edit Master text styles</a:t>
+            </a:r>
+            <a:endParaRPr lang="en-US" smtClean="0"/>
+          </a:p>
+          <a:p>
+            <a:pPr lvl="1"/>
+            <a:r>
+              <a:rPr lang="en-US" smtClean="0"/>
+              <a:t>Second level</a:t>
+            </a:r>
+            <a:endParaRPr lang="en-US" smtClean="0"/>
+          </a:p>
+          <a:p>
+            <a:pPr lvl="2"/>
+            <a:r>
+              <a:rPr lang="en-US" smtClean="0"/>
+              <a:t>Third level</a:t>
+            </a:r>
+            <a:endParaRPr lang="en-US" smtClean="0"/>
+          </a:p>
+          <a:p>
+            <a:pPr lvl="3"/>
+            <a:r>
+              <a:rPr lang="en-US" smtClean="0"/>
+              <a:t>Fourth level</a:t>
+            </a:r>
+            <a:endParaRPr lang="en-US" smtClean="0"/>
+          </a:p>
+          <a:p>
+            <a:pPr lvl="4"/>
+            <a:r>
+              <a:rPr lang="en-US" smtClean="0"/>
+              <a:t>Fifth level</a:t>
+            </a:r>
+            <a:endParaRPr lang="en-US"/>
+          </a:p>
+        </p:txBody>
+      </p:sp>
+      <p:sp>
+        <p:nvSpPr>
+          <p:cNvPr id="6" name="Footer Placeholder 5"/>
+          <p:cNvSpPr>
+            <a:spLocks noGrp="1"/>
+          </p:cNvSpPr>
+          <p:nvPr>
+            <p:ph type="ftr" sz="quarter" idx="4"/>
+          </p:nvPr>
+        </p:nvSpPr>
+        <p:spPr>
+          <a:xfrm>
+            <a:off x="0" y="9720804"/>
+            <a:ext cx="3078290" cy="513491"/>
+          </a:xfrm>
+          <a:prstGeom prst="rect">
+            <a:avLst/>
+          </a:prstGeom>
+        </p:spPr>
+        <p:txBody>
+          <a:bodyPr vert="horz" lIns="91440" tIns="45720" rIns="91440" bIns="45720" rtlCol="0" anchor="b"/>
+          <a:lstStyle>
+            <a:lvl1pPr algn="l">
+              <a:defRPr sz="1200"/>
+            </a:lvl1pPr>
+          </a:lstStyle>
+          <a:p>
+            <a:endParaRPr lang="en-US"/>
+          </a:p>
+        </p:txBody>
+      </p:sp>
+      <p:sp>
+        <p:nvSpPr>
+          <p:cNvPr id="7" name="Slide Number Placeholder 6"/>
+          <p:cNvSpPr>
+            <a:spLocks noGrp="1"/>
+          </p:cNvSpPr>
+          <p:nvPr>
+            <p:ph type="sldNum" sz="quarter" idx="5"/>
+          </p:nvPr>
+        </p:nvSpPr>
+        <p:spPr>
+          <a:xfrm>
+            <a:off x="4023812" y="9720804"/>
+            <a:ext cx="3078290" cy="513491"/>
+          </a:xfrm>
+          <a:prstGeom prst="rect">
+            <a:avLst/>
+          </a:prstGeom>
+        </p:spPr>
+        <p:txBody>
+          <a:bodyPr vert="horz" lIns="91440" tIns="45720" rIns="91440" bIns="45720" rtlCol="0" anchor="b"/>
+          <a:lstStyle>
+            <a:lvl1pPr algn="r">
+              <a:defRPr sz="1200"/>
+            </a:lvl1pPr>
+          </a:lstStyle>
+          <a:p>
+            <a:fld id="{21B2AA4F-B828-4D7C-AFD3-893933DAFCB4}" type="slidenum">
+              <a:rPr lang="en-US" smtClean="0"/>
+            </a:fld>
+            <a:endParaRPr lang="en-US"/>
+          </a:p>
+        </p:txBody>
+      </p:sp>
+    </p:spTree>
+  </p:cSld>
+  <p:clrMap bg1="lt1" tx1="dk1" bg2="lt2" tx2="dk2" accent1="accent1" accent2="accent2" accent3="accent3" accent4="accent4" accent5="accent5" accent6="accent6" hlink="hlink" folHlink="folHlink"/>
+  <p:notesStyle>
+    <a:lvl1pPr marL="0" algn="l" defTabSz="914400" rtl="0" eaLnBrk="1" latinLnBrk="0" hangingPunct="1">
+      <a:defRPr sz="1200" kern="1200">
+        <a:solidFill>
+          <a:schemeClr val="tx1"/>
+        </a:solidFill>
+        <a:latin typeface="+mn-lt"/>
+        <a:ea typeface="+mn-ea"/>
+        <a:cs typeface="+mn-cs"/>
+      </a:defRPr>
+    </a:lvl1pPr>
+    <a:lvl2pPr marL="457200" algn="l" defTabSz="914400" rtl="0" eaLnBrk="1" latinLnBrk="0" hangingPunct="1">
+      <a:defRPr sz="1200" kern="1200">
+        <a:solidFill>
+          <a:schemeClr val="tx1"/>
+        </a:solidFill>
+        <a:latin typeface="+mn-lt"/>
+        <a:ea typeface="+mn-ea"/>
+        <a:cs typeface="+mn-cs"/>
+      </a:defRPr>
+    </a:lvl2pPr>
+    <a:lvl3pPr marL="914400" algn="l" defTabSz="914400" rtl="0" eaLnBrk="1" latinLnBrk="0" hangingPunct="1">
+      <a:defRPr sz="1200" kern="1200">
+        <a:solidFill>
+          <a:schemeClr val="tx1"/>
+        </a:solidFill>
+        <a:latin typeface="+mn-lt"/>
+        <a:ea typeface="+mn-ea"/>
+        <a:cs typeface="+mn-cs"/>
+      </a:defRPr>
+    </a:lvl3pPr>
+    <a:lvl4pPr marL="1371600" algn="l" defTabSz="914400" rtl="0" eaLnBrk="1" latinLnBrk="0" hangingPunct="1">
+      <a:defRPr sz="1200" kern="1200">
+        <a:solidFill>
+          <a:schemeClr val="tx1"/>
+        </a:solidFill>
+        <a:latin typeface="+mn-lt"/>
+        <a:ea typeface="+mn-ea"/>
+        <a:cs typeface="+mn-cs"/>
+      </a:defRPr>
+    </a:lvl4pPr>
+    <a:lvl5pPr marL="1828800" algn="l" defTabSz="914400" rtl="0" eaLnBrk="1" latinLnBrk="0" hangingPunct="1">
+      <a:defRPr sz="1200" kern="1200">
+        <a:solidFill>
+          <a:schemeClr val="tx1"/>
+        </a:solidFill>
+        <a:latin typeface="+mn-lt"/>
+        <a:ea typeface="+mn-ea"/>
+        <a:cs typeface="+mn-cs"/>
+      </a:defRPr>
+    </a:lvl5pPr>
+    <a:lvl6pPr marL="2286000" algn="l" defTabSz="914400" rtl="0" eaLnBrk="1" latinLnBrk="0" hangingPunct="1">
+      <a:defRPr sz="1200" kern="1200">
+        <a:solidFill>
+          <a:schemeClr val="tx1"/>
+        </a:solidFill>
+        <a:latin typeface="+mn-lt"/>
+        <a:ea typeface="+mn-ea"/>
+        <a:cs typeface="+mn-cs"/>
+      </a:defRPr>
+    </a:lvl6pPr>
+    <a:lvl7pPr marL="2743200" algn="l" defTabSz="914400" rtl="0" eaLnBrk="1" latinLnBrk="0" hangingPunct="1">
+      <a:defRPr sz="1200" kern="1200">
+        <a:solidFill>
+          <a:schemeClr val="tx1"/>
+        </a:solidFill>
+        <a:latin typeface="+mn-lt"/>
+        <a:ea typeface="+mn-ea"/>
+        <a:cs typeface="+mn-cs"/>
+      </a:defRPr>
+    </a:lvl7pPr>
+    <a:lvl8pPr marL="3200400" algn="l" defTabSz="914400" rtl="0" eaLnBrk="1" latinLnBrk="0" hangingPunct="1">
+      <a:defRPr sz="1200" kern="1200">
+        <a:solidFill>
+          <a:schemeClr val="tx1"/>
+        </a:solidFill>
+        <a:latin typeface="+mn-lt"/>
+        <a:ea typeface="+mn-ea"/>
+        <a:cs typeface="+mn-cs"/>
+      </a:defRPr>
+    </a:lvl8pPr>
+    <a:lvl9pPr marL="3657600" algn="l" defTabSz="914400" rtl="0" eaLnBrk="1" latinLnBrk="0" hangingPunct="1">
+      <a:defRPr sz="1200" kern="1200">
+        <a:solidFill>
+          <a:schemeClr val="tx1"/>
+        </a:solidFill>
+        <a:latin typeface="+mn-lt"/>
+        <a:ea typeface="+mn-ea"/>
+        <a:cs typeface="+mn-cs"/>
+      </a:defRPr>
+    </a:lvl9pPr>
+  </p:notesStyle>
+</p:notesMaster>
+</file>
+
+<file path=ppt/notesSlides/notesSlide1.xml><?xml version="1.0" encoding="utf-8"?>
+<p:notes xmlns:a="http://schemas.openxmlformats.org/drawingml/2006/main" xmlns:r="http://schemas.openxmlformats.org/officeDocument/2006/relationships" xmlns:p="http://schemas.openxmlformats.org/presentationml/2006/main">
+  <p:cSld>
+    <p:spTree>
+      <p:nvGrpSpPr>
+        <p:cNvPr id="1" name=""/>
+        <p:cNvGrpSpPr/>
+        <p:nvPr/>
+      </p:nvGrpSpPr>
+      <p:grpSpPr/>
+      <p:sp>
+        <p:nvSpPr>
+          <p:cNvPr id="2" name="Slide Image Placeholder 1"/>
+          <p:cNvSpPr/>
+          <p:nvPr>
+            <p:ph type="sldImg" idx="2"/>
+          </p:nvPr>
+        </p:nvSpPr>
+        <p:spPr/>
+      </p:sp>
+      <p:sp>
+        <p:nvSpPr>
+          <p:cNvPr id="3" name="Text Placeholder 2"/>
+          <p:cNvSpPr/>
+          <p:nvPr>
+            <p:ph type="body" idx="3"/>
+          </p:nvPr>
+        </p:nvSpPr>
+        <p:spPr/>
+        <p:txBody>
+          <a:bodyPr/>
+          <a:p>
+            <a:r>
+              <a:rPr lang="" altLang="en-US"/>
+              <a:t>Trước hết do source và target dựa vào vocal của riêng nó nên mã hóa sẽ khác nhau </a:t>
+            </a:r>
+            <a:endParaRPr lang="" altLang="en-US"/>
+          </a:p>
+        </p:txBody>
+      </p:sp>
+    </p:spTree>
+  </p:cSld>
+  <p:clrMapOvr>
+    <a:masterClrMapping/>
+  </p:clrMapOvr>
+</p:notes>
 </file>
 
 <file path=ppt/slideLayouts/slideLayout1.xml><?xml version="1.0" encoding="utf-8"?>
@@ -2642,6 +3058,48 @@
             <p:ph type="ctrTitle"/>
           </p:nvPr>
         </p:nvSpPr>
+        <p:spPr>
+          <a:xfrm>
+            <a:off x="231775" y="2002155"/>
+            <a:ext cx="11728450" cy="2387600"/>
+          </a:xfrm>
+        </p:spPr>
+        <p:txBody>
+          <a:bodyPr>
+            <a:normAutofit fontScale="90000"/>
+          </a:bodyPr>
+          <a:p>
+            <a:r>
+              <a:rPr lang="en-US" altLang="en-US">
+                <a:sym typeface="+mn-ea"/>
+              </a:rPr>
+              <a:t>Adapting Sequence to Sequence models for Text Nomorlization </a:t>
+            </a:r>
+            <a:br>
+              <a:rPr lang="en-US" altLang="en-US">
+                <a:sym typeface="+mn-ea"/>
+              </a:rPr>
+            </a:br>
+            <a:r>
+              <a:rPr lang="en-US" altLang="en-US">
+                <a:sym typeface="+mn-ea"/>
+              </a:rPr>
+              <a:t>in Social Media</a:t>
+            </a:r>
+            <a:endParaRPr lang="en-US" altLang="en-US"/>
+          </a:p>
+        </p:txBody>
+      </p:sp>
+      <p:sp>
+        <p:nvSpPr>
+          <p:cNvPr id="3" name="Subtitle 2"/>
+          <p:cNvSpPr>
+            <a:spLocks noGrp="1"/>
+          </p:cNvSpPr>
+          <p:nvPr>
+            <p:ph type="subTitle" idx="1"/>
+          </p:nvPr>
+        </p:nvSpPr>
         <p:spPr/>
         <p:txBody>
           <a:bodyPr/>
@@ -2650,21 +3108,1250 @@
           </a:p>
         </p:txBody>
       </p:sp>
-      <p:sp>
-        <p:nvSpPr>
-          <p:cNvPr id="3" name="Subtitle 2"/>
-          <p:cNvSpPr>
-            <a:spLocks noGrp="1"/>
-          </p:cNvSpPr>
-          <p:nvPr>
-            <p:ph type="subTitle" idx="1"/>
+    </p:spTree>
+  </p:cSld>
+  <p:clrMapOvr>
+    <a:masterClrMapping/>
+  </p:clrMapOvr>
+</p:sld>
+</file>
+
+<file path=ppt/slides/slide10.xml><?xml version="1.0" encoding="utf-8"?>
+<p:sld xmlns:a="http://schemas.openxmlformats.org/drawingml/2006/main" xmlns:r="http://schemas.openxmlformats.org/officeDocument/2006/relationships" xmlns:p="http://schemas.openxmlformats.org/presentationml/2006/main">
+  <p:cSld>
+    <p:spTree>
+      <p:nvGrpSpPr>
+        <p:cNvPr id="1" name=""/>
+        <p:cNvGrpSpPr/>
+        <p:nvPr/>
+      </p:nvGrpSpPr>
+      <p:grpSpPr/>
+      <p:sp>
+        <p:nvSpPr>
+          <p:cNvPr id="2" name="Title 1"/>
+          <p:cNvSpPr>
+            <a:spLocks noGrp="1"/>
+          </p:cNvSpPr>
+          <p:nvPr>
+            <p:ph type="title"/>
           </p:nvPr>
         </p:nvSpPr>
         <p:spPr/>
         <p:txBody>
           <a:bodyPr/>
           <a:p>
+            <a:r>
+              <a:rPr lang="en-US" altLang="en-US"/>
+              <a:t>scheduled sampling</a:t>
+            </a:r>
+            <a:endParaRPr lang="en-US" altLang="en-US"/>
+          </a:p>
+        </p:txBody>
+      </p:sp>
+      <p:sp>
+        <p:nvSpPr>
+          <p:cNvPr id="3" name="Content Placeholder 2"/>
+          <p:cNvSpPr>
+            <a:spLocks noGrp="1"/>
+          </p:cNvSpPr>
+          <p:nvPr>
+            <p:ph idx="1"/>
+          </p:nvPr>
+        </p:nvSpPr>
+        <p:spPr/>
+        <p:txBody>
+          <a:bodyPr/>
+          <a:p>
+            <a:r>
+              <a:rPr lang="en-US" altLang="en-US"/>
+              <a:t>Loss funcition </a:t>
+            </a:r>
+            <a:endParaRPr lang="en-US" altLang="en-US"/>
+          </a:p>
+          <a:p>
+            <a:endParaRPr lang="en-US" altLang="en-US"/>
+          </a:p>
+          <a:p>
+            <a:r>
+              <a:rPr lang="en-US" altLang="en-US"/>
+              <a:t>Trong quá trình training, việc học những từ sai, sẽ dẫn đến accumalation error, nên tác giả sử dụng scheduled sampling để làm giảm teacher-forcing.</a:t>
+            </a:r>
+            <a:endParaRPr lang="en-US" altLang="en-US"/>
+          </a:p>
+          <a:p>
+            <a:r>
+              <a:rPr lang="en-US" altLang="en-US"/>
+              <a:t>Thay predict của model = ground truth để predict từ tiếp theo.</a:t>
+            </a:r>
+            <a:endParaRPr lang="en-US" altLang="en-US"/>
+          </a:p>
+          <a:p>
+            <a:pPr marL="0" indent="0">
+              <a:buNone/>
+            </a:pPr>
+            <a:endParaRPr lang="en-US" altLang="en-US"/>
+          </a:p>
+        </p:txBody>
+      </p:sp>
+      <p:pic>
+        <p:nvPicPr>
+          <p:cNvPr id="4" name="Picture 3" descr="Screenshot from 2019-11-27 04-38-08"/>
+          <p:cNvPicPr>
+            <a:picLocks noChangeAspect="1"/>
+          </p:cNvPicPr>
+          <p:nvPr/>
+        </p:nvPicPr>
+        <p:blipFill>
+          <a:blip r:embed="rId1"/>
+          <a:stretch>
+            <a:fillRect/>
+          </a:stretch>
+        </p:blipFill>
+        <p:spPr>
+          <a:xfrm>
+            <a:off x="4021455" y="1581150"/>
+            <a:ext cx="3809365" cy="962025"/>
+          </a:xfrm>
+          <a:prstGeom prst="rect">
+            <a:avLst/>
+          </a:prstGeom>
+        </p:spPr>
+      </p:pic>
+    </p:spTree>
+  </p:cSld>
+  <p:clrMapOvr>
+    <a:masterClrMapping/>
+  </p:clrMapOvr>
+</p:sld>
+</file>
+
+<file path=ppt/slides/slide11.xml><?xml version="1.0" encoding="utf-8"?>
+<p:sld xmlns:a="http://schemas.openxmlformats.org/drawingml/2006/main" xmlns:r="http://schemas.openxmlformats.org/officeDocument/2006/relationships" xmlns:p="http://schemas.openxmlformats.org/presentationml/2006/main">
+  <p:cSld>
+    <p:spTree>
+      <p:nvGrpSpPr>
+        <p:cNvPr id="1" name=""/>
+        <p:cNvGrpSpPr/>
+        <p:nvPr/>
+      </p:nvGrpSpPr>
+      <p:grpSpPr/>
+      <p:sp>
+        <p:nvSpPr>
+          <p:cNvPr id="2" name="Title 1"/>
+          <p:cNvSpPr>
+            <a:spLocks noGrp="1"/>
+          </p:cNvSpPr>
+          <p:nvPr>
+            <p:ph type="title"/>
+          </p:nvPr>
+        </p:nvSpPr>
+        <p:spPr/>
+        <p:txBody>
+          <a:bodyPr/>
+          <a:p>
+            <a:r>
+              <a:rPr lang="en-US" altLang="en-US"/>
+              <a:t>2.2 Xử lý các unknown words. </a:t>
+            </a:r>
+            <a:endParaRPr lang="en-US" altLang="en-US"/>
+          </a:p>
+        </p:txBody>
+      </p:sp>
+      <p:sp>
+        <p:nvSpPr>
+          <p:cNvPr id="3" name="Content Placeholder 2"/>
+          <p:cNvSpPr>
+            <a:spLocks noGrp="1"/>
+          </p:cNvSpPr>
+          <p:nvPr>
+            <p:ph idx="1"/>
+          </p:nvPr>
+        </p:nvSpPr>
+        <p:spPr/>
+        <p:txBody>
+          <a:bodyPr/>
+          <a:p>
+            <a:r>
+              <a:rPr lang="en-US" altLang="en-US"/>
+              <a:t>word-based thì hạn chế về vocabulary, những từ nằm ngoài vocabulary được biểu thị: </a:t>
+            </a:r>
+            <a:r>
+              <a:rPr lang="en-US" altLang="en-US">
+                <a:solidFill>
+                  <a:srgbClr val="FF0000"/>
+                </a:solidFill>
+              </a:rPr>
+              <a:t>UNK</a:t>
+            </a:r>
+            <a:r>
+              <a:rPr lang="en-US" altLang="en-US"/>
+              <a:t> </a:t>
+            </a:r>
+            <a:endParaRPr lang="en-US" altLang="en-US"/>
+          </a:p>
+          <a:p>
+            <a:endParaRPr lang="en-US" altLang="en-US"/>
+          </a:p>
+          <a:p>
+            <a:r>
+              <a:rPr lang="en-US" altLang="en-US"/>
+              <a:t>character model vượt qua được botteneck về ràng buộc của từ điển và không yêu cầu tiền xử lý tokenization, nhưng tính toán lại đắt đỏ và cũng bị thiếu dữ liệu</a:t>
+            </a:r>
+            <a:endParaRPr lang="en-US" altLang="en-US"/>
+          </a:p>
+          <a:p>
+            <a:r>
+              <a:rPr lang="en-US" altLang="en-US"/>
+              <a:t>Belinkov and Bisk (2017) đã chỉ ra rằng character model không hiệu quả với lỗi typos, noise </a:t>
+            </a:r>
+            <a:endParaRPr lang="en-US" altLang="en-US"/>
+          </a:p>
+        </p:txBody>
+      </p:sp>
+    </p:spTree>
+  </p:cSld>
+  <p:clrMapOvr>
+    <a:masterClrMapping/>
+  </p:clrMapOvr>
+</p:sld>
+</file>
+
+<file path=ppt/slides/slide12.xml><?xml version="1.0" encoding="utf-8"?>
+<p:sld xmlns:a="http://schemas.openxmlformats.org/drawingml/2006/main" xmlns:r="http://schemas.openxmlformats.org/officeDocument/2006/relationships" xmlns:p="http://schemas.openxmlformats.org/presentationml/2006/main">
+  <p:cSld>
+    <p:spTree>
+      <p:nvGrpSpPr>
+        <p:cNvPr id="1" name=""/>
+        <p:cNvGrpSpPr/>
+        <p:nvPr/>
+      </p:nvGrpSpPr>
+      <p:grpSpPr/>
+      <p:sp>
+        <p:nvSpPr>
+          <p:cNvPr id="2" name="Title 1"/>
+          <p:cNvSpPr>
+            <a:spLocks noGrp="1"/>
+          </p:cNvSpPr>
+          <p:nvPr>
+            <p:ph type="title"/>
+          </p:nvPr>
+        </p:nvSpPr>
+        <p:spPr/>
+        <p:txBody>
+          <a:bodyPr>
+            <a:normAutofit fontScale="90000"/>
+          </a:bodyPr>
+          <a:p>
+            <a:r>
+              <a:rPr lang="en-US" altLang="en-US">
+                <a:sym typeface="+mn-ea"/>
+              </a:rPr>
+              <a:t>2.2 Xử lý các unknown words. </a:t>
+            </a:r>
+            <a:br>
+              <a:rPr lang="en-US" altLang="en-US"/>
+            </a:br>
             <a:endParaRPr lang="en-US"/>
+          </a:p>
+        </p:txBody>
+      </p:sp>
+      <p:sp>
+        <p:nvSpPr>
+          <p:cNvPr id="3" name="Content Placeholder 2"/>
+          <p:cNvSpPr>
+            <a:spLocks noGrp="1"/>
+          </p:cNvSpPr>
+          <p:nvPr>
+            <p:ph idx="1"/>
+          </p:nvPr>
+        </p:nvSpPr>
+        <p:spPr/>
+        <p:txBody>
+          <a:bodyPr/>
+          <a:p>
+            <a:r>
+              <a:rPr lang="en-US" altLang="en-US"/>
+              <a:t>Tạo dữ liệu trainning cho character-based model, bằng 5 phương pháp sau:</a:t>
+            </a:r>
+            <a:endParaRPr lang="en-US" altLang="en-US"/>
+          </a:p>
+          <a:p>
+            <a:endParaRPr lang="en-US" altLang="en-US"/>
+          </a:p>
+        </p:txBody>
+      </p:sp>
+      <p:pic>
+        <p:nvPicPr>
+          <p:cNvPr id="4" name="Picture 3" descr="Screenshot from 2019-11-27 06-58-13"/>
+          <p:cNvPicPr>
+            <a:picLocks noChangeAspect="1"/>
+          </p:cNvPicPr>
+          <p:nvPr/>
+        </p:nvPicPr>
+        <p:blipFill>
+          <a:blip r:embed="rId1"/>
+          <a:stretch>
+            <a:fillRect/>
+          </a:stretch>
+        </p:blipFill>
+        <p:spPr>
+          <a:xfrm>
+            <a:off x="2505075" y="2752725"/>
+            <a:ext cx="8027670" cy="3543300"/>
+          </a:xfrm>
+          <a:prstGeom prst="rect">
+            <a:avLst/>
+          </a:prstGeom>
+        </p:spPr>
+      </p:pic>
+    </p:spTree>
+  </p:cSld>
+  <p:clrMapOvr>
+    <a:masterClrMapping/>
+  </p:clrMapOvr>
+</p:sld>
+</file>
+
+<file path=ppt/slides/slide13.xml><?xml version="1.0" encoding="utf-8"?>
+<p:sld xmlns:a="http://schemas.openxmlformats.org/drawingml/2006/main" xmlns:r="http://schemas.openxmlformats.org/officeDocument/2006/relationships" xmlns:p="http://schemas.openxmlformats.org/presentationml/2006/main">
+  <p:cSld>
+    <p:spTree>
+      <p:nvGrpSpPr>
+        <p:cNvPr id="1" name=""/>
+        <p:cNvGrpSpPr/>
+        <p:nvPr/>
+      </p:nvGrpSpPr>
+      <p:grpSpPr/>
+      <p:sp>
+        <p:nvSpPr>
+          <p:cNvPr id="2" name="Title 1"/>
+          <p:cNvSpPr>
+            <a:spLocks noGrp="1"/>
+          </p:cNvSpPr>
+          <p:nvPr>
+            <p:ph type="title"/>
+          </p:nvPr>
+        </p:nvSpPr>
+        <p:spPr/>
+        <p:txBody>
+          <a:bodyPr/>
+          <a:p>
+            <a:r>
+              <a:rPr lang="en-US" altLang="en-US"/>
+              <a:t>3 Dữ liệu </a:t>
+            </a:r>
+            <a:endParaRPr lang="en-US" altLang="en-US"/>
+          </a:p>
+        </p:txBody>
+      </p:sp>
+      <p:sp>
+        <p:nvSpPr>
+          <p:cNvPr id="3" name="Content Placeholder 2"/>
+          <p:cNvSpPr>
+            <a:spLocks noGrp="1"/>
+          </p:cNvSpPr>
+          <p:nvPr>
+            <p:ph idx="1"/>
+          </p:nvPr>
+        </p:nvSpPr>
+        <p:spPr>
+          <a:xfrm>
+            <a:off x="838200" y="1825625"/>
+            <a:ext cx="10915650" cy="4351655"/>
+          </a:xfrm>
+        </p:spPr>
+        <p:txBody>
+          <a:bodyPr>
+            <a:normAutofit fontScale="90000" lnSpcReduction="10000"/>
+          </a:bodyPr>
+          <a:p>
+            <a:r>
+              <a:rPr lang="en-US" altLang="en-US"/>
+              <a:t>LexNorm dataset từ 2015 ACL-CIJNLP</a:t>
+            </a:r>
+            <a:endParaRPr lang="en-US" altLang="en-US"/>
+          </a:p>
+          <a:p>
+            <a:r>
+              <a:rPr lang="en-US" altLang="en-US"/>
+              <a:t>Bao gồm 4917 tweets với 373 unique non-standard word types </a:t>
+            </a:r>
+            <a:endParaRPr lang="en-US" altLang="en-US"/>
+          </a:p>
+          <a:p>
+            <a:r>
+              <a:rPr lang="en-US" altLang="en-US"/>
+              <a:t>train/test = 60:40</a:t>
+            </a:r>
+            <a:endParaRPr lang="en-US" altLang="en-US"/>
+          </a:p>
+          <a:p>
+            <a:r>
+              <a:rPr lang="en-US" altLang="en-US"/>
+              <a:t>Có 488 non-standard word types , unseen trong trainning  </a:t>
+            </a:r>
+            <a:endParaRPr lang="en-US" altLang="en-US"/>
+          </a:p>
+          <a:p>
+            <a:r>
+              <a:rPr lang="en-US" altLang="en-US">
+                <a:sym typeface="+mn-ea"/>
+              </a:rPr>
+              <a:t>Để giảm kích thước của vocabulary: lowercase các từ </a:t>
+            </a:r>
+            <a:endParaRPr lang="en-US" altLang="en-US"/>
+          </a:p>
+          <a:p>
+            <a:r>
+              <a:rPr lang="en-US" altLang="en-US">
+                <a:sym typeface="+mn-ea"/>
+              </a:rPr>
+              <a:t>Các từ được tag: &lt;hash&gt; và &lt;url&gt; được bỏ qua </a:t>
+            </a:r>
+            <a:endParaRPr lang="en-US" altLang="en-US">
+              <a:sym typeface="+mn-ea"/>
+            </a:endParaRPr>
+          </a:p>
+          <a:p>
+            <a:r>
+              <a:rPr lang="en-US" altLang="en-US">
+                <a:sym typeface="+mn-ea"/>
+              </a:rPr>
+              <a:t>&lt;mention&gt; đại điện cho các từ đã được xử lý ở word-based và được bỏ qua khi vào character-based </a:t>
+            </a:r>
+            <a:endParaRPr lang="en-US" altLang="en-US"/>
+          </a:p>
+          <a:p>
+            <a:r>
+              <a:rPr lang="en-US" altLang="en-US">
+                <a:sym typeface="+mn-ea"/>
+              </a:rPr>
+              <a:t>Môi câu được tiền sử lý bằng cách: thêm vào  đầu &lt;s&gt; và &lt;/s&gt; vào cuối.</a:t>
+            </a:r>
+            <a:endParaRPr lang="en-US" altLang="en-US"/>
+          </a:p>
+          <a:p>
+            <a:endParaRPr lang="en-US" altLang="en-US"/>
+          </a:p>
+          <a:p>
+            <a:endParaRPr lang="en-US" altLang="en-US"/>
+          </a:p>
+          <a:p>
+            <a:pPr marL="0" indent="0">
+              <a:buNone/>
+            </a:pPr>
+            <a:endParaRPr lang="en-US" altLang="en-US"/>
+          </a:p>
+        </p:txBody>
+      </p:sp>
+    </p:spTree>
+  </p:cSld>
+  <p:clrMapOvr>
+    <a:masterClrMapping/>
+  </p:clrMapOvr>
+</p:sld>
+</file>
+
+<file path=ppt/slides/slide14.xml><?xml version="1.0" encoding="utf-8"?>
+<p:sld xmlns:a="http://schemas.openxmlformats.org/drawingml/2006/main" xmlns:r="http://schemas.openxmlformats.org/officeDocument/2006/relationships" xmlns:p="http://schemas.openxmlformats.org/presentationml/2006/main">
+  <p:cSld>
+    <p:spTree>
+      <p:nvGrpSpPr>
+        <p:cNvPr id="1" name=""/>
+        <p:cNvGrpSpPr/>
+        <p:nvPr/>
+      </p:nvGrpSpPr>
+      <p:grpSpPr/>
+      <p:sp>
+        <p:nvSpPr>
+          <p:cNvPr id="2" name="Title 1"/>
+          <p:cNvSpPr>
+            <a:spLocks noGrp="1"/>
+          </p:cNvSpPr>
+          <p:nvPr>
+            <p:ph type="title"/>
+          </p:nvPr>
+        </p:nvSpPr>
+        <p:spPr/>
+        <p:txBody>
+          <a:bodyPr/>
+          <a:p>
+            <a:r>
+              <a:rPr lang="en-US" altLang="en-US"/>
+              <a:t>3 Dữ liệu </a:t>
+            </a:r>
+            <a:endParaRPr lang="en-US" altLang="en-US"/>
+          </a:p>
+        </p:txBody>
+      </p:sp>
+      <p:sp>
+        <p:nvSpPr>
+          <p:cNvPr id="3" name="Content Placeholder 2"/>
+          <p:cNvSpPr>
+            <a:spLocks noGrp="1"/>
+          </p:cNvSpPr>
+          <p:nvPr>
+            <p:ph idx="1"/>
+          </p:nvPr>
+        </p:nvSpPr>
+        <p:spPr/>
+        <p:txBody>
+          <a:bodyPr/>
+          <a:p>
+            <a:endParaRPr lang="en-US" altLang="en-US"/>
+          </a:p>
+        </p:txBody>
+      </p:sp>
+      <p:pic>
+        <p:nvPicPr>
+          <p:cNvPr id="4" name="Picture 3" descr="Screenshot from 2019-11-27 05-37-06"/>
+          <p:cNvPicPr>
+            <a:picLocks noChangeAspect="1"/>
+          </p:cNvPicPr>
+          <p:nvPr/>
+        </p:nvPicPr>
+        <p:blipFill>
+          <a:blip r:embed="rId1"/>
+          <a:stretch>
+            <a:fillRect/>
+          </a:stretch>
+        </p:blipFill>
+        <p:spPr>
+          <a:xfrm>
+            <a:off x="2123440" y="2587625"/>
+            <a:ext cx="8866505" cy="2393315"/>
+          </a:xfrm>
+          <a:prstGeom prst="rect">
+            <a:avLst/>
+          </a:prstGeom>
+        </p:spPr>
+      </p:pic>
+    </p:spTree>
+  </p:cSld>
+  <p:clrMapOvr>
+    <a:masterClrMapping/>
+  </p:clrMapOvr>
+</p:sld>
+</file>
+
+<file path=ppt/slides/slide15.xml><?xml version="1.0" encoding="utf-8"?>
+<p:sld xmlns:a="http://schemas.openxmlformats.org/drawingml/2006/main" xmlns:r="http://schemas.openxmlformats.org/officeDocument/2006/relationships" xmlns:p="http://schemas.openxmlformats.org/presentationml/2006/main">
+  <p:cSld>
+    <p:spTree>
+      <p:nvGrpSpPr>
+        <p:cNvPr id="1" name=""/>
+        <p:cNvGrpSpPr/>
+        <p:nvPr/>
+      </p:nvGrpSpPr>
+      <p:grpSpPr/>
+      <p:sp>
+        <p:nvSpPr>
+          <p:cNvPr id="2" name="Title 1"/>
+          <p:cNvSpPr>
+            <a:spLocks noGrp="1"/>
+          </p:cNvSpPr>
+          <p:nvPr>
+            <p:ph type="title"/>
+          </p:nvPr>
+        </p:nvSpPr>
+        <p:spPr/>
+        <p:txBody>
+          <a:bodyPr/>
+          <a:p>
+            <a:r>
+              <a:rPr lang="en-US" altLang="en-US"/>
+              <a:t>Traning Details  </a:t>
+            </a:r>
+            <a:endParaRPr lang="en-US" altLang="en-US"/>
+          </a:p>
+        </p:txBody>
+      </p:sp>
+      <p:graphicFrame>
+        <p:nvGraphicFramePr>
+          <p:cNvPr id="4" name="Content Placeholder 3"/>
+          <p:cNvGraphicFramePr/>
+          <p:nvPr>
+            <p:ph idx="1"/>
+          </p:nvPr>
+        </p:nvGraphicFramePr>
+        <p:xfrm>
+          <a:off x="838200" y="1691005"/>
+          <a:ext cx="10515600" cy="2667000"/>
+        </p:xfrm>
+        <a:graphic>
+          <a:graphicData uri="http://schemas.openxmlformats.org/drawingml/2006/table">
+            <a:tbl>
+              <a:tblPr firstRow="1" bandRow="1">
+                <a:tableStyleId>{5C22544A-7EE6-4342-B048-85BDC9FD1C3A}</a:tableStyleId>
+              </a:tblPr>
+              <a:tblGrid>
+                <a:gridCol w="3505200"/>
+                <a:gridCol w="3505200"/>
+                <a:gridCol w="3505200"/>
+              </a:tblGrid>
+              <a:tr h="381000">
+                <a:tc>
+                  <a:txBody>
+                    <a:bodyPr/>
+                    <a:p>
+                      <a:pPr>
+                        <a:buNone/>
+                      </a:pPr>
+                      <a:endParaRPr lang="en-US"/>
+                    </a:p>
+                  </a:txBody>
+                  <a:tcPr/>
+                </a:tc>
+                <a:tc>
+                  <a:txBody>
+                    <a:bodyPr/>
+                    <a:p>
+                      <a:pPr>
+                        <a:buNone/>
+                      </a:pPr>
+                      <a:r>
+                        <a:rPr lang="en-US" altLang="en-US"/>
+                        <a:t>word model</a:t>
+                      </a:r>
+                      <a:endParaRPr lang="en-US" altLang="en-US"/>
+                    </a:p>
+                  </a:txBody>
+                  <a:tcPr/>
+                </a:tc>
+                <a:tc>
+                  <a:txBody>
+                    <a:bodyPr/>
+                    <a:p>
+                      <a:pPr>
+                        <a:buNone/>
+                      </a:pPr>
+                      <a:r>
+                        <a:rPr lang="en-US" altLang="en-US"/>
+                        <a:t>character model </a:t>
+                      </a:r>
+                      <a:endParaRPr lang="en-US" altLang="en-US"/>
+                    </a:p>
+                  </a:txBody>
+                  <a:tcPr/>
+                </a:tc>
+              </a:tr>
+              <a:tr h="381000">
+                <a:tc>
+                  <a:txBody>
+                    <a:bodyPr/>
+                    <a:p>
+                      <a:pPr>
+                        <a:buNone/>
+                      </a:pPr>
+                      <a:r>
+                        <a:rPr lang="en-US" altLang="en-US"/>
+                        <a:t>batch size </a:t>
+                      </a:r>
+                      <a:endParaRPr lang="en-US" altLang="en-US"/>
+                    </a:p>
+                  </a:txBody>
+                  <a:tcPr/>
+                </a:tc>
+                <a:tc>
+                  <a:txBody>
+                    <a:bodyPr/>
+                    <a:p>
+                      <a:pPr>
+                        <a:buNone/>
+                      </a:pPr>
+                      <a:r>
+                        <a:rPr lang="en-US" altLang="en-US"/>
+                        <a:t>32</a:t>
+                      </a:r>
+                      <a:endParaRPr lang="en-US" altLang="en-US"/>
+                    </a:p>
+                  </a:txBody>
+                  <a:tcPr/>
+                </a:tc>
+                <a:tc>
+                  <a:txBody>
+                    <a:bodyPr/>
+                    <a:p>
+                      <a:pPr>
+                        <a:buNone/>
+                      </a:pPr>
+                      <a:r>
+                        <a:rPr lang="en-US" altLang="en-US"/>
+                        <a:t>500</a:t>
+                      </a:r>
+                      <a:endParaRPr lang="en-US" altLang="en-US"/>
+                    </a:p>
+                  </a:txBody>
+                  <a:tcPr/>
+                </a:tc>
+              </a:tr>
+              <a:tr h="381000">
+                <a:tc>
+                  <a:txBody>
+                    <a:bodyPr/>
+                    <a:p>
+                      <a:pPr>
+                        <a:buNone/>
+                      </a:pPr>
+                      <a:r>
+                        <a:rPr lang="en-US" altLang="en-US"/>
+                        <a:t>trình tối ưu </a:t>
+                      </a:r>
+                      <a:endParaRPr lang="en-US" altLang="en-US"/>
+                    </a:p>
+                  </a:txBody>
+                  <a:tcPr/>
+                </a:tc>
+                <a:tc>
+                  <a:txBody>
+                    <a:bodyPr/>
+                    <a:p>
+                      <a:pPr>
+                        <a:buNone/>
+                      </a:pPr>
+                      <a:r>
+                        <a:rPr lang="en-US" altLang="en-US"/>
+                        <a:t>adam </a:t>
+                      </a:r>
+                      <a:endParaRPr lang="en-US" altLang="en-US"/>
+                    </a:p>
+                  </a:txBody>
+                  <a:tcPr/>
+                </a:tc>
+                <a:tc>
+                  <a:txBody>
+                    <a:bodyPr/>
+                    <a:p>
+                      <a:pPr>
+                        <a:buNone/>
+                      </a:pPr>
+                      <a:r>
+                        <a:rPr lang="en-US" altLang="en-US"/>
+                        <a:t>adam</a:t>
+                      </a:r>
+                      <a:endParaRPr lang="en-US" altLang="en-US"/>
+                    </a:p>
+                  </a:txBody>
+                  <a:tcPr/>
+                </a:tc>
+              </a:tr>
+              <a:tr h="381000">
+                <a:tc>
+                  <a:txBody>
+                    <a:bodyPr/>
+                    <a:p>
+                      <a:pPr>
+                        <a:buNone/>
+                      </a:pPr>
+                      <a:r>
+                        <a:rPr lang="en-US" altLang="en-US"/>
+                        <a:t>em.dimension </a:t>
+                      </a:r>
+                      <a:endParaRPr lang="en-US" altLang="en-US"/>
+                    </a:p>
+                  </a:txBody>
+                  <a:tcPr/>
+                </a:tc>
+                <a:tc>
+                  <a:txBody>
+                    <a:bodyPr/>
+                    <a:p>
+                      <a:pPr>
+                        <a:buNone/>
+                      </a:pPr>
+                      <a:r>
+                        <a:rPr lang="en-US" altLang="en-US"/>
+                        <a:t>100</a:t>
+                      </a:r>
+                      <a:endParaRPr lang="en-US" altLang="en-US"/>
+                    </a:p>
+                  </a:txBody>
+                  <a:tcPr/>
+                </a:tc>
+                <a:tc>
+                  <a:txBody>
+                    <a:bodyPr/>
+                    <a:p>
+                      <a:pPr>
+                        <a:buNone/>
+                      </a:pPr>
+                      <a:r>
+                        <a:rPr lang="en-US" altLang="en-US"/>
+                        <a:t>256</a:t>
+                      </a:r>
+                      <a:endParaRPr lang="en-US" altLang="en-US"/>
+                    </a:p>
+                  </a:txBody>
+                  <a:tcPr/>
+                </a:tc>
+              </a:tr>
+              <a:tr h="381000">
+                <a:tc>
+                  <a:txBody>
+                    <a:bodyPr/>
+                    <a:p>
+                      <a:pPr>
+                        <a:buNone/>
+                      </a:pPr>
+                      <a:r>
+                        <a:rPr lang="en-US" altLang="en-US"/>
+                        <a:t>euron_layern</a:t>
+                      </a:r>
+                      <a:endParaRPr lang="en-US" altLang="en-US"/>
+                    </a:p>
+                  </a:txBody>
+                  <a:tcPr/>
+                </a:tc>
+                <a:tc>
+                  <a:txBody>
+                    <a:bodyPr/>
+                    <a:p>
+                      <a:pPr>
+                        <a:buNone/>
+                      </a:pPr>
+                      <a:r>
+                        <a:rPr lang="en-US" altLang="en-US"/>
+                        <a:t>200</a:t>
+                      </a:r>
+                      <a:endParaRPr lang="en-US" altLang="en-US"/>
+                    </a:p>
+                  </a:txBody>
+                  <a:tcPr/>
+                </a:tc>
+                <a:tc>
+                  <a:txBody>
+                    <a:bodyPr/>
+                    <a:p>
+                      <a:pPr>
+                        <a:buNone/>
+                      </a:pPr>
+                      <a:r>
+                        <a:rPr lang="en-US" altLang="en-US"/>
+                        <a:t>500</a:t>
+                      </a:r>
+                      <a:endParaRPr lang="en-US" altLang="en-US"/>
+                    </a:p>
+                  </a:txBody>
+                  <a:tcPr/>
+                </a:tc>
+              </a:tr>
+              <a:tr h="381000">
+                <a:tc>
+                  <a:txBody>
+                    <a:bodyPr/>
+                    <a:p>
+                      <a:pPr>
+                        <a:buNone/>
+                      </a:pPr>
+                      <a:r>
+                        <a:rPr lang="en-US" altLang="en-US"/>
+                        <a:t>drop_out </a:t>
+                      </a:r>
+                      <a:endParaRPr lang="en-US" altLang="en-US"/>
+                    </a:p>
+                  </a:txBody>
+                  <a:tcPr/>
+                </a:tc>
+                <a:tc>
+                  <a:txBody>
+                    <a:bodyPr/>
+                    <a:p>
+                      <a:pPr>
+                        <a:buNone/>
+                      </a:pPr>
+                      <a:r>
+                        <a:rPr lang="en-US" altLang="en-US"/>
+                        <a:t>0.5</a:t>
+                      </a:r>
+                      <a:endParaRPr lang="en-US" altLang="en-US"/>
+                    </a:p>
+                  </a:txBody>
+                  <a:tcPr/>
+                </a:tc>
+                <a:tc>
+                  <a:txBody>
+                    <a:bodyPr/>
+                    <a:p>
+                      <a:pPr>
+                        <a:buNone/>
+                      </a:pPr>
+                      <a:r>
+                        <a:rPr lang="en-US" altLang="en-US"/>
+                        <a:t>0.5</a:t>
+                      </a:r>
+                      <a:endParaRPr lang="en-US" altLang="en-US"/>
+                    </a:p>
+                  </a:txBody>
+                  <a:tcPr/>
+                </a:tc>
+              </a:tr>
+              <a:tr h="381000">
+                <a:tc>
+                  <a:txBody>
+                    <a:bodyPr/>
+                    <a:p>
+                      <a:pPr>
+                        <a:buNone/>
+                      </a:pPr>
+                      <a:r>
+                        <a:rPr lang="en-US" altLang="en-US"/>
+                        <a:t>learning rate </a:t>
+                      </a:r>
+                      <a:endParaRPr lang="en-US" altLang="en-US"/>
+                    </a:p>
+                  </a:txBody>
+                  <a:tcPr/>
+                </a:tc>
+                <a:tc>
+                  <a:txBody>
+                    <a:bodyPr/>
+                    <a:p>
+                      <a:pPr>
+                        <a:buNone/>
+                      </a:pPr>
+                      <a:r>
+                        <a:rPr lang="en-US" altLang="en-US"/>
+                        <a:t>0.01</a:t>
+                      </a:r>
+                      <a:endParaRPr lang="en-US" altLang="en-US"/>
+                    </a:p>
+                  </a:txBody>
+                  <a:tcPr/>
+                </a:tc>
+                <a:tc>
+                  <a:txBody>
+                    <a:bodyPr/>
+                    <a:p>
+                      <a:pPr>
+                        <a:buNone/>
+                      </a:pPr>
+                      <a:endParaRPr lang="en-US"/>
+                    </a:p>
+                  </a:txBody>
+                  <a:tcPr/>
+                </a:tc>
+              </a:tr>
+            </a:tbl>
+          </a:graphicData>
+        </a:graphic>
+      </p:graphicFrame>
+      <p:sp>
+        <p:nvSpPr>
+          <p:cNvPr id="5" name="Text Box 4"/>
+          <p:cNvSpPr txBox="1"/>
+          <p:nvPr/>
+        </p:nvSpPr>
+        <p:spPr>
+          <a:xfrm>
+            <a:off x="838200" y="4695825"/>
+            <a:ext cx="10591800" cy="368300"/>
+          </a:xfrm>
+          <a:prstGeom prst="rect">
+            <a:avLst/>
+          </a:prstGeom>
+          <a:noFill/>
+        </p:spPr>
+        <p:txBody>
+          <a:bodyPr wrap="square" rtlCol="0">
+            <a:spAutoFit/>
+          </a:bodyPr>
+          <a:p>
+            <a:r>
+              <a:rPr lang="en-US" altLang="en-US"/>
+              <a:t>10% training data để tuning hyper-parameter </a:t>
+            </a:r>
+            <a:endParaRPr lang="en-US" altLang="en-US"/>
+          </a:p>
+        </p:txBody>
+      </p:sp>
+    </p:spTree>
+  </p:cSld>
+  <p:clrMapOvr>
+    <a:masterClrMapping/>
+  </p:clrMapOvr>
+</p:sld>
+</file>
+
+<file path=ppt/slides/slide16.xml><?xml version="1.0" encoding="utf-8"?>
+<p:sld xmlns:a="http://schemas.openxmlformats.org/drawingml/2006/main" xmlns:r="http://schemas.openxmlformats.org/officeDocument/2006/relationships" xmlns:p="http://schemas.openxmlformats.org/presentationml/2006/main">
+  <p:cSld>
+    <p:spTree>
+      <p:nvGrpSpPr>
+        <p:cNvPr id="1" name=""/>
+        <p:cNvGrpSpPr/>
+        <p:nvPr/>
+      </p:nvGrpSpPr>
+      <p:grpSpPr/>
+      <p:sp>
+        <p:nvSpPr>
+          <p:cNvPr id="2" name="Title 1"/>
+          <p:cNvSpPr>
+            <a:spLocks noGrp="1"/>
+          </p:cNvSpPr>
+          <p:nvPr>
+            <p:ph type="title"/>
+          </p:nvPr>
+        </p:nvSpPr>
+        <p:spPr/>
+        <p:txBody>
+          <a:bodyPr/>
+          <a:p>
+            <a:r>
+              <a:rPr lang="en-US" altLang="en-US"/>
+              <a:t>4 Thực nghiệm </a:t>
+            </a:r>
+            <a:endParaRPr lang="en-US" altLang="en-US"/>
+          </a:p>
+        </p:txBody>
+      </p:sp>
+      <p:pic>
+        <p:nvPicPr>
+          <p:cNvPr id="4" name="Content Placeholder 3" descr="Screenshot from 2019-11-27 06-23-39"/>
+          <p:cNvPicPr>
+            <a:picLocks noChangeAspect="1"/>
+          </p:cNvPicPr>
+          <p:nvPr>
+            <p:ph idx="1"/>
+          </p:nvPr>
+        </p:nvPicPr>
+        <p:blipFill>
+          <a:blip r:embed="rId1"/>
+          <a:stretch>
+            <a:fillRect/>
+          </a:stretch>
+        </p:blipFill>
+        <p:spPr>
+          <a:xfrm>
+            <a:off x="838200" y="1506220"/>
+            <a:ext cx="9961245" cy="2806065"/>
+          </a:xfrm>
+          <a:prstGeom prst="rect">
+            <a:avLst/>
+          </a:prstGeom>
+        </p:spPr>
+      </p:pic>
+      <p:pic>
+        <p:nvPicPr>
+          <p:cNvPr id="5" name="Picture 4" descr="Screenshot from 2019-11-27 06-24-05"/>
+          <p:cNvPicPr>
+            <a:picLocks noChangeAspect="1"/>
+          </p:cNvPicPr>
+          <p:nvPr/>
+        </p:nvPicPr>
+        <p:blipFill>
+          <a:blip r:embed="rId2"/>
+          <a:stretch>
+            <a:fillRect/>
+          </a:stretch>
+        </p:blipFill>
+        <p:spPr>
+          <a:xfrm>
+            <a:off x="838200" y="4312285"/>
+            <a:ext cx="9888220" cy="821055"/>
+          </a:xfrm>
+          <a:prstGeom prst="rect">
+            <a:avLst/>
+          </a:prstGeom>
+        </p:spPr>
+      </p:pic>
+    </p:spTree>
+  </p:cSld>
+  <p:clrMapOvr>
+    <a:masterClrMapping/>
+  </p:clrMapOvr>
+</p:sld>
+</file>
+
+<file path=ppt/slides/slide17.xml><?xml version="1.0" encoding="utf-8"?>
+<p:sld xmlns:a="http://schemas.openxmlformats.org/drawingml/2006/main" xmlns:r="http://schemas.openxmlformats.org/officeDocument/2006/relationships" xmlns:p="http://schemas.openxmlformats.org/presentationml/2006/main">
+  <p:cSld>
+    <p:spTree>
+      <p:nvGrpSpPr>
+        <p:cNvPr id="1" name=""/>
+        <p:cNvGrpSpPr/>
+        <p:nvPr/>
+      </p:nvGrpSpPr>
+      <p:grpSpPr/>
+      <p:sp>
+        <p:nvSpPr>
+          <p:cNvPr id="2" name="Title 1"/>
+          <p:cNvSpPr>
+            <a:spLocks noGrp="1"/>
+          </p:cNvSpPr>
+          <p:nvPr>
+            <p:ph type="title"/>
+          </p:nvPr>
+        </p:nvSpPr>
+        <p:spPr/>
+        <p:txBody>
+          <a:bodyPr/>
+          <a:p>
+            <a:endParaRPr lang="en-US"/>
+          </a:p>
+        </p:txBody>
+      </p:sp>
+      <p:pic>
+        <p:nvPicPr>
+          <p:cNvPr id="6" name="Content Placeholder 5" descr="Screenshot from 2019-11-27 07-06-03"/>
+          <p:cNvPicPr>
+            <a:picLocks noChangeAspect="1"/>
+          </p:cNvPicPr>
+          <p:nvPr>
+            <p:ph idx="1"/>
+          </p:nvPr>
+        </p:nvPicPr>
+        <p:blipFill>
+          <a:blip r:embed="rId1"/>
+          <a:stretch>
+            <a:fillRect/>
+          </a:stretch>
+        </p:blipFill>
+        <p:spPr>
+          <a:xfrm>
+            <a:off x="300355" y="1972945"/>
+            <a:ext cx="11591290" cy="3561715"/>
+          </a:xfrm>
+          <a:prstGeom prst="rect">
+            <a:avLst/>
+          </a:prstGeom>
+        </p:spPr>
+      </p:pic>
+    </p:spTree>
+  </p:cSld>
+  <p:clrMapOvr>
+    <a:masterClrMapping/>
+  </p:clrMapOvr>
+</p:sld>
+</file>
+
+<file path=ppt/slides/slide18.xml><?xml version="1.0" encoding="utf-8"?>
+<p:sld xmlns:a="http://schemas.openxmlformats.org/drawingml/2006/main" xmlns:r="http://schemas.openxmlformats.org/officeDocument/2006/relationships" xmlns:p="http://schemas.openxmlformats.org/presentationml/2006/main">
+  <p:cSld>
+    <p:spTree>
+      <p:nvGrpSpPr>
+        <p:cNvPr id="1" name=""/>
+        <p:cNvGrpSpPr/>
+        <p:nvPr/>
+      </p:nvGrpSpPr>
+      <p:grpSpPr/>
+      <p:sp>
+        <p:nvSpPr>
+          <p:cNvPr id="2" name="Title 1"/>
+          <p:cNvSpPr>
+            <a:spLocks noGrp="1"/>
+          </p:cNvSpPr>
+          <p:nvPr>
+            <p:ph type="title"/>
+          </p:nvPr>
+        </p:nvSpPr>
+        <p:spPr/>
+        <p:txBody>
+          <a:bodyPr/>
+          <a:p>
+            <a:endParaRPr lang="en-US"/>
+          </a:p>
+        </p:txBody>
+      </p:sp>
+      <p:pic>
+        <p:nvPicPr>
+          <p:cNvPr id="4" name="Content Placeholder 3" descr="Screenshot from 2019-11-27 07-07-17"/>
+          <p:cNvPicPr>
+            <a:picLocks noChangeAspect="1"/>
+          </p:cNvPicPr>
+          <p:nvPr>
+            <p:ph idx="1"/>
+          </p:nvPr>
+        </p:nvPicPr>
+        <p:blipFill>
+          <a:blip r:embed="rId1"/>
+          <a:stretch>
+            <a:fillRect/>
+          </a:stretch>
+        </p:blipFill>
+        <p:spPr>
+          <a:xfrm>
+            <a:off x="1875790" y="1644015"/>
+            <a:ext cx="8552815" cy="4777105"/>
+          </a:xfrm>
+          <a:prstGeom prst="rect">
+            <a:avLst/>
+          </a:prstGeom>
+        </p:spPr>
+      </p:pic>
+    </p:spTree>
+  </p:cSld>
+  <p:clrMapOvr>
+    <a:masterClrMapping/>
+  </p:clrMapOvr>
+</p:sld>
+</file>
+
+<file path=ppt/slides/slide19.xml><?xml version="1.0" encoding="utf-8"?>
+<p:sld xmlns:a="http://schemas.openxmlformats.org/drawingml/2006/main" xmlns:r="http://schemas.openxmlformats.org/officeDocument/2006/relationships" xmlns:p="http://schemas.openxmlformats.org/presentationml/2006/main">
+  <p:cSld>
+    <p:spTree>
+      <p:nvGrpSpPr>
+        <p:cNvPr id="1" name=""/>
+        <p:cNvGrpSpPr/>
+        <p:nvPr/>
+      </p:nvGrpSpPr>
+      <p:grpSpPr/>
+      <p:sp>
+        <p:nvSpPr>
+          <p:cNvPr id="2" name="Title 1"/>
+          <p:cNvSpPr>
+            <a:spLocks noGrp="1"/>
+          </p:cNvSpPr>
+          <p:nvPr>
+            <p:ph type="title"/>
+          </p:nvPr>
+        </p:nvSpPr>
+        <p:spPr/>
+        <p:txBody>
+          <a:bodyPr>
+            <a:normAutofit fontScale="90000"/>
+          </a:bodyPr>
+          <a:p>
+            <a:r>
+              <a:rPr lang="" altLang="en-US"/>
+              <a:t>Cách tạo vocabulary khi train vs words </a:t>
+            </a:r>
+            <a:endParaRPr lang="" altLang="en-US"/>
+          </a:p>
+        </p:txBody>
+      </p:sp>
+      <p:sp>
+        <p:nvSpPr>
+          <p:cNvPr id="3" name="Content Placeholder 2"/>
+          <p:cNvSpPr>
+            <a:spLocks noGrp="1"/>
+          </p:cNvSpPr>
+          <p:nvPr>
+            <p:ph idx="1"/>
+          </p:nvPr>
+        </p:nvSpPr>
+        <p:spPr/>
+        <p:txBody>
+          <a:bodyPr/>
+          <a:p>
+            <a:r>
+              <a:rPr lang="" altLang="en-US"/>
+              <a:t>vocab_source</a:t>
+            </a:r>
+            <a:endParaRPr lang="" altLang="en-US"/>
+          </a:p>
+          <a:p>
+            <a:r>
+              <a:rPr lang="" altLang="en-US"/>
+              <a:t>vocab_target </a:t>
+            </a:r>
+            <a:endParaRPr lang="" altLang="en-US"/>
+          </a:p>
+          <a:p>
+            <a:endParaRPr lang="" altLang="en-US"/>
+          </a:p>
+          <a:p>
+            <a:endParaRPr lang="" altLang="en-US"/>
           </a:p>
         </p:txBody>
       </p:sp>
@@ -2698,13 +4385,103 @@
         </p:nvSpPr>
         <p:spPr/>
         <p:txBody>
+          <a:bodyPr/>
+          <a:p>
+            <a:r>
+              <a:rPr lang="en-US" altLang="en-US"/>
+              <a:t>Các mục trình bày</a:t>
+            </a:r>
+            <a:endParaRPr lang="en-US" altLang="en-US"/>
+          </a:p>
+        </p:txBody>
+      </p:sp>
+      <p:sp>
+        <p:nvSpPr>
+          <p:cNvPr id="3" name="Content Placeholder 2"/>
+          <p:cNvSpPr>
+            <a:spLocks noGrp="1"/>
+          </p:cNvSpPr>
+          <p:nvPr>
+            <p:ph idx="1"/>
+          </p:nvPr>
+        </p:nvSpPr>
+        <p:spPr/>
+        <p:txBody>
+          <a:bodyPr/>
+          <a:p>
+            <a:r>
+              <a:rPr lang="en-US" altLang="en-US"/>
+              <a:t>Bài toán</a:t>
+            </a:r>
+            <a:endParaRPr lang="en-US" altLang="en-US"/>
+          </a:p>
+          <a:p>
+            <a:r>
+              <a:rPr lang="en-US" altLang="en-US"/>
+              <a:t>Mô hình</a:t>
+            </a:r>
+            <a:endParaRPr lang="en-US" altLang="en-US"/>
+          </a:p>
+          <a:p>
+            <a:r>
+              <a:rPr lang="en-US" altLang="en-US"/>
+              <a:t>Dữ liệu </a:t>
+            </a:r>
+            <a:endParaRPr lang="en-US" altLang="en-US"/>
+          </a:p>
+          <a:p>
+            <a:r>
+              <a:rPr lang="en-US" altLang="en-US"/>
+              <a:t>Thực nghiệm </a:t>
+            </a:r>
+            <a:endParaRPr lang="en-US" altLang="en-US"/>
+          </a:p>
+          <a:p>
+            <a:r>
+              <a:rPr lang="en-US" altLang="en-US"/>
+              <a:t>#Đề xuất cho tiếng việt </a:t>
+            </a:r>
+            <a:endParaRPr lang="en-US" altLang="en-US"/>
+          </a:p>
+        </p:txBody>
+      </p:sp>
+    </p:spTree>
+  </p:cSld>
+  <p:clrMapOvr>
+    <a:masterClrMapping/>
+  </p:clrMapOvr>
+</p:sld>
+</file>
+
+<file path=ppt/slides/slide20.xml><?xml version="1.0" encoding="utf-8"?>
+<p:sld xmlns:a="http://schemas.openxmlformats.org/drawingml/2006/main" xmlns:r="http://schemas.openxmlformats.org/officeDocument/2006/relationships" xmlns:p="http://schemas.openxmlformats.org/presentationml/2006/main">
+  <p:cSld>
+    <p:spTree>
+      <p:nvGrpSpPr>
+        <p:cNvPr id="1" name=""/>
+        <p:cNvGrpSpPr/>
+        <p:nvPr/>
+      </p:nvGrpSpPr>
+      <p:grpSpPr/>
+      <p:sp>
+        <p:nvSpPr>
+          <p:cNvPr id="2" name="Title 1"/>
+          <p:cNvSpPr>
+            <a:spLocks noGrp="1"/>
+          </p:cNvSpPr>
+          <p:nvPr>
+            <p:ph type="title"/>
+          </p:nvPr>
+        </p:nvSpPr>
+        <p:spPr/>
+        <p:txBody>
           <a:bodyPr>
             <a:normAutofit fontScale="90000"/>
           </a:bodyPr>
           <a:p>
             <a:r>
               <a:rPr lang="en-US" altLang="en-US"/>
-              <a:t>1 Word-level sequence-to-sequence model</a:t>
+              <a:t>Cách tạo vocabulary khi train vs words </a:t>
             </a:r>
             <a:endParaRPr lang="en-US" altLang="en-US"/>
           </a:p>
@@ -2725,33 +4502,2463 @@
           <a:bodyPr/>
           <a:p>
             <a:r>
+              <a:rPr lang="" altLang="en-US"/>
+              <a:t>thêm 2 kí từ UNK_WORD: &lt;unk &gt;, PAD_WORD: '' vào voca</a:t>
+            </a:r>
+            <a:endParaRPr lang="" altLang="en-US"/>
+          </a:p>
+          <a:p>
+            <a:r>
+              <a:rPr lang="" altLang="en-US"/>
+              <a:t>trường hợp source_voca, target_voca tương tự, nếu shared voca thì source = target.</a:t>
+            </a:r>
+            <a:endParaRPr lang="" altLang="en-US"/>
+          </a:p>
+          <a:p>
+            <a:endParaRPr lang="" altLang="en-US"/>
+          </a:p>
+          <a:p>
+            <a:endParaRPr lang="en-US" altLang="en-US"/>
+          </a:p>
+          <a:p>
+            <a:endParaRPr lang="en-US" altLang="en-US"/>
+          </a:p>
+          <a:p>
+            <a:endParaRPr lang="en-US" altLang="en-US"/>
+          </a:p>
+        </p:txBody>
+      </p:sp>
+      <p:graphicFrame>
+        <p:nvGraphicFramePr>
+          <p:cNvPr id="4" name="Table 3"/>
+          <p:cNvGraphicFramePr/>
+          <p:nvPr/>
+        </p:nvGraphicFramePr>
+        <p:xfrm>
+          <a:off x="218440" y="3837940"/>
+          <a:ext cx="11755120" cy="2882265"/>
+        </p:xfrm>
+        <a:graphic>
+          <a:graphicData uri="http://schemas.openxmlformats.org/drawingml/2006/table">
+            <a:tbl>
+              <a:tblPr bandRow="1">
+                <a:tableStyleId>{B301B821-A1FF-4177-AEE7-76D212191A09}</a:tableStyleId>
+              </a:tblPr>
+              <a:tblGrid>
+                <a:gridCol w="1469390"/>
+                <a:gridCol w="1469390"/>
+                <a:gridCol w="1469390"/>
+                <a:gridCol w="1469390"/>
+                <a:gridCol w="1469390"/>
+                <a:gridCol w="1469390"/>
+                <a:gridCol w="1469390"/>
+                <a:gridCol w="1469390"/>
+              </a:tblGrid>
+              <a:tr h="534035">
+                <a:tc>
+                  <a:txBody>
+                    <a:bodyPr/>
+                    <a:p>
+                      <a:pPr algn="ctr">
+                        <a:buNone/>
+                      </a:pPr>
+                      <a:r>
+                        <a:rPr lang="" altLang="en-US" b="1">
+                          <a:ln/>
+                          <a:solidFill>
+                            <a:srgbClr val="FF0000"/>
+                          </a:solidFill>
+                          <a:effectLst>
+                            <a:outerShdw blurRad="38100" dist="19050" dir="2700000" algn="tl" rotWithShape="0">
+                              <a:schemeClr val="dk1">
+                                <a:alpha val="40000"/>
+                              </a:schemeClr>
+                            </a:outerShdw>
+                          </a:effectLst>
+                        </a:rPr>
+                        <a:t>RT</a:t>
+                      </a:r>
+                      <a:endParaRPr lang="" altLang="en-US" b="1">
+                        <a:ln/>
+                        <a:solidFill>
+                          <a:srgbClr val="FF0000"/>
+                        </a:solidFill>
+                        <a:effectLst>
+                          <a:outerShdw blurRad="38100" dist="19050" dir="2700000" algn="tl" rotWithShape="0">
+                            <a:schemeClr val="dk1">
+                              <a:alpha val="40000"/>
+                            </a:schemeClr>
+                          </a:outerShdw>
+                        </a:effectLst>
+                      </a:endParaRPr>
+                    </a:p>
+                  </a:txBody>
+                  <a:tcPr/>
+                </a:tc>
+                <a:tc>
+                  <a:txBody>
+                    <a:bodyPr/>
+                    <a:p>
+                      <a:pPr algn="ctr">
+                        <a:buNone/>
+                      </a:pPr>
+                      <a:r>
+                        <a:rPr lang="en-US" b="1">
+                          <a:ln/>
+                          <a:solidFill>
+                            <a:srgbClr val="FF0000"/>
+                          </a:solidFill>
+                          <a:effectLst>
+                            <a:outerShdw blurRad="38100" dist="19050" dir="2700000" algn="tl" rotWithShape="0">
+                              <a:schemeClr val="dk1">
+                                <a:alpha val="40000"/>
+                              </a:schemeClr>
+                            </a:outerShdw>
+                          </a:effectLst>
+                        </a:rPr>
+                        <a:t>@FVCKxHEMMINGS</a:t>
+                      </a:r>
+                      <a:endParaRPr lang="en-US" b="1">
+                        <a:ln/>
+                        <a:solidFill>
+                          <a:srgbClr val="FF0000"/>
+                        </a:solidFill>
+                        <a:effectLst>
+                          <a:outerShdw blurRad="38100" dist="19050" dir="2700000" algn="tl" rotWithShape="0">
+                            <a:schemeClr val="dk1">
+                              <a:alpha val="40000"/>
+                            </a:schemeClr>
+                          </a:outerShdw>
+                        </a:effectLst>
+                      </a:endParaRPr>
+                    </a:p>
+                  </a:txBody>
+                  <a:tcPr/>
+                </a:tc>
+                <a:tc>
+                  <a:txBody>
+                    <a:bodyPr/>
+                    <a:p>
+                      <a:pPr algn="ctr">
+                        <a:buNone/>
+                      </a:pPr>
+                      <a:r>
+                        <a:rPr lang="" altLang="en-US" b="1">
+                          <a:ln/>
+                          <a:solidFill>
+                            <a:srgbClr val="FF0000"/>
+                          </a:solidFill>
+                          <a:effectLst>
+                            <a:outerShdw blurRad="38100" dist="19050" dir="2700000" algn="tl" rotWithShape="0">
+                              <a:schemeClr val="dk1">
+                                <a:alpha val="40000"/>
+                              </a:schemeClr>
+                            </a:outerShdw>
+                          </a:effectLst>
+                        </a:rPr>
+                        <a:t>:</a:t>
+                      </a:r>
+                      <a:endParaRPr lang="" altLang="en-US" b="1">
+                        <a:ln/>
+                        <a:solidFill>
+                          <a:srgbClr val="FF0000"/>
+                        </a:solidFill>
+                        <a:effectLst>
+                          <a:outerShdw blurRad="38100" dist="19050" dir="2700000" algn="tl" rotWithShape="0">
+                            <a:schemeClr val="dk1">
+                              <a:alpha val="40000"/>
+                            </a:schemeClr>
+                          </a:outerShdw>
+                        </a:effectLst>
+                      </a:endParaRPr>
+                    </a:p>
+                  </a:txBody>
+                  <a:tcPr/>
+                </a:tc>
+                <a:tc>
+                  <a:txBody>
+                    <a:bodyPr/>
+                    <a:p>
+                      <a:pPr algn="ctr">
+                        <a:buNone/>
+                      </a:pPr>
+                      <a:r>
+                        <a:rPr lang="" altLang="en-US" b="1">
+                          <a:ln/>
+                          <a:solidFill>
+                            <a:srgbClr val="FF0000"/>
+                          </a:solidFill>
+                          <a:effectLst>
+                            <a:outerShdw blurRad="38100" dist="19050" dir="2700000" algn="tl" rotWithShape="0">
+                              <a:schemeClr val="dk1">
+                                <a:alpha val="40000"/>
+                              </a:schemeClr>
+                            </a:outerShdw>
+                          </a:effectLst>
+                        </a:rPr>
+                        <a:t>DID</a:t>
+                      </a:r>
+                      <a:endParaRPr lang="" altLang="en-US" b="1">
+                        <a:ln/>
+                        <a:solidFill>
+                          <a:srgbClr val="FF0000"/>
+                        </a:solidFill>
+                        <a:effectLst>
+                          <a:outerShdw blurRad="38100" dist="19050" dir="2700000" algn="tl" rotWithShape="0">
+                            <a:schemeClr val="dk1">
+                              <a:alpha val="40000"/>
+                            </a:schemeClr>
+                          </a:outerShdw>
+                        </a:effectLst>
+                      </a:endParaRPr>
+                    </a:p>
+                  </a:txBody>
+                  <a:tcPr/>
+                </a:tc>
+                <a:tc>
+                  <a:txBody>
+                    <a:bodyPr/>
+                    <a:p>
+                      <a:pPr algn="ctr">
+                        <a:buNone/>
+                      </a:pPr>
+                      <a:r>
+                        <a:rPr lang="" altLang="en-US" b="1">
+                          <a:ln/>
+                          <a:solidFill>
+                            <a:srgbClr val="FF0000"/>
+                          </a:solidFill>
+                          <a:effectLst>
+                            <a:outerShdw blurRad="38100" dist="19050" dir="2700000" algn="tl" rotWithShape="0">
+                              <a:schemeClr val="dk1">
+                                <a:alpha val="40000"/>
+                              </a:schemeClr>
+                            </a:outerShdw>
+                          </a:effectLst>
+                        </a:rPr>
+                        <a:t>CALUM</a:t>
+                      </a:r>
+                      <a:endParaRPr lang="" altLang="en-US" b="1">
+                        <a:ln/>
+                        <a:solidFill>
+                          <a:srgbClr val="FF0000"/>
+                        </a:solidFill>
+                        <a:effectLst>
+                          <a:outerShdw blurRad="38100" dist="19050" dir="2700000" algn="tl" rotWithShape="0">
+                            <a:schemeClr val="dk1">
+                              <a:alpha val="40000"/>
+                            </a:schemeClr>
+                          </a:outerShdw>
+                        </a:effectLst>
+                      </a:endParaRPr>
+                    </a:p>
+                  </a:txBody>
+                  <a:tcPr/>
+                </a:tc>
+                <a:tc>
+                  <a:txBody>
+                    <a:bodyPr/>
+                    <a:p>
+                      <a:pPr algn="ctr">
+                        <a:buNone/>
+                      </a:pPr>
+                      <a:r>
+                        <a:rPr lang="" altLang="en-US" b="1">
+                          <a:ln/>
+                          <a:solidFill>
+                            <a:srgbClr val="FF0000"/>
+                          </a:solidFill>
+                          <a:effectLst>
+                            <a:outerShdw blurRad="38100" dist="19050" dir="2700000" algn="tl" rotWithShape="0">
+                              <a:schemeClr val="dk1">
+                                <a:alpha val="40000"/>
+                              </a:schemeClr>
+                            </a:outerShdw>
+                          </a:effectLst>
+                        </a:rPr>
+                        <a:t>SLIP</a:t>
+                      </a:r>
+                      <a:endParaRPr lang="" altLang="en-US" b="1">
+                        <a:ln/>
+                        <a:solidFill>
+                          <a:srgbClr val="FF0000"/>
+                        </a:solidFill>
+                        <a:effectLst>
+                          <a:outerShdw blurRad="38100" dist="19050" dir="2700000" algn="tl" rotWithShape="0">
+                            <a:schemeClr val="dk1">
+                              <a:alpha val="40000"/>
+                            </a:schemeClr>
+                          </a:outerShdw>
+                        </a:effectLst>
+                      </a:endParaRPr>
+                    </a:p>
+                  </a:txBody>
+                  <a:tcPr/>
+                </a:tc>
+                <a:tc>
+                  <a:txBody>
+                    <a:bodyPr/>
+                    <a:p>
+                      <a:pPr algn="ctr">
+                        <a:buNone/>
+                      </a:pPr>
+                      <a:r>
+                        <a:rPr lang="" altLang="en-US" b="1">
+                          <a:ln/>
+                          <a:solidFill>
+                            <a:srgbClr val="FF0000"/>
+                          </a:solidFill>
+                          <a:effectLst>
+                            <a:outerShdw blurRad="38100" dist="19050" dir="2700000" algn="tl" rotWithShape="0">
+                              <a:schemeClr val="dk1">
+                                <a:alpha val="40000"/>
+                              </a:schemeClr>
+                            </a:outerShdw>
+                          </a:effectLst>
+                        </a:rPr>
+                        <a:t>?!!</a:t>
+                      </a:r>
+                      <a:endParaRPr lang="" altLang="en-US" b="1">
+                        <a:ln/>
+                        <a:solidFill>
+                          <a:srgbClr val="FF0000"/>
+                        </a:solidFill>
+                        <a:effectLst>
+                          <a:outerShdw blurRad="38100" dist="19050" dir="2700000" algn="tl" rotWithShape="0">
+                            <a:schemeClr val="dk1">
+                              <a:alpha val="40000"/>
+                            </a:schemeClr>
+                          </a:outerShdw>
+                        </a:effectLst>
+                      </a:endParaRPr>
+                    </a:p>
+                  </a:txBody>
+                  <a:tcPr/>
+                </a:tc>
+                <a:tc>
+                  <a:txBody>
+                    <a:bodyPr/>
+                    <a:p>
+                      <a:pPr algn="ctr">
+                        <a:buNone/>
+                      </a:pPr>
+                      <a:r>
+                        <a:rPr lang="" altLang="en-US" b="1">
+                          <a:ln/>
+                          <a:solidFill>
+                            <a:srgbClr val="FF0000"/>
+                          </a:solidFill>
+                          <a:effectLst>
+                            <a:outerShdw blurRad="38100" dist="19050" dir="2700000" algn="tl" rotWithShape="0">
+                              <a:schemeClr val="dk1">
+                                <a:alpha val="40000"/>
+                              </a:schemeClr>
+                            </a:outerShdw>
+                          </a:effectLst>
+                        </a:rPr>
+                        <a:t>OMFG</a:t>
+                      </a:r>
+                      <a:endParaRPr lang="" altLang="en-US" b="1">
+                        <a:ln/>
+                        <a:solidFill>
+                          <a:srgbClr val="FF0000"/>
+                        </a:solidFill>
+                        <a:effectLst>
+                          <a:outerShdw blurRad="38100" dist="19050" dir="2700000" algn="tl" rotWithShape="0">
+                            <a:schemeClr val="dk1">
+                              <a:alpha val="40000"/>
+                            </a:schemeClr>
+                          </a:outerShdw>
+                        </a:effectLst>
+                      </a:endParaRPr>
+                    </a:p>
+                  </a:txBody>
+                  <a:tcPr/>
+                </a:tc>
+              </a:tr>
+              <a:tr h="534035">
+                <a:tc>
+                  <a:txBody>
+                    <a:bodyPr/>
+                    <a:p>
+                      <a:pPr algn="ctr">
+                        <a:buNone/>
+                      </a:pPr>
+                      <a:r>
+                        <a:rPr lang="en-US" altLang="en-US" b="1">
+                          <a:ln/>
+                          <a:solidFill>
+                            <a:srgbClr val="FF0000"/>
+                          </a:solidFill>
+                          <a:effectLst>
+                            <a:outerShdw blurRad="38100" dist="19050" dir="2700000" algn="tl" rotWithShape="0">
+                              <a:schemeClr val="dk1">
+                                <a:alpha val="40000"/>
+                              </a:schemeClr>
+                            </a:outerShdw>
+                          </a:effectLst>
+                        </a:rPr>
+                        <a:t>RT</a:t>
+                      </a:r>
+                      <a:endParaRPr lang="en-US" altLang="en-US" b="1">
+                        <a:ln/>
+                        <a:solidFill>
+                          <a:srgbClr val="FF0000"/>
+                        </a:solidFill>
+                        <a:effectLst>
+                          <a:outerShdw blurRad="38100" dist="19050" dir="2700000" algn="tl" rotWithShape="0">
+                            <a:schemeClr val="dk1">
+                              <a:alpha val="40000"/>
+                            </a:schemeClr>
+                          </a:outerShdw>
+                        </a:effectLst>
+                      </a:endParaRPr>
+                    </a:p>
+                  </a:txBody>
+                  <a:tcPr/>
+                </a:tc>
+                <a:tc>
+                  <a:txBody>
+                    <a:bodyPr/>
+                    <a:p>
+                      <a:pPr algn="ctr">
+                        <a:buNone/>
+                      </a:pPr>
+                      <a:r>
+                        <a:rPr lang="" altLang="en-US" b="1">
+                          <a:ln/>
+                          <a:solidFill>
+                            <a:srgbClr val="FF0000"/>
+                          </a:solidFill>
+                          <a:effectLst>
+                            <a:outerShdw blurRad="38100" dist="19050" dir="2700000" algn="tl" rotWithShape="0">
+                              <a:schemeClr val="dk1">
+                                <a:alpha val="40000"/>
+                              </a:schemeClr>
+                            </a:outerShdw>
+                          </a:effectLst>
+                        </a:rPr>
+                        <a:t>&lt;mention&gt;</a:t>
+                      </a:r>
+                      <a:endParaRPr lang="" altLang="en-US" b="1">
+                        <a:ln/>
+                        <a:solidFill>
+                          <a:srgbClr val="FF0000"/>
+                        </a:solidFill>
+                        <a:effectLst>
+                          <a:outerShdw blurRad="38100" dist="19050" dir="2700000" algn="tl" rotWithShape="0">
+                            <a:schemeClr val="dk1">
+                              <a:alpha val="40000"/>
+                            </a:schemeClr>
+                          </a:outerShdw>
+                        </a:effectLst>
+                      </a:endParaRPr>
+                    </a:p>
+                  </a:txBody>
+                  <a:tcPr/>
+                </a:tc>
+                <a:tc>
+                  <a:txBody>
+                    <a:bodyPr/>
+                    <a:p>
+                      <a:pPr algn="ctr">
+                        <a:buNone/>
+                      </a:pPr>
+                      <a:r>
+                        <a:rPr lang="en-US" altLang="en-US" b="1">
+                          <a:ln/>
+                          <a:solidFill>
+                            <a:srgbClr val="FF0000"/>
+                          </a:solidFill>
+                          <a:effectLst>
+                            <a:outerShdw blurRad="38100" dist="19050" dir="2700000" algn="tl" rotWithShape="0">
+                              <a:schemeClr val="dk1">
+                                <a:alpha val="40000"/>
+                              </a:schemeClr>
+                            </a:outerShdw>
+                          </a:effectLst>
+                        </a:rPr>
+                        <a:t>:</a:t>
+                      </a:r>
+                      <a:endParaRPr lang="en-US" altLang="en-US" b="1">
+                        <a:ln/>
+                        <a:solidFill>
+                          <a:srgbClr val="FF0000"/>
+                        </a:solidFill>
+                        <a:effectLst>
+                          <a:outerShdw blurRad="38100" dist="19050" dir="2700000" algn="tl" rotWithShape="0">
+                            <a:schemeClr val="dk1">
+                              <a:alpha val="40000"/>
+                            </a:schemeClr>
+                          </a:outerShdw>
+                        </a:effectLst>
+                      </a:endParaRPr>
+                    </a:p>
+                  </a:txBody>
+                  <a:tcPr/>
+                </a:tc>
+                <a:tc>
+                  <a:txBody>
+                    <a:bodyPr/>
+                    <a:p>
+                      <a:pPr algn="ctr">
+                        <a:buNone/>
+                      </a:pPr>
+                      <a:r>
+                        <a:rPr lang="en-US" altLang="en-US" b="1">
+                          <a:ln/>
+                          <a:solidFill>
+                            <a:srgbClr val="FF0000"/>
+                          </a:solidFill>
+                          <a:effectLst>
+                            <a:outerShdw blurRad="38100" dist="19050" dir="2700000" algn="tl" rotWithShape="0">
+                              <a:schemeClr val="dk1">
+                                <a:alpha val="40000"/>
+                              </a:schemeClr>
+                            </a:outerShdw>
+                          </a:effectLst>
+                        </a:rPr>
+                        <a:t>DID</a:t>
+                      </a:r>
+                      <a:endParaRPr lang="en-US" altLang="en-US" b="1">
+                        <a:ln/>
+                        <a:solidFill>
+                          <a:srgbClr val="FF0000"/>
+                        </a:solidFill>
+                        <a:effectLst>
+                          <a:outerShdw blurRad="38100" dist="19050" dir="2700000" algn="tl" rotWithShape="0">
+                            <a:schemeClr val="dk1">
+                              <a:alpha val="40000"/>
+                            </a:schemeClr>
+                          </a:outerShdw>
+                        </a:effectLst>
+                      </a:endParaRPr>
+                    </a:p>
+                  </a:txBody>
+                  <a:tcPr/>
+                </a:tc>
+                <a:tc>
+                  <a:txBody>
+                    <a:bodyPr/>
+                    <a:p>
+                      <a:pPr algn="ctr">
+                        <a:buNone/>
+                      </a:pPr>
+                      <a:r>
+                        <a:rPr lang="en-US" altLang="en-US" b="1">
+                          <a:ln/>
+                          <a:solidFill>
+                            <a:srgbClr val="FF0000"/>
+                          </a:solidFill>
+                          <a:effectLst>
+                            <a:outerShdw blurRad="38100" dist="19050" dir="2700000" algn="tl" rotWithShape="0">
+                              <a:schemeClr val="dk1">
+                                <a:alpha val="40000"/>
+                              </a:schemeClr>
+                            </a:outerShdw>
+                          </a:effectLst>
+                        </a:rPr>
+                        <a:t>CALUM</a:t>
+                      </a:r>
+                      <a:endParaRPr lang="en-US" altLang="en-US" b="1">
+                        <a:ln/>
+                        <a:solidFill>
+                          <a:srgbClr val="FF0000"/>
+                        </a:solidFill>
+                        <a:effectLst>
+                          <a:outerShdw blurRad="38100" dist="19050" dir="2700000" algn="tl" rotWithShape="0">
+                            <a:schemeClr val="dk1">
+                              <a:alpha val="40000"/>
+                            </a:schemeClr>
+                          </a:outerShdw>
+                        </a:effectLst>
+                      </a:endParaRPr>
+                    </a:p>
+                  </a:txBody>
+                  <a:tcPr/>
+                </a:tc>
+                <a:tc>
+                  <a:txBody>
+                    <a:bodyPr/>
+                    <a:p>
+                      <a:pPr algn="ctr">
+                        <a:buNone/>
+                      </a:pPr>
+                      <a:r>
+                        <a:rPr lang="en-US" altLang="en-US" b="1">
+                          <a:ln/>
+                          <a:solidFill>
+                            <a:srgbClr val="FF0000"/>
+                          </a:solidFill>
+                          <a:effectLst>
+                            <a:outerShdw blurRad="38100" dist="19050" dir="2700000" algn="tl" rotWithShape="0">
+                              <a:schemeClr val="dk1">
+                                <a:alpha val="40000"/>
+                              </a:schemeClr>
+                            </a:outerShdw>
+                          </a:effectLst>
+                        </a:rPr>
+                        <a:t>SLIP</a:t>
+                      </a:r>
+                      <a:endParaRPr lang="en-US" altLang="en-US" b="1">
+                        <a:ln/>
+                        <a:solidFill>
+                          <a:srgbClr val="FF0000"/>
+                        </a:solidFill>
+                        <a:effectLst>
+                          <a:outerShdw blurRad="38100" dist="19050" dir="2700000" algn="tl" rotWithShape="0">
+                            <a:schemeClr val="dk1">
+                              <a:alpha val="40000"/>
+                            </a:schemeClr>
+                          </a:outerShdw>
+                        </a:effectLst>
+                      </a:endParaRPr>
+                    </a:p>
+                  </a:txBody>
+                  <a:tcPr/>
+                </a:tc>
+                <a:tc>
+                  <a:txBody>
+                    <a:bodyPr/>
+                    <a:p>
+                      <a:pPr algn="ctr">
+                        <a:buNone/>
+                      </a:pPr>
+                      <a:r>
+                        <a:rPr lang="en-US" altLang="en-US" b="1">
+                          <a:ln/>
+                          <a:solidFill>
+                            <a:srgbClr val="FF0000"/>
+                          </a:solidFill>
+                          <a:effectLst>
+                            <a:outerShdw blurRad="38100" dist="19050" dir="2700000" algn="tl" rotWithShape="0">
+                              <a:schemeClr val="dk1">
+                                <a:alpha val="40000"/>
+                              </a:schemeClr>
+                            </a:outerShdw>
+                          </a:effectLst>
+                        </a:rPr>
+                        <a:t>?!!</a:t>
+                      </a:r>
+                      <a:endParaRPr lang="en-US" altLang="en-US" b="1">
+                        <a:ln/>
+                        <a:solidFill>
+                          <a:srgbClr val="FF0000"/>
+                        </a:solidFill>
+                        <a:effectLst>
+                          <a:outerShdw blurRad="38100" dist="19050" dir="2700000" algn="tl" rotWithShape="0">
+                            <a:schemeClr val="dk1">
+                              <a:alpha val="40000"/>
+                            </a:schemeClr>
+                          </a:outerShdw>
+                        </a:effectLst>
+                      </a:endParaRPr>
+                    </a:p>
+                  </a:txBody>
+                  <a:tcPr/>
+                </a:tc>
+                <a:tc>
+                  <a:txBody>
+                    <a:bodyPr/>
+                    <a:p>
+                      <a:pPr algn="ctr">
+                        <a:buNone/>
+                      </a:pPr>
+                      <a:r>
+                        <a:rPr lang="en-US" altLang="en-US" b="1">
+                          <a:ln/>
+                          <a:solidFill>
+                            <a:srgbClr val="FF0000"/>
+                          </a:solidFill>
+                          <a:effectLst>
+                            <a:outerShdw blurRad="38100" dist="19050" dir="2700000" algn="tl" rotWithShape="0">
+                              <a:schemeClr val="dk1">
+                                <a:alpha val="40000"/>
+                              </a:schemeClr>
+                            </a:outerShdw>
+                          </a:effectLst>
+                        </a:rPr>
+                        <a:t>OMFG</a:t>
+                      </a:r>
+                      <a:endParaRPr lang="en-US" altLang="en-US" b="1">
+                        <a:ln/>
+                        <a:solidFill>
+                          <a:srgbClr val="FF0000"/>
+                        </a:solidFill>
+                        <a:effectLst>
+                          <a:outerShdw blurRad="38100" dist="19050" dir="2700000" algn="tl" rotWithShape="0">
+                            <a:schemeClr val="dk1">
+                              <a:alpha val="40000"/>
+                            </a:schemeClr>
+                          </a:outerShdw>
+                        </a:effectLst>
+                      </a:endParaRPr>
+                    </a:p>
+                  </a:txBody>
+                  <a:tcPr/>
+                </a:tc>
+              </a:tr>
+              <a:tr h="534035">
+                <a:tc>
+                  <a:txBody>
+                    <a:bodyPr/>
+                    <a:p>
+                      <a:pPr algn="ctr">
+                        <a:buNone/>
+                      </a:pPr>
+                      <a:r>
+                        <a:rPr lang="" altLang="en-US"/>
+                        <a:t>Từ những</a:t>
+                      </a:r>
+                      <a:endParaRPr lang="" altLang="en-US"/>
+                    </a:p>
+                  </a:txBody>
+                  <a:tcPr/>
+                </a:tc>
+                <a:tc>
+                  <a:txBody>
+                    <a:bodyPr/>
+                    <a:p>
+                      <a:pPr algn="ctr">
+                        <a:buNone/>
+                      </a:pPr>
+                      <a:r>
+                        <a:rPr lang="" altLang="en-US"/>
+                        <a:t>các word </a:t>
+                      </a:r>
+                      <a:endParaRPr lang="" altLang="en-US"/>
+                    </a:p>
+                  </a:txBody>
+                  <a:tcPr/>
+                </a:tc>
+                <a:tc>
+                  <a:txBody>
+                    <a:bodyPr/>
+                    <a:p>
+                      <a:pPr algn="ctr">
+                        <a:buNone/>
+                      </a:pPr>
+                      <a:r>
+                        <a:rPr lang="" altLang="en-US"/>
+                        <a:t>ở trên tạo </a:t>
+                      </a:r>
+                      <a:endParaRPr lang="" altLang="en-US"/>
+                    </a:p>
+                  </a:txBody>
+                  <a:tcPr/>
+                </a:tc>
+                <a:tc>
+                  <a:txBody>
+                    <a:bodyPr/>
+                    <a:p>
+                      <a:pPr algn="ctr">
+                        <a:buNone/>
+                      </a:pPr>
+                      <a:r>
+                        <a:rPr lang="" altLang="en-US"/>
+                        <a:t>ra từ điển </a:t>
+                      </a:r>
+                      <a:endParaRPr lang="" altLang="en-US"/>
+                    </a:p>
+                  </a:txBody>
+                  <a:tcPr/>
+                </a:tc>
+                <a:tc>
+                  <a:txBody>
+                    <a:bodyPr/>
+                    <a:p>
+                      <a:pPr algn="ctr">
+                        <a:buNone/>
+                      </a:pPr>
+                      <a:endParaRPr lang="en-US"/>
+                    </a:p>
+                  </a:txBody>
+                  <a:tcPr/>
+                </a:tc>
+                <a:tc>
+                  <a:txBody>
+                    <a:bodyPr/>
+                    <a:p>
+                      <a:pPr algn="ctr">
+                        <a:buNone/>
+                      </a:pPr>
+                      <a:endParaRPr lang="en-US"/>
+                    </a:p>
+                  </a:txBody>
+                  <a:tcPr/>
+                </a:tc>
+                <a:tc>
+                  <a:txBody>
+                    <a:bodyPr/>
+                    <a:p>
+                      <a:pPr algn="ctr">
+                        <a:buNone/>
+                      </a:pPr>
+                      <a:endParaRPr lang="en-US"/>
+                    </a:p>
+                  </a:txBody>
+                  <a:tcPr/>
+                </a:tc>
+                <a:tc>
+                  <a:txBody>
+                    <a:bodyPr/>
+                    <a:p>
+                      <a:pPr algn="ctr">
+                        <a:buNone/>
+                      </a:pPr>
+                      <a:endParaRPr lang="en-US"/>
+                    </a:p>
+                  </a:txBody>
+                  <a:tcPr/>
+                </a:tc>
+              </a:tr>
+              <a:tr h="534035">
+                <a:tc>
+                  <a:txBody>
+                    <a:bodyPr/>
+                    <a:p>
+                      <a:pPr algn="ctr">
+                        <a:buNone/>
+                      </a:pPr>
+                      <a:r>
+                        <a:rPr lang="" altLang="en-US" b="1">
+                          <a:solidFill>
+                            <a:srgbClr val="FF0000"/>
+                          </a:solidFill>
+                        </a:rPr>
+                        <a:t>6</a:t>
+                      </a:r>
+                      <a:endParaRPr lang="" altLang="en-US" b="1">
+                        <a:solidFill>
+                          <a:srgbClr val="FF0000"/>
+                        </a:solidFill>
+                      </a:endParaRPr>
+                    </a:p>
+                  </a:txBody>
+                  <a:tcPr/>
+                </a:tc>
+                <a:tc>
+                  <a:txBody>
+                    <a:bodyPr/>
+                    <a:p>
+                      <a:pPr algn="ctr">
+                        <a:buNone/>
+                      </a:pPr>
+                      <a:r>
+                        <a:rPr lang="" altLang="en-US" b="1">
+                          <a:solidFill>
+                            <a:srgbClr val="FF0000"/>
+                          </a:solidFill>
+                        </a:rPr>
+                        <a:t>2</a:t>
+                      </a:r>
+                      <a:endParaRPr lang="" altLang="en-US" b="1">
+                        <a:solidFill>
+                          <a:srgbClr val="FF0000"/>
+                        </a:solidFill>
+                      </a:endParaRPr>
+                    </a:p>
+                  </a:txBody>
+                  <a:tcPr/>
+                </a:tc>
+                <a:tc>
+                  <a:txBody>
+                    <a:bodyPr/>
+                    <a:p>
+                      <a:pPr algn="ctr">
+                        <a:buNone/>
+                      </a:pPr>
+                      <a:r>
+                        <a:rPr lang="" altLang="en-US" b="1">
+                          <a:solidFill>
+                            <a:srgbClr val="FF0000"/>
+                          </a:solidFill>
+                        </a:rPr>
+                        <a:t>3</a:t>
+                      </a:r>
+                      <a:endParaRPr lang="" altLang="en-US" b="1">
+                        <a:solidFill>
+                          <a:srgbClr val="FF0000"/>
+                        </a:solidFill>
+                      </a:endParaRPr>
+                    </a:p>
+                  </a:txBody>
+                  <a:tcPr/>
+                </a:tc>
+                <a:tc>
+                  <a:txBody>
+                    <a:bodyPr/>
+                    <a:p>
+                      <a:pPr algn="ctr">
+                        <a:buNone/>
+                      </a:pPr>
+                      <a:r>
+                        <a:rPr lang="" altLang="en-US" b="1">
+                          <a:solidFill>
+                            <a:srgbClr val="FF0000"/>
+                          </a:solidFill>
+                        </a:rPr>
+                        <a:t>1376</a:t>
+                      </a:r>
+                      <a:endParaRPr lang="" altLang="en-US" b="1">
+                        <a:solidFill>
+                          <a:srgbClr val="FF0000"/>
+                        </a:solidFill>
+                      </a:endParaRPr>
+                    </a:p>
+                  </a:txBody>
+                  <a:tcPr/>
+                </a:tc>
+                <a:tc>
+                  <a:txBody>
+                    <a:bodyPr/>
+                    <a:p>
+                      <a:pPr algn="ctr">
+                        <a:buNone/>
+                      </a:pPr>
+                      <a:r>
+                        <a:rPr lang="" altLang="en-US" b="1">
+                          <a:solidFill>
+                            <a:srgbClr val="FF0000"/>
+                          </a:solidFill>
+                        </a:rPr>
+                        <a:t>10704</a:t>
+                      </a:r>
+                      <a:endParaRPr lang="" altLang="en-US" b="1">
+                        <a:solidFill>
+                          <a:srgbClr val="FF0000"/>
+                        </a:solidFill>
+                      </a:endParaRPr>
+                    </a:p>
+                  </a:txBody>
+                  <a:tcPr/>
+                </a:tc>
+                <a:tc>
+                  <a:txBody>
+                    <a:bodyPr/>
+                    <a:p>
+                      <a:pPr algn="ctr">
+                        <a:buNone/>
+                      </a:pPr>
+                      <a:r>
+                        <a:rPr lang="" altLang="en-US" b="1">
+                          <a:solidFill>
+                            <a:srgbClr val="FF0000"/>
+                          </a:solidFill>
+                        </a:rPr>
+                        <a:t>10960</a:t>
+                      </a:r>
+                      <a:endParaRPr lang="" altLang="en-US" b="1">
+                        <a:solidFill>
+                          <a:srgbClr val="FF0000"/>
+                        </a:solidFill>
+                      </a:endParaRPr>
+                    </a:p>
+                  </a:txBody>
+                  <a:tcPr/>
+                </a:tc>
+                <a:tc>
+                  <a:txBody>
+                    <a:bodyPr/>
+                    <a:p>
+                      <a:pPr algn="ctr">
+                        <a:buNone/>
+                      </a:pPr>
+                      <a:r>
+                        <a:rPr lang="" altLang="en-US" b="1">
+                          <a:solidFill>
+                            <a:srgbClr val="FF0000"/>
+                          </a:solidFill>
+                        </a:rPr>
+                        <a:t>6295</a:t>
+                      </a:r>
+                      <a:endParaRPr lang="" altLang="en-US" b="1">
+                        <a:solidFill>
+                          <a:srgbClr val="FF0000"/>
+                        </a:solidFill>
+                      </a:endParaRPr>
+                    </a:p>
+                  </a:txBody>
+                  <a:tcPr/>
+                </a:tc>
+                <a:tc>
+                  <a:txBody>
+                    <a:bodyPr/>
+                    <a:p>
+                      <a:pPr algn="ctr">
+                        <a:buNone/>
+                      </a:pPr>
+                      <a:r>
+                        <a:rPr lang="" altLang="en-US" b="1">
+                          <a:solidFill>
+                            <a:srgbClr val="FF0000"/>
+                          </a:solidFill>
+                        </a:rPr>
+                        <a:t>1003</a:t>
+                      </a:r>
+                      <a:endParaRPr lang="" altLang="en-US" b="1">
+                        <a:solidFill>
+                          <a:srgbClr val="FF0000"/>
+                        </a:solidFill>
+                      </a:endParaRPr>
+                    </a:p>
+                  </a:txBody>
+                  <a:tcPr/>
+                </a:tc>
+              </a:tr>
+              <a:tr h="534035">
+                <a:tc>
+                  <a:txBody>
+                    <a:bodyPr/>
+                    <a:p>
+                      <a:pPr algn="ctr">
+                        <a:buNone/>
+                      </a:pPr>
+                      <a:endParaRPr lang="en-US"/>
+                    </a:p>
+                  </a:txBody>
+                  <a:tcPr/>
+                </a:tc>
+                <a:tc>
+                  <a:txBody>
+                    <a:bodyPr/>
+                    <a:p>
+                      <a:pPr algn="ctr">
+                        <a:buNone/>
+                      </a:pPr>
+                      <a:endParaRPr lang="en-US"/>
+                    </a:p>
+                  </a:txBody>
+                  <a:tcPr/>
+                </a:tc>
+                <a:tc>
+                  <a:txBody>
+                    <a:bodyPr/>
+                    <a:p>
+                      <a:pPr algn="ctr">
+                        <a:buNone/>
+                      </a:pPr>
+                      <a:endParaRPr lang="en-US"/>
+                    </a:p>
+                  </a:txBody>
+                  <a:tcPr/>
+                </a:tc>
+                <a:tc>
+                  <a:txBody>
+                    <a:bodyPr/>
+                    <a:p>
+                      <a:pPr algn="ctr">
+                        <a:buNone/>
+                      </a:pPr>
+                      <a:endParaRPr lang="en-US"/>
+                    </a:p>
+                  </a:txBody>
+                  <a:tcPr/>
+                </a:tc>
+                <a:tc>
+                  <a:txBody>
+                    <a:bodyPr/>
+                    <a:p>
+                      <a:pPr algn="ctr">
+                        <a:buNone/>
+                      </a:pPr>
+                      <a:endParaRPr lang="en-US"/>
+                    </a:p>
+                  </a:txBody>
+                  <a:tcPr/>
+                </a:tc>
+                <a:tc>
+                  <a:txBody>
+                    <a:bodyPr/>
+                    <a:p>
+                      <a:pPr algn="ctr">
+                        <a:buNone/>
+                      </a:pPr>
+                      <a:endParaRPr lang="en-US"/>
+                    </a:p>
+                  </a:txBody>
+                  <a:tcPr/>
+                </a:tc>
+                <a:tc>
+                  <a:txBody>
+                    <a:bodyPr/>
+                    <a:p>
+                      <a:pPr algn="ctr">
+                        <a:buNone/>
+                      </a:pPr>
+                      <a:endParaRPr lang="en-US"/>
+                    </a:p>
+                  </a:txBody>
+                  <a:tcPr/>
+                </a:tc>
+                <a:tc>
+                  <a:txBody>
+                    <a:bodyPr/>
+                    <a:p>
+                      <a:pPr algn="ctr">
+                        <a:buNone/>
+                      </a:pPr>
+                      <a:endParaRPr lang="en-US"/>
+                    </a:p>
+                  </a:txBody>
+                  <a:tcPr/>
+                </a:tc>
+              </a:tr>
+            </a:tbl>
+          </a:graphicData>
+        </a:graphic>
+      </p:graphicFrame>
+    </p:spTree>
+  </p:cSld>
+  <p:clrMapOvr>
+    <a:masterClrMapping/>
+  </p:clrMapOvr>
+</p:sld>
+</file>
+
+<file path=ppt/slides/slide21.xml><?xml version="1.0" encoding="utf-8"?>
+<p:sld xmlns:a="http://schemas.openxmlformats.org/drawingml/2006/main" xmlns:r="http://schemas.openxmlformats.org/officeDocument/2006/relationships" xmlns:p="http://schemas.openxmlformats.org/presentationml/2006/main">
+  <p:cSld>
+    <p:spTree>
+      <p:nvGrpSpPr>
+        <p:cNvPr id="1" name=""/>
+        <p:cNvGrpSpPr/>
+        <p:nvPr/>
+      </p:nvGrpSpPr>
+      <p:grpSpPr/>
+      <p:sp>
+        <p:nvSpPr>
+          <p:cNvPr id="2" name="Title 1"/>
+          <p:cNvSpPr>
+            <a:spLocks noGrp="1"/>
+          </p:cNvSpPr>
+          <p:nvPr>
+            <p:ph type="title"/>
+          </p:nvPr>
+        </p:nvSpPr>
+        <p:spPr/>
+        <p:txBody>
+          <a:bodyPr>
+            <a:normAutofit fontScale="90000"/>
+          </a:bodyPr>
+          <a:p>
+            <a:r>
+              <a:rPr lang="en-US" altLang="en-US">
+                <a:sym typeface="+mn-ea"/>
+              </a:rPr>
+              <a:t>Cách tạo vocabulary khi train vs words </a:t>
+            </a:r>
+            <a:br>
               <a:rPr lang="en-US" altLang="en-US"/>
-              <a:t>Input : unnormalized text as an input text sequence of words x = [x1,x2,x3,...,xT] with length T</a:t>
-            </a:r>
-            <a:endParaRPr lang="en-US" altLang="en-US"/>
-          </a:p>
-          <a:p>
-            <a:endParaRPr lang="en-US" altLang="en-US"/>
-          </a:p>
-          <a:p>
-            <a:r>
-              <a:rPr lang="en-US" altLang="en-US"/>
-              <a:t>Output: sequence of words y = [y1,y2,y3,..,yL] with length L</a:t>
-            </a:r>
-            <a:endParaRPr lang="en-US" altLang="en-US"/>
-          </a:p>
-          <a:p>
-            <a:endParaRPr lang="en-US" altLang="en-US"/>
-          </a:p>
-          <a:p>
-            <a:r>
-              <a:rPr lang="en-US" altLang="en-US"/>
-              <a:t>y same meaning as x</a:t>
-            </a:r>
-            <a:endParaRPr lang="en-US" altLang="en-US"/>
-          </a:p>
-        </p:txBody>
-      </p:sp>
+            </a:br>
+            <a:endParaRPr lang="en-US"/>
+          </a:p>
+        </p:txBody>
+      </p:sp>
+      <p:sp>
+        <p:nvSpPr>
+          <p:cNvPr id="3" name="Content Placeholder 2"/>
+          <p:cNvSpPr>
+            <a:spLocks noGrp="1"/>
+          </p:cNvSpPr>
+          <p:nvPr>
+            <p:ph idx="1"/>
+          </p:nvPr>
+        </p:nvSpPr>
+        <p:spPr/>
+        <p:txBody>
+          <a:bodyPr/>
+          <a:p>
+            <a:pPr marL="0" indent="0">
+              <a:buNone/>
+            </a:pPr>
+            <a:r>
+              <a:rPr lang="" altLang="en-US"/>
+              <a:t>Khi xem xet test set, nó xác định được UNK, là các từ không có trong source_input</a:t>
+            </a:r>
+            <a:endParaRPr lang="" altLang="en-US"/>
+          </a:p>
+        </p:txBody>
+      </p:sp>
+      <p:graphicFrame>
+        <p:nvGraphicFramePr>
+          <p:cNvPr id="4" name="Table 3"/>
+          <p:cNvGraphicFramePr/>
+          <p:nvPr/>
+        </p:nvGraphicFramePr>
+        <p:xfrm>
+          <a:off x="928370" y="2760345"/>
+          <a:ext cx="10427970" cy="4004945"/>
+        </p:xfrm>
+        <a:graphic>
+          <a:graphicData uri="http://schemas.openxmlformats.org/drawingml/2006/table">
+            <a:tbl>
+              <a:tblPr bandRow="1">
+                <a:tableStyleId>{B301B821-A1FF-4177-AEE7-76D212191A09}</a:tableStyleId>
+              </a:tblPr>
+              <a:tblGrid>
+                <a:gridCol w="1489710"/>
+                <a:gridCol w="1489710"/>
+                <a:gridCol w="1489710"/>
+                <a:gridCol w="1489710"/>
+                <a:gridCol w="1489710"/>
+                <a:gridCol w="1489710"/>
+                <a:gridCol w="1489710"/>
+              </a:tblGrid>
+              <a:tr h="572135">
+                <a:tc>
+                  <a:txBody>
+                    <a:bodyPr/>
+                    <a:p>
+                      <a:pPr>
+                        <a:buNone/>
+                      </a:pPr>
+                      <a:r>
+                        <a:rPr lang="" altLang="en-US">
+                          <a:solidFill>
+                            <a:srgbClr val="7030A0"/>
+                          </a:solidFill>
+                        </a:rPr>
+                        <a:t>Dick</a:t>
+                      </a:r>
+                      <a:endParaRPr lang="" altLang="en-US">
+                        <a:solidFill>
+                          <a:srgbClr val="7030A0"/>
+                        </a:solidFill>
+                      </a:endParaRPr>
+                    </a:p>
+                  </a:txBody>
+                  <a:tcPr/>
+                </a:tc>
+                <a:tc>
+                  <a:txBody>
+                    <a:bodyPr/>
+                    <a:p>
+                      <a:pPr>
+                        <a:buNone/>
+                      </a:pPr>
+                      <a:r>
+                        <a:rPr lang="" altLang="en-US">
+                          <a:solidFill>
+                            <a:srgbClr val="7030A0"/>
+                          </a:solidFill>
+                        </a:rPr>
+                        <a:t>in</a:t>
+                      </a:r>
+                      <a:endParaRPr lang="" altLang="en-US">
+                        <a:solidFill>
+                          <a:srgbClr val="7030A0"/>
+                        </a:solidFill>
+                      </a:endParaRPr>
+                    </a:p>
+                  </a:txBody>
+                  <a:tcPr/>
+                </a:tc>
+                <a:tc>
+                  <a:txBody>
+                    <a:bodyPr/>
+                    <a:p>
+                      <a:pPr>
+                        <a:buNone/>
+                      </a:pPr>
+                      <a:r>
+                        <a:rPr lang="" altLang="en-US">
+                          <a:solidFill>
+                            <a:srgbClr val="7030A0"/>
+                          </a:solidFill>
+                        </a:rPr>
+                        <a:t>Janice</a:t>
+                      </a:r>
+                      <a:endParaRPr lang="" altLang="en-US">
+                        <a:solidFill>
+                          <a:srgbClr val="7030A0"/>
+                        </a:solidFill>
+                      </a:endParaRPr>
+                    </a:p>
+                  </a:txBody>
+                  <a:tcPr/>
+                </a:tc>
+                <a:tc>
+                  <a:txBody>
+                    <a:bodyPr/>
+                    <a:p>
+                      <a:pPr>
+                        <a:buNone/>
+                      </a:pPr>
+                      <a:r>
+                        <a:rPr lang="" altLang="en-US">
+                          <a:solidFill>
+                            <a:srgbClr val="7030A0"/>
+                          </a:solidFill>
+                        </a:rPr>
+                        <a:t>,</a:t>
+                      </a:r>
+                      <a:endParaRPr lang="" altLang="en-US">
+                        <a:solidFill>
+                          <a:srgbClr val="7030A0"/>
+                        </a:solidFill>
+                      </a:endParaRPr>
+                    </a:p>
+                  </a:txBody>
+                  <a:tcPr/>
+                </a:tc>
+                <a:tc>
+                  <a:txBody>
+                    <a:bodyPr/>
+                    <a:p>
+                      <a:pPr>
+                        <a:buNone/>
+                      </a:pPr>
+                      <a:r>
+                        <a:rPr lang="" altLang="en-US">
+                          <a:solidFill>
+                            <a:srgbClr val="7030A0"/>
+                          </a:solidFill>
+                        </a:rPr>
+                        <a:t>Im</a:t>
+                      </a:r>
+                      <a:endParaRPr lang="" altLang="en-US">
+                        <a:solidFill>
+                          <a:srgbClr val="7030A0"/>
+                        </a:solidFill>
+                      </a:endParaRPr>
+                    </a:p>
+                  </a:txBody>
+                  <a:tcPr/>
+                </a:tc>
+                <a:tc>
+                  <a:txBody>
+                    <a:bodyPr/>
+                    <a:p>
+                      <a:pPr>
+                        <a:buNone/>
+                      </a:pPr>
+                      <a:r>
+                        <a:rPr lang="" altLang="en-US">
+                          <a:solidFill>
+                            <a:srgbClr val="7030A0"/>
+                          </a:solidFill>
+                        </a:rPr>
+                        <a:t>popin </a:t>
+                      </a:r>
+                      <a:endParaRPr lang="" altLang="en-US">
+                        <a:solidFill>
+                          <a:srgbClr val="7030A0"/>
+                        </a:solidFill>
+                      </a:endParaRPr>
+                    </a:p>
+                  </a:txBody>
+                  <a:tcPr/>
+                </a:tc>
+                <a:tc>
+                  <a:txBody>
+                    <a:bodyPr/>
+                    <a:p>
+                      <a:pPr>
+                        <a:buNone/>
+                      </a:pPr>
+                      <a:r>
+                        <a:rPr lang="" altLang="en-US">
+                          <a:solidFill>
+                            <a:srgbClr val="7030A0"/>
+                          </a:solidFill>
+                        </a:rPr>
+                        <a:t>xanax</a:t>
+                      </a:r>
+                      <a:endParaRPr lang="" altLang="en-US">
+                        <a:solidFill>
+                          <a:srgbClr val="7030A0"/>
+                        </a:solidFill>
+                      </a:endParaRPr>
+                    </a:p>
+                  </a:txBody>
+                  <a:tcPr/>
+                </a:tc>
+              </a:tr>
+              <a:tr h="572135">
+                <a:tc>
+                  <a:txBody>
+                    <a:bodyPr/>
+                    <a:p>
+                      <a:pPr>
+                        <a:buNone/>
+                      </a:pPr>
+                      <a:r>
+                        <a:rPr lang="" altLang="en-US">
+                          <a:solidFill>
+                            <a:srgbClr val="7030A0"/>
+                          </a:solidFill>
+                        </a:rPr>
+                        <a:t>and</a:t>
+                      </a:r>
+                      <a:endParaRPr lang="" altLang="en-US">
+                        <a:solidFill>
+                          <a:srgbClr val="7030A0"/>
+                        </a:solidFill>
+                      </a:endParaRPr>
+                    </a:p>
+                  </a:txBody>
+                  <a:tcPr/>
+                </a:tc>
+                <a:tc>
+                  <a:txBody>
+                    <a:bodyPr/>
+                    <a:p>
+                      <a:pPr>
+                        <a:buNone/>
+                      </a:pPr>
+                      <a:r>
+                        <a:rPr lang="" altLang="en-US">
+                          <a:solidFill>
+                            <a:srgbClr val="7030A0"/>
+                          </a:solidFill>
+                        </a:rPr>
+                        <a:t>speakin</a:t>
+                      </a:r>
+                      <a:endParaRPr lang="" altLang="en-US">
+                        <a:solidFill>
+                          <a:srgbClr val="7030A0"/>
+                        </a:solidFill>
+                      </a:endParaRPr>
+                    </a:p>
+                  </a:txBody>
+                  <a:tcPr/>
+                </a:tc>
+                <a:tc>
+                  <a:txBody>
+                    <a:bodyPr/>
+                    <a:p>
+                      <a:pPr>
+                        <a:buNone/>
+                      </a:pPr>
+                      <a:r>
+                        <a:rPr lang="" altLang="en-US">
+                          <a:solidFill>
+                            <a:srgbClr val="7030A0"/>
+                          </a:solidFill>
+                        </a:rPr>
+                        <a:t>spanish</a:t>
+                      </a:r>
+                      <a:endParaRPr lang="" altLang="en-US">
+                        <a:solidFill>
+                          <a:srgbClr val="7030A0"/>
+                        </a:solidFill>
+                      </a:endParaRPr>
+                    </a:p>
+                  </a:txBody>
+                  <a:tcPr/>
+                </a:tc>
+                <a:tc>
+                  <a:txBody>
+                    <a:bodyPr/>
+                    <a:p>
+                      <a:pPr>
+                        <a:buNone/>
+                      </a:pPr>
+                      <a:r>
+                        <a:rPr lang="" altLang="en-US">
+                          <a:solidFill>
+                            <a:srgbClr val="7030A0"/>
+                          </a:solidFill>
+                        </a:rPr>
+                        <a:t>.</a:t>
+                      </a:r>
+                      <a:endParaRPr lang="" altLang="en-US">
+                        <a:solidFill>
+                          <a:srgbClr val="7030A0"/>
+                        </a:solidFill>
+                      </a:endParaRPr>
+                    </a:p>
+                  </a:txBody>
+                  <a:tcPr/>
+                </a:tc>
+                <a:tc>
+                  <a:txBody>
+                    <a:bodyPr/>
+                    <a:p>
+                      <a:pPr>
+                        <a:buNone/>
+                      </a:pPr>
+                      <a:endParaRPr lang="en-US">
+                        <a:solidFill>
+                          <a:srgbClr val="7030A0"/>
+                        </a:solidFill>
+                      </a:endParaRPr>
+                    </a:p>
+                  </a:txBody>
+                  <a:tcPr/>
+                </a:tc>
+                <a:tc>
+                  <a:txBody>
+                    <a:bodyPr/>
+                    <a:p>
+                      <a:pPr>
+                        <a:buNone/>
+                      </a:pPr>
+                      <a:endParaRPr lang="en-US">
+                        <a:solidFill>
+                          <a:srgbClr val="7030A0"/>
+                        </a:solidFill>
+                      </a:endParaRPr>
+                    </a:p>
+                  </a:txBody>
+                  <a:tcPr/>
+                </a:tc>
+                <a:tc>
+                  <a:txBody>
+                    <a:bodyPr/>
+                    <a:p>
+                      <a:pPr>
+                        <a:buNone/>
+                      </a:pPr>
+                      <a:endParaRPr lang="en-US">
+                        <a:solidFill>
+                          <a:srgbClr val="7030A0"/>
+                        </a:solidFill>
+                      </a:endParaRPr>
+                    </a:p>
+                  </a:txBody>
+                  <a:tcPr/>
+                </a:tc>
+              </a:tr>
+              <a:tr h="572135">
+                <a:tc>
+                  <a:txBody>
+                    <a:bodyPr/>
+                    <a:p>
+                      <a:pPr>
+                        <a:buNone/>
+                      </a:pPr>
+                      <a:r>
+                        <a:rPr lang="" altLang="en-US">
+                          <a:solidFill>
+                            <a:srgbClr val="FF0000"/>
+                          </a:solidFill>
+                        </a:rPr>
+                        <a:t>&lt;unk&gt;</a:t>
+                      </a:r>
+                      <a:endParaRPr lang="" altLang="en-US">
+                        <a:solidFill>
+                          <a:srgbClr val="FF0000"/>
+                        </a:solidFill>
+                      </a:endParaRPr>
+                    </a:p>
+                  </a:txBody>
+                  <a:tcPr/>
+                </a:tc>
+                <a:tc>
+                  <a:txBody>
+                    <a:bodyPr/>
+                    <a:p>
+                      <a:pPr>
+                        <a:buNone/>
+                      </a:pPr>
+                      <a:r>
+                        <a:rPr lang="" altLang="en-US">
+                          <a:solidFill>
+                            <a:srgbClr val="FF0000"/>
+                          </a:solidFill>
+                        </a:rPr>
+                        <a:t>17</a:t>
+                      </a:r>
+                      <a:endParaRPr lang="" altLang="en-US">
+                        <a:solidFill>
+                          <a:srgbClr val="FF0000"/>
+                        </a:solidFill>
+                      </a:endParaRPr>
+                    </a:p>
+                  </a:txBody>
+                  <a:tcPr/>
+                </a:tc>
+                <a:tc>
+                  <a:txBody>
+                    <a:bodyPr/>
+                    <a:p>
+                      <a:pPr>
+                        <a:buNone/>
+                      </a:pPr>
+                      <a:r>
+                        <a:rPr lang="" altLang="en-US">
+                          <a:solidFill>
+                            <a:srgbClr val="FF0000"/>
+                          </a:solidFill>
+                        </a:rPr>
+                        <a:t>&lt;unk&gt;</a:t>
+                      </a:r>
+                      <a:endParaRPr lang="" altLang="en-US">
+                        <a:solidFill>
+                          <a:srgbClr val="FF0000"/>
+                        </a:solidFill>
+                      </a:endParaRPr>
+                    </a:p>
+                  </a:txBody>
+                  <a:tcPr/>
+                </a:tc>
+                <a:tc>
+                  <a:txBody>
+                    <a:bodyPr/>
+                    <a:p>
+                      <a:pPr>
+                        <a:buNone/>
+                      </a:pPr>
+                      <a:r>
+                        <a:rPr lang="" altLang="en-US">
+                          <a:solidFill>
+                            <a:srgbClr val="FF0000"/>
+                          </a:solidFill>
+                        </a:rPr>
+                        <a:t>7</a:t>
+                      </a:r>
+                      <a:endParaRPr lang="" altLang="en-US">
+                        <a:solidFill>
+                          <a:srgbClr val="FF0000"/>
+                        </a:solidFill>
+                      </a:endParaRPr>
+                    </a:p>
+                  </a:txBody>
+                  <a:tcPr/>
+                </a:tc>
+                <a:tc>
+                  <a:txBody>
+                    <a:bodyPr/>
+                    <a:p>
+                      <a:pPr>
+                        <a:buNone/>
+                      </a:pPr>
+                      <a:r>
+                        <a:rPr lang="" altLang="en-US">
+                          <a:solidFill>
+                            <a:srgbClr val="FF0000"/>
+                          </a:solidFill>
+                        </a:rPr>
+                        <a:t>128</a:t>
+                      </a:r>
+                      <a:endParaRPr lang="" altLang="en-US">
+                        <a:solidFill>
+                          <a:srgbClr val="FF0000"/>
+                        </a:solidFill>
+                      </a:endParaRPr>
+                    </a:p>
+                  </a:txBody>
+                  <a:tcPr/>
+                </a:tc>
+                <a:tc>
+                  <a:txBody>
+                    <a:bodyPr/>
+                    <a:p>
+                      <a:pPr>
+                        <a:buNone/>
+                      </a:pPr>
+                      <a:r>
+                        <a:rPr lang="" altLang="en-US">
+                          <a:solidFill>
+                            <a:srgbClr val="FF0000"/>
+                          </a:solidFill>
+                        </a:rPr>
+                        <a:t>2855</a:t>
+                      </a:r>
+                      <a:endParaRPr lang="" altLang="en-US">
+                        <a:solidFill>
+                          <a:srgbClr val="FF0000"/>
+                        </a:solidFill>
+                      </a:endParaRPr>
+                    </a:p>
+                  </a:txBody>
+                  <a:tcPr/>
+                </a:tc>
+                <a:tc>
+                  <a:txBody>
+                    <a:bodyPr/>
+                    <a:p>
+                      <a:pPr>
+                        <a:buNone/>
+                      </a:pPr>
+                      <a:r>
+                        <a:rPr lang="" altLang="en-US">
+                          <a:solidFill>
+                            <a:srgbClr val="FF0000"/>
+                          </a:solidFill>
+                        </a:rPr>
+                        <a:t>&lt;unk&gt;</a:t>
+                      </a:r>
+                      <a:endParaRPr lang="" altLang="en-US">
+                        <a:solidFill>
+                          <a:srgbClr val="FF0000"/>
+                        </a:solidFill>
+                      </a:endParaRPr>
+                    </a:p>
+                  </a:txBody>
+                  <a:tcPr/>
+                </a:tc>
+              </a:tr>
+              <a:tr h="572135">
+                <a:tc>
+                  <a:txBody>
+                    <a:bodyPr/>
+                    <a:p>
+                      <a:pPr>
+                        <a:buNone/>
+                      </a:pPr>
+                      <a:r>
+                        <a:rPr lang="" altLang="en-US">
+                          <a:solidFill>
+                            <a:srgbClr val="FF0000"/>
+                          </a:solidFill>
+                        </a:rPr>
+                        <a:t>14</a:t>
+                      </a:r>
+                      <a:endParaRPr lang="" altLang="en-US">
+                        <a:solidFill>
+                          <a:srgbClr val="FF0000"/>
+                        </a:solidFill>
+                      </a:endParaRPr>
+                    </a:p>
+                  </a:txBody>
+                  <a:tcPr/>
+                </a:tc>
+                <a:tc>
+                  <a:txBody>
+                    <a:bodyPr/>
+                    <a:p>
+                      <a:pPr>
+                        <a:buNone/>
+                      </a:pPr>
+                      <a:r>
+                        <a:rPr lang="" altLang="en-US">
+                          <a:solidFill>
+                            <a:srgbClr val="FF0000"/>
+                          </a:solidFill>
+                        </a:rPr>
+                        <a:t>&lt;unk&gt;</a:t>
+                      </a:r>
+                      <a:endParaRPr lang="" altLang="en-US">
+                        <a:solidFill>
+                          <a:srgbClr val="FF0000"/>
+                        </a:solidFill>
+                      </a:endParaRPr>
+                    </a:p>
+                  </a:txBody>
+                  <a:tcPr/>
+                </a:tc>
+                <a:tc>
+                  <a:txBody>
+                    <a:bodyPr/>
+                    <a:p>
+                      <a:pPr>
+                        <a:buNone/>
+                      </a:pPr>
+                      <a:r>
+                        <a:rPr lang="" altLang="en-US">
+                          <a:solidFill>
+                            <a:srgbClr val="FF0000"/>
+                          </a:solidFill>
+                        </a:rPr>
+                        <a:t>&lt;unk&gt;</a:t>
+                      </a:r>
+                      <a:endParaRPr lang="" altLang="en-US">
+                        <a:solidFill>
+                          <a:srgbClr val="FF0000"/>
+                        </a:solidFill>
+                      </a:endParaRPr>
+                    </a:p>
+                  </a:txBody>
+                  <a:tcPr/>
+                </a:tc>
+                <a:tc>
+                  <a:txBody>
+                    <a:bodyPr/>
+                    <a:p>
+                      <a:pPr>
+                        <a:buNone/>
+                      </a:pPr>
+                      <a:r>
+                        <a:rPr lang="" altLang="en-US">
+                          <a:solidFill>
+                            <a:srgbClr val="FF0000"/>
+                          </a:solidFill>
+                        </a:rPr>
+                        <a:t>4</a:t>
+                      </a:r>
+                      <a:endParaRPr lang="" altLang="en-US">
+                        <a:solidFill>
+                          <a:srgbClr val="FF0000"/>
+                        </a:solidFill>
+                      </a:endParaRPr>
+                    </a:p>
+                  </a:txBody>
+                  <a:tcPr/>
+                </a:tc>
+                <a:tc>
+                  <a:txBody>
+                    <a:bodyPr/>
+                    <a:p>
+                      <a:pPr>
+                        <a:buNone/>
+                      </a:pPr>
+                      <a:endParaRPr lang="en-US">
+                        <a:solidFill>
+                          <a:srgbClr val="FF0000"/>
+                        </a:solidFill>
+                      </a:endParaRPr>
+                    </a:p>
+                  </a:txBody>
+                  <a:tcPr/>
+                </a:tc>
+                <a:tc>
+                  <a:txBody>
+                    <a:bodyPr/>
+                    <a:p>
+                      <a:pPr>
+                        <a:buNone/>
+                      </a:pPr>
+                      <a:endParaRPr lang="en-US">
+                        <a:solidFill>
+                          <a:srgbClr val="FF0000"/>
+                        </a:solidFill>
+                      </a:endParaRPr>
+                    </a:p>
+                  </a:txBody>
+                  <a:tcPr/>
+                </a:tc>
+                <a:tc>
+                  <a:txBody>
+                    <a:bodyPr/>
+                    <a:p>
+                      <a:pPr>
+                        <a:buNone/>
+                      </a:pPr>
+                      <a:endParaRPr lang="en-US">
+                        <a:solidFill>
+                          <a:srgbClr val="FF0000"/>
+                        </a:solidFill>
+                      </a:endParaRPr>
+                    </a:p>
+                  </a:txBody>
+                  <a:tcPr/>
+                </a:tc>
+              </a:tr>
+              <a:tr h="572135">
+                <a:tc>
+                  <a:txBody>
+                    <a:bodyPr/>
+                    <a:p>
+                      <a:pPr>
+                        <a:buNone/>
+                      </a:pPr>
+                      <a:r>
+                        <a:rPr lang="" altLang="en-US">
+                          <a:solidFill>
+                            <a:srgbClr val="7030A0"/>
+                          </a:solidFill>
+                        </a:rPr>
+                        <a:t>1</a:t>
+                      </a:r>
+                      <a:endParaRPr lang="" altLang="en-US">
+                        <a:solidFill>
+                          <a:srgbClr val="7030A0"/>
+                        </a:solidFill>
+                      </a:endParaRPr>
+                    </a:p>
+                  </a:txBody>
+                  <a:tcPr/>
+                </a:tc>
+                <a:tc>
+                  <a:txBody>
+                    <a:bodyPr/>
+                    <a:p>
+                      <a:pPr>
+                        <a:buNone/>
+                      </a:pPr>
+                      <a:r>
+                        <a:rPr lang="" altLang="en-US">
+                          <a:solidFill>
+                            <a:srgbClr val="7030A0"/>
+                          </a:solidFill>
+                        </a:rPr>
+                        <a:t>17</a:t>
+                      </a:r>
+                      <a:endParaRPr lang="" altLang="en-US">
+                        <a:solidFill>
+                          <a:srgbClr val="7030A0"/>
+                        </a:solidFill>
+                      </a:endParaRPr>
+                    </a:p>
+                  </a:txBody>
+                  <a:tcPr/>
+                </a:tc>
+                <a:tc>
+                  <a:txBody>
+                    <a:bodyPr/>
+                    <a:p>
+                      <a:pPr>
+                        <a:buNone/>
+                      </a:pPr>
+                      <a:r>
+                        <a:rPr lang="" altLang="en-US">
+                          <a:solidFill>
+                            <a:srgbClr val="7030A0"/>
+                          </a:solidFill>
+                        </a:rPr>
+                        <a:t>1</a:t>
+                      </a:r>
+                      <a:endParaRPr lang="" altLang="en-US">
+                        <a:solidFill>
+                          <a:srgbClr val="7030A0"/>
+                        </a:solidFill>
+                      </a:endParaRPr>
+                    </a:p>
+                  </a:txBody>
+                  <a:tcPr/>
+                </a:tc>
+                <a:tc>
+                  <a:txBody>
+                    <a:bodyPr/>
+                    <a:p>
+                      <a:pPr>
+                        <a:buNone/>
+                      </a:pPr>
+                      <a:r>
+                        <a:rPr lang="" altLang="en-US">
+                          <a:solidFill>
+                            <a:srgbClr val="7030A0"/>
+                          </a:solidFill>
+                        </a:rPr>
+                        <a:t>7</a:t>
+                      </a:r>
+                      <a:endParaRPr lang="" altLang="en-US">
+                        <a:solidFill>
+                          <a:srgbClr val="7030A0"/>
+                        </a:solidFill>
+                      </a:endParaRPr>
+                    </a:p>
+                  </a:txBody>
+                  <a:tcPr/>
+                </a:tc>
+                <a:tc>
+                  <a:txBody>
+                    <a:bodyPr/>
+                    <a:p>
+                      <a:pPr>
+                        <a:buNone/>
+                      </a:pPr>
+                      <a:r>
+                        <a:rPr lang="" altLang="en-US">
+                          <a:solidFill>
+                            <a:srgbClr val="7030A0"/>
+                          </a:solidFill>
+                        </a:rPr>
+                        <a:t>128</a:t>
+                      </a:r>
+                      <a:endParaRPr lang="" altLang="en-US">
+                        <a:solidFill>
+                          <a:srgbClr val="7030A0"/>
+                        </a:solidFill>
+                      </a:endParaRPr>
+                    </a:p>
+                  </a:txBody>
+                  <a:tcPr/>
+                </a:tc>
+                <a:tc>
+                  <a:txBody>
+                    <a:bodyPr/>
+                    <a:p>
+                      <a:pPr>
+                        <a:buNone/>
+                      </a:pPr>
+                      <a:r>
+                        <a:rPr lang="" altLang="en-US">
+                          <a:solidFill>
+                            <a:srgbClr val="7030A0"/>
+                          </a:solidFill>
+                        </a:rPr>
+                        <a:t>2855</a:t>
+                      </a:r>
+                      <a:endParaRPr lang="" altLang="en-US">
+                        <a:solidFill>
+                          <a:srgbClr val="7030A0"/>
+                        </a:solidFill>
+                      </a:endParaRPr>
+                    </a:p>
+                  </a:txBody>
+                  <a:tcPr/>
+                </a:tc>
+                <a:tc>
+                  <a:txBody>
+                    <a:bodyPr/>
+                    <a:p>
+                      <a:pPr>
+                        <a:buNone/>
+                      </a:pPr>
+                      <a:r>
+                        <a:rPr lang="" altLang="en-US">
+                          <a:solidFill>
+                            <a:srgbClr val="7030A0"/>
+                          </a:solidFill>
+                        </a:rPr>
+                        <a:t>1</a:t>
+                      </a:r>
+                      <a:endParaRPr lang="" altLang="en-US">
+                        <a:solidFill>
+                          <a:srgbClr val="7030A0"/>
+                        </a:solidFill>
+                      </a:endParaRPr>
+                    </a:p>
+                  </a:txBody>
+                  <a:tcPr/>
+                </a:tc>
+              </a:tr>
+              <a:tr h="572135">
+                <a:tc>
+                  <a:txBody>
+                    <a:bodyPr/>
+                    <a:p>
+                      <a:pPr>
+                        <a:buNone/>
+                      </a:pPr>
+                      <a:r>
+                        <a:rPr lang="" altLang="en-US">
+                          <a:solidFill>
+                            <a:srgbClr val="7030A0"/>
+                          </a:solidFill>
+                        </a:rPr>
+                        <a:t>14</a:t>
+                      </a:r>
+                      <a:endParaRPr lang="" altLang="en-US">
+                        <a:solidFill>
+                          <a:srgbClr val="7030A0"/>
+                        </a:solidFill>
+                      </a:endParaRPr>
+                    </a:p>
+                  </a:txBody>
+                  <a:tcPr/>
+                </a:tc>
+                <a:tc>
+                  <a:txBody>
+                    <a:bodyPr/>
+                    <a:p>
+                      <a:pPr>
+                        <a:buNone/>
+                      </a:pPr>
+                      <a:r>
+                        <a:rPr lang="" altLang="en-US">
+                          <a:solidFill>
+                            <a:srgbClr val="7030A0"/>
+                          </a:solidFill>
+                        </a:rPr>
+                        <a:t>1</a:t>
+                      </a:r>
+                      <a:endParaRPr lang="" altLang="en-US">
+                        <a:solidFill>
+                          <a:srgbClr val="7030A0"/>
+                        </a:solidFill>
+                      </a:endParaRPr>
+                    </a:p>
+                  </a:txBody>
+                  <a:tcPr/>
+                </a:tc>
+                <a:tc>
+                  <a:txBody>
+                    <a:bodyPr/>
+                    <a:p>
+                      <a:pPr>
+                        <a:buNone/>
+                      </a:pPr>
+                      <a:r>
+                        <a:rPr lang="" altLang="en-US">
+                          <a:solidFill>
+                            <a:srgbClr val="7030A0"/>
+                          </a:solidFill>
+                        </a:rPr>
+                        <a:t>1</a:t>
+                      </a:r>
+                      <a:endParaRPr lang="" altLang="en-US">
+                        <a:solidFill>
+                          <a:srgbClr val="7030A0"/>
+                        </a:solidFill>
+                      </a:endParaRPr>
+                    </a:p>
+                  </a:txBody>
+                  <a:tcPr/>
+                </a:tc>
+                <a:tc>
+                  <a:txBody>
+                    <a:bodyPr/>
+                    <a:p>
+                      <a:pPr>
+                        <a:buNone/>
+                      </a:pPr>
+                      <a:r>
+                        <a:rPr lang="" altLang="en-US">
+                          <a:solidFill>
+                            <a:srgbClr val="7030A0"/>
+                          </a:solidFill>
+                        </a:rPr>
+                        <a:t>4</a:t>
+                      </a:r>
+                      <a:endParaRPr lang="" altLang="en-US">
+                        <a:solidFill>
+                          <a:srgbClr val="7030A0"/>
+                        </a:solidFill>
+                      </a:endParaRPr>
+                    </a:p>
+                  </a:txBody>
+                  <a:tcPr/>
+                </a:tc>
+                <a:tc>
+                  <a:txBody>
+                    <a:bodyPr/>
+                    <a:p>
+                      <a:pPr>
+                        <a:buNone/>
+                      </a:pPr>
+                      <a:endParaRPr lang="en-US">
+                        <a:solidFill>
+                          <a:srgbClr val="7030A0"/>
+                        </a:solidFill>
+                      </a:endParaRPr>
+                    </a:p>
+                  </a:txBody>
+                  <a:tcPr/>
+                </a:tc>
+                <a:tc>
+                  <a:txBody>
+                    <a:bodyPr/>
+                    <a:p>
+                      <a:pPr>
+                        <a:buNone/>
+                      </a:pPr>
+                      <a:endParaRPr lang="en-US">
+                        <a:solidFill>
+                          <a:srgbClr val="7030A0"/>
+                        </a:solidFill>
+                      </a:endParaRPr>
+                    </a:p>
+                  </a:txBody>
+                  <a:tcPr/>
+                </a:tc>
+                <a:tc>
+                  <a:txBody>
+                    <a:bodyPr/>
+                    <a:p>
+                      <a:pPr>
+                        <a:buNone/>
+                      </a:pPr>
+                      <a:endParaRPr lang="en-US">
+                        <a:solidFill>
+                          <a:srgbClr val="7030A0"/>
+                        </a:solidFill>
+                      </a:endParaRPr>
+                    </a:p>
+                  </a:txBody>
+                  <a:tcPr/>
+                </a:tc>
+              </a:tr>
+            </a:tbl>
+          </a:graphicData>
+        </a:graphic>
+      </p:graphicFrame>
+    </p:spTree>
+  </p:cSld>
+  <p:clrMapOvr>
+    <a:masterClrMapping/>
+  </p:clrMapOvr>
+</p:sld>
+</file>
+
+<file path=ppt/slides/slide22.xml><?xml version="1.0" encoding="utf-8"?>
+<p:sld xmlns:a="http://schemas.openxmlformats.org/drawingml/2006/main" xmlns:r="http://schemas.openxmlformats.org/officeDocument/2006/relationships" xmlns:p="http://schemas.openxmlformats.org/presentationml/2006/main">
+  <p:cSld>
+    <p:spTree>
+      <p:nvGrpSpPr>
+        <p:cNvPr id="1" name=""/>
+        <p:cNvGrpSpPr/>
+        <p:nvPr/>
+      </p:nvGrpSpPr>
+      <p:grpSpPr/>
+      <p:sp>
+        <p:nvSpPr>
+          <p:cNvPr id="2" name="Title 1"/>
+          <p:cNvSpPr>
+            <a:spLocks noGrp="1"/>
+          </p:cNvSpPr>
+          <p:nvPr>
+            <p:ph type="title"/>
+          </p:nvPr>
+        </p:nvSpPr>
+        <p:spPr/>
+        <p:txBody>
+          <a:bodyPr/>
+          <a:p>
+            <a:r>
+              <a:rPr lang="" altLang="en-US"/>
+              <a:t>Dữ liệu của bảng mappings </a:t>
+            </a:r>
+            <a:endParaRPr lang="" altLang="en-US"/>
+          </a:p>
+        </p:txBody>
+      </p:sp>
+      <p:pic>
+        <p:nvPicPr>
+          <p:cNvPr id="4" name="Content Placeholder 3" descr="Screenshot from 2019-12-01 03-34-53"/>
+          <p:cNvPicPr>
+            <a:picLocks noChangeAspect="1"/>
+          </p:cNvPicPr>
+          <p:nvPr>
+            <p:ph idx="1"/>
+          </p:nvPr>
+        </p:nvPicPr>
+        <p:blipFill>
+          <a:blip r:embed="rId1"/>
+          <a:stretch>
+            <a:fillRect/>
+          </a:stretch>
+        </p:blipFill>
+        <p:spPr>
+          <a:xfrm>
+            <a:off x="952500" y="1691005"/>
+            <a:ext cx="4588510" cy="4351655"/>
+          </a:xfrm>
+          <a:prstGeom prst="rect">
+            <a:avLst/>
+          </a:prstGeom>
+        </p:spPr>
+      </p:pic>
+      <p:sp>
+        <p:nvSpPr>
+          <p:cNvPr id="5" name="Text Box 4"/>
+          <p:cNvSpPr txBox="1"/>
+          <p:nvPr/>
+        </p:nvSpPr>
+        <p:spPr>
+          <a:xfrm>
+            <a:off x="6294755" y="2004060"/>
+            <a:ext cx="3429000" cy="368300"/>
+          </a:xfrm>
+          <a:prstGeom prst="rect">
+            <a:avLst/>
+          </a:prstGeom>
+          <a:noFill/>
+        </p:spPr>
+        <p:txBody>
+          <a:bodyPr wrap="square" rtlCol="0">
+            <a:spAutoFit/>
+          </a:bodyPr>
+          <a:p>
+            <a:r>
+              <a:rPr lang="" altLang="en-US"/>
+              <a:t>size =: 9703</a:t>
+            </a:r>
+            <a:endParaRPr lang="" altLang="en-US"/>
+          </a:p>
+        </p:txBody>
+      </p:sp>
+      <p:sp>
+        <p:nvSpPr>
+          <p:cNvPr id="6" name="Text Box 5"/>
+          <p:cNvSpPr txBox="1"/>
+          <p:nvPr/>
+        </p:nvSpPr>
+        <p:spPr>
+          <a:xfrm>
+            <a:off x="6296025" y="2564130"/>
+            <a:ext cx="5076825" cy="645160"/>
+          </a:xfrm>
+          <a:prstGeom prst="rect">
+            <a:avLst/>
+          </a:prstGeom>
+          <a:noFill/>
+        </p:spPr>
+        <p:txBody>
+          <a:bodyPr wrap="square" rtlCol="0">
+            <a:spAutoFit/>
+          </a:bodyPr>
+          <a:p>
+            <a:r>
+              <a:rPr lang="" altLang="en-US"/>
+              <a:t>một từ source tương ứng với 1 từ hoặc nhiều từ trong target</a:t>
+            </a:r>
+            <a:endParaRPr lang="" altLang="en-US"/>
+          </a:p>
+        </p:txBody>
+      </p:sp>
+    </p:spTree>
+  </p:cSld>
+  <p:clrMapOvr>
+    <a:masterClrMapping/>
+  </p:clrMapOvr>
+</p:sld>
+</file>
+
+<file path=ppt/slides/slide23.xml><?xml version="1.0" encoding="utf-8"?>
+<p:sld xmlns:a="http://schemas.openxmlformats.org/drawingml/2006/main" xmlns:r="http://schemas.openxmlformats.org/officeDocument/2006/relationships" xmlns:p="http://schemas.openxmlformats.org/presentationml/2006/main">
+  <p:cSld>
+    <p:spTree>
+      <p:nvGrpSpPr>
+        <p:cNvPr id="1" name=""/>
+        <p:cNvGrpSpPr/>
+        <p:nvPr/>
+      </p:nvGrpSpPr>
+      <p:grpSpPr/>
+      <p:sp>
+        <p:nvSpPr>
+          <p:cNvPr id="2" name="Title 1"/>
+          <p:cNvSpPr>
+            <a:spLocks noGrp="1"/>
+          </p:cNvSpPr>
+          <p:nvPr>
+            <p:ph type="title"/>
+          </p:nvPr>
+        </p:nvSpPr>
+        <p:spPr/>
+        <p:txBody>
+          <a:bodyPr/>
+          <a:p>
+            <a:r>
+              <a:rPr lang="" altLang="en-US"/>
+              <a:t>khi encode xong </a:t>
+            </a:r>
+            <a:endParaRPr lang="" altLang="en-US"/>
+          </a:p>
+        </p:txBody>
+      </p:sp>
+      <p:sp>
+        <p:nvSpPr>
+          <p:cNvPr id="3" name="Content Placeholder 2"/>
+          <p:cNvSpPr>
+            <a:spLocks noGrp="1"/>
+          </p:cNvSpPr>
+          <p:nvPr>
+            <p:ph idx="1"/>
+          </p:nvPr>
+        </p:nvSpPr>
+        <p:spPr/>
+        <p:txBody>
+          <a:bodyPr>
+            <a:normAutofit lnSpcReduction="20000"/>
+          </a:bodyPr>
+          <a:p>
+            <a:endParaRPr lang="en-US"/>
+          </a:p>
+          <a:p>
+            <a:r>
+              <a:rPr lang="en-US"/>
+              <a:t>        ret = {'src': src_sents,</a:t>
+            </a:r>
+            <a:endParaRPr lang="en-US"/>
+          </a:p>
+          <a:p>
+            <a:r>
+              <a:rPr lang="en-US"/>
+              <a:t>               'src_sent_words': src_sents_words,</a:t>
+            </a:r>
+            <a:endParaRPr lang="en-US"/>
+          </a:p>
+          <a:p>
+            <a:r>
+              <a:rPr lang="en-US"/>
+              <a:t>               'tgt': tgt_sents,</a:t>
+            </a:r>
+            <a:endParaRPr lang="en-US"/>
+          </a:p>
+          <a:p>
+            <a:r>
+              <a:rPr lang="en-US"/>
+              <a:t>               'tgt_sent_words': tgt_sents_words,</a:t>
+            </a:r>
+            <a:endParaRPr lang="en-US"/>
+          </a:p>
+          <a:p>
+            <a:r>
+              <a:rPr lang="en-US"/>
+              <a:t>               'pos': range(len(src_sents)), </a:t>
+            </a:r>
+            <a:endParaRPr lang="en-US"/>
+          </a:p>
+          <a:p>
+            <a:r>
+              <a:rPr lang="en-US"/>
+              <a:t>               'index': indices,</a:t>
+            </a:r>
+            <a:endParaRPr lang="en-US"/>
+          </a:p>
+          <a:p>
+            <a:r>
+              <a:rPr lang="en-US"/>
+              <a:t>               'tid': tids}</a:t>
+            </a:r>
+            <a:endParaRPr lang="en-US"/>
+          </a:p>
+          <a:p>
+            <a:r>
+              <a:rPr lang="" altLang="en-US"/>
+              <a:t>POS: các &lt;mention&gt; &lt;hashtag&gt;&lt;url&gt; không được thêm vào pos  </a:t>
+            </a:r>
+            <a:endParaRPr lang="" altLang="en-US"/>
+          </a:p>
+        </p:txBody>
+      </p:sp>
+    </p:spTree>
+  </p:cSld>
+  <p:clrMapOvr>
+    <a:masterClrMapping/>
+  </p:clrMapOvr>
+</p:sld>
+</file>
+
+<file path=ppt/slides/slide24.xml><?xml version="1.0" encoding="utf-8"?>
+<p:sld xmlns:a="http://schemas.openxmlformats.org/drawingml/2006/main" xmlns:r="http://schemas.openxmlformats.org/officeDocument/2006/relationships" xmlns:p="http://schemas.openxmlformats.org/presentationml/2006/main">
+  <p:cSld>
+    <p:spTree>
+      <p:nvGrpSpPr>
+        <p:cNvPr id="1" name=""/>
+        <p:cNvGrpSpPr/>
+        <p:nvPr/>
+      </p:nvGrpSpPr>
+      <p:grpSpPr/>
+      <p:sp>
+        <p:nvSpPr>
+          <p:cNvPr id="2" name="Title 1"/>
+          <p:cNvSpPr>
+            <a:spLocks noGrp="1"/>
+          </p:cNvSpPr>
+          <p:nvPr>
+            <p:ph type="title"/>
+          </p:nvPr>
+        </p:nvSpPr>
+        <p:spPr/>
+        <p:txBody>
+          <a:bodyPr/>
+          <a:p>
+            <a:endParaRPr lang="en-US"/>
+          </a:p>
+        </p:txBody>
+      </p:sp>
+      <p:pic>
+        <p:nvPicPr>
+          <p:cNvPr id="4" name="Content Placeholder 3" descr="Screenshot from 2019-12-01 06-12-58"/>
+          <p:cNvPicPr>
+            <a:picLocks noChangeAspect="1"/>
+          </p:cNvPicPr>
+          <p:nvPr>
+            <p:ph idx="1"/>
+          </p:nvPr>
+        </p:nvPicPr>
+        <p:blipFill>
+          <a:blip r:embed="rId1"/>
+          <a:stretch>
+            <a:fillRect/>
+          </a:stretch>
+        </p:blipFill>
+        <p:spPr>
+          <a:xfrm>
+            <a:off x="95250" y="2449195"/>
+            <a:ext cx="12268200" cy="2268855"/>
+          </a:xfrm>
+          <a:prstGeom prst="rect">
+            <a:avLst/>
+          </a:prstGeom>
+        </p:spPr>
+      </p:pic>
     </p:spTree>
   </p:cSld>
   <p:clrMapOvr>
@@ -2782,117 +6989,69 @@
         </p:nvSpPr>
         <p:spPr/>
         <p:txBody>
+          <a:bodyPr/>
+          <a:p>
+            <a:r>
+              <a:rPr lang="en-US" altLang="en-US"/>
+              <a:t>1 Bài toán </a:t>
+            </a:r>
+            <a:endParaRPr lang="en-US" altLang="en-US"/>
+          </a:p>
+        </p:txBody>
+      </p:sp>
+      <p:sp>
+        <p:nvSpPr>
+          <p:cNvPr id="3" name="Content Placeholder 2"/>
+          <p:cNvSpPr>
+            <a:spLocks noGrp="1"/>
+          </p:cNvSpPr>
+          <p:nvPr>
+            <p:ph idx="1"/>
+          </p:nvPr>
+        </p:nvSpPr>
+        <p:spPr/>
+        <p:txBody>
           <a:bodyPr>
-            <a:normAutofit fontScale="90000"/>
+            <a:normAutofit lnSpcReduction="20000"/>
           </a:bodyPr>
           <a:p>
+            <a:pPr algn="just"/>
             <a:r>
               <a:rPr lang="en-US" altLang="en-US"/>
-              <a:t>1 Word-level sequence-to-sequence model</a:t>
+              <a:t>Social Media tạo một lượng lớn data raw (liên tục theo thời gian thực)có giá trị nhưng hầu hết chúng đều ở dạng non-standard forms, noise .. là bottleneck cho các  NLP tasks.</a:t>
             </a:r>
             <a:endParaRPr lang="en-US" altLang="en-US"/>
           </a:p>
-        </p:txBody>
-      </p:sp>
-      <p:sp>
-        <p:nvSpPr>
-          <p:cNvPr id="3" name="Content Placeholder 2"/>
-          <p:cNvSpPr>
-            <a:spLocks noGrp="1"/>
-          </p:cNvSpPr>
-          <p:nvPr>
-            <p:ph idx="1"/>
-          </p:nvPr>
-        </p:nvSpPr>
-        <p:spPr/>
-        <p:txBody>
-          <a:bodyPr/>
-          <a:p>
-            <a:pPr marL="0" indent="0">
-              <a:buNone/>
-            </a:pPr>
+          <a:p>
+            <a:pPr algn="just"/>
+            <a:endParaRPr lang="en-US" altLang="en-US"/>
+          </a:p>
+          <a:p>
+            <a:pPr algn="just"/>
             <a:r>
               <a:rPr lang="en-US" altLang="en-US"/>
-              <a:t>Model based</a:t>
+              <a:t>Dẫn đến yêu cầu là cần phải text nomarlize để có thể hiểu được ý nghĩa của short online ports đó, dự đoán trend, recommand items...</a:t>
             </a:r>
             <a:endParaRPr lang="en-US" altLang="en-US"/>
           </a:p>
           <a:p>
-            <a:pPr marL="0" indent="0">
-              <a:buNone/>
-            </a:pPr>
+            <a:pPr algn="just"/>
             <a:endParaRPr lang="en-US" altLang="en-US"/>
           </a:p>
           <a:p>
-            <a:pPr marL="0" indent="0">
-              <a:buNone/>
-            </a:pPr>
+            <a:pPr algn="just"/>
+            <a:r>
+              <a:rPr lang="en-US" altLang="en-US"/>
+              <a:t>Một số non-standard forms trong tiếng anh như: misspellings, phonestic subsitution, shortening, acronyms, slang, emphasis, punctuation.</a:t>
+            </a:r>
             <a:endParaRPr lang="en-US" altLang="en-US"/>
           </a:p>
           <a:p>
-            <a:pPr marL="0" indent="0">
-              <a:buNone/>
-            </a:pPr>
+            <a:pPr algn="just"/>
             <a:endParaRPr lang="en-US" altLang="en-US"/>
           </a:p>
-          <a:p>
-            <a:pPr marL="0" indent="0">
-              <a:buNone/>
-            </a:pPr>
-            <a:endParaRPr lang="en-US" altLang="en-US"/>
-          </a:p>
-          <a:p>
-            <a:pPr marL="0" indent="0">
-              <a:buNone/>
-            </a:pPr>
-            <a:endParaRPr lang="en-US" altLang="en-US"/>
-          </a:p>
-          <a:p>
-            <a:pPr marL="0" indent="0">
-              <a:buNone/>
-            </a:pPr>
-            <a:r>
-              <a:rPr lang="en-US" altLang="en-US"/>
-              <a:t>1 consists of two parts : encoder and decoder</a:t>
-            </a:r>
-            <a:endParaRPr lang="en-US" altLang="en-US"/>
-          </a:p>
-          <a:p>
-            <a:pPr marL="0" indent="0">
-              <a:buNone/>
-            </a:pPr>
-            <a:r>
-              <a:rPr lang="en-US" altLang="en-US"/>
-              <a:t>2 a cell : RNNs, GRU, LSTM</a:t>
-            </a:r>
-            <a:endParaRPr lang="en-US" altLang="en-US"/>
-          </a:p>
-        </p:txBody>
-      </p:sp>
-      <p:pic>
-        <p:nvPicPr>
-          <p:cNvPr id="5" name="Content Placeholder 3" descr="Screenshot from 2019-11-18 22-59-38"/>
-          <p:cNvPicPr>
-            <a:picLocks noChangeAspect="1"/>
-          </p:cNvPicPr>
-          <p:nvPr/>
-        </p:nvPicPr>
-        <p:blipFill>
-          <a:blip r:embed="rId1"/>
-          <a:stretch>
-            <a:fillRect/>
-          </a:stretch>
-        </p:blipFill>
-        <p:spPr>
-          <a:xfrm>
-            <a:off x="1177925" y="2320290"/>
-            <a:ext cx="10027285" cy="2399665"/>
-          </a:xfrm>
-          <a:prstGeom prst="rect">
-            <a:avLst/>
-          </a:prstGeom>
-        </p:spPr>
-      </p:pic>
+        </p:txBody>
+      </p:sp>
     </p:spTree>
   </p:cSld>
   <p:clrMapOvr>
@@ -2923,13 +7082,11 @@
         </p:nvSpPr>
         <p:spPr/>
         <p:txBody>
-          <a:bodyPr>
-            <a:normAutofit fontScale="90000"/>
-          </a:bodyPr>
+          <a:bodyPr/>
           <a:p>
             <a:r>
               <a:rPr lang="en-US" altLang="en-US"/>
-              <a:t>1 Word-level sequence-to-sequence model</a:t>
+              <a:t>Ví dụ</a:t>
             </a:r>
             <a:endParaRPr lang="en-US" altLang="en-US"/>
           </a:p>
@@ -2945,47 +7102,164 @@
             <p:ph idx="1"/>
           </p:nvPr>
         </p:nvSpPr>
-        <p:spPr/>
-        <p:txBody>
-          <a:bodyPr/>
-          <a:p>
-            <a:pPr marL="0" indent="0">
-              <a:buNone/>
-            </a:pPr>
-            <a:endParaRPr lang="en-US" altLang="en-US"/>
-          </a:p>
-          <a:p>
-            <a:pPr marL="0" indent="0">
-              <a:buNone/>
-            </a:pPr>
-            <a:endParaRPr lang="en-US" altLang="en-US"/>
-          </a:p>
-        </p:txBody>
-      </p:sp>
-      <p:pic>
-        <p:nvPicPr>
-          <p:cNvPr id="6" name="Picture 5" descr="Screenshot from 2019-11-18 23-14-24"/>
-          <p:cNvPicPr>
-            <a:picLocks noChangeAspect="1"/>
-          </p:cNvPicPr>
-          <p:nvPr/>
-        </p:nvPicPr>
-        <p:blipFill>
-          <a:blip r:embed="rId1"/>
-          <a:stretch>
-            <a:fillRect/>
-          </a:stretch>
-        </p:blipFill>
         <p:spPr>
           <a:xfrm>
-            <a:off x="838200" y="2560320"/>
-            <a:ext cx="10761980" cy="1998345"/>
+            <a:off x="838200" y="1825625"/>
+            <a:ext cx="11182350" cy="4351655"/>
           </a:xfrm>
-          <a:prstGeom prst="rect">
+        </p:spPr>
+        <p:txBody>
+          <a:bodyPr/>
+          <a:p>
+            <a:r>
+              <a:rPr lang="en-US" altLang="en-US">
+                <a:solidFill>
+                  <a:srgbClr val="FF0000"/>
+                </a:solidFill>
+              </a:rPr>
+              <a:t>misspellings</a:t>
+            </a:r>
+            <a:r>
+              <a:rPr lang="en-US" altLang="en-US"/>
+              <a:t>: defenitely -&gt; definitely</a:t>
+            </a:r>
+            <a:endParaRPr lang="en-US" altLang="en-US"/>
+          </a:p>
+          <a:p>
+            <a:r>
+              <a:rPr lang="en-US" altLang="en-US">
+                <a:solidFill>
+                  <a:srgbClr val="FF0000"/>
+                </a:solidFill>
+              </a:rPr>
+              <a:t>phonestic subsitution</a:t>
+            </a:r>
+            <a:r>
+              <a:rPr lang="en-US" altLang="en-US"/>
+              <a:t>: 2morrow -&gt; tomorrow</a:t>
+            </a:r>
+            <a:endParaRPr lang="en-US" altLang="en-US"/>
+          </a:p>
+          <a:p>
+            <a:r>
+              <a:rPr lang="en-US" altLang="en-US">
+                <a:solidFill>
+                  <a:srgbClr val="FF0000"/>
+                </a:solidFill>
+              </a:rPr>
+              <a:t>shortening: convo</a:t>
+            </a:r>
+            <a:r>
+              <a:rPr lang="en-US" altLang="en-US"/>
+              <a:t> -&gt; conversation</a:t>
+            </a:r>
+            <a:endParaRPr lang="en-US" altLang="en-US"/>
+          </a:p>
+          <a:p>
+            <a:r>
+              <a:rPr lang="en-US" altLang="en-US">
+                <a:solidFill>
+                  <a:srgbClr val="FF0000"/>
+                </a:solidFill>
+              </a:rPr>
+              <a:t>acronyms</a:t>
+            </a:r>
+            <a:r>
+              <a:rPr lang="en-US" altLang="en-US"/>
+              <a:t>: idk -&gt; i don't know, goat -&gt; greatest of all time</a:t>
+            </a:r>
+            <a:endParaRPr lang="en-US" altLang="en-US"/>
+          </a:p>
+          <a:p>
+            <a:r>
+              <a:rPr lang="en-US" altLang="en-US">
+                <a:solidFill>
+                  <a:srgbClr val="FF0000"/>
+                </a:solidFill>
+              </a:rPr>
+              <a:t>slang</a:t>
+            </a:r>
+            <a:r>
+              <a:rPr lang="en-US" altLang="en-US"/>
+              <a:t>: low key, woke, broccoli</a:t>
+            </a:r>
+            <a:endParaRPr lang="en-US" altLang="en-US"/>
+          </a:p>
+          <a:p>
+            <a:r>
+              <a:rPr lang="en-US" altLang="en-US">
+                <a:solidFill>
+                  <a:srgbClr val="FF0000"/>
+                </a:solidFill>
+              </a:rPr>
+              <a:t>emphasis</a:t>
+            </a:r>
+            <a:r>
+              <a:rPr lang="en-US" altLang="en-US"/>
+              <a:t>: cooooooool -&gt; cool</a:t>
+            </a:r>
+            <a:endParaRPr lang="en-US" altLang="en-US"/>
+          </a:p>
+          <a:p>
+            <a:r>
+              <a:rPr lang="en-US" altLang="en-US">
+                <a:solidFill>
+                  <a:srgbClr val="FF0000"/>
+                </a:solidFill>
+              </a:rPr>
+              <a:t>punctuation</a:t>
+            </a:r>
+            <a:r>
+              <a:rPr lang="en-US" altLang="en-US"/>
+              <a:t>: dosent -&gt; doesn't, do'nt -&gt; don't</a:t>
+            </a:r>
+            <a:endParaRPr lang="en-US" altLang="en-US"/>
+          </a:p>
+        </p:txBody>
+      </p:sp>
+      <p:sp>
+        <p:nvSpPr>
+          <p:cNvPr id="4" name="Round Diagonal Corner Rectangle 3"/>
+          <p:cNvSpPr/>
+          <p:nvPr/>
+        </p:nvSpPr>
+        <p:spPr>
+          <a:xfrm>
+            <a:off x="995045" y="5398770"/>
+            <a:ext cx="10931525" cy="741680"/>
+          </a:xfrm>
+          <a:prstGeom prst="round2DiagRect">
             <a:avLst/>
           </a:prstGeom>
         </p:spPr>
-      </p:pic>
+        <p:style>
+          <a:lnRef idx="2">
+            <a:schemeClr val="accent1">
+              <a:shade val="50000"/>
+            </a:schemeClr>
+          </a:lnRef>
+          <a:fillRef idx="1">
+            <a:schemeClr val="accent1"/>
+          </a:fillRef>
+          <a:effectRef idx="0">
+            <a:schemeClr val="accent1"/>
+          </a:effectRef>
+          <a:fontRef idx="minor">
+            <a:schemeClr val="lt1"/>
+          </a:fontRef>
+        </p:style>
+        <p:txBody>
+          <a:bodyPr rtlCol="0" anchor="ctr"/>
+          <a:p>
+            <a:pPr algn="ctr"/>
+            <a:r>
+              <a:rPr lang="en-US" altLang="en-US"/>
+              <a:t>Text normalization là thực hiện chuyển noise or informal text sang standart representation </a:t>
+            </a:r>
+            <a:endParaRPr lang="en-US" altLang="en-US"/>
+          </a:p>
+        </p:txBody>
+      </p:sp>
     </p:spTree>
   </p:cSld>
   <p:clrMapOvr>
@@ -3016,13 +7290,11 @@
         </p:nvSpPr>
         <p:spPr/>
         <p:txBody>
-          <a:bodyPr>
-            <a:normAutofit fontScale="90000"/>
-          </a:bodyPr>
+          <a:bodyPr/>
           <a:p>
             <a:r>
               <a:rPr lang="en-US" altLang="en-US"/>
-              <a:t>1 Word-level sequence-to-sequence model</a:t>
+              <a:t>2 Mô hình </a:t>
             </a:r>
             <a:endParaRPr lang="en-US" altLang="en-US"/>
           </a:p>
@@ -3042,39 +7314,76 @@
         <p:txBody>
           <a:bodyPr/>
           <a:p>
+            <a:pPr algn="just"/>
             <a:r>
               <a:rPr lang="en-US" altLang="en-US"/>
-              <a:t>Attention mechanism</a:t>
+              <a:t>Một số hệ thống text normalize truyền thống như: statistical language models, dependency parsing, string similarity, spell-checking và slang dictionary. </a:t>
             </a:r>
             <a:endParaRPr lang="en-US" altLang="en-US"/>
           </a:p>
           <a:p>
-            <a:pPr lvl="1"/>
+            <a:pPr algn="just"/>
             <a:r>
               <a:rPr lang="en-US" altLang="en-US"/>
-              <a:t>focus on importance words</a:t>
+              <a:t>=&gt; Không hiệu quả với high-dimensional action space.</a:t>
             </a:r>
             <a:endParaRPr lang="en-US" altLang="en-US"/>
           </a:p>
           <a:p>
-            <a:pPr lvl="1"/>
+            <a:pPr algn="just"/>
             <a:r>
               <a:rPr lang="en-US" altLang="en-US"/>
-              <a:t>đánh trọng số cho các từ đầu vào: attention weights </a:t>
-            </a:r>
-            <a:endParaRPr lang="en-US" altLang="en-US"/>
-          </a:p>
-          <a:p>
-            <a:pPr lvl="1"/>
+              <a:t>=&gt; lexicon-based approaches</a:t>
+            </a:r>
+            <a:r>
+              <a:rPr lang="en-US">
+                <a:sym typeface="+mn-ea"/>
+              </a:rPr>
+              <a:t> không cho hiệu xuất cao đối với các văn băn social media, </a:t>
+            </a:r>
             <a:r>
               <a:rPr lang="en-US" altLang="en-US"/>
-              <a:t>input của mỗi cell t gồm 3 thành phần: ht-1, xt và attention weights để tính ht.</a:t>
-            </a:r>
-            <a:endParaRPr lang="en-US" altLang="en-US"/>
-          </a:p>
-          <a:p>
-            <a:pPr lvl="2"/>
-            <a:endParaRPr lang="en-US" altLang="en-US"/>
+              <a:t>không giải quyết được vấn đề </a:t>
+            </a:r>
+            <a:r>
+              <a:rPr lang="en-US" altLang="en-US">
+                <a:solidFill>
+                  <a:srgbClr val="FF0000"/>
+                </a:solidFill>
+              </a:rPr>
+              <a:t>long-term dependencies.</a:t>
+            </a:r>
+            <a:endParaRPr lang="en-US" altLang="en-US">
+              <a:solidFill>
+                <a:srgbClr val="FF0000"/>
+              </a:solidFill>
+            </a:endParaRPr>
+          </a:p>
+          <a:p>
+            <a:pPr algn="just"/>
+            <a:r>
+              <a:rPr lang="en-US" altLang="en-US">
+                <a:solidFill>
+                  <a:schemeClr val="tx1"/>
+                </a:solidFill>
+              </a:rPr>
+              <a:t>Ngoài ra một số phương pháp un-supervised TN thường tune hyperparameter dựa trên anotation data nên nó không phải là fully unsupervised.</a:t>
+            </a:r>
+            <a:endParaRPr lang="en-US" altLang="en-US">
+              <a:solidFill>
+                <a:srgbClr val="FF0000"/>
+              </a:solidFill>
+            </a:endParaRPr>
+          </a:p>
+          <a:p>
+            <a:pPr marL="0" indent="0" algn="just">
+              <a:buNone/>
+            </a:pPr>
+            <a:endParaRPr lang="en-US" altLang="en-US">
+              <a:solidFill>
+                <a:srgbClr val="FF0000"/>
+              </a:solidFill>
+            </a:endParaRPr>
           </a:p>
         </p:txBody>
       </p:sp>
@@ -3108,13 +7417,11 @@
         </p:nvSpPr>
         <p:spPr/>
         <p:txBody>
-          <a:bodyPr>
-            <a:normAutofit fontScale="90000"/>
-          </a:bodyPr>
+          <a:bodyPr/>
           <a:p>
             <a:r>
               <a:rPr lang="en-US" altLang="en-US"/>
-              <a:t>1 Word-level sequence-to-sequence model</a:t>
+              <a:t>2 Mô hình </a:t>
             </a:r>
             <a:endParaRPr lang="en-US" altLang="en-US"/>
           </a:p>
@@ -3132,65 +7439,183 @@
         </p:nvSpPr>
         <p:spPr/>
         <p:txBody>
-          <a:bodyPr>
-            <a:normAutofit lnSpcReduction="10000"/>
-          </a:bodyPr>
+          <a:bodyPr/>
+          <a:p>
+            <a:pPr algn="just"/>
+            <a:r>
+              <a:rPr lang="en-US" altLang="en-US">
+                <a:solidFill>
+                  <a:schemeClr val="tx1"/>
+                </a:solidFill>
+              </a:rPr>
+              <a:t>Tác giả đề xuất: end-to-end neurol network models: cụ thể là mô hình seq2seq models dựa trên kiến trúc recurrent neural encoder-decoder.</a:t>
+            </a:r>
+            <a:endParaRPr lang="en-US" altLang="en-US">
+              <a:solidFill>
+                <a:schemeClr val="tx1"/>
+              </a:solidFill>
+            </a:endParaRPr>
+          </a:p>
+          <a:p>
+            <a:pPr algn="just"/>
+            <a:endParaRPr lang="en-US" altLang="en-US">
+              <a:solidFill>
+                <a:schemeClr val="tx1"/>
+              </a:solidFill>
+            </a:endParaRPr>
+          </a:p>
+          <a:p>
+            <a:pPr algn="just"/>
+            <a:endParaRPr lang="en-US" altLang="en-US">
+              <a:solidFill>
+                <a:schemeClr val="tx1"/>
+              </a:solidFill>
+            </a:endParaRPr>
+          </a:p>
+          <a:p>
+            <a:pPr algn="just"/>
+            <a:endParaRPr lang="en-US" altLang="en-US">
+              <a:solidFill>
+                <a:srgbClr val="FF0000"/>
+              </a:solidFill>
+            </a:endParaRPr>
+          </a:p>
+          <a:p>
+            <a:pPr marL="0" indent="0" algn="just">
+              <a:buNone/>
+            </a:pPr>
+            <a:endParaRPr lang="en-US" altLang="en-US">
+              <a:solidFill>
+                <a:srgbClr val="FF0000"/>
+              </a:solidFill>
+            </a:endParaRPr>
+          </a:p>
+        </p:txBody>
+      </p:sp>
+    </p:spTree>
+  </p:cSld>
+  <p:clrMapOvr>
+    <a:masterClrMapping/>
+  </p:clrMapOvr>
+</p:sld>
+</file>
+
+<file path=ppt/slides/slide7.xml><?xml version="1.0" encoding="utf-8"?>
+<p:sld xmlns:a="http://schemas.openxmlformats.org/drawingml/2006/main" xmlns:r="http://schemas.openxmlformats.org/officeDocument/2006/relationships" xmlns:p="http://schemas.openxmlformats.org/presentationml/2006/main">
+  <p:cSld>
+    <p:spTree>
+      <p:nvGrpSpPr>
+        <p:cNvPr id="1" name=""/>
+        <p:cNvGrpSpPr/>
+        <p:nvPr/>
+      </p:nvGrpSpPr>
+      <p:grpSpPr/>
+      <p:sp>
+        <p:nvSpPr>
+          <p:cNvPr id="2" name="Title 1"/>
+          <p:cNvSpPr>
+            <a:spLocks noGrp="1"/>
+          </p:cNvSpPr>
+          <p:nvPr>
+            <p:ph type="title"/>
+          </p:nvPr>
+        </p:nvSpPr>
+        <p:spPr/>
+        <p:txBody>
+          <a:bodyPr/>
           <a:p>
             <a:r>
               <a:rPr lang="en-US" altLang="en-US"/>
-              <a:t>Bi-direction model: </a:t>
+              <a:t>2 Mô hình </a:t>
             </a:r>
             <a:endParaRPr lang="en-US" altLang="en-US"/>
           </a:p>
-          <a:p>
-            <a:pPr lvl="1"/>
-            <a:endParaRPr lang="en-US" altLang="en-US"/>
-          </a:p>
-          <a:p>
-            <a:pPr lvl="1"/>
-            <a:endParaRPr lang="en-US" altLang="en-US"/>
-          </a:p>
-          <a:p>
-            <a:pPr lvl="1"/>
-            <a:endParaRPr lang="en-US" altLang="en-US"/>
-          </a:p>
-          <a:p>
-            <a:pPr lvl="1"/>
-            <a:endParaRPr lang="en-US" altLang="en-US"/>
-          </a:p>
-          <a:p>
-            <a:pPr lvl="1"/>
-            <a:endParaRPr lang="en-US" altLang="en-US"/>
-          </a:p>
-          <a:p>
-            <a:pPr lvl="1"/>
-            <a:endParaRPr lang="en-US" altLang="en-US"/>
-          </a:p>
-          <a:p>
-            <a:pPr lvl="1"/>
-            <a:endParaRPr lang="en-US" altLang="en-US"/>
-          </a:p>
-          <a:p>
-            <a:pPr lvl="1"/>
-            <a:endParaRPr lang="en-US" altLang="en-US"/>
-          </a:p>
-          <a:p>
-            <a:pPr lvl="1"/>
-            <a:endParaRPr lang="en-US" altLang="en-US"/>
-          </a:p>
-          <a:p>
-            <a:pPr lvl="1"/>
-            <a:r>
-              <a:rPr lang="en-US" altLang="en-US"/>
-              <a:t>https://towardsdatascience.com/understanding-bidirectional-rnn-in-pytorch-5bd25a5dd66</a:t>
-            </a:r>
-            <a:endParaRPr lang="en-US" altLang="en-US"/>
+        </p:txBody>
+      </p:sp>
+      <p:sp>
+        <p:nvSpPr>
+          <p:cNvPr id="3" name="Content Placeholder 2"/>
+          <p:cNvSpPr>
+            <a:spLocks noGrp="1"/>
+          </p:cNvSpPr>
+          <p:nvPr>
+            <p:ph idx="1"/>
+          </p:nvPr>
+        </p:nvSpPr>
+        <p:spPr/>
+        <p:txBody>
+          <a:bodyPr/>
+          <a:p>
+            <a:pPr algn="just"/>
+            <a:r>
+              <a:rPr lang="en-US" altLang="en-US">
+                <a:solidFill>
+                  <a:schemeClr val="tx1"/>
+                </a:solidFill>
+              </a:rPr>
+              <a:t>Kiến trúc gồm 2 encoder-decoder models.</a:t>
+            </a:r>
+            <a:endParaRPr lang="en-US" altLang="en-US">
+              <a:solidFill>
+                <a:schemeClr val="tx1"/>
+              </a:solidFill>
+            </a:endParaRPr>
+          </a:p>
+          <a:p>
+            <a:pPr algn="just"/>
+            <a:r>
+              <a:rPr lang="en-US" altLang="en-US">
+                <a:solidFill>
+                  <a:schemeClr val="tx1"/>
+                </a:solidFill>
+              </a:rPr>
+              <a:t>Đối với các từ không tìm thấy trong mô hình word-based thì tiến hành áp dụng với mô hình character-based.</a:t>
+            </a:r>
+            <a:endParaRPr lang="en-US" altLang="en-US">
+              <a:solidFill>
+                <a:schemeClr val="tx1"/>
+              </a:solidFill>
+            </a:endParaRPr>
+          </a:p>
+          <a:p>
+            <a:pPr algn="just"/>
+            <a:endParaRPr lang="en-US" altLang="en-US">
+              <a:solidFill>
+                <a:schemeClr val="tx1"/>
+              </a:solidFill>
+            </a:endParaRPr>
+          </a:p>
+          <a:p>
+            <a:pPr algn="just"/>
+            <a:endParaRPr lang="en-US" altLang="en-US">
+              <a:solidFill>
+                <a:schemeClr val="tx1"/>
+              </a:solidFill>
+            </a:endParaRPr>
+          </a:p>
+          <a:p>
+            <a:pPr algn="just"/>
+            <a:endParaRPr lang="en-US" altLang="en-US">
+              <a:solidFill>
+                <a:srgbClr val="FF0000"/>
+              </a:solidFill>
+            </a:endParaRPr>
+          </a:p>
+          <a:p>
+            <a:pPr marL="0" indent="0" algn="just">
+              <a:buNone/>
+            </a:pPr>
+            <a:endParaRPr lang="en-US" altLang="en-US">
+              <a:solidFill>
+                <a:srgbClr val="FF0000"/>
+              </a:solidFill>
+            </a:endParaRPr>
           </a:p>
         </p:txBody>
       </p:sp>
       <p:pic>
         <p:nvPicPr>
-          <p:cNvPr id="4" name="Picture 3" descr="Screenshot from 2019-11-19 02-38-48"/>
+          <p:cNvPr id="4" name="Picture 3" descr="Screenshot from 2019-11-25 22-47-48"/>
           <p:cNvPicPr>
             <a:picLocks noChangeAspect="1"/>
           </p:cNvPicPr>
@@ -3204,14 +7629,77 @@
         </p:blipFill>
         <p:spPr>
           <a:xfrm>
-            <a:off x="1046480" y="2238375"/>
-            <a:ext cx="6362065" cy="3047365"/>
+            <a:off x="1476375" y="3422015"/>
+            <a:ext cx="9040495" cy="2671445"/>
           </a:xfrm>
           <a:prstGeom prst="rect">
             <a:avLst/>
           </a:prstGeom>
         </p:spPr>
       </p:pic>
+    </p:spTree>
+  </p:cSld>
+  <p:clrMapOvr>
+    <a:masterClrMapping/>
+  </p:clrMapOvr>
+</p:sld>
+</file>
+
+<file path=ppt/slides/slide8.xml><?xml version="1.0" encoding="utf-8"?>
+<p:sld xmlns:a="http://schemas.openxmlformats.org/drawingml/2006/main" xmlns:r="http://schemas.openxmlformats.org/officeDocument/2006/relationships" xmlns:p="http://schemas.openxmlformats.org/presentationml/2006/main">
+  <p:cSld>
+    <p:spTree>
+      <p:nvGrpSpPr>
+        <p:cNvPr id="1" name=""/>
+        <p:cNvGrpSpPr/>
+        <p:nvPr/>
+      </p:nvGrpSpPr>
+      <p:grpSpPr/>
+      <p:sp>
+        <p:nvSpPr>
+          <p:cNvPr id="2" name="Title 1"/>
+          <p:cNvSpPr>
+            <a:spLocks noGrp="1"/>
+          </p:cNvSpPr>
+          <p:nvPr>
+            <p:ph type="title"/>
+          </p:nvPr>
+        </p:nvSpPr>
+        <p:spPr/>
+        <p:txBody>
+          <a:bodyPr>
+            <a:normAutofit/>
+          </a:bodyPr>
+          <a:p>
+            <a:r>
+              <a:rPr lang="en-US" altLang="en-US"/>
+              <a:t>2.1 encoder-decoder</a:t>
+            </a:r>
+            <a:endParaRPr lang="en-US" altLang="en-US"/>
+          </a:p>
+        </p:txBody>
+      </p:sp>
+      <p:sp>
+        <p:nvSpPr>
+          <p:cNvPr id="3" name="Content Placeholder 2"/>
+          <p:cNvSpPr>
+            <a:spLocks noGrp="1"/>
+          </p:cNvSpPr>
+          <p:nvPr>
+            <p:ph idx="1"/>
+          </p:nvPr>
+        </p:nvSpPr>
+        <p:spPr/>
+        <p:txBody>
+          <a:bodyPr/>
+          <a:p>
+            <a:endParaRPr lang="en-US" altLang="en-US"/>
+          </a:p>
+          <a:p>
+            <a:endParaRPr lang="en-US" altLang="en-US"/>
+          </a:p>
+        </p:txBody>
+      </p:sp>
       <p:sp>
         <p:nvSpPr>
           <p:cNvPr id="5" name="Text Box 4"/>
@@ -3220,8 +7708,8 @@
         </p:nvSpPr>
         <p:spPr>
           <a:xfrm>
-            <a:off x="7543800" y="2402205"/>
-            <a:ext cx="3428365" cy="1476375"/>
+            <a:off x="984885" y="1579880"/>
+            <a:ext cx="8220710" cy="5631180"/>
           </a:xfrm>
           <a:prstGeom prst="rect">
             <a:avLst/>
@@ -3233,19 +7721,622 @@
             <a:spAutoFit/>
           </a:bodyPr>
           <a:p>
+            <a:pPr marL="285750" indent="-285750">
+              <a:buFont typeface="Arial" panose="02080604020202020204" pitchFamily="34" charset="0"/>
+              <a:buChar char="•"/>
+            </a:pPr>
+            <a:r>
+              <a:rPr lang="en-US" altLang="en-US" sz="2400"/>
+              <a:t>Đầu vào là sequence vector x = (x</a:t>
+            </a:r>
+            <a:r>
+              <a:rPr lang="en-US" altLang="en-US" sz="2400" baseline="-25000"/>
+              <a:t>1</a:t>
+            </a:r>
+            <a:r>
+              <a:rPr lang="en-US" altLang="en-US" sz="2400"/>
+              <a:t>,x</a:t>
+            </a:r>
+            <a:r>
+              <a:rPr lang="en-US" altLang="en-US" sz="2400" baseline="-25000"/>
+              <a:t>2</a:t>
+            </a:r>
+            <a:r>
+              <a:rPr lang="en-US" altLang="en-US" sz="2400"/>
+              <a:t>,x</a:t>
+            </a:r>
+            <a:r>
+              <a:rPr lang="en-US" altLang="en-US" sz="2400" baseline="-25000"/>
+              <a:t>3</a:t>
+            </a:r>
+            <a:r>
+              <a:rPr lang="en-US" altLang="en-US" sz="2400"/>
+              <a:t>,...,x</a:t>
+            </a:r>
+            <a:r>
+              <a:rPr lang="en-US" altLang="en-US" sz="2400" baseline="-25000"/>
+              <a:t>T</a:t>
+            </a:r>
+            <a:r>
+              <a:rPr lang="en-US" altLang="en-US" sz="2400"/>
+              <a:t>)</a:t>
+            </a:r>
+            <a:endParaRPr lang="en-US" altLang="en-US" sz="2400"/>
+          </a:p>
+          <a:p>
+            <a:pPr marL="285750" indent="-285750">
+              <a:buFont typeface="Arial" panose="02080604020202020204" pitchFamily="34" charset="0"/>
+              <a:buChar char="•"/>
+            </a:pPr>
+            <a:r>
+              <a:rPr lang="en-US" altLang="en-US" sz="2400"/>
+              <a:t>Vector annotations: h = (h</a:t>
+            </a:r>
+            <a:r>
+              <a:rPr lang="en-US" altLang="en-US" sz="2400" baseline="-25000"/>
+              <a:t>1</a:t>
+            </a:r>
+            <a:r>
+              <a:rPr lang="en-US" altLang="en-US" sz="2400"/>
+              <a:t>,h</a:t>
+            </a:r>
+            <a:r>
+              <a:rPr lang="en-US" altLang="en-US" sz="2400" baseline="-25000"/>
+              <a:t>2</a:t>
+            </a:r>
+            <a:r>
+              <a:rPr lang="en-US" altLang="en-US" sz="2400"/>
+              <a:t>,h</a:t>
+            </a:r>
+            <a:r>
+              <a:rPr lang="en-US" altLang="en-US" sz="2400" baseline="-25000"/>
+              <a:t>3</a:t>
+            </a:r>
+            <a:r>
+              <a:rPr lang="en-US" altLang="en-US" sz="2400"/>
+              <a:t>,..,h</a:t>
+            </a:r>
+            <a:r>
+              <a:rPr lang="en-US" altLang="en-US" sz="2400" baseline="-25000"/>
+              <a:t>T</a:t>
+            </a:r>
+            <a:r>
+              <a:rPr lang="en-US" altLang="en-US" sz="2400"/>
+              <a:t>)</a:t>
+            </a:r>
+            <a:endParaRPr lang="en-US" altLang="en-US" sz="2400"/>
+          </a:p>
+          <a:p>
+            <a:pPr marL="285750" indent="-285750">
+              <a:buFont typeface="Arial" panose="02080604020202020204" pitchFamily="34" charset="0"/>
+              <a:buChar char="•"/>
+            </a:pPr>
+            <a:r>
+              <a:rPr lang="en-US" altLang="en-US" sz="2400"/>
+              <a:t>trong đó ht = [g</a:t>
+            </a:r>
+            <a:r>
+              <a:rPr lang="en-US" altLang="en-US" sz="2400" baseline="-25000"/>
+              <a:t>f</a:t>
+            </a:r>
+            <a:r>
+              <a:rPr lang="en-US" altLang="en-US" sz="2400"/>
+              <a:t>(x</a:t>
+            </a:r>
+            <a:r>
+              <a:rPr lang="en-US" altLang="en-US" sz="2400" baseline="-25000"/>
+              <a:t>t</a:t>
+            </a:r>
+            <a:r>
+              <a:rPr lang="en-US" altLang="en-US" sz="2400"/>
+              <a:t>, h</a:t>
+            </a:r>
+            <a:r>
+              <a:rPr lang="en-US" altLang="en-US" sz="2400" baseline="-25000"/>
+              <a:t>t-1</a:t>
+            </a:r>
+            <a:r>
+              <a:rPr lang="en-US" altLang="en-US" sz="2400"/>
+              <a:t>), g</a:t>
+            </a:r>
+            <a:r>
+              <a:rPr lang="en-US" altLang="en-US" sz="2400" baseline="-25000"/>
+              <a:t>b</a:t>
+            </a:r>
+            <a:r>
+              <a:rPr lang="en-US" altLang="en-US" sz="2400"/>
+              <a:t>(x</a:t>
+            </a:r>
+            <a:r>
+              <a:rPr lang="en-US" altLang="en-US" sz="2400" baseline="-25000"/>
+              <a:t>t</a:t>
+            </a:r>
+            <a:r>
+              <a:rPr lang="en-US" altLang="en-US" sz="2400"/>
+              <a:t>, h</a:t>
+            </a:r>
+            <a:r>
+              <a:rPr lang="en-US" altLang="en-US" sz="2400" baseline="-25000"/>
+              <a:t>t-1</a:t>
+            </a:r>
+            <a:r>
+              <a:rPr lang="en-US" altLang="en-US" sz="2400"/>
+              <a:t>)]</a:t>
+            </a:r>
+            <a:endParaRPr lang="en-US" altLang="en-US" sz="2400"/>
+          </a:p>
+          <a:p>
+            <a:pPr marL="285750" indent="-285750">
+              <a:buFont typeface="Arial" panose="02080604020202020204" pitchFamily="34" charset="0"/>
+              <a:buChar char="•"/>
+            </a:pPr>
+            <a:endParaRPr lang="en-US" altLang="en-US" sz="2400"/>
+          </a:p>
+          <a:p>
+            <a:pPr marL="285750" indent="-285750">
+              <a:buFont typeface="Arial" panose="02080604020202020204" pitchFamily="34" charset="0"/>
+              <a:buChar char="•"/>
+            </a:pPr>
+            <a:r>
+              <a:rPr lang="en-US" altLang="en-US" sz="2400"/>
+              <a:t>context vector  </a:t>
+            </a:r>
+            <a:endParaRPr lang="en-US" altLang="en-US" sz="2400"/>
+          </a:p>
+          <a:p>
+            <a:pPr marL="285750" indent="-285750">
+              <a:buFont typeface="Arial" panose="02080604020202020204" pitchFamily="34" charset="0"/>
+              <a:buChar char="•"/>
+            </a:pPr>
+            <a:endParaRPr lang="en-US" altLang="en-US" sz="2400"/>
+          </a:p>
+          <a:p>
+            <a:pPr marL="285750" indent="-285750">
+              <a:buFont typeface="Arial" panose="02080604020202020204" pitchFamily="34" charset="0"/>
+              <a:buChar char="•"/>
+            </a:pPr>
+            <a:r>
+              <a:rPr lang="en-US" altLang="en-US" sz="2400"/>
+              <a:t>trong đó: </a:t>
+            </a:r>
+            <a:r>
+              <a:rPr lang="en-US" altLang="en-US" sz="2400">
+                <a:latin typeface="Arial" panose="02080604020202020204" pitchFamily="34" charset="0"/>
+                <a:cs typeface="Arial" panose="02080604020202020204" pitchFamily="34" charset="0"/>
+              </a:rPr>
+              <a:t>α</a:t>
+            </a:r>
+            <a:r>
+              <a:rPr lang="en-US" altLang="en-US" sz="2400" baseline="-25000">
+                <a:latin typeface="Arial" panose="02080604020202020204" pitchFamily="34" charset="0"/>
+                <a:cs typeface="Arial" panose="02080604020202020204" pitchFamily="34" charset="0"/>
+              </a:rPr>
+              <a:t>jk  </a:t>
+            </a:r>
+            <a:r>
+              <a:rPr lang="en-US" altLang="en-US" sz="2400">
+                <a:latin typeface="Arial" panose="02080604020202020204" pitchFamily="34" charset="0"/>
+                <a:cs typeface="Arial" panose="02080604020202020204" pitchFamily="34" charset="0"/>
+              </a:rPr>
+              <a:t>= softmax(f(s</a:t>
+            </a:r>
+            <a:r>
+              <a:rPr lang="en-US" altLang="en-US" sz="2400" baseline="-25000">
+                <a:latin typeface="Arial" panose="02080604020202020204" pitchFamily="34" charset="0"/>
+                <a:cs typeface="Arial" panose="02080604020202020204" pitchFamily="34" charset="0"/>
+              </a:rPr>
+              <a:t>j-1</a:t>
+            </a:r>
+            <a:r>
+              <a:rPr lang="en-US" altLang="en-US" sz="2400">
+                <a:latin typeface="Arial" panose="02080604020202020204" pitchFamily="34" charset="0"/>
+                <a:cs typeface="Arial" panose="02080604020202020204" pitchFamily="34" charset="0"/>
+              </a:rPr>
+              <a:t>,h</a:t>
+            </a:r>
+            <a:r>
+              <a:rPr lang="en-US" altLang="en-US" sz="2400" baseline="-25000">
+                <a:latin typeface="Arial" panose="02080604020202020204" pitchFamily="34" charset="0"/>
+                <a:cs typeface="Arial" panose="02080604020202020204" pitchFamily="34" charset="0"/>
+              </a:rPr>
+              <a:t>k</a:t>
+            </a:r>
+            <a:r>
+              <a:rPr lang="en-US" altLang="en-US" sz="2400">
+                <a:latin typeface="Arial" panose="02080604020202020204" pitchFamily="34" charset="0"/>
+                <a:cs typeface="Arial" panose="02080604020202020204" pitchFamily="34" charset="0"/>
+              </a:rPr>
+              <a:t>))</a:t>
+            </a:r>
+            <a:endParaRPr lang="en-US" altLang="en-US" sz="2400">
+              <a:latin typeface="Arial" panose="02080604020202020204" pitchFamily="34" charset="0"/>
+              <a:cs typeface="Arial" panose="02080604020202020204" pitchFamily="34" charset="0"/>
+            </a:endParaRPr>
+          </a:p>
+          <a:p>
+            <a:pPr marL="285750" indent="-285750">
+              <a:buFont typeface="Arial" panose="02080604020202020204" pitchFamily="34" charset="0"/>
+              <a:buChar char="•"/>
+            </a:pPr>
+            <a:r>
+              <a:rPr lang="en-US" altLang="en-US" sz="2400">
+                <a:latin typeface="Arial" panose="02080604020202020204" pitchFamily="34" charset="0"/>
+                <a:cs typeface="Arial" panose="02080604020202020204" pitchFamily="34" charset="0"/>
+              </a:rPr>
+              <a:t>f(s</a:t>
+            </a:r>
+            <a:r>
+              <a:rPr lang="en-US" altLang="en-US" sz="2400" baseline="-25000">
+                <a:latin typeface="Arial" panose="02080604020202020204" pitchFamily="34" charset="0"/>
+                <a:cs typeface="Arial" panose="02080604020202020204" pitchFamily="34" charset="0"/>
+              </a:rPr>
+              <a:t>j-1</a:t>
+            </a:r>
+            <a:r>
+              <a:rPr lang="en-US" altLang="en-US" sz="2400">
+                <a:latin typeface="Arial" panose="02080604020202020204" pitchFamily="34" charset="0"/>
+                <a:cs typeface="Arial" panose="02080604020202020204" pitchFamily="34" charset="0"/>
+              </a:rPr>
+              <a:t>,h</a:t>
+            </a:r>
+            <a:r>
+              <a:rPr lang="en-US" altLang="en-US" sz="2400" baseline="-25000">
+                <a:latin typeface="Arial" panose="02080604020202020204" pitchFamily="34" charset="0"/>
+                <a:cs typeface="Arial" panose="02080604020202020204" pitchFamily="34" charset="0"/>
+              </a:rPr>
+              <a:t>k</a:t>
+            </a:r>
+            <a:r>
+              <a:rPr lang="en-US" altLang="en-US" sz="2400">
+                <a:latin typeface="Arial" panose="02080604020202020204" pitchFamily="34" charset="0"/>
+                <a:cs typeface="Arial" panose="02080604020202020204" pitchFamily="34" charset="0"/>
+              </a:rPr>
+              <a:t>) = s</a:t>
+            </a:r>
+            <a:r>
+              <a:rPr lang="en-US" altLang="en-US" sz="2400" baseline="-25000">
+                <a:latin typeface="Arial" panose="02080604020202020204" pitchFamily="34" charset="0"/>
+                <a:cs typeface="Arial" panose="02080604020202020204" pitchFamily="34" charset="0"/>
+              </a:rPr>
+              <a:t>j-1</a:t>
+            </a:r>
+            <a:r>
+              <a:rPr lang="en-US" altLang="en-US" sz="2400" baseline="30000">
+                <a:latin typeface="Arial" panose="02080604020202020204" pitchFamily="34" charset="0"/>
+                <a:cs typeface="Arial" panose="02080604020202020204" pitchFamily="34" charset="0"/>
+              </a:rPr>
+              <a:t>T</a:t>
+            </a:r>
+            <a:r>
+              <a:rPr lang="en-US" altLang="en-US" sz="2400">
+                <a:latin typeface="Arial" panose="02080604020202020204" pitchFamily="34" charset="0"/>
+                <a:cs typeface="Arial" panose="02080604020202020204" pitchFamily="34" charset="0"/>
+              </a:rPr>
+              <a:t>Wh</a:t>
+            </a:r>
+            <a:r>
+              <a:rPr lang="en-US" altLang="en-US" sz="2400" baseline="-25000">
+                <a:latin typeface="Arial" panose="02080604020202020204" pitchFamily="34" charset="0"/>
+                <a:cs typeface="Arial" panose="02080604020202020204" pitchFamily="34" charset="0"/>
+              </a:rPr>
+              <a:t>k </a:t>
+            </a:r>
+            <a:endParaRPr lang="en-US" altLang="en-US" sz="2400" baseline="-25000">
+              <a:latin typeface="Arial" panose="02080604020202020204" pitchFamily="34" charset="0"/>
+              <a:cs typeface="Arial" panose="02080604020202020204" pitchFamily="34" charset="0"/>
+            </a:endParaRPr>
+          </a:p>
+          <a:p>
+            <a:pPr marL="285750" indent="-285750">
+              <a:buFont typeface="Arial" panose="02080604020202020204" pitchFamily="34" charset="0"/>
+              <a:buChar char="•"/>
+            </a:pPr>
+            <a:r>
+              <a:rPr lang="en-US" altLang="en-US" sz="2400">
+                <a:latin typeface="Arial" panose="02080604020202020204" pitchFamily="34" charset="0"/>
+                <a:cs typeface="Arial" panose="02080604020202020204" pitchFamily="34" charset="0"/>
+              </a:rPr>
+              <a:t>y</a:t>
+            </a:r>
+            <a:r>
+              <a:rPr lang="en-US" altLang="en-US" sz="2400" baseline="-25000">
+                <a:latin typeface="Arial" panose="02080604020202020204" pitchFamily="34" charset="0"/>
+                <a:cs typeface="Arial" panose="02080604020202020204" pitchFamily="34" charset="0"/>
+              </a:rPr>
+              <a:t>j</a:t>
+            </a:r>
+            <a:r>
+              <a:rPr lang="en-US" altLang="en-US" sz="2400">
+                <a:latin typeface="Arial" panose="02080604020202020204" pitchFamily="34" charset="0"/>
+                <a:cs typeface="Arial" panose="02080604020202020204" pitchFamily="34" charset="0"/>
+              </a:rPr>
+              <a:t> </a:t>
+            </a:r>
+            <a:r>
+              <a:rPr lang="en-US" altLang="en-US" sz="2400">
+                <a:latin typeface="Arial" panose="02080604020202020204" pitchFamily="34" charset="0"/>
+                <a:cs typeface="Arial" panose="02080604020202020204" pitchFamily="34" charset="0"/>
+                <a:sym typeface="+mn-ea"/>
+              </a:rPr>
+              <a:t>≈ p(y</a:t>
+            </a:r>
+            <a:r>
+              <a:rPr lang="en-US" altLang="en-US" sz="2400" baseline="-25000">
+                <a:latin typeface="Arial" panose="02080604020202020204" pitchFamily="34" charset="0"/>
+                <a:cs typeface="Arial" panose="02080604020202020204" pitchFamily="34" charset="0"/>
+                <a:sym typeface="+mn-ea"/>
+              </a:rPr>
+              <a:t>j</a:t>
+            </a:r>
+            <a:r>
+              <a:rPr lang="en-US" altLang="en-US" sz="2400">
+                <a:latin typeface="Arial" panose="02080604020202020204" pitchFamily="34" charset="0"/>
+                <a:cs typeface="Arial" panose="02080604020202020204" pitchFamily="34" charset="0"/>
+                <a:sym typeface="+mn-ea"/>
+              </a:rPr>
+              <a:t>|y</a:t>
+            </a:r>
+            <a:r>
+              <a:rPr lang="en-US" altLang="en-US" sz="2400" baseline="-25000">
+                <a:latin typeface="Arial" panose="02080604020202020204" pitchFamily="34" charset="0"/>
+                <a:cs typeface="Arial" panose="02080604020202020204" pitchFamily="34" charset="0"/>
+                <a:sym typeface="+mn-ea"/>
+              </a:rPr>
+              <a:t>&lt; j</a:t>
+            </a:r>
+            <a:r>
+              <a:rPr lang="en-US" altLang="en-US" sz="2400">
+                <a:latin typeface="Arial" panose="02080604020202020204" pitchFamily="34" charset="0"/>
+                <a:cs typeface="Arial" panose="02080604020202020204" pitchFamily="34" charset="0"/>
+                <a:sym typeface="+mn-ea"/>
+              </a:rPr>
+              <a:t>, x) = softmax(</a:t>
+            </a:r>
+            <a:r>
+              <a:rPr lang="en-US" altLang="en-US" sz="2400">
+                <a:latin typeface="Ubuntu" panose="020B0604030602030204" charset="0"/>
+                <a:ea typeface="Ubuntu" panose="020B0604030602030204" charset="0"/>
+                <a:cs typeface="Arial" panose="02080604020202020204" pitchFamily="34" charset="0"/>
+                <a:sym typeface="+mn-ea"/>
+              </a:rPr>
+              <a:t>ω(s</a:t>
+            </a:r>
+            <a:r>
+              <a:rPr lang="en-US" altLang="en-US" sz="2400" baseline="-25000">
+                <a:latin typeface="Ubuntu" panose="020B0604030602030204" charset="0"/>
+                <a:ea typeface="Ubuntu" panose="020B0604030602030204" charset="0"/>
+                <a:cs typeface="Arial" panose="02080604020202020204" pitchFamily="34" charset="0"/>
+                <a:sym typeface="+mn-ea"/>
+              </a:rPr>
+              <a:t>j</a:t>
+            </a:r>
+            <a:r>
+              <a:rPr lang="en-US" altLang="en-US" sz="2400">
+                <a:latin typeface="Ubuntu" panose="020B0604030602030204" charset="0"/>
+                <a:ea typeface="Ubuntu" panose="020B0604030602030204" charset="0"/>
+                <a:cs typeface="Arial" panose="02080604020202020204" pitchFamily="34" charset="0"/>
+                <a:sym typeface="+mn-ea"/>
+              </a:rPr>
+              <a:t>)</a:t>
+            </a:r>
+            <a:r>
+              <a:rPr lang="en-US" altLang="en-US" sz="2400">
+                <a:latin typeface="Arial" panose="02080604020202020204" pitchFamily="34" charset="0"/>
+                <a:cs typeface="Arial" panose="02080604020202020204" pitchFamily="34" charset="0"/>
+                <a:sym typeface="+mn-ea"/>
+              </a:rPr>
+              <a:t>)</a:t>
+            </a:r>
+            <a:endParaRPr lang="en-US" altLang="en-US" sz="2400">
+              <a:latin typeface="Arial" panose="02080604020202020204" pitchFamily="34" charset="0"/>
+              <a:cs typeface="Arial" panose="02080604020202020204" pitchFamily="34" charset="0"/>
+              <a:sym typeface="+mn-ea"/>
+            </a:endParaRPr>
+          </a:p>
+          <a:p>
+            <a:pPr marL="285750" indent="-285750">
+              <a:buFont typeface="Arial" panose="02080604020202020204" pitchFamily="34" charset="0"/>
+              <a:buChar char="•"/>
+            </a:pPr>
+            <a:endParaRPr lang="en-US" altLang="en-US" sz="2400">
+              <a:latin typeface="Arial" panose="02080604020202020204" pitchFamily="34" charset="0"/>
+              <a:cs typeface="Arial" panose="02080604020202020204" pitchFamily="34" charset="0"/>
+              <a:sym typeface="+mn-ea"/>
+            </a:endParaRPr>
+          </a:p>
+          <a:p>
+            <a:pPr marL="285750" indent="-285750">
+              <a:buFont typeface="Arial" panose="02080604020202020204" pitchFamily="34" charset="0"/>
+              <a:buChar char="•"/>
+            </a:pPr>
+            <a:r>
+              <a:rPr lang="en-US" altLang="en-US" sz="2400">
+                <a:latin typeface="Arial" panose="02080604020202020204" pitchFamily="34" charset="0"/>
+                <a:cs typeface="Arial" panose="02080604020202020204" pitchFamily="34" charset="0"/>
+                <a:sym typeface="+mn-ea"/>
+              </a:rPr>
+              <a:t>Loss fucntion: </a:t>
+            </a:r>
+            <a:endParaRPr lang="en-US" altLang="en-US" sz="2400">
+              <a:latin typeface="Arial" panose="02080604020202020204" pitchFamily="34" charset="0"/>
+              <a:cs typeface="Arial" panose="02080604020202020204" pitchFamily="34" charset="0"/>
+              <a:sym typeface="+mn-ea"/>
+            </a:endParaRPr>
+          </a:p>
+          <a:p>
+            <a:pPr marL="285750" indent="-285750">
+              <a:buFont typeface="Arial" panose="02080604020202020204" pitchFamily="34" charset="0"/>
+              <a:buChar char="•"/>
+            </a:pPr>
+            <a:endParaRPr lang="en-US" altLang="en-US" sz="2400">
+              <a:latin typeface="Arial" panose="02080604020202020204" pitchFamily="34" charset="0"/>
+              <a:cs typeface="Arial" panose="02080604020202020204" pitchFamily="34" charset="0"/>
+              <a:sym typeface="+mn-ea"/>
+            </a:endParaRPr>
+          </a:p>
+          <a:p>
+            <a:pPr marL="285750" indent="-285750">
+              <a:buFont typeface="Arial" panose="02080604020202020204" pitchFamily="34" charset="0"/>
+              <a:buChar char="•"/>
+            </a:pPr>
+            <a:r>
+              <a:rPr lang="en-US" altLang="en-US" sz="2400">
+                <a:latin typeface="Arial" panose="02080604020202020204" pitchFamily="34" charset="0"/>
+                <a:cs typeface="Arial" panose="02080604020202020204" pitchFamily="34" charset="0"/>
+                <a:sym typeface="+mn-ea"/>
+              </a:rPr>
+              <a:t>Trong quá trình training, với nhưng dự đoán sai sẽ gây ra accumulation, dùng </a:t>
+            </a:r>
+            <a:r>
+              <a:rPr lang="en-US" altLang="en-US" sz="2400">
+                <a:solidFill>
+                  <a:srgbClr val="FF0000"/>
+                </a:solidFill>
+                <a:latin typeface="Arial" panose="02080604020202020204" pitchFamily="34" charset="0"/>
+                <a:cs typeface="Arial" panose="02080604020202020204" pitchFamily="34" charset="0"/>
+                <a:sym typeface="+mn-ea"/>
+              </a:rPr>
+              <a:t>schedule sampling</a:t>
+            </a:r>
+            <a:r>
+              <a:rPr lang="en-US" altLang="en-US" sz="2400">
+                <a:latin typeface="Arial" panose="02080604020202020204" pitchFamily="34" charset="0"/>
+                <a:cs typeface="Arial" panose="02080604020202020204" pitchFamily="34" charset="0"/>
+                <a:sym typeface="+mn-ea"/>
+              </a:rPr>
+              <a:t> </a:t>
+            </a:r>
+            <a:endParaRPr lang="en-US" altLang="en-US" sz="2400">
+              <a:latin typeface="Arial" panose="02080604020202020204" pitchFamily="34" charset="0"/>
+              <a:cs typeface="Arial" panose="02080604020202020204" pitchFamily="34" charset="0"/>
+            </a:endParaRPr>
+          </a:p>
+          <a:p>
+            <a:pPr marL="285750" indent="-285750">
+              <a:buFont typeface="Arial" panose="02080604020202020204" pitchFamily="34" charset="0"/>
+              <a:buChar char="•"/>
+            </a:pPr>
+            <a:endParaRPr lang="en-US" altLang="en-US" sz="2400">
+              <a:latin typeface="Arial" panose="02080604020202020204" pitchFamily="34" charset="0"/>
+              <a:cs typeface="Arial" panose="02080604020202020204" pitchFamily="34" charset="0"/>
+            </a:endParaRPr>
+          </a:p>
+        </p:txBody>
+      </p:sp>
+      <p:pic>
+        <p:nvPicPr>
+          <p:cNvPr id="6" name="Picture 5" descr="Screenshot from 2019-11-26 22-59-36"/>
+          <p:cNvPicPr>
+            <a:picLocks noChangeAspect="1"/>
+          </p:cNvPicPr>
+          <p:nvPr/>
+        </p:nvPicPr>
+        <p:blipFill>
+          <a:blip r:embed="rId1"/>
+          <a:stretch>
+            <a:fillRect/>
+          </a:stretch>
+        </p:blipFill>
+        <p:spPr>
+          <a:xfrm>
+            <a:off x="3764280" y="2741930"/>
+            <a:ext cx="1724025" cy="911225"/>
+          </a:xfrm>
+          <a:prstGeom prst="rect">
+            <a:avLst/>
+          </a:prstGeom>
+        </p:spPr>
+      </p:pic>
+      <p:pic>
+        <p:nvPicPr>
+          <p:cNvPr id="7" name="Picture 6" descr="Screenshot from 2019-11-26 23-14-50"/>
+          <p:cNvPicPr>
+            <a:picLocks noChangeAspect="1"/>
+          </p:cNvPicPr>
+          <p:nvPr/>
+        </p:nvPicPr>
+        <p:blipFill>
+          <a:blip r:embed="rId2"/>
+          <a:stretch>
+            <a:fillRect/>
+          </a:stretch>
+        </p:blipFill>
+        <p:spPr>
+          <a:xfrm>
+            <a:off x="3829050" y="4979035"/>
+            <a:ext cx="3882390" cy="921385"/>
+          </a:xfrm>
+          <a:prstGeom prst="rect">
+            <a:avLst/>
+          </a:prstGeom>
+        </p:spPr>
+      </p:pic>
+    </p:spTree>
+  </p:cSld>
+  <p:clrMapOvr>
+    <a:masterClrMapping/>
+  </p:clrMapOvr>
+</p:sld>
+</file>
+
+<file path=ppt/slides/slide9.xml><?xml version="1.0" encoding="utf-8"?>
+<p:sld xmlns:a="http://schemas.openxmlformats.org/drawingml/2006/main" xmlns:r="http://schemas.openxmlformats.org/officeDocument/2006/relationships" xmlns:p="http://schemas.openxmlformats.org/presentationml/2006/main">
+  <p:cSld>
+    <p:spTree>
+      <p:nvGrpSpPr>
+        <p:cNvPr id="1" name=""/>
+        <p:cNvGrpSpPr/>
+        <p:nvPr/>
+      </p:nvGrpSpPr>
+      <p:grpSpPr/>
+      <p:sp>
+        <p:nvSpPr>
+          <p:cNvPr id="2" name="Title 1"/>
+          <p:cNvSpPr>
+            <a:spLocks noGrp="1"/>
+          </p:cNvSpPr>
+          <p:nvPr>
+            <p:ph type="title"/>
+          </p:nvPr>
+        </p:nvSpPr>
+        <p:spPr/>
+        <p:txBody>
+          <a:bodyPr/>
+          <a:p>
+            <a:endParaRPr lang="en-US"/>
+          </a:p>
+        </p:txBody>
+      </p:sp>
+      <p:sp>
+        <p:nvSpPr>
+          <p:cNvPr id="3" name="Content Placeholder 2"/>
+          <p:cNvSpPr>
+            <a:spLocks noGrp="1"/>
+          </p:cNvSpPr>
+          <p:nvPr>
+            <p:ph idx="1"/>
+          </p:nvPr>
+        </p:nvSpPr>
+        <p:spPr/>
+        <p:txBody>
+          <a:bodyPr/>
+          <a:p>
+            <a:pPr algn="ctr"/>
+            <a:endParaRPr lang="en-US" altLang="en-US"/>
+          </a:p>
+          <a:p>
+            <a:pPr algn="ctr"/>
+            <a:endParaRPr lang="en-US" altLang="en-US"/>
+          </a:p>
+          <a:p>
+            <a:pPr algn="ctr"/>
+            <a:endParaRPr lang="en-US" altLang="en-US"/>
+          </a:p>
+          <a:p>
+            <a:pPr algn="ctr"/>
             <a:r>
               <a:rPr lang="en-US" altLang="en-US"/>
-              <a:t>1. gồm 2 encoder: forward RNN và backwork RNN độc lập với nhau </a:t>
-            </a:r>
-            <a:endParaRPr lang="en-US" altLang="en-US"/>
-          </a:p>
-          <a:p>
-            <a:endParaRPr lang="en-US" altLang="en-US"/>
-          </a:p>
-          <a:p>
-            <a:r>
-              <a:rPr lang="en-US" altLang="en-US"/>
-              <a:t>2 </a:t>
+              <a:t>kiến trúc models</a:t>
             </a:r>
             <a:endParaRPr lang="en-US" altLang="en-US"/>
           </a:p>
@@ -3516,4 +8607,263 @@
     </a:ext>
   </a:extLst>
 </a:theme>
+</file>
+
+<file path=ppt/theme/theme2.xml><?xml version="1.0" encoding="utf-8"?>
+<a:theme xmlns:a="http://schemas.openxmlformats.org/drawingml/2006/main" name="Office Theme">
+  <a:themeElements>
+    <a:clrScheme name="Office">
+      <a:dk1>
+        <a:sysClr val="windowText" lastClr="000000"/>
+      </a:dk1>
+      <a:lt1>
+        <a:sysClr val="window" lastClr="FFFFFF"/>
+      </a:lt1>
+      <a:dk2>
+        <a:srgbClr val="44546A"/>
+      </a:dk2>
+      <a:lt2>
+        <a:srgbClr val="E7E6E6"/>
+      </a:lt2>
+      <a:accent1>
+        <a:srgbClr val="5B9BD5"/>
+      </a:accent1>
+      <a:accent2>
+        <a:srgbClr val="ED7D31"/>
+      </a:accent2>
+      <a:accent3>
+        <a:srgbClr val="A5A5A5"/>
+      </a:accent3>
+      <a:accent4>
+        <a:srgbClr val="FFC000"/>
+      </a:accent4>
+      <a:accent5>
+        <a:srgbClr val="4472C4"/>
+      </a:accent5>
+      <a:accent6>
+        <a:srgbClr val="70AD47"/>
+      </a:accent6>
+      <a:hlink>
+        <a:srgbClr val="0563C1"/>
+      </a:hlink>
+      <a:folHlink>
+        <a:srgbClr val="954F72"/>
+      </a:folHlink>
+    </a:clrScheme>
+    <a:fontScheme name="Office">
+      <a:majorFont>
+        <a:latin typeface="Calibri Light"/>
+        <a:ea typeface=""/>
+        <a:cs typeface=""/>
+        <a:font script="Jpan" typeface="ＭＳ Ｐゴシック"/>
+        <a:font script="Hang" typeface="맑은 고딕"/>
+        <a:font script="Hans" typeface="宋体"/>
+        <a:font script="Hant" typeface="新細明體"/>
+        <a:font script="Arab" typeface="Times New Roman"/>
+        <a:font script="Hebr" typeface="Times New Roman"/>
+        <a:font script="Thai" typeface="Angsana New"/>
+        <a:font script="Ethi" typeface="Nyala"/>
+        <a:font script="Beng" typeface="Vrinda"/>
+        <a:font script="Gujr" typeface="Shruti"/>
+        <a:font script="Khmr" typeface="MoolBoran"/>
+        <a:font script="Knda" typeface="Tunga"/>
+        <a:font script="Guru" typeface="Raavi"/>
+        <a:font script="Cans" typeface="Euphemia"/>
+        <a:font script="Cher" typeface="Plantagenet Cherokee"/>
+        <a:font script="Yiii" typeface="Microsoft Yi Baiti"/>
+        <a:font script="Tibt" typeface="Microsoft Himalaya"/>
+        <a:font script="Thaa" typeface="MV Boli"/>
+        <a:font script="Deva" typeface="Mangal"/>
+        <a:font script="Telu" typeface="Gautami"/>
+        <a:font script="Taml" typeface="Latha"/>
+        <a:font script="Syrc" typeface="Estrangelo Edessa"/>
+        <a:font script="Orya" typeface="Kalinga"/>
+        <a:font script="Mlym" typeface="Kartika"/>
+        <a:font script="Laoo" typeface="DokChampa"/>
+        <a:font script="Sinh" typeface="Iskoola Pota"/>
+        <a:font script="Mong" typeface="Mongolian Baiti"/>
+        <a:font script="Viet" typeface="Times New Roman"/>
+        <a:font script="Uigh" typeface="Microsoft Uighur"/>
+        <a:font script="Geor" typeface="Sylfaen"/>
+      </a:majorFont>
+      <a:minorFont>
+        <a:latin typeface="Calibri"/>
+        <a:ea typeface=""/>
+        <a:cs typeface=""/>
+        <a:font script="Jpan" typeface="ＭＳ Ｐゴシック"/>
+        <a:font script="Hang" typeface="맑은 고딕"/>
+        <a:font script="Hans" typeface="宋体"/>
+        <a:font script="Hant" typeface="新細明體"/>
+        <a:font script="Arab" typeface="Arial"/>
+        <a:font script="Hebr" typeface="Arial"/>
+        <a:font script="Thai" typeface="Cordia New"/>
+        <a:font script="Ethi" typeface="Nyala"/>
+        <a:font script="Beng" typeface="Vrinda"/>
+        <a:font script="Gujr" typeface="Shruti"/>
+        <a:font script="Khmr" typeface="DaunPenh"/>
+        <a:font script="Knda" typeface="Tunga"/>
+        <a:font script="Guru" typeface="Raavi"/>
+        <a:font script="Cans" typeface="Euphemia"/>
+        <a:font script="Cher" typeface="Plantagenet Cherokee"/>
+        <a:font script="Yiii" typeface="Microsoft Yi Baiti"/>
+        <a:font script="Tibt" typeface="Microsoft Himalaya"/>
+        <a:font script="Thaa" typeface="MV Boli"/>
+        <a:font script="Deva" typeface="Mangal"/>
+        <a:font script="Telu" typeface="Gautami"/>
+        <a:font script="Taml" typeface="Latha"/>
+        <a:font script="Syrc" typeface="Estrangelo Edessa"/>
+        <a:font script="Orya" typeface="Kalinga"/>
+        <a:font script="Mlym" typeface="Kartika"/>
+        <a:font script="Laoo" typeface="DokChampa"/>
+        <a:font script="Sinh" typeface="Iskoola Pota"/>
+        <a:font script="Mong" typeface="Mongolian Baiti"/>
+        <a:font script="Viet" typeface="Arial"/>
+        <a:font script="Uigh" typeface="Microsoft Uighur"/>
+        <a:font script="Geor" typeface="Sylfaen"/>
+      </a:minorFont>
+    </a:fontScheme>
+    <a:fmtScheme name="Office">
+      <a:fillStyleLst>
+        <a:solidFill>
+          <a:schemeClr val="phClr"/>
+        </a:solidFill>
+        <a:gradFill rotWithShape="1">
+          <a:gsLst>
+            <a:gs pos="0">
+              <a:schemeClr val="phClr">
+                <a:lumMod val="110000"/>
+                <a:satMod val="105000"/>
+                <a:tint val="67000"/>
+              </a:schemeClr>
+            </a:gs>
+            <a:gs pos="50000">
+              <a:schemeClr val="phClr">
+                <a:lumMod val="105000"/>
+                <a:satMod val="103000"/>
+                <a:tint val="73000"/>
+              </a:schemeClr>
+            </a:gs>
+            <a:gs pos="100000">
+              <a:schemeClr val="phClr">
+                <a:lumMod val="105000"/>
+                <a:satMod val="109000"/>
+                <a:tint val="81000"/>
+              </a:schemeClr>
+            </a:gs>
+          </a:gsLst>
+          <a:lin ang="5400000" scaled="0"/>
+        </a:gradFill>
+        <a:gradFill rotWithShape="1">
+          <a:gsLst>
+            <a:gs pos="0">
+              <a:schemeClr val="phClr">
+                <a:satMod val="103000"/>
+                <a:lumMod val="102000"/>
+                <a:tint val="94000"/>
+              </a:schemeClr>
+            </a:gs>
+            <a:gs pos="50000">
+              <a:schemeClr val="phClr">
+                <a:satMod val="110000"/>
+                <a:lumMod val="100000"/>
+                <a:shade val="100000"/>
+              </a:schemeClr>
+            </a:gs>
+            <a:gs pos="100000">
+              <a:schemeClr val="phClr">
+                <a:lumMod val="99000"/>
+                <a:satMod val="120000"/>
+                <a:shade val="78000"/>
+              </a:schemeClr>
+            </a:gs>
+          </a:gsLst>
+          <a:lin ang="5400000" scaled="0"/>
+        </a:gradFill>
+      </a:fillStyleLst>
+      <a:lnStyleLst>
+        <a:ln w="6350" cap="flat" cmpd="sng" algn="ctr">
+          <a:solidFill>
+            <a:schemeClr val="phClr"/>
+          </a:solidFill>
+          <a:prstDash val="solid"/>
+          <a:miter lim="800000"/>
+        </a:ln>
+        <a:ln w="12700" cap="flat" cmpd="sng" algn="ctr">
+          <a:solidFill>
+            <a:schemeClr val="phClr"/>
+          </a:solidFill>
+          <a:prstDash val="solid"/>
+          <a:miter lim="800000"/>
+        </a:ln>
+        <a:ln w="19050" cap="flat" cmpd="sng" algn="ctr">
+          <a:solidFill>
+            <a:schemeClr val="phClr"/>
+          </a:solidFill>
+          <a:prstDash val="solid"/>
+          <a:miter lim="800000"/>
+        </a:ln>
+      </a:lnStyleLst>
+      <a:effectStyleLst>
+        <a:effectStyle>
+          <a:effectLst/>
+        </a:effectStyle>
+        <a:effectStyle>
+          <a:effectLst/>
+        </a:effectStyle>
+        <a:effectStyle>
+          <a:effectLst>
+            <a:outerShdw blurRad="57150" dist="19050" dir="5400000" algn="ctr" rotWithShape="0">
+              <a:srgbClr val="000000">
+                <a:alpha val="63000"/>
+              </a:srgbClr>
+            </a:outerShdw>
+          </a:effectLst>
+        </a:effectStyle>
+      </a:effectStyleLst>
+      <a:bgFillStyleLst>
+        <a:solidFill>
+          <a:schemeClr val="phClr"/>
+        </a:solidFill>
+        <a:solidFill>
+          <a:schemeClr val="phClr">
+            <a:tint val="95000"/>
+            <a:satMod val="170000"/>
+          </a:schemeClr>
+        </a:solidFill>
+        <a:gradFill rotWithShape="1">
+          <a:gsLst>
+            <a:gs pos="0">
+              <a:schemeClr val="phClr">
+                <a:tint val="93000"/>
+                <a:satMod val="150000"/>
+                <a:shade val="98000"/>
+                <a:lumMod val="102000"/>
+              </a:schemeClr>
+            </a:gs>
+            <a:gs pos="50000">
+              <a:schemeClr val="phClr">
+                <a:tint val="98000"/>
+                <a:satMod val="130000"/>
+                <a:shade val="90000"/>
+                <a:lumMod val="103000"/>
+              </a:schemeClr>
+            </a:gs>
+            <a:gs pos="100000">
+              <a:schemeClr val="phClr">
+                <a:shade val="63000"/>
+                <a:satMod val="120000"/>
+              </a:schemeClr>
+            </a:gs>
+          </a:gsLst>
+          <a:lin ang="5400000" scaled="0"/>
+        </a:gradFill>
+      </a:bgFillStyleLst>
+    </a:fmtScheme>
+  </a:themeElements>
+  <a:extLst>
+    <a:ext uri="{05A4C25C-085E-4340-85A3-A5531E510DB2}">
+      <thm15:themeFamily xmlns:thm15="http://schemas.microsoft.com/office/thememl/2012/main" name="Office Theme" id="{62F939B6-93AF-4DB8-9C6B-D6C7DFDC589F}" vid="{4A3C46E8-61CC-4603-A589-7422A47A8E4A}"/>
+    </a:ext>
+  </a:extLst>
+</a:theme>
 </file>
--- a/Presentation1.pptx
+++ b/Presentation1.pptx
@@ -513,10 +513,10 @@
           <a:bodyPr/>
           <a:p>
             <a:r>
-              <a:rPr lang="" altLang="en-US"/>
+              <a:rPr lang="en-US" altLang="en-US"/>
               <a:t>Trước hết do source và target dựa vào vocal của riêng nó nên mã hóa sẽ khác nhau </a:t>
             </a:r>
-            <a:endParaRPr lang="" altLang="en-US"/>
+            <a:endParaRPr lang="en-US" altLang="en-US"/>
           </a:p>
         </p:txBody>
       </p:sp>
@@ -4313,10 +4313,10 @@
           </a:bodyPr>
           <a:p>
             <a:r>
-              <a:rPr lang="" altLang="en-US"/>
+              <a:rPr lang="en-US" altLang="en-US"/>
               <a:t>Cách tạo vocabulary khi train vs words </a:t>
             </a:r>
-            <a:endParaRPr lang="" altLang="en-US"/>
+            <a:endParaRPr lang="en-US" altLang="en-US"/>
           </a:p>
         </p:txBody>
       </p:sp>
@@ -4335,23 +4335,23 @@
           <a:bodyPr/>
           <a:p>
             <a:r>
-              <a:rPr lang="" altLang="en-US"/>
+              <a:rPr lang="en-US" altLang="en-US"/>
               <a:t>vocab_source</a:t>
             </a:r>
-            <a:endParaRPr lang="" altLang="en-US"/>
-          </a:p>
-          <a:p>
-            <a:r>
-              <a:rPr lang="" altLang="en-US"/>
+            <a:endParaRPr lang="en-US" altLang="en-US"/>
+          </a:p>
+          <a:p>
+            <a:r>
+              <a:rPr lang="en-US" altLang="en-US"/>
               <a:t>vocab_target </a:t>
             </a:r>
-            <a:endParaRPr lang="" altLang="en-US"/>
-          </a:p>
-          <a:p>
-            <a:endParaRPr lang="" altLang="en-US"/>
-          </a:p>
-          <a:p>
-            <a:endParaRPr lang="" altLang="en-US"/>
+            <a:endParaRPr lang="en-US" altLang="en-US"/>
+          </a:p>
+          <a:p>
+            <a:endParaRPr lang="en-US" altLang="en-US"/>
+          </a:p>
+          <a:p>
+            <a:endParaRPr lang="en-US" altLang="en-US"/>
           </a:p>
         </p:txBody>
       </p:sp>
@@ -4502,20 +4502,20 @@
           <a:bodyPr/>
           <a:p>
             <a:r>
-              <a:rPr lang="" altLang="en-US"/>
+              <a:rPr lang="en-US" altLang="en-US"/>
               <a:t>thêm 2 kí từ UNK_WORD: &lt;unk &gt;, PAD_WORD: '' vào voca</a:t>
             </a:r>
-            <a:endParaRPr lang="" altLang="en-US"/>
-          </a:p>
-          <a:p>
-            <a:r>
-              <a:rPr lang="" altLang="en-US"/>
+            <a:endParaRPr lang="en-US" altLang="en-US"/>
+          </a:p>
+          <a:p>
+            <a:r>
+              <a:rPr lang="en-US" altLang="en-US"/>
               <a:t>trường hợp source_voca, target_voca tương tự, nếu shared voca thì source = target.</a:t>
             </a:r>
-            <a:endParaRPr lang="" altLang="en-US"/>
-          </a:p>
-          <a:p>
-            <a:endParaRPr lang="" altLang="en-US"/>
+            <a:endParaRPr lang="en-US" altLang="en-US"/>
+          </a:p>
+          <a:p>
+            <a:endParaRPr lang="en-US" altLang="en-US"/>
           </a:p>
           <a:p>
             <a:endParaRPr lang="en-US" altLang="en-US"/>
@@ -4563,8 +4563,7 @@
                         <a:buNone/>
                       </a:pPr>
                       <a:r>
-                        <a:rPr lang="" altLang="en-US" b="1">
-                          <a:ln/>
+                        <a:rPr lang="en-US" altLang="en-US" b="1">
                           <a:solidFill>
                             <a:srgbClr val="FF0000"/>
                           </a:solidFill>
@@ -4578,8 +4577,7 @@
                         </a:rPr>
                         <a:t>RT</a:t>
                       </a:r>
-                      <a:endParaRPr lang="" altLang="en-US" b="1">
-                        <a:ln/>
+                      <a:endParaRPr lang="en-US" altLang="en-US" b="1">
                         <a:solidFill>
                           <a:srgbClr val="FF0000"/>
                         </a:solidFill>
@@ -4604,7 +4602,6 @@
                       </a:pPr>
                       <a:r>
                         <a:rPr lang="en-US" b="1">
-                          <a:ln/>
                           <a:solidFill>
                             <a:srgbClr val="FF0000"/>
                           </a:solidFill>
@@ -4619,7 +4616,6 @@
                         <a:t>@FVCKxHEMMINGS</a:t>
                       </a:r>
                       <a:endParaRPr lang="en-US" b="1">
-                        <a:ln/>
                         <a:solidFill>
                           <a:srgbClr val="FF0000"/>
                         </a:solidFill>
@@ -4643,8 +4639,7 @@
                         <a:buNone/>
                       </a:pPr>
                       <a:r>
-                        <a:rPr lang="" altLang="en-US" b="1">
-                          <a:ln/>
+                        <a:rPr lang="en-US" altLang="en-US" b="1">
                           <a:solidFill>
                             <a:srgbClr val="FF0000"/>
                           </a:solidFill>
@@ -4658,8 +4653,7 @@
                         </a:rPr>
                         <a:t>:</a:t>
                       </a:r>
-                      <a:endParaRPr lang="" altLang="en-US" b="1">
-                        <a:ln/>
+                      <a:endParaRPr lang="en-US" altLang="en-US" b="1">
                         <a:solidFill>
                           <a:srgbClr val="FF0000"/>
                         </a:solidFill>
@@ -4683,8 +4677,7 @@
                         <a:buNone/>
                       </a:pPr>
                       <a:r>
-                        <a:rPr lang="" altLang="en-US" b="1">
-                          <a:ln/>
+                        <a:rPr lang="en-US" altLang="en-US" b="1">
                           <a:solidFill>
                             <a:srgbClr val="FF0000"/>
                           </a:solidFill>
@@ -4698,8 +4691,7 @@
                         </a:rPr>
                         <a:t>DID</a:t>
                       </a:r>
-                      <a:endParaRPr lang="" altLang="en-US" b="1">
-                        <a:ln/>
+                      <a:endParaRPr lang="en-US" altLang="en-US" b="1">
                         <a:solidFill>
                           <a:srgbClr val="FF0000"/>
                         </a:solidFill>
@@ -4723,8 +4715,7 @@
                         <a:buNone/>
                       </a:pPr>
                       <a:r>
-                        <a:rPr lang="" altLang="en-US" b="1">
-                          <a:ln/>
+                        <a:rPr lang="en-US" altLang="en-US" b="1">
                           <a:solidFill>
                             <a:srgbClr val="FF0000"/>
                           </a:solidFill>
@@ -4738,8 +4729,7 @@
                         </a:rPr>
                         <a:t>CALUM</a:t>
                       </a:r>
-                      <a:endParaRPr lang="" altLang="en-US" b="1">
-                        <a:ln/>
+                      <a:endParaRPr lang="en-US" altLang="en-US" b="1">
                         <a:solidFill>
                           <a:srgbClr val="FF0000"/>
                         </a:solidFill>
@@ -4763,8 +4753,7 @@
                         <a:buNone/>
                       </a:pPr>
                       <a:r>
-                        <a:rPr lang="" altLang="en-US" b="1">
-                          <a:ln/>
+                        <a:rPr lang="en-US" altLang="en-US" b="1">
                           <a:solidFill>
                             <a:srgbClr val="FF0000"/>
                           </a:solidFill>
@@ -4778,8 +4767,7 @@
                         </a:rPr>
                         <a:t>SLIP</a:t>
                       </a:r>
-                      <a:endParaRPr lang="" altLang="en-US" b="1">
-                        <a:ln/>
+                      <a:endParaRPr lang="en-US" altLang="en-US" b="1">
                         <a:solidFill>
                           <a:srgbClr val="FF0000"/>
                         </a:solidFill>
@@ -4803,8 +4791,7 @@
                         <a:buNone/>
                       </a:pPr>
                       <a:r>
-                        <a:rPr lang="" altLang="en-US" b="1">
-                          <a:ln/>
+                        <a:rPr lang="en-US" altLang="en-US" b="1">
                           <a:solidFill>
                             <a:srgbClr val="FF0000"/>
                           </a:solidFill>
@@ -4818,8 +4805,7 @@
                         </a:rPr>
                         <a:t>?!!</a:t>
                       </a:r>
-                      <a:endParaRPr lang="" altLang="en-US" b="1">
-                        <a:ln/>
+                      <a:endParaRPr lang="en-US" altLang="en-US" b="1">
                         <a:solidFill>
                           <a:srgbClr val="FF0000"/>
                         </a:solidFill>
@@ -4843,8 +4829,7 @@
                         <a:buNone/>
                       </a:pPr>
                       <a:r>
-                        <a:rPr lang="" altLang="en-US" b="1">
-                          <a:ln/>
+                        <a:rPr lang="en-US" altLang="en-US" b="1">
                           <a:solidFill>
                             <a:srgbClr val="FF0000"/>
                           </a:solidFill>
@@ -4858,8 +4843,7 @@
                         </a:rPr>
                         <a:t>OMFG</a:t>
                       </a:r>
-                      <a:endParaRPr lang="" altLang="en-US" b="1">
-                        <a:ln/>
+                      <a:endParaRPr lang="en-US" altLang="en-US" b="1">
                         <a:solidFill>
                           <a:srgbClr val="FF0000"/>
                         </a:solidFill>
@@ -4886,7 +4870,6 @@
                       </a:pPr>
                       <a:r>
                         <a:rPr lang="en-US" altLang="en-US" b="1">
-                          <a:ln/>
                           <a:solidFill>
                             <a:srgbClr val="FF0000"/>
                           </a:solidFill>
@@ -4901,7 +4884,6 @@
                         <a:t>RT</a:t>
                       </a:r>
                       <a:endParaRPr lang="en-US" altLang="en-US" b="1">
-                        <a:ln/>
                         <a:solidFill>
                           <a:srgbClr val="FF0000"/>
                         </a:solidFill>
@@ -4925,8 +4907,7 @@
                         <a:buNone/>
                       </a:pPr>
                       <a:r>
-                        <a:rPr lang="" altLang="en-US" b="1">
-                          <a:ln/>
+                        <a:rPr lang="en-US" altLang="en-US" b="1">
                           <a:solidFill>
                             <a:srgbClr val="FF0000"/>
                           </a:solidFill>
@@ -4940,8 +4921,7 @@
                         </a:rPr>
                         <a:t>&lt;mention&gt;</a:t>
                       </a:r>
-                      <a:endParaRPr lang="" altLang="en-US" b="1">
-                        <a:ln/>
+                      <a:endParaRPr lang="en-US" altLang="en-US" b="1">
                         <a:solidFill>
                           <a:srgbClr val="FF0000"/>
                         </a:solidFill>
@@ -4966,7 +4946,6 @@
                       </a:pPr>
                       <a:r>
                         <a:rPr lang="en-US" altLang="en-US" b="1">
-                          <a:ln/>
                           <a:solidFill>
                             <a:srgbClr val="FF0000"/>
                           </a:solidFill>
@@ -4981,7 +4960,6 @@
                         <a:t>:</a:t>
                       </a:r>
                       <a:endParaRPr lang="en-US" altLang="en-US" b="1">
-                        <a:ln/>
                         <a:solidFill>
                           <a:srgbClr val="FF0000"/>
                         </a:solidFill>
@@ -5006,7 +4984,6 @@
                       </a:pPr>
                       <a:r>
                         <a:rPr lang="en-US" altLang="en-US" b="1">
-                          <a:ln/>
                           <a:solidFill>
                             <a:srgbClr val="FF0000"/>
                           </a:solidFill>
@@ -5021,7 +4998,6 @@
                         <a:t>DID</a:t>
                       </a:r>
                       <a:endParaRPr lang="en-US" altLang="en-US" b="1">
-                        <a:ln/>
                         <a:solidFill>
                           <a:srgbClr val="FF0000"/>
                         </a:solidFill>
@@ -5046,7 +5022,6 @@
                       </a:pPr>
                       <a:r>
                         <a:rPr lang="en-US" altLang="en-US" b="1">
-                          <a:ln/>
                           <a:solidFill>
                             <a:srgbClr val="FF0000"/>
                           </a:solidFill>
@@ -5061,7 +5036,6 @@
                         <a:t>CALUM</a:t>
                       </a:r>
                       <a:endParaRPr lang="en-US" altLang="en-US" b="1">
-                        <a:ln/>
                         <a:solidFill>
                           <a:srgbClr val="FF0000"/>
                         </a:solidFill>
@@ -5086,7 +5060,6 @@
                       </a:pPr>
                       <a:r>
                         <a:rPr lang="en-US" altLang="en-US" b="1">
-                          <a:ln/>
                           <a:solidFill>
                             <a:srgbClr val="FF0000"/>
                           </a:solidFill>
@@ -5101,7 +5074,6 @@
                         <a:t>SLIP</a:t>
                       </a:r>
                       <a:endParaRPr lang="en-US" altLang="en-US" b="1">
-                        <a:ln/>
                         <a:solidFill>
                           <a:srgbClr val="FF0000"/>
                         </a:solidFill>
@@ -5126,7 +5098,6 @@
                       </a:pPr>
                       <a:r>
                         <a:rPr lang="en-US" altLang="en-US" b="1">
-                          <a:ln/>
                           <a:solidFill>
                             <a:srgbClr val="FF0000"/>
                           </a:solidFill>
@@ -5141,7 +5112,6 @@
                         <a:t>?!!</a:t>
                       </a:r>
                       <a:endParaRPr lang="en-US" altLang="en-US" b="1">
-                        <a:ln/>
                         <a:solidFill>
                           <a:srgbClr val="FF0000"/>
                         </a:solidFill>
@@ -5166,7 +5136,6 @@
                       </a:pPr>
                       <a:r>
                         <a:rPr lang="en-US" altLang="en-US" b="1">
-                          <a:ln/>
                           <a:solidFill>
                             <a:srgbClr val="FF0000"/>
                           </a:solidFill>
@@ -5181,7 +5150,6 @@
                         <a:t>OMFG</a:t>
                       </a:r>
                       <a:endParaRPr lang="en-US" altLang="en-US" b="1">
-                        <a:ln/>
                         <a:solidFill>
                           <a:srgbClr val="FF0000"/>
                         </a:solidFill>
@@ -5207,10 +5175,10 @@
                         <a:buNone/>
                       </a:pPr>
                       <a:r>
-                        <a:rPr lang="" altLang="en-US"/>
+                        <a:rPr lang="en-US" altLang="en-US"/>
                         <a:t>Từ những</a:t>
                       </a:r>
-                      <a:endParaRPr lang="" altLang="en-US"/>
+                      <a:endParaRPr lang="en-US" altLang="en-US"/>
                     </a:p>
                   </a:txBody>
                   <a:tcPr/>
@@ -5223,10 +5191,10 @@
                         <a:buNone/>
                       </a:pPr>
                       <a:r>
-                        <a:rPr lang="" altLang="en-US"/>
+                        <a:rPr lang="en-US" altLang="en-US"/>
                         <a:t>các word </a:t>
                       </a:r>
-                      <a:endParaRPr lang="" altLang="en-US"/>
+                      <a:endParaRPr lang="en-US" altLang="en-US"/>
                     </a:p>
                   </a:txBody>
                   <a:tcPr/>
@@ -5239,10 +5207,10 @@
                         <a:buNone/>
                       </a:pPr>
                       <a:r>
-                        <a:rPr lang="" altLang="en-US"/>
+                        <a:rPr lang="en-US" altLang="en-US"/>
                         <a:t>ở trên tạo </a:t>
                       </a:r>
-                      <a:endParaRPr lang="" altLang="en-US"/>
+                      <a:endParaRPr lang="en-US" altLang="en-US"/>
                     </a:p>
                   </a:txBody>
                   <a:tcPr/>
@@ -5255,10 +5223,10 @@
                         <a:buNone/>
                       </a:pPr>
                       <a:r>
-                        <a:rPr lang="" altLang="en-US"/>
+                        <a:rPr lang="en-US" altLang="en-US"/>
                         <a:t>ra từ điển </a:t>
                       </a:r>
-                      <a:endParaRPr lang="" altLang="en-US"/>
+                      <a:endParaRPr lang="en-US" altLang="en-US"/>
                     </a:p>
                   </a:txBody>
                   <a:tcPr/>
@@ -5321,14 +5289,14 @@
                         <a:buNone/>
                       </a:pPr>
                       <a:r>
-                        <a:rPr lang="" altLang="en-US" b="1">
+                        <a:rPr lang="en-US" altLang="en-US" b="1">
                           <a:solidFill>
                             <a:srgbClr val="FF0000"/>
                           </a:solidFill>
                         </a:rPr>
                         <a:t>6</a:t>
                       </a:r>
-                      <a:endParaRPr lang="" altLang="en-US" b="1">
+                      <a:endParaRPr lang="en-US" altLang="en-US" b="1">
                         <a:solidFill>
                           <a:srgbClr val="FF0000"/>
                         </a:solidFill>
@@ -5345,14 +5313,14 @@
                         <a:buNone/>
                       </a:pPr>
                       <a:r>
-                        <a:rPr lang="" altLang="en-US" b="1">
+                        <a:rPr lang="en-US" altLang="en-US" b="1">
                           <a:solidFill>
                             <a:srgbClr val="FF0000"/>
                           </a:solidFill>
                         </a:rPr>
                         <a:t>2</a:t>
                       </a:r>
-                      <a:endParaRPr lang="" altLang="en-US" b="1">
+                      <a:endParaRPr lang="en-US" altLang="en-US" b="1">
                         <a:solidFill>
                           <a:srgbClr val="FF0000"/>
                         </a:solidFill>
@@ -5369,14 +5337,14 @@
                         <a:buNone/>
                       </a:pPr>
                       <a:r>
-                        <a:rPr lang="" altLang="en-US" b="1">
+                        <a:rPr lang="en-US" altLang="en-US" b="1">
                           <a:solidFill>
                             <a:srgbClr val="FF0000"/>
                           </a:solidFill>
                         </a:rPr>
                         <a:t>3</a:t>
                       </a:r>
-                      <a:endParaRPr lang="" altLang="en-US" b="1">
+                      <a:endParaRPr lang="en-US" altLang="en-US" b="1">
                         <a:solidFill>
                           <a:srgbClr val="FF0000"/>
                         </a:solidFill>
@@ -5393,14 +5361,14 @@
                         <a:buNone/>
                       </a:pPr>
                       <a:r>
-                        <a:rPr lang="" altLang="en-US" b="1">
+                        <a:rPr lang="en-US" altLang="en-US" b="1">
                           <a:solidFill>
                             <a:srgbClr val="FF0000"/>
                           </a:solidFill>
                         </a:rPr>
                         <a:t>1376</a:t>
                       </a:r>
-                      <a:endParaRPr lang="" altLang="en-US" b="1">
+                      <a:endParaRPr lang="en-US" altLang="en-US" b="1">
                         <a:solidFill>
                           <a:srgbClr val="FF0000"/>
                         </a:solidFill>
@@ -5417,14 +5385,14 @@
                         <a:buNone/>
                       </a:pPr>
                       <a:r>
-                        <a:rPr lang="" altLang="en-US" b="1">
+                        <a:rPr lang="en-US" altLang="en-US" b="1">
                           <a:solidFill>
                             <a:srgbClr val="FF0000"/>
                           </a:solidFill>
                         </a:rPr>
                         <a:t>10704</a:t>
                       </a:r>
-                      <a:endParaRPr lang="" altLang="en-US" b="1">
+                      <a:endParaRPr lang="en-US" altLang="en-US" b="1">
                         <a:solidFill>
                           <a:srgbClr val="FF0000"/>
                         </a:solidFill>
@@ -5441,14 +5409,14 @@
                         <a:buNone/>
                       </a:pPr>
                       <a:r>
-                        <a:rPr lang="" altLang="en-US" b="1">
+                        <a:rPr lang="en-US" altLang="en-US" b="1">
                           <a:solidFill>
                             <a:srgbClr val="FF0000"/>
                           </a:solidFill>
                         </a:rPr>
                         <a:t>10960</a:t>
                       </a:r>
-                      <a:endParaRPr lang="" altLang="en-US" b="1">
+                      <a:endParaRPr lang="en-US" altLang="en-US" b="1">
                         <a:solidFill>
                           <a:srgbClr val="FF0000"/>
                         </a:solidFill>
@@ -5465,14 +5433,14 @@
                         <a:buNone/>
                       </a:pPr>
                       <a:r>
-                        <a:rPr lang="" altLang="en-US" b="1">
+                        <a:rPr lang="en-US" altLang="en-US" b="1">
                           <a:solidFill>
                             <a:srgbClr val="FF0000"/>
                           </a:solidFill>
                         </a:rPr>
                         <a:t>6295</a:t>
                       </a:r>
-                      <a:endParaRPr lang="" altLang="en-US" b="1">
+                      <a:endParaRPr lang="en-US" altLang="en-US" b="1">
                         <a:solidFill>
                           <a:srgbClr val="FF0000"/>
                         </a:solidFill>
@@ -5489,14 +5457,14 @@
                         <a:buNone/>
                       </a:pPr>
                       <a:r>
-                        <a:rPr lang="" altLang="en-US" b="1">
+                        <a:rPr lang="en-US" altLang="en-US" b="1">
                           <a:solidFill>
                             <a:srgbClr val="FF0000"/>
                           </a:solidFill>
                         </a:rPr>
                         <a:t>1003</a:t>
                       </a:r>
-                      <a:endParaRPr lang="" altLang="en-US" b="1">
+                      <a:endParaRPr lang="en-US" altLang="en-US" b="1">
                         <a:solidFill>
                           <a:srgbClr val="FF0000"/>
                         </a:solidFill>
@@ -5673,8 +5641,12 @@
               <a:buNone/>
             </a:pPr>
             <a:r>
+              <a:rPr lang="en-US" altLang="en-US"/>
+              <a:t>Khi xem xet test set, nó xác định được UNK, là các từ không có trong source_input </a:t>
+            </a:r>
+            <a:r>
               <a:rPr lang="" altLang="en-US"/>
-              <a:t>Khi xem xet test set, nó xác định được UNK, là các từ không có trong source_input</a:t>
+              <a:t>va target cua trainning </a:t>
             </a:r>
             <a:endParaRPr lang="" altLang="en-US"/>
           </a:p>
@@ -5714,14 +5686,14 @@
                         <a:buNone/>
                       </a:pPr>
                       <a:r>
-                        <a:rPr lang="" altLang="en-US">
+                        <a:rPr lang="en-US" altLang="en-US">
                           <a:solidFill>
                             <a:srgbClr val="7030A0"/>
                           </a:solidFill>
                         </a:rPr>
                         <a:t>Dick</a:t>
                       </a:r>
-                      <a:endParaRPr lang="" altLang="en-US">
+                      <a:endParaRPr lang="en-US" altLang="en-US">
                         <a:solidFill>
                           <a:srgbClr val="7030A0"/>
                         </a:solidFill>
@@ -5738,14 +5710,14 @@
                         <a:buNone/>
                       </a:pPr>
                       <a:r>
-                        <a:rPr lang="" altLang="en-US">
+                        <a:rPr lang="en-US" altLang="en-US">
                           <a:solidFill>
                             <a:srgbClr val="7030A0"/>
                           </a:solidFill>
                         </a:rPr>
                         <a:t>in</a:t>
                       </a:r>
-                      <a:endParaRPr lang="" altLang="en-US">
+                      <a:endParaRPr lang="en-US" altLang="en-US">
                         <a:solidFill>
                           <a:srgbClr val="7030A0"/>
                         </a:solidFill>
@@ -5762,14 +5734,14 @@
                         <a:buNone/>
                       </a:pPr>
                       <a:r>
-                        <a:rPr lang="" altLang="en-US">
+                        <a:rPr lang="en-US" altLang="en-US">
                           <a:solidFill>
                             <a:srgbClr val="7030A0"/>
                           </a:solidFill>
                         </a:rPr>
                         <a:t>Janice</a:t>
                       </a:r>
-                      <a:endParaRPr lang="" altLang="en-US">
+                      <a:endParaRPr lang="en-US" altLang="en-US">
                         <a:solidFill>
                           <a:srgbClr val="7030A0"/>
                         </a:solidFill>
@@ -5786,14 +5758,14 @@
                         <a:buNone/>
                       </a:pPr>
                       <a:r>
-                        <a:rPr lang="" altLang="en-US">
+                        <a:rPr lang="en-US" altLang="en-US">
                           <a:solidFill>
                             <a:srgbClr val="7030A0"/>
                           </a:solidFill>
                         </a:rPr>
                         <a:t>,</a:t>
                       </a:r>
-                      <a:endParaRPr lang="" altLang="en-US">
+                      <a:endParaRPr lang="en-US" altLang="en-US">
                         <a:solidFill>
                           <a:srgbClr val="7030A0"/>
                         </a:solidFill>
@@ -5810,14 +5782,14 @@
                         <a:buNone/>
                       </a:pPr>
                       <a:r>
-                        <a:rPr lang="" altLang="en-US">
+                        <a:rPr lang="en-US" altLang="en-US">
                           <a:solidFill>
                             <a:srgbClr val="7030A0"/>
                           </a:solidFill>
                         </a:rPr>
                         <a:t>Im</a:t>
                       </a:r>
-                      <a:endParaRPr lang="" altLang="en-US">
+                      <a:endParaRPr lang="en-US" altLang="en-US">
                         <a:solidFill>
                           <a:srgbClr val="7030A0"/>
                         </a:solidFill>
@@ -5834,14 +5806,14 @@
                         <a:buNone/>
                       </a:pPr>
                       <a:r>
-                        <a:rPr lang="" altLang="en-US">
+                        <a:rPr lang="en-US" altLang="en-US">
                           <a:solidFill>
                             <a:srgbClr val="7030A0"/>
                           </a:solidFill>
                         </a:rPr>
                         <a:t>popin </a:t>
                       </a:r>
-                      <a:endParaRPr lang="" altLang="en-US">
+                      <a:endParaRPr lang="en-US" altLang="en-US">
                         <a:solidFill>
                           <a:srgbClr val="7030A0"/>
                         </a:solidFill>
@@ -5858,14 +5830,14 @@
                         <a:buNone/>
                       </a:pPr>
                       <a:r>
-                        <a:rPr lang="" altLang="en-US">
+                        <a:rPr lang="en-US" altLang="en-US">
                           <a:solidFill>
                             <a:srgbClr val="7030A0"/>
                           </a:solidFill>
                         </a:rPr>
                         <a:t>xanax</a:t>
                       </a:r>
-                      <a:endParaRPr lang="" altLang="en-US">
+                      <a:endParaRPr lang="en-US" altLang="en-US">
                         <a:solidFill>
                           <a:srgbClr val="7030A0"/>
                         </a:solidFill>
@@ -5884,14 +5856,14 @@
                         <a:buNone/>
                       </a:pPr>
                       <a:r>
-                        <a:rPr lang="" altLang="en-US">
+                        <a:rPr lang="en-US" altLang="en-US">
                           <a:solidFill>
                             <a:srgbClr val="7030A0"/>
                           </a:solidFill>
                         </a:rPr>
                         <a:t>and</a:t>
                       </a:r>
-                      <a:endParaRPr lang="" altLang="en-US">
+                      <a:endParaRPr lang="en-US" altLang="en-US">
                         <a:solidFill>
                           <a:srgbClr val="7030A0"/>
                         </a:solidFill>
@@ -5908,14 +5880,14 @@
                         <a:buNone/>
                       </a:pPr>
                       <a:r>
-                        <a:rPr lang="" altLang="en-US">
+                        <a:rPr lang="en-US" altLang="en-US">
                           <a:solidFill>
                             <a:srgbClr val="7030A0"/>
                           </a:solidFill>
                         </a:rPr>
                         <a:t>speakin</a:t>
                       </a:r>
-                      <a:endParaRPr lang="" altLang="en-US">
+                      <a:endParaRPr lang="en-US" altLang="en-US">
                         <a:solidFill>
                           <a:srgbClr val="7030A0"/>
                         </a:solidFill>
@@ -5932,14 +5904,14 @@
                         <a:buNone/>
                       </a:pPr>
                       <a:r>
-                        <a:rPr lang="" altLang="en-US">
+                        <a:rPr lang="en-US" altLang="en-US">
                           <a:solidFill>
                             <a:srgbClr val="7030A0"/>
                           </a:solidFill>
                         </a:rPr>
                         <a:t>spanish</a:t>
                       </a:r>
-                      <a:endParaRPr lang="" altLang="en-US">
+                      <a:endParaRPr lang="en-US" altLang="en-US">
                         <a:solidFill>
                           <a:srgbClr val="7030A0"/>
                         </a:solidFill>
@@ -5956,14 +5928,14 @@
                         <a:buNone/>
                       </a:pPr>
                       <a:r>
-                        <a:rPr lang="" altLang="en-US">
+                        <a:rPr lang="en-US" altLang="en-US">
                           <a:solidFill>
                             <a:srgbClr val="7030A0"/>
                           </a:solidFill>
                         </a:rPr>
                         <a:t>.</a:t>
                       </a:r>
-                      <a:endParaRPr lang="" altLang="en-US">
+                      <a:endParaRPr lang="en-US" altLang="en-US">
                         <a:solidFill>
                           <a:srgbClr val="7030A0"/>
                         </a:solidFill>
@@ -6030,14 +6002,14 @@
                         <a:buNone/>
                       </a:pPr>
                       <a:r>
-                        <a:rPr lang="" altLang="en-US">
+                        <a:rPr lang="en-US" altLang="en-US">
                           <a:solidFill>
                             <a:srgbClr val="FF0000"/>
                           </a:solidFill>
                         </a:rPr>
                         <a:t>&lt;unk&gt;</a:t>
                       </a:r>
-                      <a:endParaRPr lang="" altLang="en-US">
+                      <a:endParaRPr lang="en-US" altLang="en-US">
                         <a:solidFill>
                           <a:srgbClr val="FF0000"/>
                         </a:solidFill>
@@ -6054,14 +6026,14 @@
                         <a:buNone/>
                       </a:pPr>
                       <a:r>
-                        <a:rPr lang="" altLang="en-US">
+                        <a:rPr lang="en-US" altLang="en-US">
                           <a:solidFill>
                             <a:srgbClr val="FF0000"/>
                           </a:solidFill>
                         </a:rPr>
                         <a:t>17</a:t>
                       </a:r>
-                      <a:endParaRPr lang="" altLang="en-US">
+                      <a:endParaRPr lang="en-US" altLang="en-US">
                         <a:solidFill>
                           <a:srgbClr val="FF0000"/>
                         </a:solidFill>
@@ -6078,14 +6050,14 @@
                         <a:buNone/>
                       </a:pPr>
                       <a:r>
-                        <a:rPr lang="" altLang="en-US">
+                        <a:rPr lang="en-US" altLang="en-US">
                           <a:solidFill>
                             <a:srgbClr val="FF0000"/>
                           </a:solidFill>
                         </a:rPr>
                         <a:t>&lt;unk&gt;</a:t>
                       </a:r>
-                      <a:endParaRPr lang="" altLang="en-US">
+                      <a:endParaRPr lang="en-US" altLang="en-US">
                         <a:solidFill>
                           <a:srgbClr val="FF0000"/>
                         </a:solidFill>
@@ -6102,14 +6074,14 @@
                         <a:buNone/>
                       </a:pPr>
                       <a:r>
-                        <a:rPr lang="" altLang="en-US">
+                        <a:rPr lang="en-US" altLang="en-US">
                           <a:solidFill>
                             <a:srgbClr val="FF0000"/>
                           </a:solidFill>
                         </a:rPr>
                         <a:t>7</a:t>
                       </a:r>
-                      <a:endParaRPr lang="" altLang="en-US">
+                      <a:endParaRPr lang="en-US" altLang="en-US">
                         <a:solidFill>
                           <a:srgbClr val="FF0000"/>
                         </a:solidFill>
@@ -6126,14 +6098,14 @@
                         <a:buNone/>
                       </a:pPr>
                       <a:r>
-                        <a:rPr lang="" altLang="en-US">
+                        <a:rPr lang="en-US" altLang="en-US">
                           <a:solidFill>
                             <a:srgbClr val="FF0000"/>
                           </a:solidFill>
                         </a:rPr>
                         <a:t>128</a:t>
                       </a:r>
-                      <a:endParaRPr lang="" altLang="en-US">
+                      <a:endParaRPr lang="en-US" altLang="en-US">
                         <a:solidFill>
                           <a:srgbClr val="FF0000"/>
                         </a:solidFill>
@@ -6150,14 +6122,14 @@
                         <a:buNone/>
                       </a:pPr>
                       <a:r>
-                        <a:rPr lang="" altLang="en-US">
+                        <a:rPr lang="en-US" altLang="en-US">
                           <a:solidFill>
                             <a:srgbClr val="FF0000"/>
                           </a:solidFill>
                         </a:rPr>
                         <a:t>2855</a:t>
                       </a:r>
-                      <a:endParaRPr lang="" altLang="en-US">
+                      <a:endParaRPr lang="en-US" altLang="en-US">
                         <a:solidFill>
                           <a:srgbClr val="FF0000"/>
                         </a:solidFill>
@@ -6174,14 +6146,14 @@
                         <a:buNone/>
                       </a:pPr>
                       <a:r>
-                        <a:rPr lang="" altLang="en-US">
+                        <a:rPr lang="en-US" altLang="en-US">
                           <a:solidFill>
                             <a:srgbClr val="FF0000"/>
                           </a:solidFill>
                         </a:rPr>
                         <a:t>&lt;unk&gt;</a:t>
                       </a:r>
-                      <a:endParaRPr lang="" altLang="en-US">
+                      <a:endParaRPr lang="en-US" altLang="en-US">
                         <a:solidFill>
                           <a:srgbClr val="FF0000"/>
                         </a:solidFill>
@@ -6200,14 +6172,14 @@
                         <a:buNone/>
                       </a:pPr>
                       <a:r>
-                        <a:rPr lang="" altLang="en-US">
+                        <a:rPr lang="en-US" altLang="en-US">
                           <a:solidFill>
                             <a:srgbClr val="FF0000"/>
                           </a:solidFill>
                         </a:rPr>
                         <a:t>14</a:t>
                       </a:r>
-                      <a:endParaRPr lang="" altLang="en-US">
+                      <a:endParaRPr lang="en-US" altLang="en-US">
                         <a:solidFill>
                           <a:srgbClr val="FF0000"/>
                         </a:solidFill>
@@ -6224,14 +6196,14 @@
                         <a:buNone/>
                       </a:pPr>
                       <a:r>
-                        <a:rPr lang="" altLang="en-US">
+                        <a:rPr lang="en-US" altLang="en-US">
                           <a:solidFill>
                             <a:srgbClr val="FF0000"/>
                           </a:solidFill>
                         </a:rPr>
                         <a:t>&lt;unk&gt;</a:t>
                       </a:r>
-                      <a:endParaRPr lang="" altLang="en-US">
+                      <a:endParaRPr lang="en-US" altLang="en-US">
                         <a:solidFill>
                           <a:srgbClr val="FF0000"/>
                         </a:solidFill>
@@ -6248,14 +6220,14 @@
                         <a:buNone/>
                       </a:pPr>
                       <a:r>
-                        <a:rPr lang="" altLang="en-US">
+                        <a:rPr lang="en-US" altLang="en-US">
                           <a:solidFill>
                             <a:srgbClr val="FF0000"/>
                           </a:solidFill>
                         </a:rPr>
                         <a:t>&lt;unk&gt;</a:t>
                       </a:r>
-                      <a:endParaRPr lang="" altLang="en-US">
+                      <a:endParaRPr lang="en-US" altLang="en-US">
                         <a:solidFill>
                           <a:srgbClr val="FF0000"/>
                         </a:solidFill>
@@ -6272,14 +6244,14 @@
                         <a:buNone/>
                       </a:pPr>
                       <a:r>
-                        <a:rPr lang="" altLang="en-US">
+                        <a:rPr lang="en-US" altLang="en-US">
                           <a:solidFill>
                             <a:srgbClr val="FF0000"/>
                           </a:solidFill>
                         </a:rPr>
                         <a:t>4</a:t>
                       </a:r>
-                      <a:endParaRPr lang="" altLang="en-US">
+                      <a:endParaRPr lang="en-US" altLang="en-US">
                         <a:solidFill>
                           <a:srgbClr val="FF0000"/>
                         </a:solidFill>
@@ -6346,14 +6318,14 @@
                         <a:buNone/>
                       </a:pPr>
                       <a:r>
-                        <a:rPr lang="" altLang="en-US">
+                        <a:rPr lang="en-US" altLang="en-US">
                           <a:solidFill>
                             <a:srgbClr val="7030A0"/>
                           </a:solidFill>
                         </a:rPr>
                         <a:t>1</a:t>
                       </a:r>
-                      <a:endParaRPr lang="" altLang="en-US">
+                      <a:endParaRPr lang="en-US" altLang="en-US">
                         <a:solidFill>
                           <a:srgbClr val="7030A0"/>
                         </a:solidFill>
@@ -6370,14 +6342,14 @@
                         <a:buNone/>
                       </a:pPr>
                       <a:r>
-                        <a:rPr lang="" altLang="en-US">
+                        <a:rPr lang="en-US" altLang="en-US">
                           <a:solidFill>
                             <a:srgbClr val="7030A0"/>
                           </a:solidFill>
                         </a:rPr>
                         <a:t>17</a:t>
                       </a:r>
-                      <a:endParaRPr lang="" altLang="en-US">
+                      <a:endParaRPr lang="en-US" altLang="en-US">
                         <a:solidFill>
                           <a:srgbClr val="7030A0"/>
                         </a:solidFill>
@@ -6394,14 +6366,14 @@
                         <a:buNone/>
                       </a:pPr>
                       <a:r>
-                        <a:rPr lang="" altLang="en-US">
+                        <a:rPr lang="en-US" altLang="en-US">
                           <a:solidFill>
                             <a:srgbClr val="7030A0"/>
                           </a:solidFill>
                         </a:rPr>
                         <a:t>1</a:t>
                       </a:r>
-                      <a:endParaRPr lang="" altLang="en-US">
+                      <a:endParaRPr lang="en-US" altLang="en-US">
                         <a:solidFill>
                           <a:srgbClr val="7030A0"/>
                         </a:solidFill>
@@ -6418,14 +6390,14 @@
                         <a:buNone/>
                       </a:pPr>
                       <a:r>
-                        <a:rPr lang="" altLang="en-US">
+                        <a:rPr lang="en-US" altLang="en-US">
                           <a:solidFill>
                             <a:srgbClr val="7030A0"/>
                           </a:solidFill>
                         </a:rPr>
                         <a:t>7</a:t>
                       </a:r>
-                      <a:endParaRPr lang="" altLang="en-US">
+                      <a:endParaRPr lang="en-US" altLang="en-US">
                         <a:solidFill>
                           <a:srgbClr val="7030A0"/>
                         </a:solidFill>
@@ -6442,14 +6414,14 @@
                         <a:buNone/>
                       </a:pPr>
                       <a:r>
-                        <a:rPr lang="" altLang="en-US">
+                        <a:rPr lang="en-US" altLang="en-US">
                           <a:solidFill>
                             <a:srgbClr val="7030A0"/>
                           </a:solidFill>
                         </a:rPr>
                         <a:t>128</a:t>
                       </a:r>
-                      <a:endParaRPr lang="" altLang="en-US">
+                      <a:endParaRPr lang="en-US" altLang="en-US">
                         <a:solidFill>
                           <a:srgbClr val="7030A0"/>
                         </a:solidFill>
@@ -6466,14 +6438,14 @@
                         <a:buNone/>
                       </a:pPr>
                       <a:r>
-                        <a:rPr lang="" altLang="en-US">
+                        <a:rPr lang="en-US" altLang="en-US">
                           <a:solidFill>
                             <a:srgbClr val="7030A0"/>
                           </a:solidFill>
                         </a:rPr>
                         <a:t>2855</a:t>
                       </a:r>
-                      <a:endParaRPr lang="" altLang="en-US">
+                      <a:endParaRPr lang="en-US" altLang="en-US">
                         <a:solidFill>
                           <a:srgbClr val="7030A0"/>
                         </a:solidFill>
@@ -6490,14 +6462,14 @@
                         <a:buNone/>
                       </a:pPr>
                       <a:r>
-                        <a:rPr lang="" altLang="en-US">
+                        <a:rPr lang="en-US" altLang="en-US">
                           <a:solidFill>
                             <a:srgbClr val="7030A0"/>
                           </a:solidFill>
                         </a:rPr>
                         <a:t>1</a:t>
                       </a:r>
-                      <a:endParaRPr lang="" altLang="en-US">
+                      <a:endParaRPr lang="en-US" altLang="en-US">
                         <a:solidFill>
                           <a:srgbClr val="7030A0"/>
                         </a:solidFill>
@@ -6516,14 +6488,14 @@
                         <a:buNone/>
                       </a:pPr>
                       <a:r>
-                        <a:rPr lang="" altLang="en-US">
+                        <a:rPr lang="en-US" altLang="en-US">
                           <a:solidFill>
                             <a:srgbClr val="7030A0"/>
                           </a:solidFill>
                         </a:rPr>
                         <a:t>14</a:t>
                       </a:r>
-                      <a:endParaRPr lang="" altLang="en-US">
+                      <a:endParaRPr lang="en-US" altLang="en-US">
                         <a:solidFill>
                           <a:srgbClr val="7030A0"/>
                         </a:solidFill>
@@ -6540,14 +6512,14 @@
                         <a:buNone/>
                       </a:pPr>
                       <a:r>
-                        <a:rPr lang="" altLang="en-US">
+                        <a:rPr lang="en-US" altLang="en-US">
                           <a:solidFill>
                             <a:srgbClr val="7030A0"/>
                           </a:solidFill>
                         </a:rPr>
                         <a:t>1</a:t>
                       </a:r>
-                      <a:endParaRPr lang="" altLang="en-US">
+                      <a:endParaRPr lang="en-US" altLang="en-US">
                         <a:solidFill>
                           <a:srgbClr val="7030A0"/>
                         </a:solidFill>
@@ -6564,14 +6536,14 @@
                         <a:buNone/>
                       </a:pPr>
                       <a:r>
-                        <a:rPr lang="" altLang="en-US">
+                        <a:rPr lang="en-US" altLang="en-US">
                           <a:solidFill>
                             <a:srgbClr val="7030A0"/>
                           </a:solidFill>
                         </a:rPr>
                         <a:t>1</a:t>
                       </a:r>
-                      <a:endParaRPr lang="" altLang="en-US">
+                      <a:endParaRPr lang="en-US" altLang="en-US">
                         <a:solidFill>
                           <a:srgbClr val="7030A0"/>
                         </a:solidFill>
@@ -6588,14 +6560,14 @@
                         <a:buNone/>
                       </a:pPr>
                       <a:r>
-                        <a:rPr lang="" altLang="en-US">
+                        <a:rPr lang="en-US" altLang="en-US">
                           <a:solidFill>
                             <a:srgbClr val="7030A0"/>
                           </a:solidFill>
                         </a:rPr>
                         <a:t>4</a:t>
                       </a:r>
-                      <a:endParaRPr lang="" altLang="en-US">
+                      <a:endParaRPr lang="en-US" altLang="en-US">
                         <a:solidFill>
                           <a:srgbClr val="7030A0"/>
                         </a:solidFill>
@@ -6690,10 +6662,10 @@
           <a:bodyPr/>
           <a:p>
             <a:r>
-              <a:rPr lang="" altLang="en-US"/>
+              <a:rPr lang="en-US" altLang="en-US"/>
               <a:t>Dữ liệu của bảng mappings </a:t>
             </a:r>
-            <a:endParaRPr lang="" altLang="en-US"/>
+            <a:endParaRPr lang="en-US" altLang="en-US"/>
           </a:p>
         </p:txBody>
       </p:sp>
@@ -6745,10 +6717,10 @@
           </a:bodyPr>
           <a:p>
             <a:r>
-              <a:rPr lang="" altLang="en-US"/>
+              <a:rPr lang="en-US" altLang="en-US"/>
               <a:t>size =: 9703</a:t>
             </a:r>
-            <a:endParaRPr lang="" altLang="en-US"/>
+            <a:endParaRPr lang="en-US" altLang="en-US"/>
           </a:p>
         </p:txBody>
       </p:sp>
@@ -6774,10 +6746,10 @@
           </a:bodyPr>
           <a:p>
             <a:r>
-              <a:rPr lang="" altLang="en-US"/>
+              <a:rPr lang="en-US" altLang="en-US"/>
               <a:t>một từ source tương ứng với 1 từ hoặc nhiều từ trong target</a:t>
             </a:r>
-            <a:endParaRPr lang="" altLang="en-US"/>
+            <a:endParaRPr lang="en-US" altLang="en-US"/>
           </a:p>
         </p:txBody>
       </p:sp>
@@ -6814,10 +6786,10 @@
           <a:bodyPr/>
           <a:p>
             <a:r>
-              <a:rPr lang="" altLang="en-US"/>
+              <a:rPr lang="en-US" altLang="en-US"/>
               <a:t>khi encode xong </a:t>
             </a:r>
-            <a:endParaRPr lang="" altLang="en-US"/>
+            <a:endParaRPr lang="en-US" altLang="en-US"/>
           </a:p>
         </p:txBody>
       </p:sp>
@@ -6890,10 +6862,10 @@
           </a:p>
           <a:p>
             <a:r>
-              <a:rPr lang="" altLang="en-US"/>
+              <a:rPr lang="en-US" altLang="en-US"/>
               <a:t>POS: các &lt;mention&gt; &lt;hashtag&gt;&lt;url&gt; không được thêm vào pos  </a:t>
             </a:r>
-            <a:endParaRPr lang="" altLang="en-US"/>
+            <a:endParaRPr lang="en-US" altLang="en-US"/>
           </a:p>
         </p:txBody>
       </p:sp>

--- a/Presentation1.pptx
+++ b/Presentation1.pptx
@@ -32,6 +32,10 @@
     <p:sldId id="307" r:id="rId25"/>
     <p:sldId id="309" r:id="rId26"/>
     <p:sldId id="310" r:id="rId27"/>
+    <p:sldId id="313" r:id="rId28"/>
+    <p:sldId id="314" r:id="rId29"/>
+    <p:sldId id="312" r:id="rId30"/>
+    <p:sldId id="315" r:id="rId31"/>
   </p:sldIdLst>
   <p:sldSz cx="12192000" cy="6858000"/>
   <p:notesSz cx="7103745" cy="10234295"/>
@@ -4348,6 +4352,37 @@
             <a:endParaRPr lang="en-US" altLang="en-US"/>
           </a:p>
           <a:p>
+            <a:r>
+              <a:rPr lang="" altLang="en-US"/>
+              <a:t>khi tham so share_voca duoc thiet lap thi ket hop ca 2:</a:t>
+            </a:r>
+            <a:endParaRPr lang="" altLang="en-US"/>
+          </a:p>
+          <a:p>
+            <a:r>
+              <a:rPr lang="" altLang="en-US"/>
+              <a:t>training_voca: 10.084 = 10800 + &lt;unk&gt; + '' la &lt;padding&gt;, &lt;e&gt; ket thuc cau hoac tu, &lt;s&gt; bat dau cau hoac tu</a:t>
+            </a:r>
+            <a:endParaRPr lang="" altLang="en-US"/>
+          </a:p>
+          <a:p>
+            <a:r>
+              <a:rPr lang="" altLang="en-US"/>
+              <a:t>testing_voca: 7389</a:t>
+            </a:r>
+            <a:endParaRPr lang="" altLang="en-US"/>
+          </a:p>
+          <a:p>
+            <a:endParaRPr lang="" altLang="en-US"/>
+          </a:p>
+          <a:p>
+            <a:r>
+              <a:rPr lang="" altLang="en-US"/>
+              <a:t>voi character: 41: a-z, 0-9, &lt;e&gt; , &lt;s&gt; , '', &lt;unk&gt;</a:t>
+            </a:r>
+            <a:endParaRPr lang="en-US" altLang="en-US"/>
+          </a:p>
+          <a:p>
             <a:endParaRPr lang="en-US" altLang="en-US"/>
           </a:p>
           <a:p>
@@ -5642,13 +5677,9 @@
             </a:pPr>
             <a:r>
               <a:rPr lang="en-US" altLang="en-US"/>
-              <a:t>Khi xem xet test set, nó xác định được UNK, là các từ không có trong source_input </a:t>
-            </a:r>
-            <a:r>
-              <a:rPr lang="" altLang="en-US"/>
-              <a:t>va target cua trainning </a:t>
-            </a:r>
-            <a:endParaRPr lang="" altLang="en-US"/>
+              <a:t>Khi xem xet test set, nó xác định được UNK, là các từ không có trong source_input va target cua trainning </a:t>
+            </a:r>
+            <a:endParaRPr lang="en-US" altLang="en-US"/>
           </a:p>
         </p:txBody>
       </p:sp>
@@ -6931,6 +6962,311 @@
           </a:prstGeom>
         </p:spPr>
       </p:pic>
+    </p:spTree>
+  </p:cSld>
+  <p:clrMapOvr>
+    <a:masterClrMapping/>
+  </p:clrMapOvr>
+</p:sld>
+</file>
+
+<file path=ppt/slides/slide25.xml><?xml version="1.0" encoding="utf-8"?>
+<p:sld xmlns:a="http://schemas.openxmlformats.org/drawingml/2006/main" xmlns:r="http://schemas.openxmlformats.org/officeDocument/2006/relationships" xmlns:p="http://schemas.openxmlformats.org/presentationml/2006/main">
+  <p:cSld>
+    <p:spTree>
+      <p:nvGrpSpPr>
+        <p:cNvPr id="1" name=""/>
+        <p:cNvGrpSpPr/>
+        <p:nvPr/>
+      </p:nvGrpSpPr>
+      <p:grpSpPr/>
+      <p:sp>
+        <p:nvSpPr>
+          <p:cNvPr id="2" name="Title 1"/>
+          <p:cNvSpPr>
+            <a:spLocks noGrp="1"/>
+          </p:cNvSpPr>
+          <p:nvPr>
+            <p:ph type="title"/>
+          </p:nvPr>
+        </p:nvSpPr>
+        <p:spPr/>
+        <p:txBody>
+          <a:bodyPr/>
+          <a:p>
+            <a:r>
+              <a:rPr lang="" altLang="en-US"/>
+              <a:t>Danh gia accuracy, precision, recal</a:t>
+            </a:r>
+            <a:endParaRPr lang="" altLang="en-US"/>
+          </a:p>
+        </p:txBody>
+      </p:sp>
+      <p:sp>
+        <p:nvSpPr>
+          <p:cNvPr id="3" name="Content Placeholder 2"/>
+          <p:cNvSpPr>
+            <a:spLocks noGrp="1"/>
+          </p:cNvSpPr>
+          <p:nvPr>
+            <p:ph idx="1"/>
+          </p:nvPr>
+        </p:nvSpPr>
+        <p:spPr/>
+        <p:txBody>
+          <a:bodyPr/>
+          <a:p>
+            <a:r>
+              <a:rPr lang="" altLang="en-US"/>
+              <a:t>word, thi danh gia theo so tu</a:t>
+            </a:r>
+            <a:endParaRPr lang="" altLang="en-US"/>
+          </a:p>
+          <a:p>
+            <a:r>
+              <a:rPr lang="" altLang="en-US"/>
+              <a:t>voi ki tu, thi danh gia theo so ki tu</a:t>
+            </a:r>
+            <a:endParaRPr lang="" altLang="en-US"/>
+          </a:p>
+          <a:p>
+            <a:endParaRPr lang="" altLang="en-US"/>
+          </a:p>
+        </p:txBody>
+      </p:sp>
+      <p:pic>
+        <p:nvPicPr>
+          <p:cNvPr id="4" name="Picture 3"/>
+          <p:cNvPicPr>
+            <a:picLocks noChangeAspect="1"/>
+          </p:cNvPicPr>
+          <p:nvPr/>
+        </p:nvPicPr>
+        <p:blipFill>
+          <a:blip r:embed="rId1"/>
+          <a:stretch>
+            <a:fillRect/>
+          </a:stretch>
+        </p:blipFill>
+        <p:spPr>
+          <a:xfrm>
+            <a:off x="1689100" y="3291840"/>
+            <a:ext cx="8390255" cy="2885440"/>
+          </a:xfrm>
+          <a:prstGeom prst="rect">
+            <a:avLst/>
+          </a:prstGeom>
+        </p:spPr>
+      </p:pic>
+    </p:spTree>
+  </p:cSld>
+  <p:clrMapOvr>
+    <a:masterClrMapping/>
+  </p:clrMapOvr>
+</p:sld>
+</file>
+
+<file path=ppt/slides/slide26.xml><?xml version="1.0" encoding="utf-8"?>
+<p:sld xmlns:a="http://schemas.openxmlformats.org/drawingml/2006/main" xmlns:r="http://schemas.openxmlformats.org/officeDocument/2006/relationships" xmlns:p="http://schemas.openxmlformats.org/presentationml/2006/main">
+  <p:cSld>
+    <p:spTree>
+      <p:nvGrpSpPr>
+        <p:cNvPr id="1" name=""/>
+        <p:cNvGrpSpPr/>
+        <p:nvPr/>
+      </p:nvGrpSpPr>
+      <p:grpSpPr/>
+      <p:sp>
+        <p:nvSpPr>
+          <p:cNvPr id="2" name="Title 1"/>
+          <p:cNvSpPr>
+            <a:spLocks noGrp="1"/>
+          </p:cNvSpPr>
+          <p:nvPr>
+            <p:ph type="title"/>
+          </p:nvPr>
+        </p:nvSpPr>
+        <p:spPr/>
+        <p:txBody>
+          <a:bodyPr/>
+          <a:p>
+            <a:endParaRPr lang="en-US"/>
+          </a:p>
+        </p:txBody>
+      </p:sp>
+      <p:pic>
+        <p:nvPicPr>
+          <p:cNvPr id="4" name="Content Placeholder 3"/>
+          <p:cNvPicPr>
+            <a:picLocks noChangeAspect="1"/>
+          </p:cNvPicPr>
+          <p:nvPr>
+            <p:ph idx="1"/>
+          </p:nvPr>
+        </p:nvPicPr>
+        <p:blipFill>
+          <a:blip r:embed="rId1"/>
+          <a:stretch>
+            <a:fillRect/>
+          </a:stretch>
+        </p:blipFill>
+        <p:spPr>
+          <a:xfrm>
+            <a:off x="726440" y="2896235"/>
+            <a:ext cx="10627360" cy="2506345"/>
+          </a:xfrm>
+          <a:prstGeom prst="rect">
+            <a:avLst/>
+          </a:prstGeom>
+        </p:spPr>
+      </p:pic>
+    </p:spTree>
+  </p:cSld>
+  <p:clrMapOvr>
+    <a:masterClrMapping/>
+  </p:clrMapOvr>
+</p:sld>
+</file>
+
+<file path=ppt/slides/slide27.xml><?xml version="1.0" encoding="utf-8"?>
+<p:sld xmlns:a="http://schemas.openxmlformats.org/drawingml/2006/main" xmlns:r="http://schemas.openxmlformats.org/officeDocument/2006/relationships" xmlns:p="http://schemas.openxmlformats.org/presentationml/2006/main">
+  <p:cSld>
+    <p:spTree>
+      <p:nvGrpSpPr>
+        <p:cNvPr id="1" name=""/>
+        <p:cNvGrpSpPr/>
+        <p:nvPr/>
+      </p:nvGrpSpPr>
+      <p:grpSpPr/>
+      <p:sp>
+        <p:nvSpPr>
+          <p:cNvPr id="2" name="Title 1"/>
+          <p:cNvSpPr>
+            <a:spLocks noGrp="1"/>
+          </p:cNvSpPr>
+          <p:nvPr>
+            <p:ph type="title"/>
+          </p:nvPr>
+        </p:nvSpPr>
+        <p:spPr/>
+        <p:txBody>
+          <a:bodyPr/>
+          <a:p>
+            <a:endParaRPr lang="en-US"/>
+          </a:p>
+        </p:txBody>
+      </p:sp>
+      <p:sp>
+        <p:nvSpPr>
+          <p:cNvPr id="3" name="Content Placeholder 2"/>
+          <p:cNvSpPr>
+            <a:spLocks noGrp="1"/>
+          </p:cNvSpPr>
+          <p:nvPr>
+            <p:ph idx="1"/>
+          </p:nvPr>
+        </p:nvSpPr>
+        <p:spPr/>
+        <p:txBody>
+          <a:bodyPr/>
+          <a:p>
+            <a:r>
+              <a:rPr lang="" altLang="en-US"/>
+              <a:t>word xong roi moi den character</a:t>
+            </a:r>
+            <a:endParaRPr lang="" altLang="en-US"/>
+          </a:p>
+          <a:p>
+            <a:endParaRPr lang="" altLang="en-US"/>
+          </a:p>
+          <a:p>
+            <a:r>
+              <a:rPr lang="" altLang="en-US"/>
+              <a:t>decoder se dung khi den ki tu ket thuc hoac den 50</a:t>
+            </a:r>
+            <a:endParaRPr lang="" altLang="en-US"/>
+          </a:p>
+        </p:txBody>
+      </p:sp>
+    </p:spTree>
+  </p:cSld>
+  <p:clrMapOvr>
+    <a:masterClrMapping/>
+  </p:clrMapOvr>
+</p:sld>
+</file>
+
+<file path=ppt/slides/slide28.xml><?xml version="1.0" encoding="utf-8"?>
+<p:sld xmlns:a="http://schemas.openxmlformats.org/drawingml/2006/main" xmlns:r="http://schemas.openxmlformats.org/officeDocument/2006/relationships" xmlns:p="http://schemas.openxmlformats.org/presentationml/2006/main">
+  <p:cSld>
+    <p:spTree>
+      <p:nvGrpSpPr>
+        <p:cNvPr id="1" name=""/>
+        <p:cNvGrpSpPr/>
+        <p:nvPr/>
+      </p:nvGrpSpPr>
+      <p:grpSpPr/>
+      <p:sp>
+        <p:nvSpPr>
+          <p:cNvPr id="2" name="Title 1"/>
+          <p:cNvSpPr>
+            <a:spLocks noGrp="1"/>
+          </p:cNvSpPr>
+          <p:nvPr>
+            <p:ph type="title"/>
+          </p:nvPr>
+        </p:nvSpPr>
+        <p:spPr/>
+        <p:txBody>
+          <a:bodyPr/>
+          <a:p>
+            <a:endParaRPr lang="en-US"/>
+          </a:p>
+        </p:txBody>
+      </p:sp>
+      <p:sp>
+        <p:nvSpPr>
+          <p:cNvPr id="3" name="Content Placeholder 2"/>
+          <p:cNvSpPr>
+            <a:spLocks noGrp="1"/>
+          </p:cNvSpPr>
+          <p:nvPr>
+            <p:ph idx="1"/>
+          </p:nvPr>
+        </p:nvSpPr>
+        <p:spPr/>
+        <p:txBody>
+          <a:bodyPr/>
+          <a:p>
+            <a:r>
+              <a:rPr lang="" altLang="en-US"/>
+              <a:t>1 cach tao tu dien va xac dinh unk word</a:t>
+            </a:r>
+            <a:endParaRPr lang="" altLang="en-US"/>
+          </a:p>
+          <a:p>
+            <a:r>
+              <a:rPr lang="" altLang="en-US"/>
+              <a:t>2 cach tinh accuracy, precision, recall</a:t>
+            </a:r>
+            <a:endParaRPr lang="" altLang="en-US"/>
+          </a:p>
+          <a:p>
+            <a:r>
+              <a:rPr lang="" altLang="en-US"/>
+              <a:t>3 thu tu thuc hien</a:t>
+            </a:r>
+            <a:endParaRPr lang="" altLang="en-US"/>
+          </a:p>
+          <a:p>
+            <a:r>
+              <a:rPr lang="" altLang="en-US"/>
+              <a:t>4 gioi han cua decoder</a:t>
+            </a:r>
+            <a:endParaRPr lang="" altLang="en-US"/>
+          </a:p>
+        </p:txBody>
+      </p:sp>
     </p:spTree>
   </p:cSld>
   <p:clrMapOvr>

--- a/Presentation1.pptx
+++ b/Presentation1.pptx
@@ -36,6 +36,12 @@
     <p:sldId id="314" r:id="rId29"/>
     <p:sldId id="312" r:id="rId30"/>
     <p:sldId id="315" r:id="rId31"/>
+    <p:sldId id="317" r:id="rId32"/>
+    <p:sldId id="318" r:id="rId33"/>
+    <p:sldId id="319" r:id="rId34"/>
+    <p:sldId id="320" r:id="rId35"/>
+    <p:sldId id="321" r:id="rId36"/>
+    <p:sldId id="323" r:id="rId37"/>
   </p:sldIdLst>
   <p:sldSz cx="12192000" cy="6858000"/>
   <p:notesSz cx="7103745" cy="10234295"/>
@@ -4353,31 +4359,31 @@
           </a:p>
           <a:p>
             <a:r>
-              <a:rPr lang="" altLang="en-US"/>
+              <a:rPr lang="en-US" altLang="en-US"/>
               <a:t>khi tham so share_voca duoc thiet lap thi ket hop ca 2:</a:t>
             </a:r>
-            <a:endParaRPr lang="" altLang="en-US"/>
-          </a:p>
-          <a:p>
-            <a:r>
-              <a:rPr lang="" altLang="en-US"/>
+            <a:endParaRPr lang="en-US" altLang="en-US"/>
+          </a:p>
+          <a:p>
+            <a:r>
+              <a:rPr lang="en-US" altLang="en-US"/>
               <a:t>training_voca: 10.084 = 10800 + &lt;unk&gt; + '' la &lt;padding&gt;, &lt;e&gt; ket thuc cau hoac tu, &lt;s&gt; bat dau cau hoac tu</a:t>
             </a:r>
-            <a:endParaRPr lang="" altLang="en-US"/>
-          </a:p>
-          <a:p>
-            <a:r>
-              <a:rPr lang="" altLang="en-US"/>
+            <a:endParaRPr lang="en-US" altLang="en-US"/>
+          </a:p>
+          <a:p>
+            <a:r>
+              <a:rPr lang="en-US" altLang="en-US"/>
               <a:t>testing_voca: 7389</a:t>
             </a:r>
-            <a:endParaRPr lang="" altLang="en-US"/>
-          </a:p>
-          <a:p>
-            <a:endParaRPr lang="" altLang="en-US"/>
-          </a:p>
-          <a:p>
-            <a:r>
-              <a:rPr lang="" altLang="en-US"/>
+            <a:endParaRPr lang="en-US" altLang="en-US"/>
+          </a:p>
+          <a:p>
+            <a:endParaRPr lang="en-US" altLang="en-US"/>
+          </a:p>
+          <a:p>
+            <a:r>
+              <a:rPr lang="en-US" altLang="en-US"/>
               <a:t>voi character: 41: a-z, 0-9, &lt;e&gt; , &lt;s&gt; , '', &lt;unk&gt;</a:t>
             </a:r>
             <a:endParaRPr lang="en-US" altLang="en-US"/>
@@ -6995,10 +7001,10 @@
           <a:bodyPr/>
           <a:p>
             <a:r>
-              <a:rPr lang="" altLang="en-US"/>
+              <a:rPr lang="en-US" altLang="en-US"/>
               <a:t>Danh gia accuracy, precision, recal</a:t>
             </a:r>
-            <a:endParaRPr lang="" altLang="en-US"/>
+            <a:endParaRPr lang="en-US" altLang="en-US"/>
           </a:p>
         </p:txBody>
       </p:sp>
@@ -7017,20 +7023,20 @@
           <a:bodyPr/>
           <a:p>
             <a:r>
-              <a:rPr lang="" altLang="en-US"/>
+              <a:rPr lang="en-US" altLang="en-US"/>
               <a:t>word, thi danh gia theo so tu</a:t>
             </a:r>
-            <a:endParaRPr lang="" altLang="en-US"/>
-          </a:p>
-          <a:p>
-            <a:r>
-              <a:rPr lang="" altLang="en-US"/>
+            <a:endParaRPr lang="en-US" altLang="en-US"/>
+          </a:p>
+          <a:p>
+            <a:r>
+              <a:rPr lang="en-US" altLang="en-US"/>
               <a:t>voi ki tu, thi danh gia theo so ki tu</a:t>
             </a:r>
-            <a:endParaRPr lang="" altLang="en-US"/>
-          </a:p>
-          <a:p>
-            <a:endParaRPr lang="" altLang="en-US"/>
+            <a:endParaRPr lang="en-US" altLang="en-US"/>
+          </a:p>
+          <a:p>
+            <a:endParaRPr lang="en-US" altLang="en-US"/>
           </a:p>
         </p:txBody>
       </p:sp>
@@ -7171,20 +7177,20 @@
           <a:bodyPr/>
           <a:p>
             <a:r>
-              <a:rPr lang="" altLang="en-US"/>
+              <a:rPr lang="en-US" altLang="en-US"/>
               <a:t>word xong roi moi den character</a:t>
             </a:r>
-            <a:endParaRPr lang="" altLang="en-US"/>
-          </a:p>
-          <a:p>
-            <a:endParaRPr lang="" altLang="en-US"/>
-          </a:p>
-          <a:p>
-            <a:r>
-              <a:rPr lang="" altLang="en-US"/>
+            <a:endParaRPr lang="en-US" altLang="en-US"/>
+          </a:p>
+          <a:p>
+            <a:endParaRPr lang="en-US" altLang="en-US"/>
+          </a:p>
+          <a:p>
+            <a:r>
+              <a:rPr lang="en-US" altLang="en-US"/>
               <a:t>decoder se dung khi den ki tu ket thuc hoac den 50</a:t>
             </a:r>
-            <a:endParaRPr lang="" altLang="en-US"/>
+            <a:endParaRPr lang="en-US" altLang="en-US"/>
           </a:p>
         </p:txBody>
       </p:sp>
@@ -7239,31 +7245,31 @@
           <a:bodyPr/>
           <a:p>
             <a:r>
-              <a:rPr lang="" altLang="en-US"/>
+              <a:rPr lang="en-US" altLang="en-US"/>
               <a:t>1 cach tao tu dien va xac dinh unk word</a:t>
             </a:r>
-            <a:endParaRPr lang="" altLang="en-US"/>
-          </a:p>
-          <a:p>
-            <a:r>
-              <a:rPr lang="" altLang="en-US"/>
+            <a:endParaRPr lang="en-US" altLang="en-US"/>
+          </a:p>
+          <a:p>
+            <a:r>
+              <a:rPr lang="en-US" altLang="en-US"/>
               <a:t>2 cach tinh accuracy, precision, recall</a:t>
             </a:r>
-            <a:endParaRPr lang="" altLang="en-US"/>
-          </a:p>
-          <a:p>
-            <a:r>
-              <a:rPr lang="" altLang="en-US"/>
+            <a:endParaRPr lang="en-US" altLang="en-US"/>
+          </a:p>
+          <a:p>
+            <a:r>
+              <a:rPr lang="en-US" altLang="en-US"/>
               <a:t>3 thu tu thuc hien</a:t>
             </a:r>
-            <a:endParaRPr lang="" altLang="en-US"/>
-          </a:p>
-          <a:p>
-            <a:r>
-              <a:rPr lang="" altLang="en-US"/>
+            <a:endParaRPr lang="en-US" altLang="en-US"/>
+          </a:p>
+          <a:p>
+            <a:r>
+              <a:rPr lang="en-US" altLang="en-US"/>
               <a:t>4 gioi han cua decoder</a:t>
             </a:r>
-            <a:endParaRPr lang="" altLang="en-US"/>
+            <a:endParaRPr lang="en-US" altLang="en-US"/>
           </a:p>
         </p:txBody>
       </p:sp>
@@ -7272,6 +7278,432 @@
   <p:clrMapOvr>
     <a:masterClrMapping/>
   </p:clrMapOvr>
+</p:sld>
+</file>
+
+<file path=ppt/slides/slide29.xml><?xml version="1.0" encoding="utf-8"?>
+<p:sld xmlns:a="http://schemas.openxmlformats.org/drawingml/2006/main" xmlns:r="http://schemas.openxmlformats.org/officeDocument/2006/relationships" xmlns:p="http://schemas.openxmlformats.org/presentationml/2006/main">
+  <p:cSld>
+    <p:spTree>
+      <p:nvGrpSpPr>
+        <p:cNvPr id="1" name=""/>
+        <p:cNvGrpSpPr/>
+        <p:nvPr/>
+      </p:nvGrpSpPr>
+      <p:grpSpPr>
+        <a:xfrm>
+          <a:off x="0" y="0"/>
+          <a:ext cx="0" cy="0"/>
+          <a:chOff x="0" y="0"/>
+          <a:chExt cx="0" cy="0"/>
+        </a:xfrm>
+      </p:grpSpPr>
+      <p:sp>
+        <p:nvSpPr>
+          <p:cNvPr id="191" name="CustomShape 1"/>
+          <p:cNvSpPr/>
+          <p:nvPr/>
+        </p:nvSpPr>
+        <p:spPr>
+          <a:xfrm>
+            <a:off x="838080" y="365040"/>
+            <a:ext cx="10514880" cy="1324800"/>
+          </a:xfrm>
+          <a:prstGeom prst="rect">
+            <a:avLst/>
+          </a:prstGeom>
+          <a:noFill/>
+          <a:ln>
+            <a:noFill/>
+          </a:ln>
+        </p:spPr>
+        <p:style>
+          <a:lnRef idx="0">
+            <a:srgbClr val="FFFFFF"/>
+          </a:lnRef>
+          <a:fillRef idx="0">
+            <a:srgbClr val="FFFFFF"/>
+          </a:fillRef>
+          <a:effectRef idx="0">
+            <a:srgbClr val="FFFFFF"/>
+          </a:effectRef>
+          <a:fontRef idx="minor"/>
+        </p:style>
+      </p:sp>
+      <p:sp>
+        <p:nvSpPr>
+          <p:cNvPr id="192" name="CustomShape 2"/>
+          <p:cNvSpPr/>
+          <p:nvPr/>
+        </p:nvSpPr>
+        <p:spPr>
+          <a:xfrm>
+            <a:off x="965080" y="490790"/>
+            <a:ext cx="10514880" cy="4350600"/>
+          </a:xfrm>
+          <a:prstGeom prst="rect">
+            <a:avLst/>
+          </a:prstGeom>
+          <a:noFill/>
+          <a:ln>
+            <a:noFill/>
+          </a:ln>
+        </p:spPr>
+        <p:style>
+          <a:lnRef idx="0">
+            <a:srgbClr val="FFFFFF"/>
+          </a:lnRef>
+          <a:fillRef idx="0">
+            <a:srgbClr val="FFFFFF"/>
+          </a:fillRef>
+          <a:effectRef idx="0">
+            <a:srgbClr val="FFFFFF"/>
+          </a:effectRef>
+          <a:fontRef idx="minor"/>
+        </p:style>
+        <p:txBody>
+          <a:bodyPr lIns="0" tIns="0" rIns="0" bIns="0">
+            <a:normAutofit/>
+          </a:bodyPr>
+          <a:p>
+            <a:pPr marL="431800" indent="-323850">
+              <a:lnSpc>
+                <a:spcPct val="100000"/>
+              </a:lnSpc>
+              <a:spcBef>
+                <a:spcPts val="1415"/>
+              </a:spcBef>
+              <a:buClr>
+                <a:srgbClr val="000000"/>
+              </a:buClr>
+              <a:buSzPct val="45000"/>
+              <a:buFont typeface="Wingdings" panose="05000000000000000000" pitchFamily="2" charset="2"/>
+              <a:buChar char=""/>
+            </a:pPr>
+            <a:r>
+              <a:rPr lang="en-US" sz="2800" b="0" strike="noStrike" spc="-1">
+                <a:solidFill>
+                  <a:srgbClr val="000000"/>
+                </a:solidFill>
+                <a:latin typeface="Calibri"/>
+              </a:rPr>
+              <a:t>Lỗi sai chính tả có quy tắc:</a:t>
+            </a:r>
+            <a:endParaRPr lang="en-US" sz="2800" b="0" strike="noStrike" spc="-1">
+              <a:latin typeface="Arial"/>
+            </a:endParaRPr>
+          </a:p>
+          <a:p>
+            <a:pPr marL="864235" lvl="1" indent="-323850">
+              <a:lnSpc>
+                <a:spcPct val="100000"/>
+              </a:lnSpc>
+              <a:spcBef>
+                <a:spcPts val="1135"/>
+              </a:spcBef>
+              <a:buClr>
+                <a:srgbClr val="000000"/>
+              </a:buClr>
+              <a:buFont typeface="StarSymbol"/>
+              <a:buAutoNum type="arabicParenR"/>
+            </a:pPr>
+            <a:r>
+              <a:rPr lang="en-US" sz="2000" b="0" strike="noStrike" spc="-1">
+                <a:solidFill>
+                  <a:srgbClr val="000000"/>
+                </a:solidFill>
+                <a:latin typeface="Calibri"/>
+              </a:rPr>
+              <a:t>Lỗi sai về dấu câu: + thiếu dấu, thừa dấu, thay thế dấu bằng một dấu khác.</a:t>
+            </a:r>
+            <a:endParaRPr lang="en-US" sz="2000" b="0" strike="noStrike" spc="-1">
+              <a:latin typeface="Arial"/>
+            </a:endParaRPr>
+          </a:p>
+          <a:p>
+            <a:pPr marL="2160270" lvl="4" indent="-215900">
+              <a:lnSpc>
+                <a:spcPct val="100000"/>
+              </a:lnSpc>
+              <a:spcBef>
+                <a:spcPts val="285"/>
+              </a:spcBef>
+              <a:buClr>
+                <a:srgbClr val="000000"/>
+              </a:buClr>
+              <a:buFont typeface="StarSymbol"/>
+              <a:buAutoNum type="arabicParenR"/>
+            </a:pPr>
+            <a:r>
+              <a:rPr lang="en-US" sz="2000" b="0" strike="noStrike" spc="-1">
+                <a:solidFill>
+                  <a:srgbClr val="000000"/>
+                </a:solidFill>
+                <a:latin typeface="Calibri"/>
+              </a:rPr>
+              <a:t>              + sai vị trí của dấu: hòa – hoà.</a:t>
+            </a:r>
+            <a:endParaRPr lang="en-US" sz="2000" b="0" strike="noStrike" spc="-1">
+              <a:latin typeface="Arial"/>
+            </a:endParaRPr>
+          </a:p>
+          <a:p>
+            <a:pPr marL="2160270" lvl="4" indent="-215900">
+              <a:lnSpc>
+                <a:spcPct val="100000"/>
+              </a:lnSpc>
+              <a:spcBef>
+                <a:spcPts val="285"/>
+              </a:spcBef>
+              <a:buClr>
+                <a:srgbClr val="000000"/>
+              </a:buClr>
+              <a:buFont typeface="StarSymbol"/>
+              <a:buAutoNum type="arabicParenR"/>
+            </a:pPr>
+            <a:r>
+              <a:rPr lang="en-US" sz="2000" b="0" strike="noStrike" spc="-1">
+                <a:solidFill>
+                  <a:srgbClr val="000000"/>
+                </a:solidFill>
+                <a:latin typeface="Calibri"/>
+              </a:rPr>
+              <a:t>              + dấu biểu cảm cuối câu.</a:t>
+            </a:r>
+            <a:endParaRPr lang="en-US" sz="2000" b="0" strike="noStrike" spc="-1">
+              <a:latin typeface="Arial"/>
+            </a:endParaRPr>
+          </a:p>
+          <a:p>
+            <a:pPr marL="864235" lvl="1" indent="-323850">
+              <a:lnSpc>
+                <a:spcPct val="100000"/>
+              </a:lnSpc>
+              <a:spcBef>
+                <a:spcPts val="1135"/>
+              </a:spcBef>
+              <a:buClr>
+                <a:srgbClr val="000000"/>
+              </a:buClr>
+              <a:buFont typeface="StarSymbol"/>
+              <a:buAutoNum type="arabicParenR"/>
+            </a:pPr>
+            <a:r>
+              <a:rPr lang="en-US" sz="2000" b="0" strike="noStrike" spc="-1">
+                <a:solidFill>
+                  <a:srgbClr val="000000"/>
+                </a:solidFill>
+                <a:latin typeface="Calibri"/>
+              </a:rPr>
+              <a:t>Lỗi sai về dấu cách: với các từ có nhiều hơn 2 từ :</a:t>
+            </a:r>
+            <a:endParaRPr lang="en-US" sz="2000" b="0" strike="noStrike" spc="-1">
+              <a:latin typeface="Arial"/>
+            </a:endParaRPr>
+          </a:p>
+          <a:p>
+            <a:pPr marL="1296035" lvl="2" indent="-287655">
+              <a:lnSpc>
+                <a:spcPct val="100000"/>
+              </a:lnSpc>
+              <a:spcBef>
+                <a:spcPts val="850"/>
+              </a:spcBef>
+              <a:buClr>
+                <a:srgbClr val="000000"/>
+              </a:buClr>
+              <a:buFont typeface="StarSymbol"/>
+              <a:buAutoNum type="arabicParenR"/>
+            </a:pPr>
+            <a:r>
+              <a:rPr lang="en-US" sz="1800" b="0" strike="noStrike" spc="-1">
+                <a:solidFill>
+                  <a:srgbClr val="000000"/>
+                </a:solidFill>
+                <a:latin typeface="Calibri"/>
+              </a:rPr>
+              <a:t>                            + mất dấu cách giữa các chữ trong trong từ: hoàng hôn → hoànghôn</a:t>
+            </a:r>
+            <a:endParaRPr lang="en-US" sz="1800" b="0" strike="noStrike" spc="-1">
+              <a:latin typeface="Arial"/>
+            </a:endParaRPr>
+          </a:p>
+          <a:p>
+            <a:pPr marL="1727835" lvl="3" indent="-215900">
+              <a:lnSpc>
+                <a:spcPct val="100000"/>
+              </a:lnSpc>
+              <a:spcBef>
+                <a:spcPts val="565"/>
+              </a:spcBef>
+              <a:buClr>
+                <a:srgbClr val="000000"/>
+              </a:buClr>
+              <a:buFont typeface="StarSymbol"/>
+              <a:buAutoNum type="arabicParenR"/>
+            </a:pPr>
+            <a:r>
+              <a:rPr lang="en-US" sz="1800" b="0" strike="noStrike" spc="-1">
+                <a:solidFill>
+                  <a:srgbClr val="000000"/>
+                </a:solidFill>
+                <a:latin typeface="Calibri"/>
+              </a:rPr>
+              <a:t>                      + chèn thêm dấu cách vào giữa từ: x ă n g, ph a, n h ơ t</a:t>
+            </a:r>
+            <a:endParaRPr lang="en-US" sz="1800" b="0" strike="noStrike" spc="-1">
+              <a:latin typeface="Arial"/>
+            </a:endParaRPr>
+          </a:p>
+          <a:p>
+            <a:pPr marL="864235" lvl="1" indent="-323850">
+              <a:lnSpc>
+                <a:spcPct val="100000"/>
+              </a:lnSpc>
+              <a:spcBef>
+                <a:spcPts val="1135"/>
+              </a:spcBef>
+              <a:buClr>
+                <a:srgbClr val="000000"/>
+              </a:buClr>
+              <a:buFont typeface="StarSymbol"/>
+              <a:buAutoNum type="arabicParenR"/>
+            </a:pPr>
+            <a:r>
+              <a:rPr lang="en-US" sz="2000" b="0" strike="noStrike" spc="-1">
+                <a:solidFill>
+                  <a:srgbClr val="000000"/>
+                </a:solidFill>
+                <a:latin typeface="Calibri"/>
+              </a:rPr>
+              <a:t>Lỗi sai về bàn phím: những ký tự có ví trị gần nhau trên bàn phim</a:t>
+            </a:r>
+            <a:endParaRPr lang="en-US" sz="2000" b="0" strike="noStrike" spc="-1">
+              <a:latin typeface="Arial"/>
+            </a:endParaRPr>
+          </a:p>
+          <a:p>
+            <a:pPr marL="1296035" lvl="2" indent="-287655">
+              <a:lnSpc>
+                <a:spcPct val="100000"/>
+              </a:lnSpc>
+              <a:spcBef>
+                <a:spcPts val="850"/>
+              </a:spcBef>
+              <a:buClr>
+                <a:srgbClr val="000000"/>
+              </a:buClr>
+              <a:buFont typeface="StarSymbol"/>
+              <a:buAutoNum type="arabicParenR"/>
+            </a:pPr>
+            <a:r>
+              <a:rPr lang="en-US" sz="1800" b="0" strike="noStrike" spc="-1">
+                <a:solidFill>
+                  <a:srgbClr val="000000"/>
+                </a:solidFill>
+                <a:latin typeface="Calibri"/>
+              </a:rPr>
+              <a:t>                            + q , w , z , x , s gần a </a:t>
+            </a:r>
+            <a:endParaRPr lang="en-US" sz="1800" b="0" strike="noStrike" spc="-1">
+              <a:latin typeface="Arial"/>
+            </a:endParaRPr>
+          </a:p>
+          <a:p>
+            <a:pPr marL="864235" lvl="1" indent="-323850">
+              <a:lnSpc>
+                <a:spcPct val="100000"/>
+              </a:lnSpc>
+              <a:spcBef>
+                <a:spcPts val="1135"/>
+              </a:spcBef>
+              <a:buClr>
+                <a:srgbClr val="000000"/>
+              </a:buClr>
+              <a:buFont typeface="StarSymbol"/>
+              <a:buAutoNum type="arabicParenR"/>
+            </a:pPr>
+            <a:r>
+              <a:rPr lang="en-US" sz="2000" b="0" strike="noStrike" spc="-1">
+                <a:solidFill>
+                  <a:srgbClr val="000000"/>
+                </a:solidFill>
+                <a:latin typeface="Calibri"/>
+              </a:rPr>
+              <a:t>Một số chữ cái, có cách phát âm, hơi giống nhau: ch-tr, l-n, x-s, y-i, r-d-gi  …..</a:t>
+            </a:r>
+            <a:endParaRPr lang="en-US" sz="2000" b="0" strike="noStrike" spc="-1">
+              <a:latin typeface="Arial"/>
+            </a:endParaRPr>
+          </a:p>
+          <a:p>
+            <a:pPr marL="864235" lvl="1" indent="-323850">
+              <a:lnSpc>
+                <a:spcPct val="100000"/>
+              </a:lnSpc>
+              <a:spcBef>
+                <a:spcPts val="1135"/>
+              </a:spcBef>
+              <a:buClr>
+                <a:srgbClr val="000000"/>
+              </a:buClr>
+              <a:buFont typeface="StarSymbol"/>
+              <a:buAutoNum type="arabicParenR"/>
+            </a:pPr>
+            <a:r>
+              <a:rPr lang="en-US" sz="2000" b="0" strike="noStrike" spc="-1">
+                <a:solidFill>
+                  <a:srgbClr val="000000"/>
+                </a:solidFill>
+                <a:latin typeface="Calibri"/>
+              </a:rPr>
+              <a:t>Xu hưởng bỏ chữ cái cuối câu đi: dễ thươn</a:t>
+            </a:r>
+            <a:endParaRPr lang="en-US" sz="2000" b="0" strike="noStrike" spc="-1">
+              <a:latin typeface="Arial"/>
+            </a:endParaRPr>
+          </a:p>
+          <a:p>
+            <a:pPr marL="864235" lvl="1" indent="-323850">
+              <a:lnSpc>
+                <a:spcPct val="100000"/>
+              </a:lnSpc>
+              <a:spcBef>
+                <a:spcPts val="1135"/>
+              </a:spcBef>
+              <a:buClr>
+                <a:srgbClr val="000000"/>
+              </a:buClr>
+              <a:buFont typeface="StarSymbol"/>
+              <a:buAutoNum type="arabicParenR"/>
+            </a:pPr>
+            <a:r>
+              <a:rPr lang="en-US" sz="2000" b="0" strike="noStrike" spc="-1">
+                <a:solidFill>
+                  <a:srgbClr val="000000"/>
+                </a:solidFill>
+                <a:latin typeface="Calibri"/>
+              </a:rPr>
+              <a:t>Ngoại lệ: xinh xăn - xưn xắn, tình yêu - tình iu. </a:t>
+            </a:r>
+            <a:endParaRPr lang="en-US" sz="2000" b="0" strike="noStrike" spc="-1">
+              <a:latin typeface="Arial"/>
+            </a:endParaRPr>
+          </a:p>
+        </p:txBody>
+      </p:sp>
+    </p:spTree>
+  </p:cSld>
+  <p:clrMapOvr>
+    <a:masterClrMapping/>
+  </p:clrMapOvr>
+  <p:timing>
+    <p:tnLst>
+      <p:par>
+        <p:cTn id="1" dur="indefinite" restart="never" nodeType="tmRoot"/>
+      </p:par>
+    </p:tnLst>
+  </p:timing>
 </p:sld>
 </file>
 
@@ -7357,6 +7789,1245 @@
           <a:p>
             <a:pPr algn="just"/>
             <a:endParaRPr lang="en-US" altLang="en-US"/>
+          </a:p>
+        </p:txBody>
+      </p:sp>
+    </p:spTree>
+  </p:cSld>
+  <p:clrMapOvr>
+    <a:masterClrMapping/>
+  </p:clrMapOvr>
+</p:sld>
+</file>
+
+<file path=ppt/slides/slide30.xml><?xml version="1.0" encoding="utf-8"?>
+<p:sld xmlns:a="http://schemas.openxmlformats.org/drawingml/2006/main" xmlns:r="http://schemas.openxmlformats.org/officeDocument/2006/relationships" xmlns:p="http://schemas.openxmlformats.org/presentationml/2006/main">
+  <p:cSld>
+    <p:spTree>
+      <p:nvGrpSpPr>
+        <p:cNvPr id="1" name=""/>
+        <p:cNvGrpSpPr/>
+        <p:nvPr/>
+      </p:nvGrpSpPr>
+      <p:grpSpPr>
+        <a:xfrm>
+          <a:off x="0" y="0"/>
+          <a:ext cx="0" cy="0"/>
+          <a:chOff x="0" y="0"/>
+          <a:chExt cx="0" cy="0"/>
+        </a:xfrm>
+      </p:grpSpPr>
+      <p:sp>
+        <p:nvSpPr>
+          <p:cNvPr id="193" name="CustomShape 1"/>
+          <p:cNvSpPr/>
+          <p:nvPr/>
+        </p:nvSpPr>
+        <p:spPr>
+          <a:xfrm>
+            <a:off x="838080" y="365040"/>
+            <a:ext cx="10514880" cy="1324800"/>
+          </a:xfrm>
+          <a:prstGeom prst="rect">
+            <a:avLst/>
+          </a:prstGeom>
+          <a:noFill/>
+          <a:ln>
+            <a:noFill/>
+          </a:ln>
+        </p:spPr>
+        <p:style>
+          <a:lnRef idx="0">
+            <a:srgbClr val="FFFFFF"/>
+          </a:lnRef>
+          <a:fillRef idx="0">
+            <a:srgbClr val="FFFFFF"/>
+          </a:fillRef>
+          <a:effectRef idx="0">
+            <a:srgbClr val="FFFFFF"/>
+          </a:effectRef>
+          <a:fontRef idx="minor"/>
+        </p:style>
+      </p:sp>
+      <p:sp>
+        <p:nvSpPr>
+          <p:cNvPr id="194" name="CustomShape 2"/>
+          <p:cNvSpPr/>
+          <p:nvPr/>
+        </p:nvSpPr>
+        <p:spPr>
+          <a:xfrm>
+            <a:off x="838080" y="1825560"/>
+            <a:ext cx="10514880" cy="4350600"/>
+          </a:xfrm>
+          <a:prstGeom prst="rect">
+            <a:avLst/>
+          </a:prstGeom>
+          <a:noFill/>
+          <a:ln>
+            <a:noFill/>
+          </a:ln>
+        </p:spPr>
+        <p:style>
+          <a:lnRef idx="0">
+            <a:srgbClr val="FFFFFF"/>
+          </a:lnRef>
+          <a:fillRef idx="0">
+            <a:srgbClr val="FFFFFF"/>
+          </a:fillRef>
+          <a:effectRef idx="0">
+            <a:srgbClr val="FFFFFF"/>
+          </a:effectRef>
+          <a:fontRef idx="minor"/>
+        </p:style>
+        <p:txBody>
+          <a:bodyPr lIns="0" tIns="0" rIns="0" bIns="0">
+            <a:normAutofit/>
+          </a:bodyPr>
+          <a:p>
+            <a:pPr marL="431800" indent="-323850">
+              <a:lnSpc>
+                <a:spcPct val="100000"/>
+              </a:lnSpc>
+              <a:spcBef>
+                <a:spcPts val="1415"/>
+              </a:spcBef>
+              <a:buClr>
+                <a:srgbClr val="000000"/>
+              </a:buClr>
+              <a:buSzPct val="45000"/>
+              <a:buFont typeface="Wingdings" panose="05000000000000000000" pitchFamily="2" charset="2"/>
+              <a:buChar char=""/>
+            </a:pPr>
+            <a:r>
+              <a:rPr lang="en-US" sz="2800" b="0" strike="noStrike" spc="-1">
+                <a:solidFill>
+                  <a:srgbClr val="000000"/>
+                </a:solidFill>
+                <a:latin typeface="Calibri"/>
+              </a:rPr>
+              <a:t>Dùng số thay cho chữ: </a:t>
+            </a:r>
+            <a:endParaRPr lang="en-US" sz="2800" b="0" strike="noStrike" spc="-1">
+              <a:latin typeface="Arial"/>
+            </a:endParaRPr>
+          </a:p>
+          <a:p>
+            <a:pPr marL="864235" lvl="1" indent="-323850">
+              <a:lnSpc>
+                <a:spcPct val="100000"/>
+              </a:lnSpc>
+              <a:spcBef>
+                <a:spcPts val="1135"/>
+              </a:spcBef>
+              <a:buClr>
+                <a:srgbClr val="000000"/>
+              </a:buClr>
+              <a:buSzPct val="75000"/>
+              <a:buFont typeface="Symbol" panose="05050102010706020507"/>
+              <a:buChar char=""/>
+            </a:pPr>
+            <a:r>
+              <a:rPr lang="en-US" sz="2000" b="0" strike="noStrike" spc="-1">
+                <a:solidFill>
+                  <a:srgbClr val="000000"/>
+                </a:solidFill>
+                <a:latin typeface="Calibri"/>
+              </a:rPr>
+              <a:t>ngũ độc = 5 độc.</a:t>
+            </a:r>
+            <a:endParaRPr lang="en-US" sz="2000" b="0" strike="noStrike" spc="-1">
+              <a:latin typeface="Arial"/>
+            </a:endParaRPr>
+          </a:p>
+          <a:p>
+            <a:pPr marL="864235" lvl="1" indent="-323850">
+              <a:lnSpc>
+                <a:spcPct val="100000"/>
+              </a:lnSpc>
+              <a:spcBef>
+                <a:spcPts val="1135"/>
+              </a:spcBef>
+              <a:buClr>
+                <a:srgbClr val="000000"/>
+              </a:buClr>
+              <a:buSzPct val="75000"/>
+              <a:buFont typeface="Symbol" panose="05050102010706020507"/>
+              <a:buChar char=""/>
+            </a:pPr>
+            <a:r>
+              <a:rPr lang="en-US" sz="2000" b="0" strike="noStrike" spc="-1">
+                <a:solidFill>
+                  <a:srgbClr val="000000"/>
+                </a:solidFill>
+                <a:latin typeface="Calibri"/>
+              </a:rPr>
+              <a:t>thất tình = 7 tình.</a:t>
+            </a:r>
+            <a:endParaRPr lang="en-US" sz="2000" b="0" strike="noStrike" spc="-1">
+              <a:latin typeface="Arial"/>
+            </a:endParaRPr>
+          </a:p>
+          <a:p>
+            <a:pPr marL="3023870" lvl="6" indent="-215900">
+              <a:lnSpc>
+                <a:spcPct val="100000"/>
+              </a:lnSpc>
+              <a:spcBef>
+                <a:spcPts val="285"/>
+              </a:spcBef>
+              <a:buClr>
+                <a:srgbClr val="000000"/>
+              </a:buClr>
+              <a:buSzPct val="45000"/>
+              <a:buFont typeface="Wingdings" panose="05000000000000000000" pitchFamily="2" charset="2"/>
+              <a:buChar char=""/>
+            </a:pPr>
+            <a:r>
+              <a:rPr lang="en-US" sz="2000" b="0" strike="noStrike" spc="-1">
+                <a:solidFill>
+                  <a:srgbClr val="000000"/>
+                </a:solidFill>
+                <a:latin typeface="Calibri"/>
+              </a:rPr>
+              <a:t> </a:t>
+            </a:r>
+            <a:endParaRPr lang="en-US" sz="2000" b="0" strike="noStrike" spc="-1">
+              <a:latin typeface="Arial"/>
+            </a:endParaRPr>
+          </a:p>
+          <a:p>
+            <a:pPr>
+              <a:lnSpc>
+                <a:spcPct val="100000"/>
+              </a:lnSpc>
+              <a:spcBef>
+                <a:spcPts val="1135"/>
+              </a:spcBef>
+            </a:pPr>
+            <a:endParaRPr lang="en-US" sz="2000" b="0" strike="noStrike" spc="-1">
+              <a:latin typeface="Arial"/>
+            </a:endParaRPr>
+          </a:p>
+        </p:txBody>
+      </p:sp>
+    </p:spTree>
+  </p:cSld>
+  <p:clrMapOvr>
+    <a:masterClrMapping/>
+  </p:clrMapOvr>
+  <p:timing>
+    <p:tnLst>
+      <p:par>
+        <p:cTn id="1" dur="indefinite" restart="never" nodeType="tmRoot"/>
+      </p:par>
+    </p:tnLst>
+  </p:timing>
+</p:sld>
+</file>
+
+<file path=ppt/slides/slide31.xml><?xml version="1.0" encoding="utf-8"?>
+<p:sld xmlns:a="http://schemas.openxmlformats.org/drawingml/2006/main" xmlns:r="http://schemas.openxmlformats.org/officeDocument/2006/relationships" xmlns:p="http://schemas.openxmlformats.org/presentationml/2006/main">
+  <p:cSld>
+    <p:spTree>
+      <p:nvGrpSpPr>
+        <p:cNvPr id="1" name=""/>
+        <p:cNvGrpSpPr/>
+        <p:nvPr/>
+      </p:nvGrpSpPr>
+      <p:grpSpPr>
+        <a:xfrm>
+          <a:off x="0" y="0"/>
+          <a:ext cx="0" cy="0"/>
+          <a:chOff x="0" y="0"/>
+          <a:chExt cx="0" cy="0"/>
+        </a:xfrm>
+      </p:grpSpPr>
+      <p:sp>
+        <p:nvSpPr>
+          <p:cNvPr id="195" name="CustomShape 1"/>
+          <p:cNvSpPr/>
+          <p:nvPr/>
+        </p:nvSpPr>
+        <p:spPr>
+          <a:xfrm>
+            <a:off x="838080" y="365040"/>
+            <a:ext cx="10514880" cy="1324800"/>
+          </a:xfrm>
+          <a:prstGeom prst="rect">
+            <a:avLst/>
+          </a:prstGeom>
+          <a:noFill/>
+          <a:ln>
+            <a:noFill/>
+          </a:ln>
+        </p:spPr>
+        <p:style>
+          <a:lnRef idx="0">
+            <a:srgbClr val="FFFFFF"/>
+          </a:lnRef>
+          <a:fillRef idx="0">
+            <a:srgbClr val="FFFFFF"/>
+          </a:fillRef>
+          <a:effectRef idx="0">
+            <a:srgbClr val="FFFFFF"/>
+          </a:effectRef>
+          <a:fontRef idx="minor"/>
+        </p:style>
+      </p:sp>
+      <p:sp>
+        <p:nvSpPr>
+          <p:cNvPr id="196" name="CustomShape 2"/>
+          <p:cNvSpPr/>
+          <p:nvPr/>
+        </p:nvSpPr>
+        <p:spPr>
+          <a:xfrm>
+            <a:off x="838080" y="1825560"/>
+            <a:ext cx="10514880" cy="4350600"/>
+          </a:xfrm>
+          <a:prstGeom prst="rect">
+            <a:avLst/>
+          </a:prstGeom>
+          <a:noFill/>
+          <a:ln>
+            <a:noFill/>
+          </a:ln>
+        </p:spPr>
+        <p:style>
+          <a:lnRef idx="0">
+            <a:srgbClr val="FFFFFF"/>
+          </a:lnRef>
+          <a:fillRef idx="0">
+            <a:srgbClr val="FFFFFF"/>
+          </a:fillRef>
+          <a:effectRef idx="0">
+            <a:srgbClr val="FFFFFF"/>
+          </a:effectRef>
+          <a:fontRef idx="minor"/>
+        </p:style>
+        <p:txBody>
+          <a:bodyPr lIns="0" tIns="0" rIns="0" bIns="0">
+            <a:normAutofit/>
+          </a:bodyPr>
+          <a:p>
+            <a:pPr marL="431800" indent="-323850">
+              <a:lnSpc>
+                <a:spcPct val="100000"/>
+              </a:lnSpc>
+              <a:spcBef>
+                <a:spcPts val="1415"/>
+              </a:spcBef>
+              <a:buClr>
+                <a:srgbClr val="000000"/>
+              </a:buClr>
+              <a:buSzPct val="45000"/>
+              <a:buFont typeface="Wingdings" panose="05000000000000000000" pitchFamily="2" charset="2"/>
+              <a:buChar char=""/>
+            </a:pPr>
+            <a:r>
+              <a:rPr lang="en-US" sz="2800" b="0" strike="noStrike" spc="-1">
+                <a:solidFill>
+                  <a:srgbClr val="000000"/>
+                </a:solidFill>
+                <a:latin typeface="Calibri"/>
+              </a:rPr>
+              <a:t>Viết tắt:</a:t>
+            </a:r>
+            <a:endParaRPr lang="en-US" sz="2800" b="0" strike="noStrike" spc="-1">
+              <a:latin typeface="Arial"/>
+            </a:endParaRPr>
+          </a:p>
+          <a:p>
+            <a:pPr marL="864235" lvl="1" indent="-323850">
+              <a:lnSpc>
+                <a:spcPct val="100000"/>
+              </a:lnSpc>
+              <a:spcBef>
+                <a:spcPts val="1135"/>
+              </a:spcBef>
+              <a:buClr>
+                <a:srgbClr val="000000"/>
+              </a:buClr>
+              <a:buSzPct val="75000"/>
+              <a:buFont typeface="Symbol" panose="05050102010706020507"/>
+              <a:buChar char=""/>
+            </a:pPr>
+            <a:r>
+              <a:rPr lang="en-US" sz="2000" b="0" strike="noStrike" spc="-1">
+                <a:solidFill>
+                  <a:srgbClr val="000000"/>
+                </a:solidFill>
+                <a:latin typeface="Calibri"/>
+              </a:rPr>
+              <a:t>Dùng các chữ cái đầu: BTC: ban tổ chức, CLB: câu lạc bộ, TP: thành phố….</a:t>
+            </a:r>
+            <a:endParaRPr lang="en-US" sz="2000" b="0" strike="noStrike" spc="-1">
+              <a:latin typeface="Arial"/>
+            </a:endParaRPr>
+          </a:p>
+          <a:p>
+            <a:pPr marL="864235" lvl="1" indent="-323850">
+              <a:lnSpc>
+                <a:spcPct val="100000"/>
+              </a:lnSpc>
+              <a:spcBef>
+                <a:spcPts val="1135"/>
+              </a:spcBef>
+              <a:buClr>
+                <a:srgbClr val="000000"/>
+              </a:buClr>
+              <a:buSzPct val="75000"/>
+              <a:buFont typeface="Symbol" panose="05050102010706020507"/>
+              <a:buChar char=""/>
+            </a:pPr>
+            <a:r>
+              <a:rPr lang="en-US" sz="2000" b="0" strike="noStrike" spc="-1">
+                <a:solidFill>
+                  <a:srgbClr val="000000"/>
+                </a:solidFill>
+                <a:latin typeface="Calibri"/>
+              </a:rPr>
+              <a:t>Với các chữ cái gồm 2 chữ dùng dấu /: đồng chí: đ/c; kình gửi: k/g.</a:t>
+            </a:r>
+            <a:endParaRPr lang="en-US" sz="2000" b="0" strike="noStrike" spc="-1">
+              <a:latin typeface="Arial"/>
+            </a:endParaRPr>
+          </a:p>
+          <a:p>
+            <a:pPr marL="864235" lvl="1" indent="-323850">
+              <a:lnSpc>
+                <a:spcPct val="100000"/>
+              </a:lnSpc>
+              <a:spcBef>
+                <a:spcPts val="1135"/>
+              </a:spcBef>
+              <a:buClr>
+                <a:srgbClr val="000000"/>
+              </a:buClr>
+              <a:buSzPct val="75000"/>
+              <a:buFont typeface="Symbol" panose="05050102010706020507"/>
+              <a:buChar char=""/>
+            </a:pPr>
+            <a:r>
+              <a:rPr lang="en-US" sz="2000" b="0" strike="noStrike" spc="-1">
+                <a:solidFill>
+                  <a:srgbClr val="000000"/>
+                </a:solidFill>
+                <a:latin typeface="Calibri"/>
+              </a:rPr>
+              <a:t>Viết tắt chỉ một chứ trong 2 chữ: công ty = cty hoặc c.ty</a:t>
+            </a:r>
+            <a:endParaRPr lang="en-US" sz="2000" b="0" strike="noStrike" spc="-1">
+              <a:latin typeface="Arial"/>
+            </a:endParaRPr>
+          </a:p>
+          <a:p>
+            <a:pPr marL="864235" lvl="1" indent="-323850">
+              <a:lnSpc>
+                <a:spcPct val="100000"/>
+              </a:lnSpc>
+              <a:spcBef>
+                <a:spcPts val="1135"/>
+              </a:spcBef>
+              <a:buClr>
+                <a:srgbClr val="000000"/>
+              </a:buClr>
+              <a:buSzPct val="75000"/>
+              <a:buFont typeface="Symbol" panose="05050102010706020507"/>
+              <a:buChar char=""/>
+            </a:pPr>
+            <a:r>
+              <a:rPr lang="en-US" sz="2000" b="0" strike="noStrike" spc="-1">
+                <a:solidFill>
+                  <a:srgbClr val="000000"/>
+                </a:solidFill>
+                <a:latin typeface="Calibri"/>
+              </a:rPr>
+              <a:t>dùng chữ đầu tiên và cuối cùng: trước = trc, được = dc </a:t>
+            </a:r>
+            <a:endParaRPr lang="en-US" sz="2000" b="0" strike="noStrike" spc="-1">
+              <a:latin typeface="Arial"/>
+            </a:endParaRPr>
+          </a:p>
+          <a:p>
+            <a:pPr marL="864235" lvl="1" indent="-323850">
+              <a:lnSpc>
+                <a:spcPct val="100000"/>
+              </a:lnSpc>
+              <a:spcBef>
+                <a:spcPts val="1135"/>
+              </a:spcBef>
+              <a:buClr>
+                <a:srgbClr val="000000"/>
+              </a:buClr>
+              <a:buSzPct val="75000"/>
+              <a:buFont typeface="Symbol" panose="05050102010706020507"/>
+              <a:buChar char=""/>
+            </a:pPr>
+            <a:r>
+              <a:rPr lang="en-US" sz="2000" b="0" strike="noStrike" spc="-1">
+                <a:solidFill>
+                  <a:srgbClr val="000000"/>
+                </a:solidFill>
+                <a:latin typeface="Calibri"/>
+              </a:rPr>
+              <a:t> </a:t>
+            </a:r>
+            <a:endParaRPr lang="en-US" sz="2000" b="0" strike="noStrike" spc="-1">
+              <a:latin typeface="Arial"/>
+            </a:endParaRPr>
+          </a:p>
+          <a:p>
+            <a:pPr marL="3023870" lvl="6" indent="-215900">
+              <a:lnSpc>
+                <a:spcPct val="100000"/>
+              </a:lnSpc>
+              <a:spcBef>
+                <a:spcPts val="285"/>
+              </a:spcBef>
+              <a:buClr>
+                <a:srgbClr val="000000"/>
+              </a:buClr>
+              <a:buSzPct val="45000"/>
+              <a:buFont typeface="Wingdings" panose="05000000000000000000" pitchFamily="2" charset="2"/>
+              <a:buChar char=""/>
+            </a:pPr>
+            <a:r>
+              <a:rPr lang="en-US" sz="2000" b="0" strike="noStrike" spc="-1">
+                <a:solidFill>
+                  <a:srgbClr val="000000"/>
+                </a:solidFill>
+                <a:latin typeface="Calibri"/>
+              </a:rPr>
+              <a:t> </a:t>
+            </a:r>
+            <a:endParaRPr lang="en-US" sz="2000" b="0" strike="noStrike" spc="-1">
+              <a:latin typeface="Arial"/>
+            </a:endParaRPr>
+          </a:p>
+          <a:p>
+            <a:pPr>
+              <a:lnSpc>
+                <a:spcPct val="100000"/>
+              </a:lnSpc>
+              <a:spcBef>
+                <a:spcPts val="1135"/>
+              </a:spcBef>
+            </a:pPr>
+            <a:endParaRPr lang="en-US" sz="2000" b="0" strike="noStrike" spc="-1">
+              <a:latin typeface="Arial"/>
+            </a:endParaRPr>
+          </a:p>
+        </p:txBody>
+      </p:sp>
+    </p:spTree>
+  </p:cSld>
+  <p:clrMapOvr>
+    <a:masterClrMapping/>
+  </p:clrMapOvr>
+  <p:timing>
+    <p:tnLst>
+      <p:par>
+        <p:cTn id="1" dur="indefinite" restart="never" nodeType="tmRoot"/>
+      </p:par>
+    </p:tnLst>
+  </p:timing>
+</p:sld>
+</file>
+
+<file path=ppt/slides/slide32.xml><?xml version="1.0" encoding="utf-8"?>
+<p:sld xmlns:a="http://schemas.openxmlformats.org/drawingml/2006/main" xmlns:r="http://schemas.openxmlformats.org/officeDocument/2006/relationships" xmlns:p="http://schemas.openxmlformats.org/presentationml/2006/main">
+  <p:cSld>
+    <p:spTree>
+      <p:nvGrpSpPr>
+        <p:cNvPr id="1" name=""/>
+        <p:cNvGrpSpPr/>
+        <p:nvPr/>
+      </p:nvGrpSpPr>
+      <p:grpSpPr>
+        <a:xfrm>
+          <a:off x="0" y="0"/>
+          <a:ext cx="0" cy="0"/>
+          <a:chOff x="0" y="0"/>
+          <a:chExt cx="0" cy="0"/>
+        </a:xfrm>
+      </p:grpSpPr>
+      <p:sp>
+        <p:nvSpPr>
+          <p:cNvPr id="197" name="CustomShape 1"/>
+          <p:cNvSpPr/>
+          <p:nvPr/>
+        </p:nvSpPr>
+        <p:spPr>
+          <a:xfrm>
+            <a:off x="838080" y="365040"/>
+            <a:ext cx="10514880" cy="1324800"/>
+          </a:xfrm>
+          <a:prstGeom prst="rect">
+            <a:avLst/>
+          </a:prstGeom>
+          <a:noFill/>
+          <a:ln>
+            <a:noFill/>
+          </a:ln>
+        </p:spPr>
+        <p:style>
+          <a:lnRef idx="0">
+            <a:srgbClr val="FFFFFF"/>
+          </a:lnRef>
+          <a:fillRef idx="0">
+            <a:srgbClr val="FFFFFF"/>
+          </a:fillRef>
+          <a:effectRef idx="0">
+            <a:srgbClr val="FFFFFF"/>
+          </a:effectRef>
+          <a:fontRef idx="minor"/>
+        </p:style>
+      </p:sp>
+      <p:sp>
+        <p:nvSpPr>
+          <p:cNvPr id="198" name="CustomShape 2"/>
+          <p:cNvSpPr/>
+          <p:nvPr/>
+        </p:nvSpPr>
+        <p:spPr>
+          <a:xfrm>
+            <a:off x="838080" y="1825560"/>
+            <a:ext cx="10514880" cy="4350600"/>
+          </a:xfrm>
+          <a:prstGeom prst="rect">
+            <a:avLst/>
+          </a:prstGeom>
+          <a:noFill/>
+          <a:ln>
+            <a:noFill/>
+          </a:ln>
+        </p:spPr>
+        <p:style>
+          <a:lnRef idx="0">
+            <a:srgbClr val="FFFFFF"/>
+          </a:lnRef>
+          <a:fillRef idx="0">
+            <a:srgbClr val="FFFFFF"/>
+          </a:fillRef>
+          <a:effectRef idx="0">
+            <a:srgbClr val="FFFFFF"/>
+          </a:effectRef>
+          <a:fontRef idx="minor"/>
+        </p:style>
+        <p:txBody>
+          <a:bodyPr lIns="0" tIns="0" rIns="0" bIns="0">
+            <a:normAutofit/>
+          </a:bodyPr>
+          <a:p>
+            <a:pPr marL="431800" indent="-323850">
+              <a:lnSpc>
+                <a:spcPct val="100000"/>
+              </a:lnSpc>
+              <a:spcBef>
+                <a:spcPts val="1415"/>
+              </a:spcBef>
+              <a:buClr>
+                <a:srgbClr val="000000"/>
+              </a:buClr>
+              <a:buSzPct val="45000"/>
+              <a:buFont typeface="Wingdings" panose="05000000000000000000" pitchFamily="2" charset="2"/>
+              <a:buChar char=""/>
+            </a:pPr>
+            <a:r>
+              <a:rPr lang="en-US" sz="2800" b="0" strike="noStrike" spc="-1">
+                <a:solidFill>
+                  <a:srgbClr val="000000"/>
+                </a:solidFill>
+                <a:latin typeface="Calibri"/>
+              </a:rPr>
+              <a:t>Tiếng lóng: </a:t>
+            </a:r>
+            <a:endParaRPr lang="en-US" sz="2800" b="0" strike="noStrike" spc="-1">
+              <a:latin typeface="Arial"/>
+            </a:endParaRPr>
+          </a:p>
+          <a:p>
+            <a:pPr marL="864235" lvl="1" indent="-323850">
+              <a:lnSpc>
+                <a:spcPct val="100000"/>
+              </a:lnSpc>
+              <a:spcBef>
+                <a:spcPts val="1135"/>
+              </a:spcBef>
+              <a:buClr>
+                <a:srgbClr val="000000"/>
+              </a:buClr>
+              <a:buSzPct val="75000"/>
+              <a:buFont typeface="Symbol" panose="05050102010706020507"/>
+              <a:buChar char=""/>
+            </a:pPr>
+            <a:r>
+              <a:rPr lang="en-US" sz="2000" b="0" strike="noStrike" spc="-1">
+                <a:solidFill>
+                  <a:srgbClr val="000000"/>
+                </a:solidFill>
+                <a:latin typeface="Calibri"/>
+              </a:rPr>
+              <a:t>Xoắn</a:t>
+            </a:r>
+            <a:endParaRPr lang="en-US" sz="2000" b="0" strike="noStrike" spc="-1">
+              <a:latin typeface="Arial"/>
+            </a:endParaRPr>
+          </a:p>
+          <a:p>
+            <a:pPr marL="864235" lvl="1" indent="-323850">
+              <a:lnSpc>
+                <a:spcPct val="100000"/>
+              </a:lnSpc>
+              <a:spcBef>
+                <a:spcPts val="1135"/>
+              </a:spcBef>
+              <a:buClr>
+                <a:srgbClr val="000000"/>
+              </a:buClr>
+              <a:buSzPct val="75000"/>
+              <a:buFont typeface="Symbol" panose="05050102010706020507"/>
+              <a:buChar char=""/>
+            </a:pPr>
+            <a:r>
+              <a:rPr lang="en-US" sz="2000" b="0" strike="noStrike" spc="-1">
+                <a:solidFill>
+                  <a:srgbClr val="000000"/>
+                </a:solidFill>
+                <a:latin typeface="Calibri"/>
+              </a:rPr>
+              <a:t>Quẩy (đồ ăn/ hình thức vui chơi giải trí )</a:t>
+            </a:r>
+            <a:endParaRPr lang="en-US" sz="2000" b="0" strike="noStrike" spc="-1">
+              <a:latin typeface="Arial"/>
+            </a:endParaRPr>
+          </a:p>
+          <a:p>
+            <a:pPr marL="864235" lvl="1" indent="-323850">
+              <a:lnSpc>
+                <a:spcPct val="100000"/>
+              </a:lnSpc>
+              <a:spcBef>
+                <a:spcPts val="1135"/>
+              </a:spcBef>
+              <a:buClr>
+                <a:srgbClr val="000000"/>
+              </a:buClr>
+              <a:buSzPct val="75000"/>
+              <a:buFont typeface="Symbol" panose="05050102010706020507"/>
+              <a:buChar char=""/>
+            </a:pPr>
+            <a:r>
+              <a:rPr lang="en-US" sz="2000" b="0" strike="noStrike" spc="-1">
+                <a:solidFill>
+                  <a:srgbClr val="000000"/>
+                </a:solidFill>
+                <a:latin typeface="Calibri"/>
+              </a:rPr>
+              <a:t>Thả thính ( cho cá /muốn thoát khỏi tính trạng cô đơn ăn )</a:t>
+            </a:r>
+            <a:endParaRPr lang="en-US" sz="2000" b="0" strike="noStrike" spc="-1">
+              <a:latin typeface="Arial"/>
+            </a:endParaRPr>
+          </a:p>
+          <a:p>
+            <a:pPr marL="864235" lvl="1" indent="-323850">
+              <a:lnSpc>
+                <a:spcPct val="100000"/>
+              </a:lnSpc>
+              <a:spcBef>
+                <a:spcPts val="1135"/>
+              </a:spcBef>
+              <a:buClr>
+                <a:srgbClr val="000000"/>
+              </a:buClr>
+              <a:buSzPct val="75000"/>
+              <a:buFont typeface="Symbol" panose="05050102010706020507"/>
+              <a:buChar char=""/>
+            </a:pPr>
+            <a:r>
+              <a:rPr lang="en-US" sz="2000" b="0" strike="noStrike" spc="-1">
+                <a:solidFill>
+                  <a:srgbClr val="000000"/>
+                </a:solidFill>
+                <a:latin typeface="Calibri"/>
+              </a:rPr>
+              <a:t>Hem = không a</a:t>
+            </a:r>
+            <a:endParaRPr lang="en-US" sz="2000" b="0" strike="noStrike" spc="-1">
+              <a:latin typeface="Arial"/>
+            </a:endParaRPr>
+          </a:p>
+          <a:p>
+            <a:pPr marL="864235" lvl="1" indent="-323850">
+              <a:lnSpc>
+                <a:spcPct val="100000"/>
+              </a:lnSpc>
+              <a:spcBef>
+                <a:spcPts val="1135"/>
+              </a:spcBef>
+              <a:buClr>
+                <a:srgbClr val="000000"/>
+              </a:buClr>
+              <a:buSzPct val="75000"/>
+              <a:buFont typeface="Symbol" panose="05050102010706020507"/>
+              <a:buChar char=""/>
+            </a:pPr>
+            <a:r>
+              <a:rPr lang="en-US" sz="2000" b="0" strike="noStrike" spc="-1">
+                <a:solidFill>
+                  <a:srgbClr val="000000"/>
+                </a:solidFill>
+                <a:latin typeface="Calibri"/>
+              </a:rPr>
+              <a:t>Vãi : bộc lộ cảm xúc thái quá với sự vật hiện tương gì đó.</a:t>
+            </a:r>
+            <a:endParaRPr lang="en-US" sz="2000" b="0" strike="noStrike" spc="-1">
+              <a:latin typeface="Arial"/>
+            </a:endParaRPr>
+          </a:p>
+          <a:p>
+            <a:pPr marL="864235" lvl="1" indent="-323850">
+              <a:lnSpc>
+                <a:spcPct val="100000"/>
+              </a:lnSpc>
+              <a:spcBef>
+                <a:spcPts val="1135"/>
+              </a:spcBef>
+              <a:buClr>
+                <a:srgbClr val="000000"/>
+              </a:buClr>
+              <a:buSzPct val="75000"/>
+              <a:buFont typeface="Symbol" panose="05050102010706020507"/>
+              <a:buChar char=""/>
+            </a:pPr>
+            <a:r>
+              <a:rPr lang="en-US" sz="2000" b="0" strike="noStrike" spc="-1">
+                <a:solidFill>
+                  <a:srgbClr val="000000"/>
+                </a:solidFill>
+                <a:latin typeface="Calibri"/>
+              </a:rPr>
+              <a:t>Sửu nhị, hoy,  ………</a:t>
+            </a:r>
+            <a:endParaRPr lang="en-US" sz="2000" b="0" strike="noStrike" spc="-1">
+              <a:latin typeface="Arial"/>
+            </a:endParaRPr>
+          </a:p>
+          <a:p>
+            <a:pPr marL="864235" lvl="1" indent="-323850">
+              <a:lnSpc>
+                <a:spcPct val="100000"/>
+              </a:lnSpc>
+              <a:spcBef>
+                <a:spcPts val="1135"/>
+              </a:spcBef>
+              <a:buClr>
+                <a:srgbClr val="000000"/>
+              </a:buClr>
+              <a:buSzPct val="75000"/>
+              <a:buFont typeface="Symbol" panose="05050102010706020507"/>
+              <a:buChar char=""/>
+            </a:pPr>
+            <a:r>
+              <a:rPr lang="en-US" sz="2000" b="0" strike="noStrike" spc="-1">
+                <a:solidFill>
+                  <a:srgbClr val="000000"/>
+                </a:solidFill>
+                <a:latin typeface="Calibri"/>
+              </a:rPr>
+              <a:t>Sạc  (bị ho mạnh hoặc hắt hơi liên tục do có vật gì lọt vào làm cho tắc nghẽn khí quản một cách đột ngột/ thể hiện sự thất vọng)</a:t>
+            </a:r>
+            <a:endParaRPr lang="en-US" sz="2000" b="0" strike="noStrike" spc="-1">
+              <a:latin typeface="Arial"/>
+            </a:endParaRPr>
+          </a:p>
+          <a:p>
+            <a:pPr>
+              <a:lnSpc>
+                <a:spcPct val="100000"/>
+              </a:lnSpc>
+              <a:spcBef>
+                <a:spcPts val="1135"/>
+              </a:spcBef>
+            </a:pPr>
+            <a:endParaRPr lang="en-US" sz="2000" b="0" strike="noStrike" spc="-1">
+              <a:latin typeface="Arial"/>
+            </a:endParaRPr>
+          </a:p>
+        </p:txBody>
+      </p:sp>
+    </p:spTree>
+  </p:cSld>
+  <p:clrMapOvr>
+    <a:masterClrMapping/>
+  </p:clrMapOvr>
+  <p:timing>
+    <p:tnLst>
+      <p:par>
+        <p:cTn id="1" dur="indefinite" restart="never" nodeType="tmRoot"/>
+      </p:par>
+    </p:tnLst>
+  </p:timing>
+</p:sld>
+</file>
+
+<file path=ppt/slides/slide33.xml><?xml version="1.0" encoding="utf-8"?>
+<p:sld xmlns:a="http://schemas.openxmlformats.org/drawingml/2006/main" xmlns:r="http://schemas.openxmlformats.org/officeDocument/2006/relationships" xmlns:p="http://schemas.openxmlformats.org/presentationml/2006/main">
+  <p:cSld>
+    <p:spTree>
+      <p:nvGrpSpPr>
+        <p:cNvPr id="1" name=""/>
+        <p:cNvGrpSpPr/>
+        <p:nvPr/>
+      </p:nvGrpSpPr>
+      <p:grpSpPr>
+        <a:xfrm>
+          <a:off x="0" y="0"/>
+          <a:ext cx="0" cy="0"/>
+          <a:chOff x="0" y="0"/>
+          <a:chExt cx="0" cy="0"/>
+        </a:xfrm>
+      </p:grpSpPr>
+      <p:sp>
+        <p:nvSpPr>
+          <p:cNvPr id="199" name="CustomShape 1"/>
+          <p:cNvSpPr/>
+          <p:nvPr/>
+        </p:nvSpPr>
+        <p:spPr>
+          <a:xfrm>
+            <a:off x="838080" y="365040"/>
+            <a:ext cx="10514880" cy="1324800"/>
+          </a:xfrm>
+          <a:prstGeom prst="rect">
+            <a:avLst/>
+          </a:prstGeom>
+          <a:noFill/>
+          <a:ln>
+            <a:noFill/>
+          </a:ln>
+        </p:spPr>
+        <p:style>
+          <a:lnRef idx="0">
+            <a:srgbClr val="FFFFFF"/>
+          </a:lnRef>
+          <a:fillRef idx="0">
+            <a:srgbClr val="FFFFFF"/>
+          </a:fillRef>
+          <a:effectRef idx="0">
+            <a:srgbClr val="FFFFFF"/>
+          </a:effectRef>
+          <a:fontRef idx="minor"/>
+        </p:style>
+      </p:sp>
+      <p:sp>
+        <p:nvSpPr>
+          <p:cNvPr id="200" name="CustomShape 2"/>
+          <p:cNvSpPr/>
+          <p:nvPr/>
+        </p:nvSpPr>
+        <p:spPr>
+          <a:xfrm>
+            <a:off x="838080" y="1825560"/>
+            <a:ext cx="10514880" cy="4350600"/>
+          </a:xfrm>
+          <a:prstGeom prst="rect">
+            <a:avLst/>
+          </a:prstGeom>
+          <a:noFill/>
+          <a:ln>
+            <a:noFill/>
+          </a:ln>
+        </p:spPr>
+        <p:style>
+          <a:lnRef idx="0">
+            <a:srgbClr val="FFFFFF"/>
+          </a:lnRef>
+          <a:fillRef idx="0">
+            <a:srgbClr val="FFFFFF"/>
+          </a:fillRef>
+          <a:effectRef idx="0">
+            <a:srgbClr val="FFFFFF"/>
+          </a:effectRef>
+          <a:fontRef idx="minor"/>
+        </p:style>
+        <p:txBody>
+          <a:bodyPr lIns="0" tIns="0" rIns="0" bIns="0">
+            <a:normAutofit/>
+          </a:bodyPr>
+          <a:p>
+            <a:pPr marL="431800" indent="-323850">
+              <a:lnSpc>
+                <a:spcPct val="100000"/>
+              </a:lnSpc>
+              <a:spcBef>
+                <a:spcPts val="1415"/>
+              </a:spcBef>
+              <a:buClr>
+                <a:srgbClr val="000000"/>
+              </a:buClr>
+              <a:buSzPct val="45000"/>
+              <a:buFont typeface="Wingdings" panose="05000000000000000000" pitchFamily="2" charset="2"/>
+              <a:buChar char=""/>
+            </a:pPr>
+            <a:r>
+              <a:rPr lang="en-US" sz="2800" b="0" strike="noStrike" spc="-1">
+                <a:solidFill>
+                  <a:srgbClr val="000000"/>
+                </a:solidFill>
+                <a:latin typeface="Calibri"/>
+              </a:rPr>
+              <a:t>Teen code:  </a:t>
+            </a:r>
+            <a:endParaRPr lang="en-US" sz="2800" b="0" strike="noStrike" spc="-1">
+              <a:latin typeface="Arial"/>
+            </a:endParaRPr>
+          </a:p>
+          <a:p>
+            <a:pPr marL="864235" lvl="1" indent="-323850">
+              <a:lnSpc>
+                <a:spcPct val="100000"/>
+              </a:lnSpc>
+              <a:spcBef>
+                <a:spcPts val="1135"/>
+              </a:spcBef>
+              <a:buClr>
+                <a:srgbClr val="000000"/>
+              </a:buClr>
+              <a:buFont typeface="StarSymbol"/>
+              <a:buAutoNum type="arabicParenR"/>
+            </a:pPr>
+            <a:r>
+              <a:rPr lang="en-US" sz="2000" b="0" strike="noStrike" spc="-1">
+                <a:solidFill>
+                  <a:srgbClr val="000000"/>
+                </a:solidFill>
+                <a:latin typeface="Calibri"/>
+              </a:rPr>
+              <a:t>chuyển một số chứ cái sang dạng khác: ph-f , ng – q/p, gi/d- j/z, c – k, qu-w …..</a:t>
+            </a:r>
+            <a:endParaRPr lang="en-US" sz="2000" b="0" strike="noStrike" spc="-1">
+              <a:latin typeface="Arial"/>
+            </a:endParaRPr>
+          </a:p>
+          <a:p>
+            <a:pPr marL="864235" lvl="1" indent="-323850">
+              <a:lnSpc>
+                <a:spcPct val="100000"/>
+              </a:lnSpc>
+              <a:spcBef>
+                <a:spcPts val="1135"/>
+              </a:spcBef>
+              <a:buClr>
+                <a:srgbClr val="000000"/>
+              </a:buClr>
+              <a:buFont typeface="StarSymbol"/>
+              <a:buAutoNum type="arabicParenR"/>
+            </a:pPr>
+            <a:r>
+              <a:rPr lang="en-US" sz="2000" b="0" strike="noStrike" spc="-1">
+                <a:solidFill>
+                  <a:srgbClr val="000000"/>
+                </a:solidFill>
+                <a:latin typeface="Calibri"/>
+              </a:rPr>
+              <a:t>chuyển chữ cái sang chữ số: 4` - phò, 4 là chữ a…. </a:t>
+            </a:r>
+            <a:endParaRPr lang="en-US" sz="2000" b="0" strike="noStrike" spc="-1">
+              <a:latin typeface="Arial"/>
+            </a:endParaRPr>
+          </a:p>
+          <a:p>
+            <a:pPr marL="864235" lvl="1" indent="-323850">
+              <a:lnSpc>
+                <a:spcPct val="100000"/>
+              </a:lnSpc>
+              <a:spcBef>
+                <a:spcPts val="1135"/>
+              </a:spcBef>
+              <a:buClr>
+                <a:srgbClr val="000000"/>
+              </a:buClr>
+              <a:buFont typeface="StarSymbol"/>
+              <a:buAutoNum type="arabicParenR"/>
+            </a:pPr>
+            <a:r>
+              <a:rPr lang="en-US" sz="2000" b="0" strike="noStrike" spc="-1">
+                <a:solidFill>
+                  <a:srgbClr val="000000"/>
+                </a:solidFill>
+                <a:latin typeface="Calibri"/>
+              </a:rPr>
+              <a:t>viết tắt: ko/k – không, dk/dc – được, gi – j.</a:t>
+            </a:r>
+            <a:endParaRPr lang="en-US" sz="2000" b="0" strike="noStrike" spc="-1">
+              <a:latin typeface="Arial"/>
+            </a:endParaRPr>
+          </a:p>
+          <a:p>
+            <a:pPr marL="864235" lvl="1" indent="-323850">
+              <a:lnSpc>
+                <a:spcPct val="100000"/>
+              </a:lnSpc>
+              <a:spcBef>
+                <a:spcPts val="1135"/>
+              </a:spcBef>
+              <a:buClr>
+                <a:srgbClr val="000000"/>
+              </a:buClr>
+              <a:buFont typeface="StarSymbol"/>
+              <a:buAutoNum type="arabicParenR"/>
+            </a:pPr>
+            <a:r>
+              <a:rPr lang="en-US" sz="2000" b="0" strike="noStrike" spc="-1">
+                <a:solidFill>
+                  <a:srgbClr val="000000"/>
+                </a:solidFill>
+                <a:latin typeface="Calibri"/>
+              </a:rPr>
+              <a:t>dùng dấu thay cho chữ viết tắt: huyền - `, sắc - ‘</a:t>
+            </a:r>
+            <a:endParaRPr lang="en-US" sz="2000" b="0" strike="noStrike" spc="-1">
+              <a:latin typeface="Arial"/>
+            </a:endParaRPr>
+          </a:p>
+          <a:p>
+            <a:pPr marL="864235" lvl="1" indent="-323850">
+              <a:lnSpc>
+                <a:spcPct val="100000"/>
+              </a:lnSpc>
+              <a:spcBef>
+                <a:spcPts val="1135"/>
+              </a:spcBef>
+              <a:buClr>
+                <a:srgbClr val="000000"/>
+              </a:buClr>
+              <a:buFont typeface="StarSymbol"/>
+              <a:buAutoNum type="arabicParenR"/>
+            </a:pPr>
+            <a:r>
+              <a:rPr lang="en-US" sz="2000" b="0" strike="noStrike" spc="-1">
+                <a:solidFill>
+                  <a:srgbClr val="000000"/>
+                </a:solidFill>
+                <a:latin typeface="Calibri"/>
+              </a:rPr>
+              <a:t>kết hợp các kí tự đặc biệt để tạo chứ: đ --- +); d ---- |)..</a:t>
+            </a:r>
+            <a:endParaRPr lang="en-US" sz="2000" b="0" strike="noStrike" spc="-1">
+              <a:latin typeface="Arial"/>
+            </a:endParaRPr>
+          </a:p>
+          <a:p>
+            <a:pPr>
+              <a:lnSpc>
+                <a:spcPct val="100000"/>
+              </a:lnSpc>
+              <a:spcBef>
+                <a:spcPts val="1135"/>
+              </a:spcBef>
+            </a:pPr>
+            <a:endParaRPr lang="en-US" sz="2000" b="0" strike="noStrike" spc="-1">
+              <a:latin typeface="Arial"/>
+            </a:endParaRPr>
+          </a:p>
+        </p:txBody>
+      </p:sp>
+    </p:spTree>
+  </p:cSld>
+  <p:clrMapOvr>
+    <a:masterClrMapping/>
+  </p:clrMapOvr>
+  <p:timing>
+    <p:tnLst>
+      <p:par>
+        <p:cTn id="1" dur="indefinite" restart="never" nodeType="tmRoot"/>
+      </p:par>
+    </p:tnLst>
+  </p:timing>
+</p:sld>
+</file>
+
+<file path=ppt/slides/slide34.xml><?xml version="1.0" encoding="utf-8"?>
+<p:sld xmlns:a="http://schemas.openxmlformats.org/drawingml/2006/main" xmlns:r="http://schemas.openxmlformats.org/officeDocument/2006/relationships" xmlns:p="http://schemas.openxmlformats.org/presentationml/2006/main">
+  <p:cSld>
+    <p:spTree>
+      <p:nvGrpSpPr>
+        <p:cNvPr id="1" name=""/>
+        <p:cNvGrpSpPr/>
+        <p:nvPr/>
+      </p:nvGrpSpPr>
+      <p:grpSpPr/>
+      <p:sp>
+        <p:nvSpPr>
+          <p:cNvPr id="4" name="Title 3"/>
+          <p:cNvSpPr>
+            <a:spLocks noGrp="1"/>
+          </p:cNvSpPr>
+          <p:nvPr>
+            <p:ph type="title"/>
+          </p:nvPr>
+        </p:nvSpPr>
+        <p:spPr/>
+        <p:txBody>
+          <a:bodyPr/>
+          <a:p>
+            <a:endParaRPr lang="en-US"/>
+          </a:p>
+        </p:txBody>
+      </p:sp>
+      <p:sp>
+        <p:nvSpPr>
+          <p:cNvPr id="5" name="Content Placeholder 4"/>
+          <p:cNvSpPr>
+            <a:spLocks noGrp="1"/>
+          </p:cNvSpPr>
+          <p:nvPr>
+            <p:ph idx="1"/>
+          </p:nvPr>
+        </p:nvSpPr>
+        <p:spPr/>
+        <p:txBody>
+          <a:bodyPr/>
+          <a:p>
+            <a:r>
+              <a:rPr lang="" altLang="en-US"/>
+              <a:t>Từ chứa nhiều từ thì bỏ dấu cách giữa: một cách ngẫu nhiên</a:t>
+            </a:r>
+            <a:endParaRPr lang="" altLang="en-US"/>
+          </a:p>
+          <a:p>
+            <a:r>
+              <a:rPr lang="" altLang="en-US"/>
+              <a:t>các string có số thì thêm: @ - không chuẩn hóa </a:t>
+            </a:r>
+            <a:endParaRPr lang="" altLang="en-US"/>
+          </a:p>
+          <a:p>
+            <a:r>
+              <a:rPr lang="" altLang="en-US"/>
+              <a:t>hạn chế thứ nhất là:</a:t>
+            </a:r>
+            <a:endParaRPr lang="" altLang="en-US"/>
+          </a:p>
+          <a:p>
+            <a:pPr lvl="1"/>
+            <a:r>
+              <a:rPr lang="" altLang="en-US" sz="2400"/>
+              <a:t>từ điển định danh: tên đường, huyện, tỉnh ....</a:t>
+            </a:r>
+            <a:endParaRPr lang="" altLang="en-US" sz="2400"/>
+          </a:p>
+          <a:p>
+            <a:pPr lvl="1"/>
+            <a:r>
+              <a:rPr lang="" altLang="en-US"/>
+              <a:t> </a:t>
+            </a:r>
+            <a:endParaRPr lang="" altLang="en-US"/>
           </a:p>
         </p:txBody>
       </p:sp>

--- a/Presentation1.pptx
+++ b/Presentation1.pptx
@@ -8,50 +8,51 @@
     <p:sldMasterId id="2147483687" r:id="rId5"/>
     <p:sldMasterId id="2147483700" r:id="rId6"/>
     <p:sldMasterId id="2147483713" r:id="rId7"/>
+    <p:sldMasterId id="2147483726" r:id="rId8"/>
   </p:sldMasterIdLst>
   <p:notesMasterIdLst>
-    <p:notesMasterId r:id="rId8"/>
+    <p:notesMasterId r:id="rId9"/>
   </p:notesMasterIdLst>
   <p:sldIdLst>
-    <p:sldId id="256" r:id="rId9"/>
-    <p:sldId id="257" r:id="rId10"/>
-    <p:sldId id="258" r:id="rId11"/>
-    <p:sldId id="259" r:id="rId12"/>
-    <p:sldId id="260" r:id="rId13"/>
-    <p:sldId id="261" r:id="rId14"/>
-    <p:sldId id="262" r:id="rId15"/>
-    <p:sldId id="263" r:id="rId16"/>
-    <p:sldId id="264" r:id="rId17"/>
-    <p:sldId id="265" r:id="rId18"/>
-    <p:sldId id="266" r:id="rId19"/>
-    <p:sldId id="267" r:id="rId20"/>
-    <p:sldId id="268" r:id="rId21"/>
-    <p:sldId id="269" r:id="rId22"/>
-    <p:sldId id="270" r:id="rId23"/>
-    <p:sldId id="271" r:id="rId24"/>
-    <p:sldId id="272" r:id="rId25"/>
-    <p:sldId id="273" r:id="rId26"/>
-    <p:sldId id="274" r:id="rId27"/>
-    <p:sldId id="275" r:id="rId28"/>
-    <p:sldId id="276" r:id="rId29"/>
-    <p:sldId id="277" r:id="rId30"/>
-    <p:sldId id="278" r:id="rId31"/>
-    <p:sldId id="279" r:id="rId32"/>
-    <p:sldId id="280" r:id="rId33"/>
-    <p:sldId id="281" r:id="rId34"/>
-    <p:sldId id="282" r:id="rId35"/>
-    <p:sldId id="283" r:id="rId36"/>
-    <p:sldId id="284" r:id="rId37"/>
-    <p:sldId id="285" r:id="rId38"/>
-    <p:sldId id="286" r:id="rId39"/>
-    <p:sldId id="287" r:id="rId40"/>
-    <p:sldId id="288" r:id="rId41"/>
-    <p:sldId id="289" r:id="rId42"/>
-    <p:sldId id="290" r:id="rId43"/>
-    <p:sldId id="291" r:id="rId44"/>
-    <p:sldId id="292" r:id="rId45"/>
-    <p:sldId id="293" r:id="rId46"/>
-    <p:sldId id="294" r:id="rId47"/>
+    <p:sldId id="256" r:id="rId10"/>
+    <p:sldId id="257" r:id="rId11"/>
+    <p:sldId id="258" r:id="rId12"/>
+    <p:sldId id="259" r:id="rId13"/>
+    <p:sldId id="260" r:id="rId14"/>
+    <p:sldId id="261" r:id="rId15"/>
+    <p:sldId id="262" r:id="rId16"/>
+    <p:sldId id="263" r:id="rId17"/>
+    <p:sldId id="264" r:id="rId18"/>
+    <p:sldId id="265" r:id="rId19"/>
+    <p:sldId id="266" r:id="rId20"/>
+    <p:sldId id="267" r:id="rId21"/>
+    <p:sldId id="268" r:id="rId22"/>
+    <p:sldId id="269" r:id="rId23"/>
+    <p:sldId id="270" r:id="rId24"/>
+    <p:sldId id="271" r:id="rId25"/>
+    <p:sldId id="272" r:id="rId26"/>
+    <p:sldId id="273" r:id="rId27"/>
+    <p:sldId id="274" r:id="rId28"/>
+    <p:sldId id="275" r:id="rId29"/>
+    <p:sldId id="276" r:id="rId30"/>
+    <p:sldId id="277" r:id="rId31"/>
+    <p:sldId id="278" r:id="rId32"/>
+    <p:sldId id="279" r:id="rId33"/>
+    <p:sldId id="280" r:id="rId34"/>
+    <p:sldId id="281" r:id="rId35"/>
+    <p:sldId id="282" r:id="rId36"/>
+    <p:sldId id="283" r:id="rId37"/>
+    <p:sldId id="284" r:id="rId38"/>
+    <p:sldId id="285" r:id="rId39"/>
+    <p:sldId id="286" r:id="rId40"/>
+    <p:sldId id="287" r:id="rId41"/>
+    <p:sldId id="288" r:id="rId42"/>
+    <p:sldId id="289" r:id="rId43"/>
+    <p:sldId id="290" r:id="rId44"/>
+    <p:sldId id="291" r:id="rId45"/>
+    <p:sldId id="292" r:id="rId46"/>
+    <p:sldId id="293" r:id="rId47"/>
+    <p:sldId id="294" r:id="rId48"/>
   </p:sldIdLst>
   <p:sldSz cx="12192000" cy="6858000"/>
   <p:notesSz cx="7104062" cy="10234612"/>
@@ -77,7 +78,7 @@
       </p:grpSpPr>
       <p:sp>
         <p:nvSpPr>
-          <p:cNvPr id="228" name="PlaceHolder 1"/>
+          <p:cNvPr id="266" name="PlaceHolder 1"/>
           <p:cNvSpPr>
             <a:spLocks noGrp="1"/>
           </p:cNvSpPr>
@@ -112,7 +113,7 @@
       </p:sp>
       <p:sp>
         <p:nvSpPr>
-          <p:cNvPr id="229" name="PlaceHolder 2"/>
+          <p:cNvPr id="267" name="PlaceHolder 2"/>
           <p:cNvSpPr>
             <a:spLocks noGrp="1"/>
           </p:cNvSpPr>
@@ -146,7 +147,7 @@
       </p:sp>
       <p:sp>
         <p:nvSpPr>
-          <p:cNvPr id="230" name="PlaceHolder 3"/>
+          <p:cNvPr id="268" name="PlaceHolder 3"/>
           <p:cNvSpPr>
             <a:spLocks noGrp="1"/>
           </p:cNvSpPr>
@@ -170,7 +171,7 @@
               <a:rPr b="0" lang="en-US" sz="1400" spc="-1" strike="noStrike">
                 <a:latin typeface="Times New Roman"/>
               </a:rPr>
-              <a:t> </a:t>
+              <a:t>&lt;header&gt;</a:t>
             </a:r>
             <a:endParaRPr b="0" lang="en-US" sz="1400" spc="-1" strike="noStrike">
               <a:latin typeface="Times New Roman"/>
@@ -180,7 +181,7 @@
       </p:sp>
       <p:sp>
         <p:nvSpPr>
-          <p:cNvPr id="231" name="PlaceHolder 4"/>
+          <p:cNvPr id="269" name="PlaceHolder 4"/>
           <p:cNvSpPr>
             <a:spLocks noGrp="1"/>
           </p:cNvSpPr>
@@ -205,7 +206,7 @@
               <a:rPr b="0" lang="en-US" sz="1400" spc="-1" strike="noStrike">
                 <a:latin typeface="Times New Roman"/>
               </a:rPr>
-              <a:t> </a:t>
+              <a:t>&lt;date/time&gt;</a:t>
             </a:r>
             <a:endParaRPr b="0" lang="en-US" sz="1400" spc="-1" strike="noStrike">
               <a:latin typeface="Times New Roman"/>
@@ -215,7 +216,7 @@
       </p:sp>
       <p:sp>
         <p:nvSpPr>
-          <p:cNvPr id="232" name="PlaceHolder 5"/>
+          <p:cNvPr id="270" name="PlaceHolder 5"/>
           <p:cNvSpPr>
             <a:spLocks noGrp="1"/>
           </p:cNvSpPr>
@@ -239,7 +240,7 @@
               <a:rPr b="0" lang="en-US" sz="1400" spc="-1" strike="noStrike">
                 <a:latin typeface="Times New Roman"/>
               </a:rPr>
-              <a:t> </a:t>
+              <a:t>&lt;footer&gt;</a:t>
             </a:r>
             <a:endParaRPr b="0" lang="en-US" sz="1400" spc="-1" strike="noStrike">
               <a:latin typeface="Times New Roman"/>
@@ -249,7 +250,7 @@
       </p:sp>
       <p:sp>
         <p:nvSpPr>
-          <p:cNvPr id="233" name="PlaceHolder 6"/>
+          <p:cNvPr id="271" name="PlaceHolder 6"/>
           <p:cNvSpPr>
             <a:spLocks noGrp="1"/>
           </p:cNvSpPr>
@@ -270,11 +271,11 @@
           <a:bodyPr lIns="0" rIns="0" tIns="0" bIns="0" anchor="b"/>
           <a:p>
             <a:pPr algn="r"/>
-            <a:fld id="{6DCDBC94-1589-4215-A96A-BD9D941566E3}" type="slidenum">
+            <a:fld id="{B98F224B-17D3-4208-A27A-330D654B9632}" type="slidenum">
               <a:rPr b="0" lang="en-US" sz="1400" spc="-1" strike="noStrike">
                 <a:latin typeface="Times New Roman"/>
               </a:rPr>
-              <a:t>1</a:t>
+              <a:t>&lt;number&gt;</a:t>
             </a:fld>
             <a:endParaRPr b="0" lang="en-US" sz="1400" spc="-1" strike="noStrike">
               <a:latin typeface="Times New Roman"/>
@@ -307,7 +308,7 @@
       </p:grpSpPr>
       <p:sp>
         <p:nvSpPr>
-          <p:cNvPr id="329" name="PlaceHolder 1"/>
+          <p:cNvPr id="367" name="PlaceHolder 1"/>
           <p:cNvSpPr>
             <a:spLocks noGrp="1"/>
           </p:cNvSpPr>
@@ -318,16 +319,16 @@
         <p:spPr>
           <a:xfrm>
             <a:off x="481680" y="1279440"/>
-            <a:ext cx="6139080" cy="3452760"/>
-          </a:xfrm>
-          <a:prstGeom prst="rect">
-            <a:avLst/>
-          </a:prstGeom>
-        </p:spPr>
-      </p:sp>
-      <p:sp>
-        <p:nvSpPr>
-          <p:cNvPr id="330" name="PlaceHolder 2"/>
+            <a:ext cx="6138720" cy="3452400"/>
+          </a:xfrm>
+          <a:prstGeom prst="rect">
+            <a:avLst/>
+          </a:prstGeom>
+        </p:spPr>
+      </p:sp>
+      <p:sp>
+        <p:nvSpPr>
+          <p:cNvPr id="368" name="PlaceHolder 2"/>
           <p:cNvSpPr>
             <a:spLocks noGrp="1"/>
           </p:cNvSpPr>
@@ -338,7 +339,7 @@
         <p:spPr>
           <a:xfrm>
             <a:off x="710280" y="4925160"/>
-            <a:ext cx="5681520" cy="4028400"/>
+            <a:ext cx="5681160" cy="4028040"/>
           </a:xfrm>
           <a:prstGeom prst="rect">
             <a:avLst/>
@@ -347,7 +348,7 @@
         <p:txBody>
           <a:bodyPr lIns="0" rIns="0" tIns="0" bIns="0"/>
           <a:p>
-            <a:pPr marL="216000" indent="-214920">
+            <a:pPr marL="216000" indent="-214560">
               <a:lnSpc>
                 <a:spcPct val="100000"/>
               </a:lnSpc>
@@ -8079,6 +8080,543 @@
 </p:sldLayout>
 </file>
 
+<file path=ppt/slideLayouts/slideLayout73.xml><?xml version="1.0" encoding="utf-8"?>
+<p:sldLayout xmlns:a="http://schemas.openxmlformats.org/drawingml/2006/main" xmlns:p="http://schemas.openxmlformats.org/presentationml/2006/main" xmlns:r="http://schemas.openxmlformats.org/officeDocument/2006/relationships" xmlns:p14="http://schemas.microsoft.com/office/powerpoint/2010/main" xmlns:p15="http://schemas.microsoft.com/office/powerpoint/2012/main" xmlns:mc="http://schemas.openxmlformats.org/markup-compatibility/2006" type="blank" preserve="1">
+  <p:cSld name="Blank Slide">
+    <p:spTree>
+      <p:nvGrpSpPr>
+        <p:cNvPr id="1" name=""/>
+        <p:cNvGrpSpPr/>
+        <p:nvPr/>
+      </p:nvGrpSpPr>
+      <p:grpSpPr>
+        <a:xfrm>
+          <a:off x="0" y="0"/>
+          <a:ext cx="0" cy="0"/>
+          <a:chOff x="0" y="0"/>
+          <a:chExt cx="0" cy="0"/>
+        </a:xfrm>
+      </p:grpSpPr>
+    </p:spTree>
+  </p:cSld>
+</p:sldLayout>
+</file>
+
+<file path=ppt/slideLayouts/slideLayout74.xml><?xml version="1.0" encoding="utf-8"?>
+<p:sldLayout xmlns:a="http://schemas.openxmlformats.org/drawingml/2006/main" xmlns:p="http://schemas.openxmlformats.org/presentationml/2006/main" xmlns:r="http://schemas.openxmlformats.org/officeDocument/2006/relationships" xmlns:p14="http://schemas.microsoft.com/office/powerpoint/2010/main" xmlns:p15="http://schemas.microsoft.com/office/powerpoint/2012/main" xmlns:mc="http://schemas.openxmlformats.org/markup-compatibility/2006" type="tx" preserve="1">
+  <p:cSld name="Title Slide">
+    <p:spTree>
+      <p:nvGrpSpPr>
+        <p:cNvPr id="1" name=""/>
+        <p:cNvGrpSpPr/>
+        <p:nvPr/>
+      </p:nvGrpSpPr>
+      <p:grpSpPr>
+        <a:xfrm>
+          <a:off x="0" y="0"/>
+          <a:ext cx="0" cy="0"/>
+          <a:chOff x="0" y="0"/>
+          <a:chExt cx="0" cy="0"/>
+        </a:xfrm>
+      </p:grpSpPr>
+      <p:sp>
+        <p:nvSpPr>
+          <p:cNvPr id="230" name="PlaceHolder 1"/>
+          <p:cNvSpPr>
+            <a:spLocks noGrp="1"/>
+          </p:cNvSpPr>
+          <p:nvPr>
+            <p:ph type="title"/>
+          </p:nvPr>
+        </p:nvSpPr>
+        <p:spPr>
+          <a:xfrm>
+            <a:off x="609480" y="273600"/>
+            <a:ext cx="10972440" cy="1144800"/>
+          </a:xfrm>
+          <a:prstGeom prst="rect">
+            <a:avLst/>
+          </a:prstGeom>
+        </p:spPr>
+        <p:txBody>
+          <a:bodyPr lIns="0" rIns="0" tIns="0" bIns="0" anchor="ctr"/>
+          <a:p>
+            <a:pPr algn="ctr"/>
+            <a:endParaRPr b="0" lang="en-US" sz="4400" spc="-1" strike="noStrike">
+              <a:latin typeface="Arial"/>
+            </a:endParaRPr>
+          </a:p>
+        </p:txBody>
+      </p:sp>
+      <p:sp>
+        <p:nvSpPr>
+          <p:cNvPr id="231" name="PlaceHolder 2"/>
+          <p:cNvSpPr>
+            <a:spLocks noGrp="1"/>
+          </p:cNvSpPr>
+          <p:nvPr>
+            <p:ph type="subTitle"/>
+          </p:nvPr>
+        </p:nvSpPr>
+        <p:spPr>
+          <a:xfrm>
+            <a:off x="609480" y="1604520"/>
+            <a:ext cx="10972440" cy="3977280"/>
+          </a:xfrm>
+          <a:prstGeom prst="rect">
+            <a:avLst/>
+          </a:prstGeom>
+        </p:spPr>
+        <p:txBody>
+          <a:bodyPr lIns="0" rIns="0" tIns="0" bIns="0" anchor="ctr"/>
+          <a:p>
+            <a:pPr algn="ctr"/>
+            <a:endParaRPr b="0" lang="en-US" sz="3200" spc="-1" strike="noStrike">
+              <a:latin typeface="Arial"/>
+            </a:endParaRPr>
+          </a:p>
+        </p:txBody>
+      </p:sp>
+    </p:spTree>
+  </p:cSld>
+</p:sldLayout>
+</file>
+
+<file path=ppt/slideLayouts/slideLayout75.xml><?xml version="1.0" encoding="utf-8"?>
+<p:sldLayout xmlns:a="http://schemas.openxmlformats.org/drawingml/2006/main" xmlns:p="http://schemas.openxmlformats.org/presentationml/2006/main" xmlns:r="http://schemas.openxmlformats.org/officeDocument/2006/relationships" xmlns:p14="http://schemas.microsoft.com/office/powerpoint/2010/main" xmlns:p15="http://schemas.microsoft.com/office/powerpoint/2012/main" xmlns:mc="http://schemas.openxmlformats.org/markup-compatibility/2006" type="obj" preserve="1">
+  <p:cSld name="Title, Content">
+    <p:spTree>
+      <p:nvGrpSpPr>
+        <p:cNvPr id="1" name=""/>
+        <p:cNvGrpSpPr/>
+        <p:nvPr/>
+      </p:nvGrpSpPr>
+      <p:grpSpPr>
+        <a:xfrm>
+          <a:off x="0" y="0"/>
+          <a:ext cx="0" cy="0"/>
+          <a:chOff x="0" y="0"/>
+          <a:chExt cx="0" cy="0"/>
+        </a:xfrm>
+      </p:grpSpPr>
+      <p:sp>
+        <p:nvSpPr>
+          <p:cNvPr id="232" name="PlaceHolder 1"/>
+          <p:cNvSpPr>
+            <a:spLocks noGrp="1"/>
+          </p:cNvSpPr>
+          <p:nvPr>
+            <p:ph type="title"/>
+          </p:nvPr>
+        </p:nvSpPr>
+        <p:spPr>
+          <a:xfrm>
+            <a:off x="609480" y="273600"/>
+            <a:ext cx="10972440" cy="1144800"/>
+          </a:xfrm>
+          <a:prstGeom prst="rect">
+            <a:avLst/>
+          </a:prstGeom>
+        </p:spPr>
+        <p:txBody>
+          <a:bodyPr lIns="0" rIns="0" tIns="0" bIns="0" anchor="ctr"/>
+          <a:p>
+            <a:pPr algn="ctr"/>
+            <a:endParaRPr b="0" lang="en-US" sz="4400" spc="-1" strike="noStrike">
+              <a:latin typeface="Arial"/>
+            </a:endParaRPr>
+          </a:p>
+        </p:txBody>
+      </p:sp>
+      <p:sp>
+        <p:nvSpPr>
+          <p:cNvPr id="233" name="PlaceHolder 2"/>
+          <p:cNvSpPr>
+            <a:spLocks noGrp="1"/>
+          </p:cNvSpPr>
+          <p:nvPr>
+            <p:ph type="body"/>
+          </p:nvPr>
+        </p:nvSpPr>
+        <p:spPr>
+          <a:xfrm>
+            <a:off x="609480" y="1604520"/>
+            <a:ext cx="10972440" cy="3977280"/>
+          </a:xfrm>
+          <a:prstGeom prst="rect">
+            <a:avLst/>
+          </a:prstGeom>
+        </p:spPr>
+        <p:txBody>
+          <a:bodyPr lIns="0" rIns="0" tIns="0" bIns="0">
+            <a:normAutofit/>
+          </a:bodyPr>
+          <a:p>
+            <a:endParaRPr b="0" lang="en-US" sz="3200" spc="-1" strike="noStrike">
+              <a:latin typeface="Arial"/>
+            </a:endParaRPr>
+          </a:p>
+        </p:txBody>
+      </p:sp>
+    </p:spTree>
+  </p:cSld>
+</p:sldLayout>
+</file>
+
+<file path=ppt/slideLayouts/slideLayout76.xml><?xml version="1.0" encoding="utf-8"?>
+<p:sldLayout xmlns:a="http://schemas.openxmlformats.org/drawingml/2006/main" xmlns:p="http://schemas.openxmlformats.org/presentationml/2006/main" xmlns:r="http://schemas.openxmlformats.org/officeDocument/2006/relationships" xmlns:p14="http://schemas.microsoft.com/office/powerpoint/2010/main" xmlns:p15="http://schemas.microsoft.com/office/powerpoint/2012/main" xmlns:mc="http://schemas.openxmlformats.org/markup-compatibility/2006" type="twoObj" preserve="1">
+  <p:cSld name="Title, 2 Content">
+    <p:spTree>
+      <p:nvGrpSpPr>
+        <p:cNvPr id="1" name=""/>
+        <p:cNvGrpSpPr/>
+        <p:nvPr/>
+      </p:nvGrpSpPr>
+      <p:grpSpPr>
+        <a:xfrm>
+          <a:off x="0" y="0"/>
+          <a:ext cx="0" cy="0"/>
+          <a:chOff x="0" y="0"/>
+          <a:chExt cx="0" cy="0"/>
+        </a:xfrm>
+      </p:grpSpPr>
+      <p:sp>
+        <p:nvSpPr>
+          <p:cNvPr id="234" name="PlaceHolder 1"/>
+          <p:cNvSpPr>
+            <a:spLocks noGrp="1"/>
+          </p:cNvSpPr>
+          <p:nvPr>
+            <p:ph type="title"/>
+          </p:nvPr>
+        </p:nvSpPr>
+        <p:spPr>
+          <a:xfrm>
+            <a:off x="609480" y="273600"/>
+            <a:ext cx="10972440" cy="1144800"/>
+          </a:xfrm>
+          <a:prstGeom prst="rect">
+            <a:avLst/>
+          </a:prstGeom>
+        </p:spPr>
+        <p:txBody>
+          <a:bodyPr lIns="0" rIns="0" tIns="0" bIns="0" anchor="ctr"/>
+          <a:p>
+            <a:pPr algn="ctr"/>
+            <a:endParaRPr b="0" lang="en-US" sz="4400" spc="-1" strike="noStrike">
+              <a:latin typeface="Arial"/>
+            </a:endParaRPr>
+          </a:p>
+        </p:txBody>
+      </p:sp>
+      <p:sp>
+        <p:nvSpPr>
+          <p:cNvPr id="235" name="PlaceHolder 2"/>
+          <p:cNvSpPr>
+            <a:spLocks noGrp="1"/>
+          </p:cNvSpPr>
+          <p:nvPr>
+            <p:ph type="body"/>
+          </p:nvPr>
+        </p:nvSpPr>
+        <p:spPr>
+          <a:xfrm>
+            <a:off x="609480" y="1604520"/>
+            <a:ext cx="5354280" cy="3977280"/>
+          </a:xfrm>
+          <a:prstGeom prst="rect">
+            <a:avLst/>
+          </a:prstGeom>
+        </p:spPr>
+        <p:txBody>
+          <a:bodyPr lIns="0" rIns="0" tIns="0" bIns="0">
+            <a:normAutofit/>
+          </a:bodyPr>
+          <a:p>
+            <a:endParaRPr b="0" lang="en-US" sz="3200" spc="-1" strike="noStrike">
+              <a:latin typeface="Arial"/>
+            </a:endParaRPr>
+          </a:p>
+        </p:txBody>
+      </p:sp>
+      <p:sp>
+        <p:nvSpPr>
+          <p:cNvPr id="236" name="PlaceHolder 3"/>
+          <p:cNvSpPr>
+            <a:spLocks noGrp="1"/>
+          </p:cNvSpPr>
+          <p:nvPr>
+            <p:ph type="body"/>
+          </p:nvPr>
+        </p:nvSpPr>
+        <p:spPr>
+          <a:xfrm>
+            <a:off x="6231960" y="1604520"/>
+            <a:ext cx="5354280" cy="3977280"/>
+          </a:xfrm>
+          <a:prstGeom prst="rect">
+            <a:avLst/>
+          </a:prstGeom>
+        </p:spPr>
+        <p:txBody>
+          <a:bodyPr lIns="0" rIns="0" tIns="0" bIns="0">
+            <a:normAutofit/>
+          </a:bodyPr>
+          <a:p>
+            <a:endParaRPr b="0" lang="en-US" sz="3200" spc="-1" strike="noStrike">
+              <a:latin typeface="Arial"/>
+            </a:endParaRPr>
+          </a:p>
+        </p:txBody>
+      </p:sp>
+    </p:spTree>
+  </p:cSld>
+</p:sldLayout>
+</file>
+
+<file path=ppt/slideLayouts/slideLayout77.xml><?xml version="1.0" encoding="utf-8"?>
+<p:sldLayout xmlns:a="http://schemas.openxmlformats.org/drawingml/2006/main" xmlns:p="http://schemas.openxmlformats.org/presentationml/2006/main" xmlns:r="http://schemas.openxmlformats.org/officeDocument/2006/relationships" xmlns:p14="http://schemas.microsoft.com/office/powerpoint/2010/main" xmlns:p15="http://schemas.microsoft.com/office/powerpoint/2012/main" xmlns:mc="http://schemas.openxmlformats.org/markup-compatibility/2006" type="titleOnly" preserve="1">
+  <p:cSld name="Title Only">
+    <p:spTree>
+      <p:nvGrpSpPr>
+        <p:cNvPr id="1" name=""/>
+        <p:cNvGrpSpPr/>
+        <p:nvPr/>
+      </p:nvGrpSpPr>
+      <p:grpSpPr>
+        <a:xfrm>
+          <a:off x="0" y="0"/>
+          <a:ext cx="0" cy="0"/>
+          <a:chOff x="0" y="0"/>
+          <a:chExt cx="0" cy="0"/>
+        </a:xfrm>
+      </p:grpSpPr>
+      <p:sp>
+        <p:nvSpPr>
+          <p:cNvPr id="237" name="PlaceHolder 1"/>
+          <p:cNvSpPr>
+            <a:spLocks noGrp="1"/>
+          </p:cNvSpPr>
+          <p:nvPr>
+            <p:ph type="title"/>
+          </p:nvPr>
+        </p:nvSpPr>
+        <p:spPr>
+          <a:xfrm>
+            <a:off x="609480" y="273600"/>
+            <a:ext cx="10972440" cy="1144800"/>
+          </a:xfrm>
+          <a:prstGeom prst="rect">
+            <a:avLst/>
+          </a:prstGeom>
+        </p:spPr>
+        <p:txBody>
+          <a:bodyPr lIns="0" rIns="0" tIns="0" bIns="0" anchor="ctr"/>
+          <a:p>
+            <a:pPr algn="ctr"/>
+            <a:endParaRPr b="0" lang="en-US" sz="4400" spc="-1" strike="noStrike">
+              <a:latin typeface="Arial"/>
+            </a:endParaRPr>
+          </a:p>
+        </p:txBody>
+      </p:sp>
+    </p:spTree>
+  </p:cSld>
+</p:sldLayout>
+</file>
+
+<file path=ppt/slideLayouts/slideLayout78.xml><?xml version="1.0" encoding="utf-8"?>
+<p:sldLayout xmlns:a="http://schemas.openxmlformats.org/drawingml/2006/main" xmlns:p="http://schemas.openxmlformats.org/presentationml/2006/main" xmlns:r="http://schemas.openxmlformats.org/officeDocument/2006/relationships" xmlns:p14="http://schemas.microsoft.com/office/powerpoint/2010/main" xmlns:p15="http://schemas.microsoft.com/office/powerpoint/2012/main" xmlns:mc="http://schemas.openxmlformats.org/markup-compatibility/2006" type="objOnly" preserve="1">
+  <p:cSld name="Centered Text">
+    <p:spTree>
+      <p:nvGrpSpPr>
+        <p:cNvPr id="1" name=""/>
+        <p:cNvGrpSpPr/>
+        <p:nvPr/>
+      </p:nvGrpSpPr>
+      <p:grpSpPr>
+        <a:xfrm>
+          <a:off x="0" y="0"/>
+          <a:ext cx="0" cy="0"/>
+          <a:chOff x="0" y="0"/>
+          <a:chExt cx="0" cy="0"/>
+        </a:xfrm>
+      </p:grpSpPr>
+      <p:sp>
+        <p:nvSpPr>
+          <p:cNvPr id="238" name="PlaceHolder 1"/>
+          <p:cNvSpPr>
+            <a:spLocks noGrp="1"/>
+          </p:cNvSpPr>
+          <p:nvPr>
+            <p:ph type="subTitle"/>
+          </p:nvPr>
+        </p:nvSpPr>
+        <p:spPr>
+          <a:xfrm>
+            <a:off x="609480" y="273600"/>
+            <a:ext cx="10972440" cy="5307840"/>
+          </a:xfrm>
+          <a:prstGeom prst="rect">
+            <a:avLst/>
+          </a:prstGeom>
+        </p:spPr>
+        <p:txBody>
+          <a:bodyPr lIns="0" rIns="0" tIns="0" bIns="0" anchor="ctr"/>
+          <a:p>
+            <a:pPr algn="ctr"/>
+            <a:endParaRPr b="0" lang="en-US" sz="3200" spc="-1" strike="noStrike">
+              <a:latin typeface="Arial"/>
+            </a:endParaRPr>
+          </a:p>
+        </p:txBody>
+      </p:sp>
+    </p:spTree>
+  </p:cSld>
+</p:sldLayout>
+</file>
+
+<file path=ppt/slideLayouts/slideLayout79.xml><?xml version="1.0" encoding="utf-8"?>
+<p:sldLayout xmlns:a="http://schemas.openxmlformats.org/drawingml/2006/main" xmlns:p="http://schemas.openxmlformats.org/presentationml/2006/main" xmlns:r="http://schemas.openxmlformats.org/officeDocument/2006/relationships" xmlns:p14="http://schemas.microsoft.com/office/powerpoint/2010/main" xmlns:p15="http://schemas.microsoft.com/office/powerpoint/2012/main" xmlns:mc="http://schemas.openxmlformats.org/markup-compatibility/2006" type="twoObjAndObj" preserve="1">
+  <p:cSld name="Title, 2 Content and Content">
+    <p:spTree>
+      <p:nvGrpSpPr>
+        <p:cNvPr id="1" name=""/>
+        <p:cNvGrpSpPr/>
+        <p:nvPr/>
+      </p:nvGrpSpPr>
+      <p:grpSpPr>
+        <a:xfrm>
+          <a:off x="0" y="0"/>
+          <a:ext cx="0" cy="0"/>
+          <a:chOff x="0" y="0"/>
+          <a:chExt cx="0" cy="0"/>
+        </a:xfrm>
+      </p:grpSpPr>
+      <p:sp>
+        <p:nvSpPr>
+          <p:cNvPr id="239" name="PlaceHolder 1"/>
+          <p:cNvSpPr>
+            <a:spLocks noGrp="1"/>
+          </p:cNvSpPr>
+          <p:nvPr>
+            <p:ph type="title"/>
+          </p:nvPr>
+        </p:nvSpPr>
+        <p:spPr>
+          <a:xfrm>
+            <a:off x="609480" y="273600"/>
+            <a:ext cx="10972440" cy="1144800"/>
+          </a:xfrm>
+          <a:prstGeom prst="rect">
+            <a:avLst/>
+          </a:prstGeom>
+        </p:spPr>
+        <p:txBody>
+          <a:bodyPr lIns="0" rIns="0" tIns="0" bIns="0" anchor="ctr"/>
+          <a:p>
+            <a:pPr algn="ctr"/>
+            <a:endParaRPr b="0" lang="en-US" sz="4400" spc="-1" strike="noStrike">
+              <a:latin typeface="Arial"/>
+            </a:endParaRPr>
+          </a:p>
+        </p:txBody>
+      </p:sp>
+      <p:sp>
+        <p:nvSpPr>
+          <p:cNvPr id="240" name="PlaceHolder 2"/>
+          <p:cNvSpPr>
+            <a:spLocks noGrp="1"/>
+          </p:cNvSpPr>
+          <p:nvPr>
+            <p:ph type="body"/>
+          </p:nvPr>
+        </p:nvSpPr>
+        <p:spPr>
+          <a:xfrm>
+            <a:off x="609480" y="1604520"/>
+            <a:ext cx="5354280" cy="1896840"/>
+          </a:xfrm>
+          <a:prstGeom prst="rect">
+            <a:avLst/>
+          </a:prstGeom>
+        </p:spPr>
+        <p:txBody>
+          <a:bodyPr lIns="0" rIns="0" tIns="0" bIns="0">
+            <a:normAutofit/>
+          </a:bodyPr>
+          <a:p>
+            <a:endParaRPr b="0" lang="en-US" sz="3200" spc="-1" strike="noStrike">
+              <a:latin typeface="Arial"/>
+            </a:endParaRPr>
+          </a:p>
+        </p:txBody>
+      </p:sp>
+      <p:sp>
+        <p:nvSpPr>
+          <p:cNvPr id="241" name="PlaceHolder 3"/>
+          <p:cNvSpPr>
+            <a:spLocks noGrp="1"/>
+          </p:cNvSpPr>
+          <p:nvPr>
+            <p:ph type="body"/>
+          </p:nvPr>
+        </p:nvSpPr>
+        <p:spPr>
+          <a:xfrm>
+            <a:off x="6231960" y="1604520"/>
+            <a:ext cx="5354280" cy="3977280"/>
+          </a:xfrm>
+          <a:prstGeom prst="rect">
+            <a:avLst/>
+          </a:prstGeom>
+        </p:spPr>
+        <p:txBody>
+          <a:bodyPr lIns="0" rIns="0" tIns="0" bIns="0">
+            <a:normAutofit/>
+          </a:bodyPr>
+          <a:p>
+            <a:endParaRPr b="0" lang="en-US" sz="3200" spc="-1" strike="noStrike">
+              <a:latin typeface="Arial"/>
+            </a:endParaRPr>
+          </a:p>
+        </p:txBody>
+      </p:sp>
+      <p:sp>
+        <p:nvSpPr>
+          <p:cNvPr id="242" name="PlaceHolder 4"/>
+          <p:cNvSpPr>
+            <a:spLocks noGrp="1"/>
+          </p:cNvSpPr>
+          <p:nvPr>
+            <p:ph type="body"/>
+          </p:nvPr>
+        </p:nvSpPr>
+        <p:spPr>
+          <a:xfrm>
+            <a:off x="609480" y="3682080"/>
+            <a:ext cx="5354280" cy="1896840"/>
+          </a:xfrm>
+          <a:prstGeom prst="rect">
+            <a:avLst/>
+          </a:prstGeom>
+        </p:spPr>
+        <p:txBody>
+          <a:bodyPr lIns="0" rIns="0" tIns="0" bIns="0">
+            <a:normAutofit/>
+          </a:bodyPr>
+          <a:p>
+            <a:endParaRPr b="0" lang="en-US" sz="3200" spc="-1" strike="noStrike">
+              <a:latin typeface="Arial"/>
+            </a:endParaRPr>
+          </a:p>
+        </p:txBody>
+      </p:sp>
+    </p:spTree>
+  </p:cSld>
+</p:sldLayout>
+</file>
+
 <file path=ppt/slideLayouts/slideLayout8.xml><?xml version="1.0" encoding="utf-8"?>
 <p:sldLayout xmlns:a="http://schemas.openxmlformats.org/drawingml/2006/main" xmlns:p="http://schemas.openxmlformats.org/presentationml/2006/main" xmlns:r="http://schemas.openxmlformats.org/officeDocument/2006/relationships" xmlns:p14="http://schemas.microsoft.com/office/powerpoint/2010/main" xmlns:p15="http://schemas.microsoft.com/office/powerpoint/2012/main" xmlns:mc="http://schemas.openxmlformats.org/markup-compatibility/2006" type="objAndTwoObj" preserve="1">
   <p:cSld name="Title Content and 2 Content">
@@ -8199,6 +8737,801 @@
           <a:xfrm>
             <a:off x="6231960" y="3682080"/>
             <a:ext cx="5354280" cy="1896840"/>
+          </a:xfrm>
+          <a:prstGeom prst="rect">
+            <a:avLst/>
+          </a:prstGeom>
+        </p:spPr>
+        <p:txBody>
+          <a:bodyPr lIns="0" rIns="0" tIns="0" bIns="0">
+            <a:normAutofit/>
+          </a:bodyPr>
+          <a:p>
+            <a:endParaRPr b="0" lang="en-US" sz="3200" spc="-1" strike="noStrike">
+              <a:latin typeface="Arial"/>
+            </a:endParaRPr>
+          </a:p>
+        </p:txBody>
+      </p:sp>
+    </p:spTree>
+  </p:cSld>
+</p:sldLayout>
+</file>
+
+<file path=ppt/slideLayouts/slideLayout80.xml><?xml version="1.0" encoding="utf-8"?>
+<p:sldLayout xmlns:a="http://schemas.openxmlformats.org/drawingml/2006/main" xmlns:p="http://schemas.openxmlformats.org/presentationml/2006/main" xmlns:r="http://schemas.openxmlformats.org/officeDocument/2006/relationships" xmlns:p14="http://schemas.microsoft.com/office/powerpoint/2010/main" xmlns:p15="http://schemas.microsoft.com/office/powerpoint/2012/main" xmlns:mc="http://schemas.openxmlformats.org/markup-compatibility/2006" type="objAndTwoObj" preserve="1">
+  <p:cSld name="Title Content and 2 Content">
+    <p:spTree>
+      <p:nvGrpSpPr>
+        <p:cNvPr id="1" name=""/>
+        <p:cNvGrpSpPr/>
+        <p:nvPr/>
+      </p:nvGrpSpPr>
+      <p:grpSpPr>
+        <a:xfrm>
+          <a:off x="0" y="0"/>
+          <a:ext cx="0" cy="0"/>
+          <a:chOff x="0" y="0"/>
+          <a:chExt cx="0" cy="0"/>
+        </a:xfrm>
+      </p:grpSpPr>
+      <p:sp>
+        <p:nvSpPr>
+          <p:cNvPr id="243" name="PlaceHolder 1"/>
+          <p:cNvSpPr>
+            <a:spLocks noGrp="1"/>
+          </p:cNvSpPr>
+          <p:nvPr>
+            <p:ph type="title"/>
+          </p:nvPr>
+        </p:nvSpPr>
+        <p:spPr>
+          <a:xfrm>
+            <a:off x="609480" y="273600"/>
+            <a:ext cx="10972440" cy="1144800"/>
+          </a:xfrm>
+          <a:prstGeom prst="rect">
+            <a:avLst/>
+          </a:prstGeom>
+        </p:spPr>
+        <p:txBody>
+          <a:bodyPr lIns="0" rIns="0" tIns="0" bIns="0" anchor="ctr"/>
+          <a:p>
+            <a:pPr algn="ctr"/>
+            <a:endParaRPr b="0" lang="en-US" sz="4400" spc="-1" strike="noStrike">
+              <a:latin typeface="Arial"/>
+            </a:endParaRPr>
+          </a:p>
+        </p:txBody>
+      </p:sp>
+      <p:sp>
+        <p:nvSpPr>
+          <p:cNvPr id="244" name="PlaceHolder 2"/>
+          <p:cNvSpPr>
+            <a:spLocks noGrp="1"/>
+          </p:cNvSpPr>
+          <p:nvPr>
+            <p:ph type="body"/>
+          </p:nvPr>
+        </p:nvSpPr>
+        <p:spPr>
+          <a:xfrm>
+            <a:off x="609480" y="1604520"/>
+            <a:ext cx="5354280" cy="3977280"/>
+          </a:xfrm>
+          <a:prstGeom prst="rect">
+            <a:avLst/>
+          </a:prstGeom>
+        </p:spPr>
+        <p:txBody>
+          <a:bodyPr lIns="0" rIns="0" tIns="0" bIns="0">
+            <a:normAutofit/>
+          </a:bodyPr>
+          <a:p>
+            <a:endParaRPr b="0" lang="en-US" sz="3200" spc="-1" strike="noStrike">
+              <a:latin typeface="Arial"/>
+            </a:endParaRPr>
+          </a:p>
+        </p:txBody>
+      </p:sp>
+      <p:sp>
+        <p:nvSpPr>
+          <p:cNvPr id="245" name="PlaceHolder 3"/>
+          <p:cNvSpPr>
+            <a:spLocks noGrp="1"/>
+          </p:cNvSpPr>
+          <p:nvPr>
+            <p:ph type="body"/>
+          </p:nvPr>
+        </p:nvSpPr>
+        <p:spPr>
+          <a:xfrm>
+            <a:off x="6231960" y="1604520"/>
+            <a:ext cx="5354280" cy="1896840"/>
+          </a:xfrm>
+          <a:prstGeom prst="rect">
+            <a:avLst/>
+          </a:prstGeom>
+        </p:spPr>
+        <p:txBody>
+          <a:bodyPr lIns="0" rIns="0" tIns="0" bIns="0">
+            <a:normAutofit/>
+          </a:bodyPr>
+          <a:p>
+            <a:endParaRPr b="0" lang="en-US" sz="3200" spc="-1" strike="noStrike">
+              <a:latin typeface="Arial"/>
+            </a:endParaRPr>
+          </a:p>
+        </p:txBody>
+      </p:sp>
+      <p:sp>
+        <p:nvSpPr>
+          <p:cNvPr id="246" name="PlaceHolder 4"/>
+          <p:cNvSpPr>
+            <a:spLocks noGrp="1"/>
+          </p:cNvSpPr>
+          <p:nvPr>
+            <p:ph type="body"/>
+          </p:nvPr>
+        </p:nvSpPr>
+        <p:spPr>
+          <a:xfrm>
+            <a:off x="6231960" y="3682080"/>
+            <a:ext cx="5354280" cy="1896840"/>
+          </a:xfrm>
+          <a:prstGeom prst="rect">
+            <a:avLst/>
+          </a:prstGeom>
+        </p:spPr>
+        <p:txBody>
+          <a:bodyPr lIns="0" rIns="0" tIns="0" bIns="0">
+            <a:normAutofit/>
+          </a:bodyPr>
+          <a:p>
+            <a:endParaRPr b="0" lang="en-US" sz="3200" spc="-1" strike="noStrike">
+              <a:latin typeface="Arial"/>
+            </a:endParaRPr>
+          </a:p>
+        </p:txBody>
+      </p:sp>
+    </p:spTree>
+  </p:cSld>
+</p:sldLayout>
+</file>
+
+<file path=ppt/slideLayouts/slideLayout81.xml><?xml version="1.0" encoding="utf-8"?>
+<p:sldLayout xmlns:a="http://schemas.openxmlformats.org/drawingml/2006/main" xmlns:p="http://schemas.openxmlformats.org/presentationml/2006/main" xmlns:r="http://schemas.openxmlformats.org/officeDocument/2006/relationships" xmlns:p14="http://schemas.microsoft.com/office/powerpoint/2010/main" xmlns:p15="http://schemas.microsoft.com/office/powerpoint/2012/main" xmlns:mc="http://schemas.openxmlformats.org/markup-compatibility/2006" type="twoObjOverTx" preserve="1">
+  <p:cSld name="Title, 2 Content over Content">
+    <p:spTree>
+      <p:nvGrpSpPr>
+        <p:cNvPr id="1" name=""/>
+        <p:cNvGrpSpPr/>
+        <p:nvPr/>
+      </p:nvGrpSpPr>
+      <p:grpSpPr>
+        <a:xfrm>
+          <a:off x="0" y="0"/>
+          <a:ext cx="0" cy="0"/>
+          <a:chOff x="0" y="0"/>
+          <a:chExt cx="0" cy="0"/>
+        </a:xfrm>
+      </p:grpSpPr>
+      <p:sp>
+        <p:nvSpPr>
+          <p:cNvPr id="247" name="PlaceHolder 1"/>
+          <p:cNvSpPr>
+            <a:spLocks noGrp="1"/>
+          </p:cNvSpPr>
+          <p:nvPr>
+            <p:ph type="title"/>
+          </p:nvPr>
+        </p:nvSpPr>
+        <p:spPr>
+          <a:xfrm>
+            <a:off x="609480" y="273600"/>
+            <a:ext cx="10972440" cy="1144800"/>
+          </a:xfrm>
+          <a:prstGeom prst="rect">
+            <a:avLst/>
+          </a:prstGeom>
+        </p:spPr>
+        <p:txBody>
+          <a:bodyPr lIns="0" rIns="0" tIns="0" bIns="0" anchor="ctr"/>
+          <a:p>
+            <a:pPr algn="ctr"/>
+            <a:endParaRPr b="0" lang="en-US" sz="4400" spc="-1" strike="noStrike">
+              <a:latin typeface="Arial"/>
+            </a:endParaRPr>
+          </a:p>
+        </p:txBody>
+      </p:sp>
+      <p:sp>
+        <p:nvSpPr>
+          <p:cNvPr id="248" name="PlaceHolder 2"/>
+          <p:cNvSpPr>
+            <a:spLocks noGrp="1"/>
+          </p:cNvSpPr>
+          <p:nvPr>
+            <p:ph type="body"/>
+          </p:nvPr>
+        </p:nvSpPr>
+        <p:spPr>
+          <a:xfrm>
+            <a:off x="609480" y="1604520"/>
+            <a:ext cx="5354280" cy="1896840"/>
+          </a:xfrm>
+          <a:prstGeom prst="rect">
+            <a:avLst/>
+          </a:prstGeom>
+        </p:spPr>
+        <p:txBody>
+          <a:bodyPr lIns="0" rIns="0" tIns="0" bIns="0">
+            <a:normAutofit/>
+          </a:bodyPr>
+          <a:p>
+            <a:endParaRPr b="0" lang="en-US" sz="3200" spc="-1" strike="noStrike">
+              <a:latin typeface="Arial"/>
+            </a:endParaRPr>
+          </a:p>
+        </p:txBody>
+      </p:sp>
+      <p:sp>
+        <p:nvSpPr>
+          <p:cNvPr id="249" name="PlaceHolder 3"/>
+          <p:cNvSpPr>
+            <a:spLocks noGrp="1"/>
+          </p:cNvSpPr>
+          <p:nvPr>
+            <p:ph type="body"/>
+          </p:nvPr>
+        </p:nvSpPr>
+        <p:spPr>
+          <a:xfrm>
+            <a:off x="6231960" y="1604520"/>
+            <a:ext cx="5354280" cy="1896840"/>
+          </a:xfrm>
+          <a:prstGeom prst="rect">
+            <a:avLst/>
+          </a:prstGeom>
+        </p:spPr>
+        <p:txBody>
+          <a:bodyPr lIns="0" rIns="0" tIns="0" bIns="0">
+            <a:normAutofit/>
+          </a:bodyPr>
+          <a:p>
+            <a:endParaRPr b="0" lang="en-US" sz="3200" spc="-1" strike="noStrike">
+              <a:latin typeface="Arial"/>
+            </a:endParaRPr>
+          </a:p>
+        </p:txBody>
+      </p:sp>
+      <p:sp>
+        <p:nvSpPr>
+          <p:cNvPr id="250" name="PlaceHolder 4"/>
+          <p:cNvSpPr>
+            <a:spLocks noGrp="1"/>
+          </p:cNvSpPr>
+          <p:nvPr>
+            <p:ph type="body"/>
+          </p:nvPr>
+        </p:nvSpPr>
+        <p:spPr>
+          <a:xfrm>
+            <a:off x="609480" y="3682080"/>
+            <a:ext cx="10972440" cy="1896840"/>
+          </a:xfrm>
+          <a:prstGeom prst="rect">
+            <a:avLst/>
+          </a:prstGeom>
+        </p:spPr>
+        <p:txBody>
+          <a:bodyPr lIns="0" rIns="0" tIns="0" bIns="0">
+            <a:normAutofit/>
+          </a:bodyPr>
+          <a:p>
+            <a:endParaRPr b="0" lang="en-US" sz="3200" spc="-1" strike="noStrike">
+              <a:latin typeface="Arial"/>
+            </a:endParaRPr>
+          </a:p>
+        </p:txBody>
+      </p:sp>
+    </p:spTree>
+  </p:cSld>
+</p:sldLayout>
+</file>
+
+<file path=ppt/slideLayouts/slideLayout82.xml><?xml version="1.0" encoding="utf-8"?>
+<p:sldLayout xmlns:a="http://schemas.openxmlformats.org/drawingml/2006/main" xmlns:p="http://schemas.openxmlformats.org/presentationml/2006/main" xmlns:r="http://schemas.openxmlformats.org/officeDocument/2006/relationships" xmlns:p14="http://schemas.microsoft.com/office/powerpoint/2010/main" xmlns:p15="http://schemas.microsoft.com/office/powerpoint/2012/main" xmlns:mc="http://schemas.openxmlformats.org/markup-compatibility/2006" type="objOverTx" preserve="1">
+  <p:cSld name="Title, Content over Content">
+    <p:spTree>
+      <p:nvGrpSpPr>
+        <p:cNvPr id="1" name=""/>
+        <p:cNvGrpSpPr/>
+        <p:nvPr/>
+      </p:nvGrpSpPr>
+      <p:grpSpPr>
+        <a:xfrm>
+          <a:off x="0" y="0"/>
+          <a:ext cx="0" cy="0"/>
+          <a:chOff x="0" y="0"/>
+          <a:chExt cx="0" cy="0"/>
+        </a:xfrm>
+      </p:grpSpPr>
+      <p:sp>
+        <p:nvSpPr>
+          <p:cNvPr id="251" name="PlaceHolder 1"/>
+          <p:cNvSpPr>
+            <a:spLocks noGrp="1"/>
+          </p:cNvSpPr>
+          <p:nvPr>
+            <p:ph type="title"/>
+          </p:nvPr>
+        </p:nvSpPr>
+        <p:spPr>
+          <a:xfrm>
+            <a:off x="609480" y="273600"/>
+            <a:ext cx="10972440" cy="1144800"/>
+          </a:xfrm>
+          <a:prstGeom prst="rect">
+            <a:avLst/>
+          </a:prstGeom>
+        </p:spPr>
+        <p:txBody>
+          <a:bodyPr lIns="0" rIns="0" tIns="0" bIns="0" anchor="ctr"/>
+          <a:p>
+            <a:pPr algn="ctr"/>
+            <a:endParaRPr b="0" lang="en-US" sz="4400" spc="-1" strike="noStrike">
+              <a:latin typeface="Arial"/>
+            </a:endParaRPr>
+          </a:p>
+        </p:txBody>
+      </p:sp>
+      <p:sp>
+        <p:nvSpPr>
+          <p:cNvPr id="252" name="PlaceHolder 2"/>
+          <p:cNvSpPr>
+            <a:spLocks noGrp="1"/>
+          </p:cNvSpPr>
+          <p:nvPr>
+            <p:ph type="body"/>
+          </p:nvPr>
+        </p:nvSpPr>
+        <p:spPr>
+          <a:xfrm>
+            <a:off x="609480" y="1604520"/>
+            <a:ext cx="10972440" cy="1896840"/>
+          </a:xfrm>
+          <a:prstGeom prst="rect">
+            <a:avLst/>
+          </a:prstGeom>
+        </p:spPr>
+        <p:txBody>
+          <a:bodyPr lIns="0" rIns="0" tIns="0" bIns="0">
+            <a:normAutofit/>
+          </a:bodyPr>
+          <a:p>
+            <a:endParaRPr b="0" lang="en-US" sz="3200" spc="-1" strike="noStrike">
+              <a:latin typeface="Arial"/>
+            </a:endParaRPr>
+          </a:p>
+        </p:txBody>
+      </p:sp>
+      <p:sp>
+        <p:nvSpPr>
+          <p:cNvPr id="253" name="PlaceHolder 3"/>
+          <p:cNvSpPr>
+            <a:spLocks noGrp="1"/>
+          </p:cNvSpPr>
+          <p:nvPr>
+            <p:ph type="body"/>
+          </p:nvPr>
+        </p:nvSpPr>
+        <p:spPr>
+          <a:xfrm>
+            <a:off x="609480" y="3682080"/>
+            <a:ext cx="10972440" cy="1896840"/>
+          </a:xfrm>
+          <a:prstGeom prst="rect">
+            <a:avLst/>
+          </a:prstGeom>
+        </p:spPr>
+        <p:txBody>
+          <a:bodyPr lIns="0" rIns="0" tIns="0" bIns="0">
+            <a:normAutofit/>
+          </a:bodyPr>
+          <a:p>
+            <a:endParaRPr b="0" lang="en-US" sz="3200" spc="-1" strike="noStrike">
+              <a:latin typeface="Arial"/>
+            </a:endParaRPr>
+          </a:p>
+        </p:txBody>
+      </p:sp>
+    </p:spTree>
+  </p:cSld>
+</p:sldLayout>
+</file>
+
+<file path=ppt/slideLayouts/slideLayout83.xml><?xml version="1.0" encoding="utf-8"?>
+<p:sldLayout xmlns:a="http://schemas.openxmlformats.org/drawingml/2006/main" xmlns:p="http://schemas.openxmlformats.org/presentationml/2006/main" xmlns:r="http://schemas.openxmlformats.org/officeDocument/2006/relationships" xmlns:p14="http://schemas.microsoft.com/office/powerpoint/2010/main" xmlns:p15="http://schemas.microsoft.com/office/powerpoint/2012/main" xmlns:mc="http://schemas.openxmlformats.org/markup-compatibility/2006" type="fourObj" preserve="1">
+  <p:cSld name="Title, 4 Content">
+    <p:spTree>
+      <p:nvGrpSpPr>
+        <p:cNvPr id="1" name=""/>
+        <p:cNvGrpSpPr/>
+        <p:nvPr/>
+      </p:nvGrpSpPr>
+      <p:grpSpPr>
+        <a:xfrm>
+          <a:off x="0" y="0"/>
+          <a:ext cx="0" cy="0"/>
+          <a:chOff x="0" y="0"/>
+          <a:chExt cx="0" cy="0"/>
+        </a:xfrm>
+      </p:grpSpPr>
+      <p:sp>
+        <p:nvSpPr>
+          <p:cNvPr id="254" name="PlaceHolder 1"/>
+          <p:cNvSpPr>
+            <a:spLocks noGrp="1"/>
+          </p:cNvSpPr>
+          <p:nvPr>
+            <p:ph type="title"/>
+          </p:nvPr>
+        </p:nvSpPr>
+        <p:spPr>
+          <a:xfrm>
+            <a:off x="609480" y="273600"/>
+            <a:ext cx="10972440" cy="1144800"/>
+          </a:xfrm>
+          <a:prstGeom prst="rect">
+            <a:avLst/>
+          </a:prstGeom>
+        </p:spPr>
+        <p:txBody>
+          <a:bodyPr lIns="0" rIns="0" tIns="0" bIns="0" anchor="ctr"/>
+          <a:p>
+            <a:pPr algn="ctr"/>
+            <a:endParaRPr b="0" lang="en-US" sz="4400" spc="-1" strike="noStrike">
+              <a:latin typeface="Arial"/>
+            </a:endParaRPr>
+          </a:p>
+        </p:txBody>
+      </p:sp>
+      <p:sp>
+        <p:nvSpPr>
+          <p:cNvPr id="255" name="PlaceHolder 2"/>
+          <p:cNvSpPr>
+            <a:spLocks noGrp="1"/>
+          </p:cNvSpPr>
+          <p:nvPr>
+            <p:ph type="body"/>
+          </p:nvPr>
+        </p:nvSpPr>
+        <p:spPr>
+          <a:xfrm>
+            <a:off x="609480" y="1604520"/>
+            <a:ext cx="5354280" cy="1896840"/>
+          </a:xfrm>
+          <a:prstGeom prst="rect">
+            <a:avLst/>
+          </a:prstGeom>
+        </p:spPr>
+        <p:txBody>
+          <a:bodyPr lIns="0" rIns="0" tIns="0" bIns="0">
+            <a:normAutofit/>
+          </a:bodyPr>
+          <a:p>
+            <a:endParaRPr b="0" lang="en-US" sz="3200" spc="-1" strike="noStrike">
+              <a:latin typeface="Arial"/>
+            </a:endParaRPr>
+          </a:p>
+        </p:txBody>
+      </p:sp>
+      <p:sp>
+        <p:nvSpPr>
+          <p:cNvPr id="256" name="PlaceHolder 3"/>
+          <p:cNvSpPr>
+            <a:spLocks noGrp="1"/>
+          </p:cNvSpPr>
+          <p:nvPr>
+            <p:ph type="body"/>
+          </p:nvPr>
+        </p:nvSpPr>
+        <p:spPr>
+          <a:xfrm>
+            <a:off x="6231960" y="1604520"/>
+            <a:ext cx="5354280" cy="1896840"/>
+          </a:xfrm>
+          <a:prstGeom prst="rect">
+            <a:avLst/>
+          </a:prstGeom>
+        </p:spPr>
+        <p:txBody>
+          <a:bodyPr lIns="0" rIns="0" tIns="0" bIns="0">
+            <a:normAutofit/>
+          </a:bodyPr>
+          <a:p>
+            <a:endParaRPr b="0" lang="en-US" sz="3200" spc="-1" strike="noStrike">
+              <a:latin typeface="Arial"/>
+            </a:endParaRPr>
+          </a:p>
+        </p:txBody>
+      </p:sp>
+      <p:sp>
+        <p:nvSpPr>
+          <p:cNvPr id="257" name="PlaceHolder 4"/>
+          <p:cNvSpPr>
+            <a:spLocks noGrp="1"/>
+          </p:cNvSpPr>
+          <p:nvPr>
+            <p:ph type="body"/>
+          </p:nvPr>
+        </p:nvSpPr>
+        <p:spPr>
+          <a:xfrm>
+            <a:off x="609480" y="3682080"/>
+            <a:ext cx="5354280" cy="1896840"/>
+          </a:xfrm>
+          <a:prstGeom prst="rect">
+            <a:avLst/>
+          </a:prstGeom>
+        </p:spPr>
+        <p:txBody>
+          <a:bodyPr lIns="0" rIns="0" tIns="0" bIns="0">
+            <a:normAutofit/>
+          </a:bodyPr>
+          <a:p>
+            <a:endParaRPr b="0" lang="en-US" sz="3200" spc="-1" strike="noStrike">
+              <a:latin typeface="Arial"/>
+            </a:endParaRPr>
+          </a:p>
+        </p:txBody>
+      </p:sp>
+      <p:sp>
+        <p:nvSpPr>
+          <p:cNvPr id="258" name="PlaceHolder 5"/>
+          <p:cNvSpPr>
+            <a:spLocks noGrp="1"/>
+          </p:cNvSpPr>
+          <p:nvPr>
+            <p:ph type="body"/>
+          </p:nvPr>
+        </p:nvSpPr>
+        <p:spPr>
+          <a:xfrm>
+            <a:off x="6231960" y="3682080"/>
+            <a:ext cx="5354280" cy="1896840"/>
+          </a:xfrm>
+          <a:prstGeom prst="rect">
+            <a:avLst/>
+          </a:prstGeom>
+        </p:spPr>
+        <p:txBody>
+          <a:bodyPr lIns="0" rIns="0" tIns="0" bIns="0">
+            <a:normAutofit/>
+          </a:bodyPr>
+          <a:p>
+            <a:endParaRPr b="0" lang="en-US" sz="3200" spc="-1" strike="noStrike">
+              <a:latin typeface="Arial"/>
+            </a:endParaRPr>
+          </a:p>
+        </p:txBody>
+      </p:sp>
+    </p:spTree>
+  </p:cSld>
+</p:sldLayout>
+</file>
+
+<file path=ppt/slideLayouts/slideLayout84.xml><?xml version="1.0" encoding="utf-8"?>
+<p:sldLayout xmlns:a="http://schemas.openxmlformats.org/drawingml/2006/main" xmlns:p="http://schemas.openxmlformats.org/presentationml/2006/main" xmlns:r="http://schemas.openxmlformats.org/officeDocument/2006/relationships" xmlns:p14="http://schemas.microsoft.com/office/powerpoint/2010/main" xmlns:p15="http://schemas.microsoft.com/office/powerpoint/2012/main" xmlns:mc="http://schemas.openxmlformats.org/markup-compatibility/2006" type="blank" preserve="1">
+  <p:cSld name="Title, 6 Content">
+    <p:spTree>
+      <p:nvGrpSpPr>
+        <p:cNvPr id="1" name=""/>
+        <p:cNvGrpSpPr/>
+        <p:nvPr/>
+      </p:nvGrpSpPr>
+      <p:grpSpPr>
+        <a:xfrm>
+          <a:off x="0" y="0"/>
+          <a:ext cx="0" cy="0"/>
+          <a:chOff x="0" y="0"/>
+          <a:chExt cx="0" cy="0"/>
+        </a:xfrm>
+      </p:grpSpPr>
+      <p:sp>
+        <p:nvSpPr>
+          <p:cNvPr id="259" name="PlaceHolder 1"/>
+          <p:cNvSpPr>
+            <a:spLocks noGrp="1"/>
+          </p:cNvSpPr>
+          <p:nvPr>
+            <p:ph type="title"/>
+          </p:nvPr>
+        </p:nvSpPr>
+        <p:spPr>
+          <a:xfrm>
+            <a:off x="609480" y="273600"/>
+            <a:ext cx="10972440" cy="1144800"/>
+          </a:xfrm>
+          <a:prstGeom prst="rect">
+            <a:avLst/>
+          </a:prstGeom>
+        </p:spPr>
+        <p:txBody>
+          <a:bodyPr lIns="0" rIns="0" tIns="0" bIns="0" anchor="ctr"/>
+          <a:p>
+            <a:pPr algn="ctr"/>
+            <a:endParaRPr b="0" lang="en-US" sz="4400" spc="-1" strike="noStrike">
+              <a:latin typeface="Arial"/>
+            </a:endParaRPr>
+          </a:p>
+        </p:txBody>
+      </p:sp>
+      <p:sp>
+        <p:nvSpPr>
+          <p:cNvPr id="260" name="PlaceHolder 2"/>
+          <p:cNvSpPr>
+            <a:spLocks noGrp="1"/>
+          </p:cNvSpPr>
+          <p:nvPr>
+            <p:ph type="body"/>
+          </p:nvPr>
+        </p:nvSpPr>
+        <p:spPr>
+          <a:xfrm>
+            <a:off x="609480" y="1604520"/>
+            <a:ext cx="3533040" cy="1896840"/>
+          </a:xfrm>
+          <a:prstGeom prst="rect">
+            <a:avLst/>
+          </a:prstGeom>
+        </p:spPr>
+        <p:txBody>
+          <a:bodyPr lIns="0" rIns="0" tIns="0" bIns="0">
+            <a:normAutofit/>
+          </a:bodyPr>
+          <a:p>
+            <a:endParaRPr b="0" lang="en-US" sz="3200" spc="-1" strike="noStrike">
+              <a:latin typeface="Arial"/>
+            </a:endParaRPr>
+          </a:p>
+        </p:txBody>
+      </p:sp>
+      <p:sp>
+        <p:nvSpPr>
+          <p:cNvPr id="261" name="PlaceHolder 3"/>
+          <p:cNvSpPr>
+            <a:spLocks noGrp="1"/>
+          </p:cNvSpPr>
+          <p:nvPr>
+            <p:ph type="body"/>
+          </p:nvPr>
+        </p:nvSpPr>
+        <p:spPr>
+          <a:xfrm>
+            <a:off x="4319640" y="1604520"/>
+            <a:ext cx="3533040" cy="1896840"/>
+          </a:xfrm>
+          <a:prstGeom prst="rect">
+            <a:avLst/>
+          </a:prstGeom>
+        </p:spPr>
+        <p:txBody>
+          <a:bodyPr lIns="0" rIns="0" tIns="0" bIns="0">
+            <a:normAutofit/>
+          </a:bodyPr>
+          <a:p>
+            <a:endParaRPr b="0" lang="en-US" sz="3200" spc="-1" strike="noStrike">
+              <a:latin typeface="Arial"/>
+            </a:endParaRPr>
+          </a:p>
+        </p:txBody>
+      </p:sp>
+      <p:sp>
+        <p:nvSpPr>
+          <p:cNvPr id="262" name="PlaceHolder 4"/>
+          <p:cNvSpPr>
+            <a:spLocks noGrp="1"/>
+          </p:cNvSpPr>
+          <p:nvPr>
+            <p:ph type="body"/>
+          </p:nvPr>
+        </p:nvSpPr>
+        <p:spPr>
+          <a:xfrm>
+            <a:off x="8029800" y="1604520"/>
+            <a:ext cx="3533040" cy="1896840"/>
+          </a:xfrm>
+          <a:prstGeom prst="rect">
+            <a:avLst/>
+          </a:prstGeom>
+        </p:spPr>
+        <p:txBody>
+          <a:bodyPr lIns="0" rIns="0" tIns="0" bIns="0">
+            <a:normAutofit/>
+          </a:bodyPr>
+          <a:p>
+            <a:endParaRPr b="0" lang="en-US" sz="3200" spc="-1" strike="noStrike">
+              <a:latin typeface="Arial"/>
+            </a:endParaRPr>
+          </a:p>
+        </p:txBody>
+      </p:sp>
+      <p:sp>
+        <p:nvSpPr>
+          <p:cNvPr id="263" name="PlaceHolder 5"/>
+          <p:cNvSpPr>
+            <a:spLocks noGrp="1"/>
+          </p:cNvSpPr>
+          <p:nvPr>
+            <p:ph type="body"/>
+          </p:nvPr>
+        </p:nvSpPr>
+        <p:spPr>
+          <a:xfrm>
+            <a:off x="609480" y="3682080"/>
+            <a:ext cx="3533040" cy="1896840"/>
+          </a:xfrm>
+          <a:prstGeom prst="rect">
+            <a:avLst/>
+          </a:prstGeom>
+        </p:spPr>
+        <p:txBody>
+          <a:bodyPr lIns="0" rIns="0" tIns="0" bIns="0">
+            <a:normAutofit/>
+          </a:bodyPr>
+          <a:p>
+            <a:endParaRPr b="0" lang="en-US" sz="3200" spc="-1" strike="noStrike">
+              <a:latin typeface="Arial"/>
+            </a:endParaRPr>
+          </a:p>
+        </p:txBody>
+      </p:sp>
+      <p:sp>
+        <p:nvSpPr>
+          <p:cNvPr id="264" name="PlaceHolder 6"/>
+          <p:cNvSpPr>
+            <a:spLocks noGrp="1"/>
+          </p:cNvSpPr>
+          <p:nvPr>
+            <p:ph type="body"/>
+          </p:nvPr>
+        </p:nvSpPr>
+        <p:spPr>
+          <a:xfrm>
+            <a:off x="4319640" y="3682080"/>
+            <a:ext cx="3533040" cy="1896840"/>
+          </a:xfrm>
+          <a:prstGeom prst="rect">
+            <a:avLst/>
+          </a:prstGeom>
+        </p:spPr>
+        <p:txBody>
+          <a:bodyPr lIns="0" rIns="0" tIns="0" bIns="0">
+            <a:normAutofit/>
+          </a:bodyPr>
+          <a:p>
+            <a:endParaRPr b="0" lang="en-US" sz="3200" spc="-1" strike="noStrike">
+              <a:latin typeface="Arial"/>
+            </a:endParaRPr>
+          </a:p>
+        </p:txBody>
+      </p:sp>
+      <p:sp>
+        <p:nvSpPr>
+          <p:cNvPr id="265" name="PlaceHolder 7"/>
+          <p:cNvSpPr>
+            <a:spLocks noGrp="1"/>
+          </p:cNvSpPr>
+          <p:nvPr>
+            <p:ph type="body"/>
+          </p:nvPr>
+        </p:nvSpPr>
+        <p:spPr>
+          <a:xfrm>
+            <a:off x="8029800" y="3682080"/>
+            <a:ext cx="3533040" cy="1896840"/>
           </a:xfrm>
           <a:prstGeom prst="rect">
             <a:avLst/>
@@ -8412,37 +9745,49 @@
               <a:rPr b="0" lang="en-US" sz="4400" spc="-1" strike="noStrike">
                 <a:latin typeface="Arial"/>
               </a:rPr>
-              <a:t>Click </a:t>
+              <a:t>Clic</a:t>
             </a:r>
             <a:r>
               <a:rPr b="0" lang="en-US" sz="4400" spc="-1" strike="noStrike">
                 <a:latin typeface="Arial"/>
               </a:rPr>
-              <a:t>to edit </a:t>
+              <a:t>k to </a:t>
             </a:r>
             <a:r>
               <a:rPr b="0" lang="en-US" sz="4400" spc="-1" strike="noStrike">
                 <a:latin typeface="Arial"/>
               </a:rPr>
-              <a:t>the </a:t>
+              <a:t>edit </a:t>
             </a:r>
             <a:r>
               <a:rPr b="0" lang="en-US" sz="4400" spc="-1" strike="noStrike">
                 <a:latin typeface="Arial"/>
               </a:rPr>
-              <a:t>title </a:t>
+              <a:t>the </a:t>
             </a:r>
             <a:r>
               <a:rPr b="0" lang="en-US" sz="4400" spc="-1" strike="noStrike">
                 <a:latin typeface="Arial"/>
               </a:rPr>
-              <a:t>text </a:t>
+              <a:t>title </a:t>
             </a:r>
             <a:r>
               <a:rPr b="0" lang="en-US" sz="4400" spc="-1" strike="noStrike">
                 <a:latin typeface="Arial"/>
               </a:rPr>
-              <a:t>format</a:t>
+              <a:t>text </a:t>
+            </a:r>
+            <a:r>
+              <a:rPr b="0" lang="en-US" sz="4400" spc="-1" strike="noStrike">
+                <a:latin typeface="Arial"/>
+              </a:rPr>
+              <a:t>for</a:t>
+            </a:r>
+            <a:r>
+              <a:rPr b="0" lang="en-US" sz="4400" spc="-1" strike="noStrike">
+                <a:latin typeface="Arial"/>
+              </a:rPr>
+              <a:t>mat</a:t>
             </a:r>
             <a:endParaRPr b="0" lang="en-US" sz="4400" spc="-1" strike="noStrike">
               <a:latin typeface="Arial"/>
@@ -8700,37 +10045,55 @@
               <a:rPr b="0" lang="en-US" sz="4400" spc="-1" strike="noStrike">
                 <a:latin typeface="Arial"/>
               </a:rPr>
-              <a:t>Click </a:t>
+              <a:t>Cli</a:t>
             </a:r>
             <a:r>
               <a:rPr b="0" lang="en-US" sz="4400" spc="-1" strike="noStrike">
                 <a:latin typeface="Arial"/>
               </a:rPr>
-              <a:t>to edit </a:t>
+              <a:t>ck </a:t>
             </a:r>
             <a:r>
               <a:rPr b="0" lang="en-US" sz="4400" spc="-1" strike="noStrike">
                 <a:latin typeface="Arial"/>
               </a:rPr>
-              <a:t>the </a:t>
+              <a:t>to </a:t>
             </a:r>
             <a:r>
               <a:rPr b="0" lang="en-US" sz="4400" spc="-1" strike="noStrike">
                 <a:latin typeface="Arial"/>
               </a:rPr>
-              <a:t>title </a:t>
+              <a:t>edit </a:t>
             </a:r>
             <a:r>
               <a:rPr b="0" lang="en-US" sz="4400" spc="-1" strike="noStrike">
                 <a:latin typeface="Arial"/>
               </a:rPr>
-              <a:t>text </a:t>
+              <a:t>the </a:t>
             </a:r>
             <a:r>
               <a:rPr b="0" lang="en-US" sz="4400" spc="-1" strike="noStrike">
                 <a:latin typeface="Arial"/>
               </a:rPr>
-              <a:t>format</a:t>
+              <a:t>title </a:t>
+            </a:r>
+            <a:r>
+              <a:rPr b="0" lang="en-US" sz="4400" spc="-1" strike="noStrike">
+                <a:latin typeface="Arial"/>
+              </a:rPr>
+              <a:t>text </a:t>
+            </a:r>
+            <a:r>
+              <a:rPr b="0" lang="en-US" sz="4400" spc="-1" strike="noStrike">
+                <a:latin typeface="Arial"/>
+              </a:rPr>
+              <a:t>for</a:t>
+            </a:r>
+            <a:r>
+              <a:rPr b="0" lang="en-US" sz="4400" spc="-1" strike="noStrike">
+                <a:latin typeface="Arial"/>
+              </a:rPr>
+              <a:t>mat</a:t>
             </a:r>
             <a:endParaRPr b="0" lang="en-US" sz="4400" spc="-1" strike="noStrike">
               <a:latin typeface="Arial"/>
@@ -9279,8 +10642,8 @@
         </p:nvSpPr>
         <p:spPr>
           <a:xfrm>
-            <a:off x="838080" y="365040"/>
-            <a:ext cx="10514160" cy="1324080"/>
+            <a:off x="609480" y="273600"/>
+            <a:ext cx="10972080" cy="1144440"/>
           </a:xfrm>
           <a:prstGeom prst="rect">
             <a:avLst/>
@@ -9331,8 +10694,8 @@
         </p:nvSpPr>
         <p:spPr>
           <a:xfrm>
-            <a:off x="838080" y="1825560"/>
-            <a:ext cx="10514160" cy="4349880"/>
+            <a:off x="609480" y="1604520"/>
+            <a:ext cx="10972080" cy="3976920"/>
           </a:xfrm>
           <a:prstGeom prst="rect">
             <a:avLst/>
@@ -10100,6 +11463,264 @@
 </p:sldMaster>
 </file>
 
+<file path=ppt/slideMasters/slideMaster7.xml><?xml version="1.0" encoding="utf-8"?>
+<p:sldMaster xmlns:a="http://schemas.openxmlformats.org/drawingml/2006/main" xmlns:p="http://schemas.openxmlformats.org/presentationml/2006/main" xmlns:r="http://schemas.openxmlformats.org/officeDocument/2006/relationships" xmlns:p14="http://schemas.microsoft.com/office/powerpoint/2010/main" xmlns:p15="http://schemas.microsoft.com/office/powerpoint/2012/main" xmlns:mc="http://schemas.openxmlformats.org/markup-compatibility/2006">
+  <p:cSld>
+    <p:bg>
+      <p:bgPr>
+        <a:solidFill>
+          <a:srgbClr val="ffffff"/>
+        </a:solidFill>
+      </p:bgPr>
+    </p:bg>
+    <p:spTree>
+      <p:nvGrpSpPr>
+        <p:cNvPr id="1" name=""/>
+        <p:cNvGrpSpPr/>
+        <p:nvPr/>
+      </p:nvGrpSpPr>
+      <p:grpSpPr>
+        <a:xfrm>
+          <a:off x="0" y="0"/>
+          <a:ext cx="0" cy="0"/>
+          <a:chOff x="0" y="0"/>
+          <a:chExt cx="0" cy="0"/>
+        </a:xfrm>
+      </p:grpSpPr>
+      <p:sp>
+        <p:nvSpPr>
+          <p:cNvPr id="228" name="PlaceHolder 1"/>
+          <p:cNvSpPr>
+            <a:spLocks noGrp="1"/>
+          </p:cNvSpPr>
+          <p:nvPr>
+            <p:ph type="title"/>
+          </p:nvPr>
+        </p:nvSpPr>
+        <p:spPr>
+          <a:xfrm>
+            <a:off x="609480" y="273600"/>
+            <a:ext cx="10972440" cy="1144800"/>
+          </a:xfrm>
+          <a:prstGeom prst="rect">
+            <a:avLst/>
+          </a:prstGeom>
+        </p:spPr>
+        <p:txBody>
+          <a:bodyPr lIns="0" rIns="0" tIns="0" bIns="0" anchor="ctr"/>
+          <a:p>
+            <a:pPr algn="ctr"/>
+            <a:r>
+              <a:rPr b="0" lang="en-US" sz="4400" spc="-1" strike="noStrike">
+                <a:latin typeface="Arial"/>
+              </a:rPr>
+              <a:t>Click to edit the title text format</a:t>
+            </a:r>
+            <a:endParaRPr b="0" lang="en-US" sz="4400" spc="-1" strike="noStrike">
+              <a:latin typeface="Arial"/>
+            </a:endParaRPr>
+          </a:p>
+        </p:txBody>
+      </p:sp>
+      <p:sp>
+        <p:nvSpPr>
+          <p:cNvPr id="229" name="PlaceHolder 2"/>
+          <p:cNvSpPr>
+            <a:spLocks noGrp="1"/>
+          </p:cNvSpPr>
+          <p:nvPr>
+            <p:ph type="body"/>
+          </p:nvPr>
+        </p:nvSpPr>
+        <p:spPr>
+          <a:xfrm>
+            <a:off x="609480" y="1604520"/>
+            <a:ext cx="10972440" cy="3977280"/>
+          </a:xfrm>
+          <a:prstGeom prst="rect">
+            <a:avLst/>
+          </a:prstGeom>
+        </p:spPr>
+        <p:txBody>
+          <a:bodyPr lIns="0" rIns="0" tIns="0" bIns="0">
+            <a:normAutofit/>
+          </a:bodyPr>
+          <a:p>
+            <a:pPr marL="432000" indent="-324000">
+              <a:spcBef>
+                <a:spcPts val="1417"/>
+              </a:spcBef>
+              <a:buClr>
+                <a:srgbClr val="000000"/>
+              </a:buClr>
+              <a:buSzPct val="45000"/>
+              <a:buFont typeface="Wingdings" charset="2"/>
+              <a:buChar char=""/>
+            </a:pPr>
+            <a:r>
+              <a:rPr b="0" lang="en-US" sz="3200" spc="-1" strike="noStrike">
+                <a:latin typeface="Arial"/>
+              </a:rPr>
+              <a:t>Click to edit the outline text format</a:t>
+            </a:r>
+            <a:endParaRPr b="0" lang="en-US" sz="3200" spc="-1" strike="noStrike">
+              <a:latin typeface="Arial"/>
+            </a:endParaRPr>
+          </a:p>
+          <a:p>
+            <a:pPr lvl="1" marL="864000" indent="-324000">
+              <a:spcBef>
+                <a:spcPts val="1134"/>
+              </a:spcBef>
+              <a:buClr>
+                <a:srgbClr val="000000"/>
+              </a:buClr>
+              <a:buSzPct val="75000"/>
+              <a:buFont typeface="Symbol" charset="2"/>
+              <a:buChar char=""/>
+            </a:pPr>
+            <a:r>
+              <a:rPr b="0" lang="en-US" sz="2800" spc="-1" strike="noStrike">
+                <a:latin typeface="Arial"/>
+              </a:rPr>
+              <a:t>Second Outline Level</a:t>
+            </a:r>
+            <a:endParaRPr b="0" lang="en-US" sz="2800" spc="-1" strike="noStrike">
+              <a:latin typeface="Arial"/>
+            </a:endParaRPr>
+          </a:p>
+          <a:p>
+            <a:pPr lvl="2" marL="1296000" indent="-288000">
+              <a:spcBef>
+                <a:spcPts val="850"/>
+              </a:spcBef>
+              <a:buClr>
+                <a:srgbClr val="000000"/>
+              </a:buClr>
+              <a:buSzPct val="45000"/>
+              <a:buFont typeface="Wingdings" charset="2"/>
+              <a:buChar char=""/>
+            </a:pPr>
+            <a:r>
+              <a:rPr b="0" lang="en-US" sz="2400" spc="-1" strike="noStrike">
+                <a:latin typeface="Arial"/>
+              </a:rPr>
+              <a:t>Third Outline Level</a:t>
+            </a:r>
+            <a:endParaRPr b="0" lang="en-US" sz="2400" spc="-1" strike="noStrike">
+              <a:latin typeface="Arial"/>
+            </a:endParaRPr>
+          </a:p>
+          <a:p>
+            <a:pPr lvl="3" marL="1728000" indent="-216000">
+              <a:spcBef>
+                <a:spcPts val="567"/>
+              </a:spcBef>
+              <a:buClr>
+                <a:srgbClr val="000000"/>
+              </a:buClr>
+              <a:buSzPct val="75000"/>
+              <a:buFont typeface="Symbol" charset="2"/>
+              <a:buChar char=""/>
+            </a:pPr>
+            <a:r>
+              <a:rPr b="0" lang="en-US" sz="2000" spc="-1" strike="noStrike">
+                <a:latin typeface="Arial"/>
+              </a:rPr>
+              <a:t>Fourth Outline Level</a:t>
+            </a:r>
+            <a:endParaRPr b="0" lang="en-US" sz="2000" spc="-1" strike="noStrike">
+              <a:latin typeface="Arial"/>
+            </a:endParaRPr>
+          </a:p>
+          <a:p>
+            <a:pPr lvl="4" marL="2160000" indent="-216000">
+              <a:spcBef>
+                <a:spcPts val="283"/>
+              </a:spcBef>
+              <a:buClr>
+                <a:srgbClr val="000000"/>
+              </a:buClr>
+              <a:buSzPct val="45000"/>
+              <a:buFont typeface="Wingdings" charset="2"/>
+              <a:buChar char=""/>
+            </a:pPr>
+            <a:r>
+              <a:rPr b="0" lang="en-US" sz="2000" spc="-1" strike="noStrike">
+                <a:latin typeface="Arial"/>
+              </a:rPr>
+              <a:t>Fifth Outline Level</a:t>
+            </a:r>
+            <a:endParaRPr b="0" lang="en-US" sz="2000" spc="-1" strike="noStrike">
+              <a:latin typeface="Arial"/>
+            </a:endParaRPr>
+          </a:p>
+          <a:p>
+            <a:pPr lvl="5" marL="2592000" indent="-216000">
+              <a:spcBef>
+                <a:spcPts val="283"/>
+              </a:spcBef>
+              <a:buClr>
+                <a:srgbClr val="000000"/>
+              </a:buClr>
+              <a:buSzPct val="45000"/>
+              <a:buFont typeface="Wingdings" charset="2"/>
+              <a:buChar char=""/>
+            </a:pPr>
+            <a:r>
+              <a:rPr b="0" lang="en-US" sz="2000" spc="-1" strike="noStrike">
+                <a:latin typeface="Arial"/>
+              </a:rPr>
+              <a:t>Sixth Outline Level</a:t>
+            </a:r>
+            <a:endParaRPr b="0" lang="en-US" sz="2000" spc="-1" strike="noStrike">
+              <a:latin typeface="Arial"/>
+            </a:endParaRPr>
+          </a:p>
+          <a:p>
+            <a:pPr lvl="6" marL="3024000" indent="-216000">
+              <a:spcBef>
+                <a:spcPts val="283"/>
+              </a:spcBef>
+              <a:buClr>
+                <a:srgbClr val="000000"/>
+              </a:buClr>
+              <a:buSzPct val="45000"/>
+              <a:buFont typeface="Wingdings" charset="2"/>
+              <a:buChar char=""/>
+            </a:pPr>
+            <a:r>
+              <a:rPr b="0" lang="en-US" sz="2000" spc="-1" strike="noStrike">
+                <a:latin typeface="Arial"/>
+              </a:rPr>
+              <a:t>Seventh Outline Level</a:t>
+            </a:r>
+            <a:endParaRPr b="0" lang="en-US" sz="2000" spc="-1" strike="noStrike">
+              <a:latin typeface="Arial"/>
+            </a:endParaRPr>
+          </a:p>
+        </p:txBody>
+      </p:sp>
+    </p:spTree>
+  </p:cSld>
+  <p:clrMap bg1="lt1" bg2="lt2" tx1="dk1" tx2="dk2" accent1="accent1" accent2="accent2" accent3="accent3" accent4="accent4" accent5="accent5" accent6="accent6" hlink="hlink" folHlink="folHlink"/>
+  <p:sldLayoutIdLst>
+    <p:sldLayoutId id="2147483727" r:id="rId2"/>
+    <p:sldLayoutId id="2147483728" r:id="rId3"/>
+    <p:sldLayoutId id="2147483729" r:id="rId4"/>
+    <p:sldLayoutId id="2147483730" r:id="rId5"/>
+    <p:sldLayoutId id="2147483731" r:id="rId6"/>
+    <p:sldLayoutId id="2147483732" r:id="rId7"/>
+    <p:sldLayoutId id="2147483733" r:id="rId8"/>
+    <p:sldLayoutId id="2147483734" r:id="rId9"/>
+    <p:sldLayoutId id="2147483735" r:id="rId10"/>
+    <p:sldLayoutId id="2147483736" r:id="rId11"/>
+    <p:sldLayoutId id="2147483737" r:id="rId12"/>
+    <p:sldLayoutId id="2147483738" r:id="rId13"/>
+  </p:sldLayoutIdLst>
+</p:sldMaster>
+</file>
+
 <file path=ppt/slides/slide1.xml><?xml version="1.0" encoding="utf-8"?>
 <p:sld xmlns:a="http://schemas.openxmlformats.org/drawingml/2006/main" xmlns:p="http://schemas.openxmlformats.org/presentationml/2006/main" xmlns:r="http://schemas.openxmlformats.org/officeDocument/2006/relationships" xmlns:p14="http://schemas.microsoft.com/office/powerpoint/2010/main" xmlns:p15="http://schemas.microsoft.com/office/powerpoint/2012/main" xmlns:mc="http://schemas.openxmlformats.org/markup-compatibility/2006">
   <p:cSld>
@@ -10119,14 +11740,14 @@
       </p:grpSpPr>
       <p:sp>
         <p:nvSpPr>
-          <p:cNvPr id="234" name="CustomShape 1"/>
+          <p:cNvPr id="272" name="CustomShape 1"/>
           <p:cNvSpPr/>
           <p:nvPr/>
         </p:nvSpPr>
         <p:spPr>
           <a:xfrm>
             <a:off x="231840" y="2002320"/>
-            <a:ext cx="11727000" cy="2386080"/>
+            <a:ext cx="11726640" cy="2385720"/>
           </a:xfrm>
           <a:prstGeom prst="rect">
             <a:avLst/>
@@ -10181,14 +11802,14 @@
       </p:sp>
       <p:sp>
         <p:nvSpPr>
-          <p:cNvPr id="235" name="CustomShape 2"/>
+          <p:cNvPr id="273" name="CustomShape 2"/>
           <p:cNvSpPr/>
           <p:nvPr/>
         </p:nvSpPr>
         <p:spPr>
           <a:xfrm>
             <a:off x="1523880" y="3602160"/>
-            <a:ext cx="9142560" cy="1654200"/>
+            <a:ext cx="9142200" cy="1653840"/>
           </a:xfrm>
           <a:prstGeom prst="rect">
             <a:avLst/>
@@ -10256,14 +11877,14 @@
       </p:grpSpPr>
       <p:sp>
         <p:nvSpPr>
-          <p:cNvPr id="257" name="CustomShape 1"/>
+          <p:cNvPr id="295" name="CustomShape 1"/>
           <p:cNvSpPr/>
           <p:nvPr/>
         </p:nvSpPr>
         <p:spPr>
           <a:xfrm>
             <a:off x="838080" y="365040"/>
-            <a:ext cx="10514160" cy="1324080"/>
+            <a:ext cx="10513800" cy="1323720"/>
           </a:xfrm>
           <a:prstGeom prst="rect">
             <a:avLst/>
@@ -10305,14 +11926,14 @@
       </p:sp>
       <p:sp>
         <p:nvSpPr>
-          <p:cNvPr id="258" name="CustomShape 2"/>
+          <p:cNvPr id="296" name="CustomShape 2"/>
           <p:cNvSpPr/>
           <p:nvPr/>
         </p:nvSpPr>
         <p:spPr>
           <a:xfrm>
             <a:off x="838080" y="1825560"/>
-            <a:ext cx="10514160" cy="4349880"/>
+            <a:ext cx="10513800" cy="4349520"/>
           </a:xfrm>
           <a:prstGeom prst="rect">
             <a:avLst/>
@@ -10331,7 +11952,7 @@
         <p:txBody>
           <a:bodyPr lIns="90000" rIns="90000" tIns="45000" bIns="45000"/>
           <a:p>
-            <a:pPr marL="228600" indent="-227160">
+            <a:pPr marL="228600" indent="-226800">
               <a:lnSpc>
                 <a:spcPct val="90000"/>
               </a:lnSpc>
@@ -10372,7 +11993,7 @@
             </a:endParaRPr>
           </a:p>
           <a:p>
-            <a:pPr marL="228600" indent="-227160">
+            <a:pPr marL="228600" indent="-226800">
               <a:lnSpc>
                 <a:spcPct val="90000"/>
               </a:lnSpc>
@@ -10400,7 +12021,7 @@
             </a:endParaRPr>
           </a:p>
           <a:p>
-            <a:pPr marL="228600" indent="-227160">
+            <a:pPr marL="228600" indent="-226800">
               <a:lnSpc>
                 <a:spcPct val="90000"/>
               </a:lnSpc>
@@ -10444,7 +12065,7 @@
       </p:sp>
       <p:pic>
         <p:nvPicPr>
-          <p:cNvPr id="259" name="Picture 3" descr=""/>
+          <p:cNvPr id="297" name="Picture 3" descr=""/>
           <p:cNvPicPr/>
           <p:nvPr/>
         </p:nvPicPr>
@@ -10455,7 +12076,7 @@
         <p:spPr>
           <a:xfrm>
             <a:off x="4021560" y="1581120"/>
-            <a:ext cx="3808080" cy="960480"/>
+            <a:ext cx="3807720" cy="960120"/>
           </a:xfrm>
           <a:prstGeom prst="rect">
             <a:avLst/>
@@ -10516,14 +12137,14 @@
       </p:grpSpPr>
       <p:sp>
         <p:nvSpPr>
-          <p:cNvPr id="260" name="CustomShape 1"/>
+          <p:cNvPr id="298" name="CustomShape 1"/>
           <p:cNvSpPr/>
           <p:nvPr/>
         </p:nvSpPr>
         <p:spPr>
           <a:xfrm>
             <a:off x="838080" y="365040"/>
-            <a:ext cx="10514160" cy="1324080"/>
+            <a:ext cx="10513800" cy="1323720"/>
           </a:xfrm>
           <a:prstGeom prst="rect">
             <a:avLst/>
@@ -10565,14 +12186,14 @@
       </p:sp>
       <p:sp>
         <p:nvSpPr>
-          <p:cNvPr id="261" name="CustomShape 2"/>
+          <p:cNvPr id="299" name="CustomShape 2"/>
           <p:cNvSpPr/>
           <p:nvPr/>
         </p:nvSpPr>
         <p:spPr>
           <a:xfrm>
             <a:off x="838080" y="1825560"/>
-            <a:ext cx="10514160" cy="4349880"/>
+            <a:ext cx="10513800" cy="4349520"/>
           </a:xfrm>
           <a:prstGeom prst="rect">
             <a:avLst/>
@@ -10591,7 +12212,7 @@
         <p:txBody>
           <a:bodyPr lIns="90000" rIns="90000" tIns="45000" bIns="45000"/>
           <a:p>
-            <a:pPr marL="228600" indent="-227160">
+            <a:pPr marL="228600" indent="-226800">
               <a:lnSpc>
                 <a:spcPct val="90000"/>
               </a:lnSpc>
@@ -10652,7 +12273,7 @@
             </a:endParaRPr>
           </a:p>
           <a:p>
-            <a:pPr marL="228600" indent="-227160">
+            <a:pPr marL="228600" indent="-226800">
               <a:lnSpc>
                 <a:spcPct val="90000"/>
               </a:lnSpc>
@@ -10680,7 +12301,7 @@
             </a:endParaRPr>
           </a:p>
           <a:p>
-            <a:pPr marL="228600" indent="-227160">
+            <a:pPr marL="228600" indent="-226800">
               <a:lnSpc>
                 <a:spcPct val="90000"/>
               </a:lnSpc>
@@ -10760,14 +12381,14 @@
       </p:grpSpPr>
       <p:sp>
         <p:nvSpPr>
-          <p:cNvPr id="262" name="CustomShape 1"/>
+          <p:cNvPr id="300" name="CustomShape 1"/>
           <p:cNvSpPr/>
           <p:nvPr/>
         </p:nvSpPr>
         <p:spPr>
           <a:xfrm>
             <a:off x="838080" y="365040"/>
-            <a:ext cx="10514160" cy="1324080"/>
+            <a:ext cx="10513800" cy="1323720"/>
           </a:xfrm>
           <a:prstGeom prst="rect">
             <a:avLst/>
@@ -10812,14 +12433,14 @@
       </p:sp>
       <p:sp>
         <p:nvSpPr>
-          <p:cNvPr id="263" name="CustomShape 2"/>
+          <p:cNvPr id="301" name="CustomShape 2"/>
           <p:cNvSpPr/>
           <p:nvPr/>
         </p:nvSpPr>
         <p:spPr>
           <a:xfrm>
             <a:off x="838080" y="1825560"/>
-            <a:ext cx="10514160" cy="4349880"/>
+            <a:ext cx="10513800" cy="4349520"/>
           </a:xfrm>
           <a:prstGeom prst="rect">
             <a:avLst/>
@@ -10838,7 +12459,7 @@
         <p:txBody>
           <a:bodyPr lIns="90000" rIns="90000" tIns="45000" bIns="45000"/>
           <a:p>
-            <a:pPr marL="228600" indent="-227160">
+            <a:pPr marL="228600" indent="-226800">
               <a:lnSpc>
                 <a:spcPct val="90000"/>
               </a:lnSpc>
@@ -10882,7 +12503,7 @@
       </p:sp>
       <p:pic>
         <p:nvPicPr>
-          <p:cNvPr id="264" name="Picture 3" descr=""/>
+          <p:cNvPr id="302" name="Picture 3" descr=""/>
           <p:cNvPicPr/>
           <p:nvPr/>
         </p:nvPicPr>
@@ -10893,7 +12514,7 @@
         <p:spPr>
           <a:xfrm>
             <a:off x="2505240" y="2752560"/>
-            <a:ext cx="8026200" cy="3542040"/>
+            <a:ext cx="8025840" cy="3541680"/>
           </a:xfrm>
           <a:prstGeom prst="rect">
             <a:avLst/>
@@ -10954,14 +12575,14 @@
       </p:grpSpPr>
       <p:sp>
         <p:nvSpPr>
-          <p:cNvPr id="265" name="CustomShape 1"/>
+          <p:cNvPr id="303" name="CustomShape 1"/>
           <p:cNvSpPr/>
           <p:nvPr/>
         </p:nvSpPr>
         <p:spPr>
           <a:xfrm>
             <a:off x="838080" y="365040"/>
-            <a:ext cx="10514160" cy="1324080"/>
+            <a:ext cx="10513800" cy="1323720"/>
           </a:xfrm>
           <a:prstGeom prst="rect">
             <a:avLst/>
@@ -11003,14 +12624,14 @@
       </p:sp>
       <p:sp>
         <p:nvSpPr>
-          <p:cNvPr id="266" name="CustomShape 2"/>
+          <p:cNvPr id="304" name="CustomShape 2"/>
           <p:cNvSpPr/>
           <p:nvPr/>
         </p:nvSpPr>
         <p:spPr>
           <a:xfrm>
             <a:off x="838080" y="1825560"/>
-            <a:ext cx="10914120" cy="4350240"/>
+            <a:ext cx="10913760" cy="4349880"/>
           </a:xfrm>
           <a:prstGeom prst="rect">
             <a:avLst/>
@@ -11031,7 +12652,7 @@
             <a:normAutofit/>
           </a:bodyPr>
           <a:p>
-            <a:pPr marL="228600" indent="-227160">
+            <a:pPr marL="228600" indent="-226800">
               <a:lnSpc>
                 <a:spcPct val="90000"/>
               </a:lnSpc>
@@ -11059,7 +12680,7 @@
             </a:endParaRPr>
           </a:p>
           <a:p>
-            <a:pPr marL="228600" indent="-227160">
+            <a:pPr marL="228600" indent="-226800">
               <a:lnSpc>
                 <a:spcPct val="90000"/>
               </a:lnSpc>
@@ -11087,7 +12708,7 @@
             </a:endParaRPr>
           </a:p>
           <a:p>
-            <a:pPr marL="228600" indent="-227160">
+            <a:pPr marL="228600" indent="-226800">
               <a:lnSpc>
                 <a:spcPct val="90000"/>
               </a:lnSpc>
@@ -11115,7 +12736,7 @@
             </a:endParaRPr>
           </a:p>
           <a:p>
-            <a:pPr marL="228600" indent="-227160">
+            <a:pPr marL="228600" indent="-226800">
               <a:lnSpc>
                 <a:spcPct val="90000"/>
               </a:lnSpc>
@@ -11143,7 +12764,7 @@
             </a:endParaRPr>
           </a:p>
           <a:p>
-            <a:pPr marL="228600" indent="-227160">
+            <a:pPr marL="228600" indent="-226800">
               <a:lnSpc>
                 <a:spcPct val="90000"/>
               </a:lnSpc>
@@ -11171,7 +12792,7 @@
             </a:endParaRPr>
           </a:p>
           <a:p>
-            <a:pPr marL="228600" indent="-227160">
+            <a:pPr marL="228600" indent="-226800">
               <a:lnSpc>
                 <a:spcPct val="90000"/>
               </a:lnSpc>
@@ -11199,7 +12820,7 @@
             </a:endParaRPr>
           </a:p>
           <a:p>
-            <a:pPr marL="228600" indent="-227160">
+            <a:pPr marL="228600" indent="-226800">
               <a:lnSpc>
                 <a:spcPct val="90000"/>
               </a:lnSpc>
@@ -11227,7 +12848,7 @@
             </a:endParaRPr>
           </a:p>
           <a:p>
-            <a:pPr marL="228600" indent="-227160">
+            <a:pPr marL="228600" indent="-226800">
               <a:lnSpc>
                 <a:spcPct val="90000"/>
               </a:lnSpc>
@@ -11346,14 +12967,14 @@
       </p:grpSpPr>
       <p:sp>
         <p:nvSpPr>
-          <p:cNvPr id="267" name="CustomShape 1"/>
+          <p:cNvPr id="305" name="CustomShape 1"/>
           <p:cNvSpPr/>
           <p:nvPr/>
         </p:nvSpPr>
         <p:spPr>
           <a:xfrm>
             <a:off x="838080" y="365040"/>
-            <a:ext cx="10514160" cy="1324080"/>
+            <a:ext cx="10513800" cy="1323720"/>
           </a:xfrm>
           <a:prstGeom prst="rect">
             <a:avLst/>
@@ -11395,14 +13016,14 @@
       </p:sp>
       <p:sp>
         <p:nvSpPr>
-          <p:cNvPr id="268" name="CustomShape 2"/>
+          <p:cNvPr id="306" name="CustomShape 2"/>
           <p:cNvSpPr/>
           <p:nvPr/>
         </p:nvSpPr>
         <p:spPr>
           <a:xfrm>
             <a:off x="838080" y="1825560"/>
-            <a:ext cx="10514160" cy="4349880"/>
+            <a:ext cx="10513800" cy="4349520"/>
           </a:xfrm>
           <a:prstGeom prst="rect">
             <a:avLst/>
@@ -11421,7 +13042,7 @@
       </p:sp>
       <p:pic>
         <p:nvPicPr>
-          <p:cNvPr id="269" name="Picture 3" descr=""/>
+          <p:cNvPr id="307" name="Picture 3" descr=""/>
           <p:cNvPicPr/>
           <p:nvPr/>
         </p:nvPicPr>
@@ -11432,7 +13053,7 @@
         <p:spPr>
           <a:xfrm>
             <a:off x="2123280" y="2587680"/>
-            <a:ext cx="8865000" cy="2391840"/>
+            <a:ext cx="8864640" cy="2391480"/>
           </a:xfrm>
           <a:prstGeom prst="rect">
             <a:avLst/>
@@ -11493,14 +13114,14 @@
       </p:grpSpPr>
       <p:sp>
         <p:nvSpPr>
-          <p:cNvPr id="270" name="CustomShape 1"/>
+          <p:cNvPr id="308" name="CustomShape 1"/>
           <p:cNvSpPr/>
           <p:nvPr/>
         </p:nvSpPr>
         <p:spPr>
           <a:xfrm>
             <a:off x="838080" y="365040"/>
-            <a:ext cx="10514160" cy="1324080"/>
+            <a:ext cx="10513800" cy="1323720"/>
           </a:xfrm>
           <a:prstGeom prst="rect">
             <a:avLst/>
@@ -11542,13 +13163,13 @@
       </p:sp>
       <p:graphicFrame>
         <p:nvGraphicFramePr>
-          <p:cNvPr id="271" name="Table 2"/>
+          <p:cNvPr id="309" name="Table 2"/>
           <p:cNvGraphicFramePr/>
           <p:nvPr/>
         </p:nvGraphicFramePr>
         <p:xfrm>
           <a:off x="838080" y="1690920"/>
-          <a:ext cx="10514880" cy="2665440"/>
+          <a:ext cx="10514880" cy="2665080"/>
         </p:xfrm>
         <a:graphic>
           <a:graphicData uri="http://schemas.openxmlformats.org/drawingml/2006/table">
@@ -12431,7 +14052,7 @@
                   </a:tcPr>
                 </a:tc>
               </a:tr>
-              <a:tr h="380160">
+              <a:tr h="379800">
                 <a:tc>
                   <a:txBody>
                     <a:bodyPr/>
@@ -12564,14 +14185,14 @@
       </p:graphicFrame>
       <p:sp>
         <p:nvSpPr>
-          <p:cNvPr id="272" name="CustomShape 3"/>
+          <p:cNvPr id="310" name="CustomShape 3"/>
           <p:cNvSpPr/>
           <p:nvPr/>
         </p:nvSpPr>
         <p:spPr>
           <a:xfrm>
             <a:off x="838080" y="4695840"/>
-            <a:ext cx="10590480" cy="363600"/>
+            <a:ext cx="10590120" cy="363240"/>
           </a:xfrm>
           <a:prstGeom prst="rect">
             <a:avLst/>
@@ -12662,14 +14283,14 @@
       </p:grpSpPr>
       <p:sp>
         <p:nvSpPr>
-          <p:cNvPr id="273" name="CustomShape 1"/>
+          <p:cNvPr id="311" name="CustomShape 1"/>
           <p:cNvSpPr/>
           <p:nvPr/>
         </p:nvSpPr>
         <p:spPr>
           <a:xfrm>
             <a:off x="838080" y="365040"/>
-            <a:ext cx="10514160" cy="1324080"/>
+            <a:ext cx="10513800" cy="1323720"/>
           </a:xfrm>
           <a:prstGeom prst="rect">
             <a:avLst/>
@@ -12711,7 +14332,7 @@
       </p:sp>
       <p:pic>
         <p:nvPicPr>
-          <p:cNvPr id="274" name="Content Placeholder 3" descr=""/>
+          <p:cNvPr id="312" name="Content Placeholder 3" descr=""/>
           <p:cNvPicPr/>
           <p:nvPr/>
         </p:nvPicPr>
@@ -12722,7 +14343,7 @@
         <p:spPr>
           <a:xfrm>
             <a:off x="838080" y="1506240"/>
-            <a:ext cx="9959760" cy="2804760"/>
+            <a:ext cx="9959400" cy="2804400"/>
           </a:xfrm>
           <a:prstGeom prst="rect">
             <a:avLst/>
@@ -12734,7 +14355,7 @@
       </p:pic>
       <p:pic>
         <p:nvPicPr>
-          <p:cNvPr id="275" name="Picture 4" descr=""/>
+          <p:cNvPr id="313" name="Picture 4" descr=""/>
           <p:cNvPicPr/>
           <p:nvPr/>
         </p:nvPicPr>
@@ -12745,7 +14366,7 @@
         <p:spPr>
           <a:xfrm>
             <a:off x="838080" y="4312440"/>
-            <a:ext cx="9886680" cy="819720"/>
+            <a:ext cx="9886320" cy="819360"/>
           </a:xfrm>
           <a:prstGeom prst="rect">
             <a:avLst/>
@@ -12806,14 +14427,14 @@
       </p:grpSpPr>
       <p:sp>
         <p:nvSpPr>
-          <p:cNvPr id="276" name="CustomShape 1"/>
+          <p:cNvPr id="314" name="CustomShape 1"/>
           <p:cNvSpPr/>
           <p:nvPr/>
         </p:nvSpPr>
         <p:spPr>
           <a:xfrm>
             <a:off x="838080" y="365040"/>
-            <a:ext cx="10514160" cy="1324080"/>
+            <a:ext cx="10513800" cy="1323720"/>
           </a:xfrm>
           <a:prstGeom prst="rect">
             <a:avLst/>
@@ -12832,7 +14453,7 @@
       </p:sp>
       <p:pic>
         <p:nvPicPr>
-          <p:cNvPr id="277" name="Content Placeholder 5" descr=""/>
+          <p:cNvPr id="315" name="Content Placeholder 5" descr=""/>
           <p:cNvPicPr/>
           <p:nvPr/>
         </p:nvPicPr>
@@ -12843,7 +14464,7 @@
         <p:spPr>
           <a:xfrm>
             <a:off x="300240" y="1972800"/>
-            <a:ext cx="11589840" cy="3560400"/>
+            <a:ext cx="11589480" cy="3560040"/>
           </a:xfrm>
           <a:prstGeom prst="rect">
             <a:avLst/>
@@ -12904,14 +14525,14 @@
       </p:grpSpPr>
       <p:sp>
         <p:nvSpPr>
-          <p:cNvPr id="278" name="CustomShape 1"/>
+          <p:cNvPr id="316" name="CustomShape 1"/>
           <p:cNvSpPr/>
           <p:nvPr/>
         </p:nvSpPr>
         <p:spPr>
           <a:xfrm>
             <a:off x="838080" y="365040"/>
-            <a:ext cx="10514160" cy="1324080"/>
+            <a:ext cx="10513800" cy="1323720"/>
           </a:xfrm>
           <a:prstGeom prst="rect">
             <a:avLst/>
@@ -12930,7 +14551,7 @@
       </p:sp>
       <p:pic>
         <p:nvPicPr>
-          <p:cNvPr id="279" name="Content Placeholder 3" descr=""/>
+          <p:cNvPr id="317" name="Content Placeholder 3" descr=""/>
           <p:cNvPicPr/>
           <p:nvPr/>
         </p:nvPicPr>
@@ -12941,7 +14562,7 @@
         <p:spPr>
           <a:xfrm>
             <a:off x="1875960" y="1644120"/>
-            <a:ext cx="8551440" cy="4775760"/>
+            <a:ext cx="8551080" cy="4775400"/>
           </a:xfrm>
           <a:prstGeom prst="rect">
             <a:avLst/>
@@ -13002,14 +14623,14 @@
       </p:grpSpPr>
       <p:sp>
         <p:nvSpPr>
-          <p:cNvPr id="280" name="CustomShape 1"/>
+          <p:cNvPr id="318" name="CustomShape 1"/>
           <p:cNvSpPr/>
           <p:nvPr/>
         </p:nvSpPr>
         <p:spPr>
           <a:xfrm>
             <a:off x="838080" y="365040"/>
-            <a:ext cx="10514160" cy="1324080"/>
+            <a:ext cx="10513800" cy="1323720"/>
           </a:xfrm>
           <a:prstGeom prst="rect">
             <a:avLst/>
@@ -13053,14 +14674,14 @@
       </p:sp>
       <p:sp>
         <p:nvSpPr>
-          <p:cNvPr id="281" name="CustomShape 2"/>
+          <p:cNvPr id="319" name="CustomShape 2"/>
           <p:cNvSpPr/>
           <p:nvPr/>
         </p:nvSpPr>
         <p:spPr>
           <a:xfrm>
             <a:off x="838080" y="1825560"/>
-            <a:ext cx="10514160" cy="4349880"/>
+            <a:ext cx="10513800" cy="4349520"/>
           </a:xfrm>
           <a:prstGeom prst="rect">
             <a:avLst/>
@@ -13079,7 +14700,7 @@
         <p:txBody>
           <a:bodyPr lIns="90000" rIns="90000" tIns="45000" bIns="45000"/>
           <a:p>
-            <a:pPr marL="228600" indent="-227160">
+            <a:pPr marL="228600" indent="-226800">
               <a:lnSpc>
                 <a:spcPct val="90000"/>
               </a:lnSpc>
@@ -13107,7 +14728,7 @@
             </a:endParaRPr>
           </a:p>
           <a:p>
-            <a:pPr marL="228600" indent="-227160">
+            <a:pPr marL="228600" indent="-226800">
               <a:lnSpc>
                 <a:spcPct val="90000"/>
               </a:lnSpc>
@@ -13135,7 +14756,7 @@
             </a:endParaRPr>
           </a:p>
           <a:p>
-            <a:pPr marL="228600" indent="-227160">
+            <a:pPr marL="228600" indent="-226800">
               <a:lnSpc>
                 <a:spcPct val="90000"/>
               </a:lnSpc>
@@ -13163,7 +14784,7 @@
             </a:endParaRPr>
           </a:p>
           <a:p>
-            <a:pPr marL="228600" indent="-227160">
+            <a:pPr marL="228600" indent="-226800">
               <a:lnSpc>
                 <a:spcPct val="90000"/>
               </a:lnSpc>
@@ -13191,7 +14812,7 @@
             </a:endParaRPr>
           </a:p>
           <a:p>
-            <a:pPr marL="228600" indent="-227160">
+            <a:pPr marL="228600" indent="-226800">
               <a:lnSpc>
                 <a:spcPct val="90000"/>
               </a:lnSpc>
@@ -13232,7 +14853,7 @@
             </a:endParaRPr>
           </a:p>
           <a:p>
-            <a:pPr marL="228600" indent="-227160">
+            <a:pPr marL="228600" indent="-226800">
               <a:lnSpc>
                 <a:spcPct val="90000"/>
               </a:lnSpc>
@@ -13338,14 +14959,14 @@
       </p:grpSpPr>
       <p:sp>
         <p:nvSpPr>
-          <p:cNvPr id="236" name="CustomShape 1"/>
+          <p:cNvPr id="274" name="CustomShape 1"/>
           <p:cNvSpPr/>
           <p:nvPr/>
         </p:nvSpPr>
         <p:spPr>
           <a:xfrm>
             <a:off x="838080" y="365040"/>
-            <a:ext cx="10514160" cy="1324080"/>
+            <a:ext cx="10513800" cy="1323720"/>
           </a:xfrm>
           <a:prstGeom prst="rect">
             <a:avLst/>
@@ -13387,14 +15008,14 @@
       </p:sp>
       <p:sp>
         <p:nvSpPr>
-          <p:cNvPr id="237" name="CustomShape 2"/>
+          <p:cNvPr id="275" name="CustomShape 2"/>
           <p:cNvSpPr/>
           <p:nvPr/>
         </p:nvSpPr>
         <p:spPr>
           <a:xfrm>
             <a:off x="838080" y="1825560"/>
-            <a:ext cx="10514160" cy="4349880"/>
+            <a:ext cx="10513800" cy="4349520"/>
           </a:xfrm>
           <a:prstGeom prst="rect">
             <a:avLst/>
@@ -13413,7 +15034,7 @@
         <p:txBody>
           <a:bodyPr lIns="90000" rIns="90000" tIns="45000" bIns="45000"/>
           <a:p>
-            <a:pPr marL="228600" indent="-227160">
+            <a:pPr marL="228600" indent="-226800">
               <a:lnSpc>
                 <a:spcPct val="90000"/>
               </a:lnSpc>
@@ -13441,7 +15062,7 @@
             </a:endParaRPr>
           </a:p>
           <a:p>
-            <a:pPr marL="228600" indent="-227160">
+            <a:pPr marL="228600" indent="-226800">
               <a:lnSpc>
                 <a:spcPct val="90000"/>
               </a:lnSpc>
@@ -13469,7 +15090,7 @@
             </a:endParaRPr>
           </a:p>
           <a:p>
-            <a:pPr marL="228600" indent="-227160">
+            <a:pPr marL="228600" indent="-226800">
               <a:lnSpc>
                 <a:spcPct val="90000"/>
               </a:lnSpc>
@@ -13497,7 +15118,7 @@
             </a:endParaRPr>
           </a:p>
           <a:p>
-            <a:pPr marL="228600" indent="-227160">
+            <a:pPr marL="228600" indent="-226800">
               <a:lnSpc>
                 <a:spcPct val="90000"/>
               </a:lnSpc>
@@ -13525,7 +15146,7 @@
             </a:endParaRPr>
           </a:p>
           <a:p>
-            <a:pPr marL="228600" indent="-227160">
+            <a:pPr marL="228600" indent="-226800">
               <a:lnSpc>
                 <a:spcPct val="90000"/>
               </a:lnSpc>
@@ -13605,14 +15226,14 @@
       </p:grpSpPr>
       <p:sp>
         <p:nvSpPr>
-          <p:cNvPr id="282" name="CustomShape 1"/>
+          <p:cNvPr id="320" name="CustomShape 1"/>
           <p:cNvSpPr/>
           <p:nvPr/>
         </p:nvSpPr>
         <p:spPr>
           <a:xfrm>
             <a:off x="838080" y="365040"/>
-            <a:ext cx="10514160" cy="1324080"/>
+            <a:ext cx="10513800" cy="1323720"/>
           </a:xfrm>
           <a:prstGeom prst="rect">
             <a:avLst/>
@@ -13656,14 +15277,14 @@
       </p:sp>
       <p:sp>
         <p:nvSpPr>
-          <p:cNvPr id="283" name="CustomShape 2"/>
+          <p:cNvPr id="321" name="CustomShape 2"/>
           <p:cNvSpPr/>
           <p:nvPr/>
         </p:nvSpPr>
         <p:spPr>
           <a:xfrm>
             <a:off x="838080" y="1825560"/>
-            <a:ext cx="10514160" cy="4349880"/>
+            <a:ext cx="10513800" cy="4349520"/>
           </a:xfrm>
           <a:prstGeom prst="rect">
             <a:avLst/>
@@ -13682,7 +15303,7 @@
         <p:txBody>
           <a:bodyPr lIns="90000" rIns="90000" tIns="45000" bIns="45000"/>
           <a:p>
-            <a:pPr marL="228600" indent="-227160">
+            <a:pPr marL="228600" indent="-226800">
               <a:lnSpc>
                 <a:spcPct val="90000"/>
               </a:lnSpc>
@@ -13710,7 +15331,7 @@
             </a:endParaRPr>
           </a:p>
           <a:p>
-            <a:pPr marL="228600" indent="-227160">
+            <a:pPr marL="228600" indent="-226800">
               <a:lnSpc>
                 <a:spcPct val="90000"/>
               </a:lnSpc>
@@ -13793,7 +15414,7 @@
       </p:sp>
       <p:graphicFrame>
         <p:nvGraphicFramePr>
-          <p:cNvPr id="284" name="Table 3"/>
+          <p:cNvPr id="322" name="Table 3"/>
           <p:cNvGraphicFramePr/>
           <p:nvPr/>
         </p:nvGraphicFramePr>
@@ -15576,14 +17197,14 @@
       </p:grpSpPr>
       <p:sp>
         <p:nvSpPr>
-          <p:cNvPr id="285" name="CustomShape 1"/>
+          <p:cNvPr id="323" name="CustomShape 1"/>
           <p:cNvSpPr/>
           <p:nvPr/>
         </p:nvSpPr>
         <p:spPr>
           <a:xfrm>
             <a:off x="838080" y="365040"/>
-            <a:ext cx="10514160" cy="1324080"/>
+            <a:ext cx="10513800" cy="1323720"/>
           </a:xfrm>
           <a:prstGeom prst="rect">
             <a:avLst/>
@@ -15628,14 +17249,14 @@
       </p:sp>
       <p:sp>
         <p:nvSpPr>
-          <p:cNvPr id="286" name="CustomShape 2"/>
+          <p:cNvPr id="324" name="CustomShape 2"/>
           <p:cNvSpPr/>
           <p:nvPr/>
         </p:nvSpPr>
         <p:spPr>
           <a:xfrm>
             <a:off x="838080" y="1825560"/>
-            <a:ext cx="10514160" cy="4349880"/>
+            <a:ext cx="10513800" cy="4349520"/>
           </a:xfrm>
           <a:prstGeom prst="rect">
             <a:avLst/>
@@ -15680,7 +17301,7 @@
       </p:sp>
       <p:graphicFrame>
         <p:nvGraphicFramePr>
-          <p:cNvPr id="287" name="Table 3"/>
+          <p:cNvPr id="325" name="Table 3"/>
           <p:cNvGraphicFramePr/>
           <p:nvPr/>
         </p:nvGraphicFramePr>
@@ -17628,14 +19249,14 @@
       </p:grpSpPr>
       <p:sp>
         <p:nvSpPr>
-          <p:cNvPr id="288" name="CustomShape 1"/>
+          <p:cNvPr id="326" name="CustomShape 1"/>
           <p:cNvSpPr/>
           <p:nvPr/>
         </p:nvSpPr>
         <p:spPr>
           <a:xfrm>
             <a:off x="838080" y="365040"/>
-            <a:ext cx="10514160" cy="1324080"/>
+            <a:ext cx="10513800" cy="1323720"/>
           </a:xfrm>
           <a:prstGeom prst="rect">
             <a:avLst/>
@@ -17677,7 +19298,7 @@
       </p:sp>
       <p:pic>
         <p:nvPicPr>
-          <p:cNvPr id="289" name="Content Placeholder 3" descr=""/>
+          <p:cNvPr id="327" name="Content Placeholder 3" descr=""/>
           <p:cNvPicPr/>
           <p:nvPr/>
         </p:nvPicPr>
@@ -17688,7 +19309,7 @@
         <p:spPr>
           <a:xfrm>
             <a:off x="952560" y="1690920"/>
-            <a:ext cx="4587120" cy="4350240"/>
+            <a:ext cx="4586760" cy="4349880"/>
           </a:xfrm>
           <a:prstGeom prst="rect">
             <a:avLst/>
@@ -17700,14 +19321,14 @@
       </p:pic>
       <p:sp>
         <p:nvSpPr>
-          <p:cNvPr id="290" name="CustomShape 2"/>
+          <p:cNvPr id="328" name="CustomShape 2"/>
           <p:cNvSpPr/>
           <p:nvPr/>
         </p:nvSpPr>
         <p:spPr>
           <a:xfrm>
             <a:off x="6294600" y="2004120"/>
-            <a:ext cx="3427560" cy="363600"/>
+            <a:ext cx="3427200" cy="363240"/>
           </a:xfrm>
           <a:prstGeom prst="rect">
             <a:avLst/>
@@ -17749,14 +19370,14 @@
       </p:sp>
       <p:sp>
         <p:nvSpPr>
-          <p:cNvPr id="291" name="CustomShape 3"/>
+          <p:cNvPr id="329" name="CustomShape 3"/>
           <p:cNvSpPr/>
           <p:nvPr/>
         </p:nvSpPr>
         <p:spPr>
           <a:xfrm>
             <a:off x="6296040" y="2564280"/>
-            <a:ext cx="5075280" cy="637920"/>
+            <a:ext cx="5074920" cy="637560"/>
           </a:xfrm>
           <a:prstGeom prst="rect">
             <a:avLst/>
@@ -17847,14 +19468,14 @@
       </p:grpSpPr>
       <p:sp>
         <p:nvSpPr>
-          <p:cNvPr id="292" name="CustomShape 1"/>
+          <p:cNvPr id="330" name="CustomShape 1"/>
           <p:cNvSpPr/>
           <p:nvPr/>
         </p:nvSpPr>
         <p:spPr>
           <a:xfrm>
             <a:off x="838080" y="365040"/>
-            <a:ext cx="10514160" cy="1324080"/>
+            <a:ext cx="10513800" cy="1323720"/>
           </a:xfrm>
           <a:prstGeom prst="rect">
             <a:avLst/>
@@ -17896,14 +19517,14 @@
       </p:sp>
       <p:sp>
         <p:nvSpPr>
-          <p:cNvPr id="293" name="CustomShape 2"/>
+          <p:cNvPr id="331" name="CustomShape 2"/>
           <p:cNvSpPr/>
           <p:nvPr/>
         </p:nvSpPr>
         <p:spPr>
           <a:xfrm>
             <a:off x="838080" y="1825560"/>
-            <a:ext cx="10514160" cy="4349880"/>
+            <a:ext cx="10513800" cy="4349520"/>
           </a:xfrm>
           <a:prstGeom prst="rect">
             <a:avLst/>
@@ -17937,7 +19558,7 @@
             </a:endParaRPr>
           </a:p>
           <a:p>
-            <a:pPr marL="228600" indent="-227160">
+            <a:pPr marL="228600" indent="-226800">
               <a:lnSpc>
                 <a:spcPct val="90000"/>
               </a:lnSpc>
@@ -17975,7 +19596,7 @@
             </a:endParaRPr>
           </a:p>
           <a:p>
-            <a:pPr marL="228600" indent="-227160">
+            <a:pPr marL="228600" indent="-226800">
               <a:lnSpc>
                 <a:spcPct val="90000"/>
               </a:lnSpc>
@@ -18013,7 +19634,7 @@
             </a:endParaRPr>
           </a:p>
           <a:p>
-            <a:pPr marL="228600" indent="-227160">
+            <a:pPr marL="228600" indent="-226800">
               <a:lnSpc>
                 <a:spcPct val="90000"/>
               </a:lnSpc>
@@ -18051,7 +19672,7 @@
             </a:endParaRPr>
           </a:p>
           <a:p>
-            <a:pPr marL="228600" indent="-227160">
+            <a:pPr marL="228600" indent="-226800">
               <a:lnSpc>
                 <a:spcPct val="90000"/>
               </a:lnSpc>
@@ -18089,7 +19710,7 @@
             </a:endParaRPr>
           </a:p>
           <a:p>
-            <a:pPr marL="228600" indent="-227160">
+            <a:pPr marL="228600" indent="-226800">
               <a:lnSpc>
                 <a:spcPct val="90000"/>
               </a:lnSpc>
@@ -18127,7 +19748,7 @@
             </a:endParaRPr>
           </a:p>
           <a:p>
-            <a:pPr marL="228600" indent="-227160">
+            <a:pPr marL="228600" indent="-226800">
               <a:lnSpc>
                 <a:spcPct val="90000"/>
               </a:lnSpc>
@@ -18165,7 +19786,7 @@
             </a:endParaRPr>
           </a:p>
           <a:p>
-            <a:pPr marL="228600" indent="-227160">
+            <a:pPr marL="228600" indent="-226800">
               <a:lnSpc>
                 <a:spcPct val="90000"/>
               </a:lnSpc>
@@ -18203,7 +19824,7 @@
             </a:endParaRPr>
           </a:p>
           <a:p>
-            <a:pPr marL="228600" indent="-227160">
+            <a:pPr marL="228600" indent="-226800">
               <a:lnSpc>
                 <a:spcPct val="90000"/>
               </a:lnSpc>
@@ -18283,14 +19904,14 @@
       </p:grpSpPr>
       <p:sp>
         <p:nvSpPr>
-          <p:cNvPr id="294" name="CustomShape 1"/>
+          <p:cNvPr id="332" name="CustomShape 1"/>
           <p:cNvSpPr/>
           <p:nvPr/>
         </p:nvSpPr>
         <p:spPr>
           <a:xfrm>
             <a:off x="838080" y="365040"/>
-            <a:ext cx="10514160" cy="1324080"/>
+            <a:ext cx="10513800" cy="1323720"/>
           </a:xfrm>
           <a:prstGeom prst="rect">
             <a:avLst/>
@@ -18309,7 +19930,7 @@
       </p:sp>
       <p:pic>
         <p:nvPicPr>
-          <p:cNvPr id="295" name="Content Placeholder 3" descr=""/>
+          <p:cNvPr id="333" name="Content Placeholder 3" descr=""/>
           <p:cNvPicPr/>
           <p:nvPr/>
         </p:nvPicPr>
@@ -18320,7 +19941,7 @@
         <p:spPr>
           <a:xfrm>
             <a:off x="95400" y="2449080"/>
-            <a:ext cx="12266640" cy="2267280"/>
+            <a:ext cx="12266280" cy="2266920"/>
           </a:xfrm>
           <a:prstGeom prst="rect">
             <a:avLst/>
@@ -18381,14 +20002,14 @@
       </p:grpSpPr>
       <p:sp>
         <p:nvSpPr>
-          <p:cNvPr id="296" name="CustomShape 1"/>
+          <p:cNvPr id="334" name="CustomShape 1"/>
           <p:cNvSpPr/>
           <p:nvPr/>
         </p:nvSpPr>
         <p:spPr>
           <a:xfrm>
             <a:off x="838080" y="365040"/>
-            <a:ext cx="10514160" cy="1324080"/>
+            <a:ext cx="10513800" cy="1323720"/>
           </a:xfrm>
           <a:prstGeom prst="rect">
             <a:avLst/>
@@ -18430,14 +20051,14 @@
       </p:sp>
       <p:sp>
         <p:nvSpPr>
-          <p:cNvPr id="297" name="CustomShape 2"/>
+          <p:cNvPr id="335" name="CustomShape 2"/>
           <p:cNvSpPr/>
           <p:nvPr/>
         </p:nvSpPr>
         <p:spPr>
           <a:xfrm>
             <a:off x="838080" y="1825560"/>
-            <a:ext cx="10514160" cy="4349880"/>
+            <a:ext cx="10513800" cy="4349520"/>
           </a:xfrm>
           <a:prstGeom prst="rect">
             <a:avLst/>
@@ -18456,7 +20077,7 @@
         <p:txBody>
           <a:bodyPr lIns="90000" rIns="90000" tIns="45000" bIns="45000"/>
           <a:p>
-            <a:pPr marL="228600" indent="-227160">
+            <a:pPr marL="228600" indent="-226800">
               <a:lnSpc>
                 <a:spcPct val="90000"/>
               </a:lnSpc>
@@ -18484,7 +20105,7 @@
             </a:endParaRPr>
           </a:p>
           <a:p>
-            <a:pPr marL="228600" indent="-227160">
+            <a:pPr marL="228600" indent="-226800">
               <a:lnSpc>
                 <a:spcPct val="90000"/>
               </a:lnSpc>
@@ -18528,7 +20149,7 @@
       </p:sp>
       <p:pic>
         <p:nvPicPr>
-          <p:cNvPr id="298" name="Picture 3" descr=""/>
+          <p:cNvPr id="336" name="Picture 3" descr=""/>
           <p:cNvPicPr/>
           <p:nvPr/>
         </p:nvPicPr>
@@ -18539,7 +20160,7 @@
         <p:spPr>
           <a:xfrm>
             <a:off x="1689120" y="3291840"/>
-            <a:ext cx="8388720" cy="2883960"/>
+            <a:ext cx="8388360" cy="2883600"/>
           </a:xfrm>
           <a:prstGeom prst="rect">
             <a:avLst/>
@@ -18600,14 +20221,14 @@
       </p:grpSpPr>
       <p:sp>
         <p:nvSpPr>
-          <p:cNvPr id="299" name="CustomShape 1"/>
+          <p:cNvPr id="337" name="CustomShape 1"/>
           <p:cNvSpPr/>
           <p:nvPr/>
         </p:nvSpPr>
         <p:spPr>
           <a:xfrm>
             <a:off x="838080" y="365040"/>
-            <a:ext cx="10514160" cy="1324080"/>
+            <a:ext cx="10513800" cy="1323720"/>
           </a:xfrm>
           <a:prstGeom prst="rect">
             <a:avLst/>
@@ -18626,7 +20247,7 @@
       </p:sp>
       <p:pic>
         <p:nvPicPr>
-          <p:cNvPr id="300" name="Content Placeholder 3" descr=""/>
+          <p:cNvPr id="338" name="Content Placeholder 3" descr=""/>
           <p:cNvPicPr/>
           <p:nvPr/>
         </p:nvPicPr>
@@ -18637,7 +20258,7 @@
         <p:spPr>
           <a:xfrm>
             <a:off x="726480" y="2896200"/>
-            <a:ext cx="10625760" cy="2504880"/>
+            <a:ext cx="10625400" cy="2504520"/>
           </a:xfrm>
           <a:prstGeom prst="rect">
             <a:avLst/>
@@ -18698,14 +20319,14 @@
       </p:grpSpPr>
       <p:sp>
         <p:nvSpPr>
-          <p:cNvPr id="301" name="CustomShape 1"/>
+          <p:cNvPr id="339" name="CustomShape 1"/>
           <p:cNvSpPr/>
           <p:nvPr/>
         </p:nvSpPr>
         <p:spPr>
           <a:xfrm>
             <a:off x="838080" y="365040"/>
-            <a:ext cx="10514160" cy="1324080"/>
+            <a:ext cx="10513800" cy="1323720"/>
           </a:xfrm>
           <a:prstGeom prst="rect">
             <a:avLst/>
@@ -18724,14 +20345,14 @@
       </p:sp>
       <p:sp>
         <p:nvSpPr>
-          <p:cNvPr id="302" name="CustomShape 2"/>
+          <p:cNvPr id="340" name="CustomShape 2"/>
           <p:cNvSpPr/>
           <p:nvPr/>
         </p:nvSpPr>
         <p:spPr>
           <a:xfrm>
             <a:off x="838080" y="1825560"/>
-            <a:ext cx="10514160" cy="4349880"/>
+            <a:ext cx="10513800" cy="4349520"/>
           </a:xfrm>
           <a:prstGeom prst="rect">
             <a:avLst/>
@@ -18750,7 +20371,7 @@
         <p:txBody>
           <a:bodyPr lIns="90000" rIns="90000" tIns="45000" bIns="45000"/>
           <a:p>
-            <a:pPr marL="228600" indent="-227160">
+            <a:pPr marL="228600" indent="-226800">
               <a:lnSpc>
                 <a:spcPct val="90000"/>
               </a:lnSpc>
@@ -18791,7 +20412,7 @@
             </a:endParaRPr>
           </a:p>
           <a:p>
-            <a:pPr marL="228600" indent="-227160">
+            <a:pPr marL="228600" indent="-226800">
               <a:lnSpc>
                 <a:spcPct val="90000"/>
               </a:lnSpc>
@@ -18871,14 +20492,14 @@
       </p:grpSpPr>
       <p:sp>
         <p:nvSpPr>
-          <p:cNvPr id="303" name="CustomShape 1"/>
+          <p:cNvPr id="341" name="CustomShape 1"/>
           <p:cNvSpPr/>
           <p:nvPr/>
         </p:nvSpPr>
         <p:spPr>
           <a:xfrm>
             <a:off x="838080" y="365040"/>
-            <a:ext cx="10514160" cy="1324080"/>
+            <a:ext cx="10513800" cy="1323720"/>
           </a:xfrm>
           <a:prstGeom prst="rect">
             <a:avLst/>
@@ -18897,14 +20518,14 @@
       </p:sp>
       <p:sp>
         <p:nvSpPr>
-          <p:cNvPr id="304" name="CustomShape 2"/>
+          <p:cNvPr id="342" name="CustomShape 2"/>
           <p:cNvSpPr/>
           <p:nvPr/>
         </p:nvSpPr>
         <p:spPr>
           <a:xfrm>
             <a:off x="838080" y="1825560"/>
-            <a:ext cx="10514160" cy="4349880"/>
+            <a:ext cx="10513800" cy="4349520"/>
           </a:xfrm>
           <a:prstGeom prst="rect">
             <a:avLst/>
@@ -18923,7 +20544,7 @@
         <p:txBody>
           <a:bodyPr lIns="90000" rIns="90000" tIns="45000" bIns="45000"/>
           <a:p>
-            <a:pPr marL="228600" indent="-227160">
+            <a:pPr marL="228600" indent="-226800">
               <a:lnSpc>
                 <a:spcPct val="90000"/>
               </a:lnSpc>
@@ -18951,7 +20572,7 @@
             </a:endParaRPr>
           </a:p>
           <a:p>
-            <a:pPr marL="228600" indent="-227160">
+            <a:pPr marL="228600" indent="-226800">
               <a:lnSpc>
                 <a:spcPct val="90000"/>
               </a:lnSpc>
@@ -18979,7 +20600,7 @@
             </a:endParaRPr>
           </a:p>
           <a:p>
-            <a:pPr marL="228600" indent="-227160">
+            <a:pPr marL="228600" indent="-226800">
               <a:lnSpc>
                 <a:spcPct val="90000"/>
               </a:lnSpc>
@@ -19007,7 +20628,7 @@
             </a:endParaRPr>
           </a:p>
           <a:p>
-            <a:pPr marL="228600" indent="-227160">
+            <a:pPr marL="228600" indent="-226800">
               <a:lnSpc>
                 <a:spcPct val="90000"/>
               </a:lnSpc>
@@ -19087,14 +20708,14 @@
       </p:grpSpPr>
       <p:sp>
         <p:nvSpPr>
-          <p:cNvPr id="305" name="CustomShape 1"/>
+          <p:cNvPr id="343" name="CustomShape 1"/>
           <p:cNvSpPr/>
           <p:nvPr/>
         </p:nvSpPr>
         <p:spPr>
           <a:xfrm>
             <a:off x="838080" y="365040"/>
-            <a:ext cx="10513440" cy="1323360"/>
+            <a:ext cx="10513080" cy="1323000"/>
           </a:xfrm>
           <a:prstGeom prst="rect">
             <a:avLst/>
@@ -19113,14 +20734,14 @@
       </p:sp>
       <p:sp>
         <p:nvSpPr>
-          <p:cNvPr id="306" name="CustomShape 2"/>
+          <p:cNvPr id="344" name="CustomShape 2"/>
           <p:cNvSpPr/>
           <p:nvPr/>
         </p:nvSpPr>
         <p:spPr>
           <a:xfrm>
             <a:off x="965160" y="490680"/>
-            <a:ext cx="10513440" cy="4349160"/>
+            <a:ext cx="10513080" cy="4348800"/>
           </a:xfrm>
           <a:prstGeom prst="rect">
             <a:avLst/>
@@ -19141,7 +20762,7 @@
             <a:normAutofit/>
           </a:bodyPr>
           <a:p>
-            <a:pPr marL="431640" indent="-322560">
+            <a:pPr marL="431640" indent="-322200">
               <a:lnSpc>
                 <a:spcPct val="100000"/>
               </a:lnSpc>
@@ -19170,7 +20791,7 @@
             </a:endParaRPr>
           </a:p>
           <a:p>
-            <a:pPr lvl="1" marL="864360" indent="-322560">
+            <a:pPr lvl="1" marL="864360" indent="-322200">
               <a:lnSpc>
                 <a:spcPct val="100000"/>
               </a:lnSpc>
@@ -19198,7 +20819,7 @@
             </a:endParaRPr>
           </a:p>
           <a:p>
-            <a:pPr lvl="4" marL="2160360" indent="-214560">
+            <a:pPr lvl="4" marL="2160360" indent="-214200">
               <a:lnSpc>
                 <a:spcPct val="100000"/>
               </a:lnSpc>
@@ -19236,7 +20857,7 @@
             </a:endParaRPr>
           </a:p>
           <a:p>
-            <a:pPr lvl="4" marL="2160360" indent="-214560">
+            <a:pPr lvl="4" marL="2160360" indent="-214200">
               <a:lnSpc>
                 <a:spcPct val="100000"/>
               </a:lnSpc>
@@ -19274,7 +20895,7 @@
             </a:endParaRPr>
           </a:p>
           <a:p>
-            <a:pPr lvl="1" marL="864360" indent="-322560">
+            <a:pPr lvl="1" marL="864360" indent="-322200">
               <a:lnSpc>
                 <a:spcPct val="100000"/>
               </a:lnSpc>
@@ -19302,7 +20923,7 @@
             </a:endParaRPr>
           </a:p>
           <a:p>
-            <a:pPr lvl="2" marL="1296000" indent="-286200">
+            <a:pPr lvl="2" marL="1296000" indent="-285840">
               <a:lnSpc>
                 <a:spcPct val="100000"/>
               </a:lnSpc>
@@ -19340,7 +20961,7 @@
             </a:endParaRPr>
           </a:p>
           <a:p>
-            <a:pPr lvl="3" marL="1728000" indent="-214560">
+            <a:pPr lvl="3" marL="1728000" indent="-214200">
               <a:lnSpc>
                 <a:spcPct val="100000"/>
               </a:lnSpc>
@@ -19378,7 +20999,7 @@
             </a:endParaRPr>
           </a:p>
           <a:p>
-            <a:pPr lvl="1" marL="864360" indent="-322560">
+            <a:pPr lvl="1" marL="864360" indent="-322200">
               <a:lnSpc>
                 <a:spcPct val="100000"/>
               </a:lnSpc>
@@ -19406,7 +21027,7 @@
             </a:endParaRPr>
           </a:p>
           <a:p>
-            <a:pPr lvl="2" marL="1296000" indent="-286200">
+            <a:pPr lvl="2" marL="1296000" indent="-285840">
               <a:lnSpc>
                 <a:spcPct val="100000"/>
               </a:lnSpc>
@@ -19444,7 +21065,7 @@
             </a:endParaRPr>
           </a:p>
           <a:p>
-            <a:pPr lvl="1" marL="864360" indent="-322560">
+            <a:pPr lvl="1" marL="864360" indent="-322200">
               <a:lnSpc>
                 <a:spcPct val="100000"/>
               </a:lnSpc>
@@ -19472,7 +21093,7 @@
             </a:endParaRPr>
           </a:p>
           <a:p>
-            <a:pPr lvl="1" marL="864360" indent="-322560">
+            <a:pPr lvl="1" marL="864360" indent="-322200">
               <a:lnSpc>
                 <a:spcPct val="100000"/>
               </a:lnSpc>
@@ -19500,7 +21121,7 @@
             </a:endParaRPr>
           </a:p>
           <a:p>
-            <a:pPr lvl="1" marL="864360" indent="-322560">
+            <a:pPr lvl="1" marL="864360" indent="-322200">
               <a:lnSpc>
                 <a:spcPct val="100000"/>
               </a:lnSpc>
@@ -19580,14 +21201,14 @@
       </p:grpSpPr>
       <p:sp>
         <p:nvSpPr>
-          <p:cNvPr id="238" name="CustomShape 1"/>
+          <p:cNvPr id="276" name="CustomShape 1"/>
           <p:cNvSpPr/>
           <p:nvPr/>
         </p:nvSpPr>
         <p:spPr>
           <a:xfrm>
             <a:off x="838080" y="365040"/>
-            <a:ext cx="10514160" cy="1324080"/>
+            <a:ext cx="10513800" cy="1323720"/>
           </a:xfrm>
           <a:prstGeom prst="rect">
             <a:avLst/>
@@ -19629,14 +21250,14 @@
       </p:sp>
       <p:sp>
         <p:nvSpPr>
-          <p:cNvPr id="239" name="CustomShape 2"/>
+          <p:cNvPr id="277" name="CustomShape 2"/>
           <p:cNvSpPr/>
           <p:nvPr/>
         </p:nvSpPr>
         <p:spPr>
           <a:xfrm>
             <a:off x="838080" y="1825560"/>
-            <a:ext cx="10514160" cy="4349880"/>
+            <a:ext cx="10513800" cy="4349520"/>
           </a:xfrm>
           <a:prstGeom prst="rect">
             <a:avLst/>
@@ -19657,7 +21278,7 @@
             <a:normAutofit/>
           </a:bodyPr>
           <a:p>
-            <a:pPr marL="228600" indent="-227160" algn="just">
+            <a:pPr marL="228600" indent="-226800" algn="just">
               <a:lnSpc>
                 <a:spcPct val="90000"/>
               </a:lnSpc>
@@ -19698,7 +21319,7 @@
             </a:endParaRPr>
           </a:p>
           <a:p>
-            <a:pPr marL="228600" indent="-227160" algn="just">
+            <a:pPr marL="228600" indent="-226800" algn="just">
               <a:lnSpc>
                 <a:spcPct val="90000"/>
               </a:lnSpc>
@@ -19739,7 +21360,7 @@
             </a:endParaRPr>
           </a:p>
           <a:p>
-            <a:pPr marL="228600" indent="-227160" algn="just">
+            <a:pPr marL="228600" indent="-226800" algn="just">
               <a:lnSpc>
                 <a:spcPct val="90000"/>
               </a:lnSpc>
@@ -19832,14 +21453,14 @@
       </p:grpSpPr>
       <p:sp>
         <p:nvSpPr>
-          <p:cNvPr id="307" name="CustomShape 1"/>
+          <p:cNvPr id="345" name="CustomShape 1"/>
           <p:cNvSpPr/>
           <p:nvPr/>
         </p:nvSpPr>
         <p:spPr>
           <a:xfrm>
             <a:off x="838080" y="365040"/>
-            <a:ext cx="10513440" cy="1323360"/>
+            <a:ext cx="10513080" cy="1323000"/>
           </a:xfrm>
           <a:prstGeom prst="rect">
             <a:avLst/>
@@ -19858,14 +21479,14 @@
       </p:sp>
       <p:sp>
         <p:nvSpPr>
-          <p:cNvPr id="308" name="CustomShape 2"/>
+          <p:cNvPr id="346" name="CustomShape 2"/>
           <p:cNvSpPr/>
           <p:nvPr/>
         </p:nvSpPr>
         <p:spPr>
           <a:xfrm>
             <a:off x="838080" y="1825560"/>
-            <a:ext cx="10513440" cy="4349160"/>
+            <a:ext cx="10513080" cy="4348800"/>
           </a:xfrm>
           <a:prstGeom prst="rect">
             <a:avLst/>
@@ -19886,7 +21507,7 @@
             <a:normAutofit/>
           </a:bodyPr>
           <a:p>
-            <a:pPr marL="431640" indent="-322560">
+            <a:pPr marL="431640" indent="-322200">
               <a:lnSpc>
                 <a:spcPct val="100000"/>
               </a:lnSpc>
@@ -19915,7 +21536,7 @@
             </a:endParaRPr>
           </a:p>
           <a:p>
-            <a:pPr lvl="1" marL="864360" indent="-322560">
+            <a:pPr lvl="1" marL="864360" indent="-322200">
               <a:lnSpc>
                 <a:spcPct val="100000"/>
               </a:lnSpc>
@@ -19944,7 +21565,7 @@
             </a:endParaRPr>
           </a:p>
           <a:p>
-            <a:pPr lvl="1" marL="864360" indent="-322560">
+            <a:pPr lvl="1" marL="864360" indent="-322200">
               <a:lnSpc>
                 <a:spcPct val="100000"/>
               </a:lnSpc>
@@ -19973,7 +21594,7 @@
             </a:endParaRPr>
           </a:p>
           <a:p>
-            <a:pPr lvl="6" marL="3024000" indent="-214560">
+            <a:pPr lvl="6" marL="3024000" indent="-214200">
               <a:lnSpc>
                 <a:spcPct val="100000"/>
               </a:lnSpc>
@@ -20067,14 +21688,14 @@
       </p:grpSpPr>
       <p:sp>
         <p:nvSpPr>
-          <p:cNvPr id="309" name="CustomShape 1"/>
+          <p:cNvPr id="347" name="CustomShape 1"/>
           <p:cNvSpPr/>
           <p:nvPr/>
         </p:nvSpPr>
         <p:spPr>
           <a:xfrm>
             <a:off x="838080" y="365040"/>
-            <a:ext cx="10513440" cy="1323360"/>
+            <a:ext cx="10513080" cy="1323000"/>
           </a:xfrm>
           <a:prstGeom prst="rect">
             <a:avLst/>
@@ -20093,14 +21714,14 @@
       </p:sp>
       <p:sp>
         <p:nvSpPr>
-          <p:cNvPr id="310" name="CustomShape 2"/>
+          <p:cNvPr id="348" name="CustomShape 2"/>
           <p:cNvSpPr/>
           <p:nvPr/>
         </p:nvSpPr>
         <p:spPr>
           <a:xfrm>
             <a:off x="838080" y="1825560"/>
-            <a:ext cx="10513440" cy="4349160"/>
+            <a:ext cx="10513080" cy="4348800"/>
           </a:xfrm>
           <a:prstGeom prst="rect">
             <a:avLst/>
@@ -20121,7 +21742,7 @@
             <a:normAutofit/>
           </a:bodyPr>
           <a:p>
-            <a:pPr marL="431640" indent="-322560">
+            <a:pPr marL="431640" indent="-322200">
               <a:lnSpc>
                 <a:spcPct val="100000"/>
               </a:lnSpc>
@@ -20150,7 +21771,7 @@
             </a:endParaRPr>
           </a:p>
           <a:p>
-            <a:pPr lvl="1" marL="864360" indent="-322560">
+            <a:pPr lvl="1" marL="864360" indent="-322200">
               <a:lnSpc>
                 <a:spcPct val="100000"/>
               </a:lnSpc>
@@ -20179,7 +21800,7 @@
             </a:endParaRPr>
           </a:p>
           <a:p>
-            <a:pPr lvl="1" marL="864360" indent="-322560">
+            <a:pPr lvl="1" marL="864360" indent="-322200">
               <a:lnSpc>
                 <a:spcPct val="100000"/>
               </a:lnSpc>
@@ -20208,7 +21829,7 @@
             </a:endParaRPr>
           </a:p>
           <a:p>
-            <a:pPr lvl="1" marL="864360" indent="-322560">
+            <a:pPr lvl="1" marL="864360" indent="-322200">
               <a:lnSpc>
                 <a:spcPct val="100000"/>
               </a:lnSpc>
@@ -20237,7 +21858,7 @@
             </a:endParaRPr>
           </a:p>
           <a:p>
-            <a:pPr lvl="1" marL="864360" indent="-322560">
+            <a:pPr lvl="1" marL="864360" indent="-322200">
               <a:lnSpc>
                 <a:spcPct val="100000"/>
               </a:lnSpc>
@@ -20266,7 +21887,7 @@
             </a:endParaRPr>
           </a:p>
           <a:p>
-            <a:pPr lvl="1" marL="864360" indent="-322560">
+            <a:pPr lvl="1" marL="864360" indent="-322200">
               <a:lnSpc>
                 <a:spcPct val="100000"/>
               </a:lnSpc>
@@ -20295,7 +21916,7 @@
             </a:endParaRPr>
           </a:p>
           <a:p>
-            <a:pPr lvl="6" marL="3024000" indent="-214560">
+            <a:pPr lvl="6" marL="3024000" indent="-214200">
               <a:lnSpc>
                 <a:spcPct val="100000"/>
               </a:lnSpc>
@@ -20389,14 +22010,14 @@
       </p:grpSpPr>
       <p:sp>
         <p:nvSpPr>
-          <p:cNvPr id="311" name="CustomShape 1"/>
+          <p:cNvPr id="349" name="CustomShape 1"/>
           <p:cNvSpPr/>
           <p:nvPr/>
         </p:nvSpPr>
         <p:spPr>
           <a:xfrm>
             <a:off x="838080" y="365040"/>
-            <a:ext cx="10513440" cy="1323360"/>
+            <a:ext cx="10513080" cy="1323000"/>
           </a:xfrm>
           <a:prstGeom prst="rect">
             <a:avLst/>
@@ -20415,14 +22036,14 @@
       </p:sp>
       <p:sp>
         <p:nvSpPr>
-          <p:cNvPr id="312" name="CustomShape 2"/>
+          <p:cNvPr id="350" name="CustomShape 2"/>
           <p:cNvSpPr/>
           <p:nvPr/>
         </p:nvSpPr>
         <p:spPr>
           <a:xfrm>
             <a:off x="838080" y="1825560"/>
-            <a:ext cx="10513440" cy="4349160"/>
+            <a:ext cx="10513080" cy="4348800"/>
           </a:xfrm>
           <a:prstGeom prst="rect">
             <a:avLst/>
@@ -20443,7 +22064,7 @@
             <a:normAutofit/>
           </a:bodyPr>
           <a:p>
-            <a:pPr marL="431640" indent="-322560">
+            <a:pPr marL="431640" indent="-322200">
               <a:lnSpc>
                 <a:spcPct val="100000"/>
               </a:lnSpc>
@@ -20472,7 +22093,7 @@
             </a:endParaRPr>
           </a:p>
           <a:p>
-            <a:pPr lvl="1" marL="864360" indent="-322560">
+            <a:pPr lvl="1" marL="864360" indent="-322200">
               <a:lnSpc>
                 <a:spcPct val="100000"/>
               </a:lnSpc>
@@ -20501,7 +22122,7 @@
             </a:endParaRPr>
           </a:p>
           <a:p>
-            <a:pPr lvl="1" marL="864360" indent="-322560">
+            <a:pPr lvl="1" marL="864360" indent="-322200">
               <a:lnSpc>
                 <a:spcPct val="100000"/>
               </a:lnSpc>
@@ -20530,7 +22151,7 @@
             </a:endParaRPr>
           </a:p>
           <a:p>
-            <a:pPr lvl="1" marL="864360" indent="-322560">
+            <a:pPr lvl="1" marL="864360" indent="-322200">
               <a:lnSpc>
                 <a:spcPct val="100000"/>
               </a:lnSpc>
@@ -20559,7 +22180,7 @@
             </a:endParaRPr>
           </a:p>
           <a:p>
-            <a:pPr lvl="1" marL="864360" indent="-322560">
+            <a:pPr lvl="1" marL="864360" indent="-322200">
               <a:lnSpc>
                 <a:spcPct val="100000"/>
               </a:lnSpc>
@@ -20588,7 +22209,7 @@
             </a:endParaRPr>
           </a:p>
           <a:p>
-            <a:pPr lvl="1" marL="864360" indent="-322560">
+            <a:pPr lvl="1" marL="864360" indent="-322200">
               <a:lnSpc>
                 <a:spcPct val="100000"/>
               </a:lnSpc>
@@ -20617,7 +22238,7 @@
             </a:endParaRPr>
           </a:p>
           <a:p>
-            <a:pPr lvl="1" marL="864360" indent="-322560">
+            <a:pPr lvl="1" marL="864360" indent="-322200">
               <a:lnSpc>
                 <a:spcPct val="100000"/>
               </a:lnSpc>
@@ -20646,7 +22267,7 @@
             </a:endParaRPr>
           </a:p>
           <a:p>
-            <a:pPr lvl="1" marL="864360" indent="-322560">
+            <a:pPr lvl="1" marL="864360" indent="-322200">
               <a:lnSpc>
                 <a:spcPct val="100000"/>
               </a:lnSpc>
@@ -20740,14 +22361,14 @@
       </p:grpSpPr>
       <p:sp>
         <p:nvSpPr>
-          <p:cNvPr id="313" name="CustomShape 1"/>
+          <p:cNvPr id="351" name="CustomShape 1"/>
           <p:cNvSpPr/>
           <p:nvPr/>
         </p:nvSpPr>
         <p:spPr>
           <a:xfrm>
             <a:off x="838080" y="365040"/>
-            <a:ext cx="10513440" cy="1323360"/>
+            <a:ext cx="10513080" cy="1323000"/>
           </a:xfrm>
           <a:prstGeom prst="rect">
             <a:avLst/>
@@ -20766,14 +22387,14 @@
       </p:sp>
       <p:sp>
         <p:nvSpPr>
-          <p:cNvPr id="314" name="CustomShape 2"/>
+          <p:cNvPr id="352" name="CustomShape 2"/>
           <p:cNvSpPr/>
           <p:nvPr/>
         </p:nvSpPr>
         <p:spPr>
           <a:xfrm>
             <a:off x="838080" y="1825560"/>
-            <a:ext cx="10513440" cy="4349160"/>
+            <a:ext cx="10513080" cy="4348800"/>
           </a:xfrm>
           <a:prstGeom prst="rect">
             <a:avLst/>
@@ -20794,7 +22415,7 @@
             <a:normAutofit/>
           </a:bodyPr>
           <a:p>
-            <a:pPr marL="431640" indent="-322560">
+            <a:pPr marL="431640" indent="-322200">
               <a:lnSpc>
                 <a:spcPct val="100000"/>
               </a:lnSpc>
@@ -20823,7 +22444,7 @@
             </a:endParaRPr>
           </a:p>
           <a:p>
-            <a:pPr lvl="1" marL="864360" indent="-322560">
+            <a:pPr lvl="1" marL="864360" indent="-322200">
               <a:lnSpc>
                 <a:spcPct val="100000"/>
               </a:lnSpc>
@@ -20851,7 +22472,7 @@
             </a:endParaRPr>
           </a:p>
           <a:p>
-            <a:pPr lvl="1" marL="864360" indent="-322560">
+            <a:pPr lvl="1" marL="864360" indent="-322200">
               <a:lnSpc>
                 <a:spcPct val="100000"/>
               </a:lnSpc>
@@ -20879,7 +22500,7 @@
             </a:endParaRPr>
           </a:p>
           <a:p>
-            <a:pPr lvl="1" marL="864360" indent="-322560">
+            <a:pPr lvl="1" marL="864360" indent="-322200">
               <a:lnSpc>
                 <a:spcPct val="100000"/>
               </a:lnSpc>
@@ -20907,7 +22528,7 @@
             </a:endParaRPr>
           </a:p>
           <a:p>
-            <a:pPr lvl="1" marL="864360" indent="-322560">
+            <a:pPr lvl="1" marL="864360" indent="-322200">
               <a:lnSpc>
                 <a:spcPct val="100000"/>
               </a:lnSpc>
@@ -20935,7 +22556,7 @@
             </a:endParaRPr>
           </a:p>
           <a:p>
-            <a:pPr lvl="1" marL="864360" indent="-322560">
+            <a:pPr lvl="1" marL="864360" indent="-322200">
               <a:lnSpc>
                 <a:spcPct val="100000"/>
               </a:lnSpc>
@@ -21028,14 +22649,14 @@
       </p:grpSpPr>
       <p:sp>
         <p:nvSpPr>
-          <p:cNvPr id="315" name="CustomShape 1"/>
+          <p:cNvPr id="353" name="CustomShape 1"/>
           <p:cNvSpPr/>
           <p:nvPr/>
         </p:nvSpPr>
         <p:spPr>
           <a:xfrm>
             <a:off x="838080" y="365040"/>
-            <a:ext cx="10514160" cy="1324080"/>
+            <a:ext cx="10513800" cy="1323720"/>
           </a:xfrm>
           <a:prstGeom prst="rect">
             <a:avLst/>
@@ -21054,14 +22675,14 @@
       </p:sp>
       <p:sp>
         <p:nvSpPr>
-          <p:cNvPr id="316" name="CustomShape 2"/>
+          <p:cNvPr id="354" name="CustomShape 2"/>
           <p:cNvSpPr/>
           <p:nvPr/>
         </p:nvSpPr>
         <p:spPr>
           <a:xfrm>
             <a:off x="838080" y="1825560"/>
-            <a:ext cx="10514160" cy="4349880"/>
+            <a:ext cx="10513800" cy="4349520"/>
           </a:xfrm>
           <a:prstGeom prst="rect">
             <a:avLst/>
@@ -21080,7 +22701,7 @@
         <p:txBody>
           <a:bodyPr lIns="90000" rIns="90000" tIns="45000" bIns="45000"/>
           <a:p>
-            <a:pPr marL="228600" indent="-227160">
+            <a:pPr marL="228600" indent="-226800">
               <a:lnSpc>
                 <a:spcPct val="90000"/>
               </a:lnSpc>
@@ -21108,7 +22729,7 @@
             </a:endParaRPr>
           </a:p>
           <a:p>
-            <a:pPr marL="228600" indent="-227160">
+            <a:pPr marL="228600" indent="-226800">
               <a:lnSpc>
                 <a:spcPct val="90000"/>
               </a:lnSpc>
@@ -21136,7 +22757,7 @@
             </a:endParaRPr>
           </a:p>
           <a:p>
-            <a:pPr marL="228600" indent="-227160">
+            <a:pPr marL="228600" indent="-226800">
               <a:lnSpc>
                 <a:spcPct val="90000"/>
               </a:lnSpc>
@@ -21164,7 +22785,7 @@
             </a:endParaRPr>
           </a:p>
           <a:p>
-            <a:pPr lvl="1" marL="685800" indent="-227160">
+            <a:pPr lvl="1" marL="685800" indent="-226800">
               <a:lnSpc>
                 <a:spcPct val="90000"/>
               </a:lnSpc>
@@ -21192,7 +22813,7 @@
             </a:endParaRPr>
           </a:p>
           <a:p>
-            <a:pPr lvl="1" marL="685800" indent="-227160">
+            <a:pPr lvl="1" marL="685800" indent="-226800">
               <a:lnSpc>
                 <a:spcPct val="90000"/>
               </a:lnSpc>
@@ -21272,14 +22893,14 @@
       </p:grpSpPr>
       <p:sp>
         <p:nvSpPr>
-          <p:cNvPr id="317" name="TextShape 1"/>
-          <p:cNvSpPr txBox="1"/>
+          <p:cNvPr id="355" name="CustomShape 1"/>
+          <p:cNvSpPr/>
           <p:nvPr/>
         </p:nvSpPr>
         <p:spPr>
           <a:xfrm>
             <a:off x="609480" y="273600"/>
-            <a:ext cx="10972440" cy="1144800"/>
+            <a:ext cx="10972080" cy="1144440"/>
           </a:xfrm>
           <a:prstGeom prst="rect">
             <a:avLst/>
@@ -21289,10 +22910,20 @@
             <a:noFill/>
           </a:ln>
         </p:spPr>
+        <p:style>
+          <a:lnRef idx="0"/>
+          <a:fillRef idx="0"/>
+          <a:effectRef idx="0"/>
+          <a:fontRef idx="minor"/>
+        </p:style>
         <p:txBody>
           <a:bodyPr lIns="0" rIns="0" tIns="0" bIns="0" anchor="ctr"/>
           <a:p>
-            <a:pPr algn="ctr"/>
+            <a:pPr algn="ctr">
+              <a:lnSpc>
+                <a:spcPct val="100000"/>
+              </a:lnSpc>
+            </a:pPr>
             <a:r>
               <a:rPr b="0" lang="en-US" sz="4400" spc="-1" strike="noStrike">
                 <a:latin typeface="Arial"/>
@@ -21307,14 +22938,14 @@
       </p:sp>
       <p:sp>
         <p:nvSpPr>
-          <p:cNvPr id="318" name="TextShape 2"/>
-          <p:cNvSpPr txBox="1"/>
+          <p:cNvPr id="356" name="CustomShape 2"/>
+          <p:cNvSpPr/>
           <p:nvPr/>
         </p:nvSpPr>
         <p:spPr>
           <a:xfrm>
             <a:off x="609480" y="1604520"/>
-            <a:ext cx="10972440" cy="3977280"/>
+            <a:ext cx="10972080" cy="3976920"/>
           </a:xfrm>
           <a:prstGeom prst="rect">
             <a:avLst/>
@@ -21324,12 +22955,21 @@
             <a:noFill/>
           </a:ln>
         </p:spPr>
+        <p:style>
+          <a:lnRef idx="0"/>
+          <a:fillRef idx="0"/>
+          <a:effectRef idx="0"/>
+          <a:fontRef idx="minor"/>
+        </p:style>
         <p:txBody>
           <a:bodyPr lIns="0" rIns="0" tIns="0" bIns="0">
             <a:normAutofit/>
           </a:bodyPr>
           <a:p>
-            <a:pPr marL="432000" indent="-324000">
+            <a:pPr marL="432000" indent="-323640">
+              <a:lnSpc>
+                <a:spcPct val="100000"/>
+              </a:lnSpc>
               <a:spcBef>
                 <a:spcPts val="1417"/>
               </a:spcBef>
@@ -21351,7 +22991,10 @@
             </a:endParaRPr>
           </a:p>
           <a:p>
-            <a:pPr marL="432000" indent="-324000">
+            <a:pPr marL="432000" indent="-323640">
+              <a:lnSpc>
+                <a:spcPct val="100000"/>
+              </a:lnSpc>
               <a:spcBef>
                 <a:spcPts val="1417"/>
               </a:spcBef>
@@ -21373,7 +23016,10 @@
             </a:endParaRPr>
           </a:p>
           <a:p>
-            <a:pPr marL="432000" indent="-324000">
+            <a:pPr marL="432000" indent="-323640">
+              <a:lnSpc>
+                <a:spcPct val="100000"/>
+              </a:lnSpc>
               <a:spcBef>
                 <a:spcPts val="1417"/>
               </a:spcBef>
@@ -21395,7 +23041,10 @@
             </a:endParaRPr>
           </a:p>
           <a:p>
-            <a:pPr marL="432000" indent="-324000">
+            <a:pPr marL="432000" indent="-323640">
+              <a:lnSpc>
+                <a:spcPct val="100000"/>
+              </a:lnSpc>
               <a:spcBef>
                 <a:spcPts val="1417"/>
               </a:spcBef>
@@ -21469,14 +23118,14 @@
       </p:grpSpPr>
       <p:sp>
         <p:nvSpPr>
-          <p:cNvPr id="319" name="CustomShape 1"/>
+          <p:cNvPr id="357" name="CustomShape 1"/>
           <p:cNvSpPr/>
           <p:nvPr/>
         </p:nvSpPr>
         <p:spPr>
           <a:xfrm>
             <a:off x="609480" y="273600"/>
-            <a:ext cx="10972080" cy="1144440"/>
+            <a:ext cx="10971720" cy="1144080"/>
           </a:xfrm>
           <a:prstGeom prst="rect">
             <a:avLst/>
@@ -21502,7 +23151,11 @@
             </a:pPr>
             <a:r>
               <a:rPr b="0" lang="en-US" sz="4400" spc="-1" strike="noStrike">
+                <a:solidFill>
+                  <a:srgbClr val="000000"/>
+                </a:solidFill>
                 <a:latin typeface="Arial"/>
+                <a:ea typeface="DejaVu Sans"/>
               </a:rPr>
               <a:t>Rule</a:t>
             </a:r>
@@ -21514,13 +23167,13 @@
       </p:sp>
       <p:graphicFrame>
         <p:nvGraphicFramePr>
-          <p:cNvPr id="320" name="Table 2"/>
+          <p:cNvPr id="358" name="Table 2"/>
           <p:cNvGraphicFramePr/>
           <p:nvPr/>
         </p:nvGraphicFramePr>
         <p:xfrm>
           <a:off x="609480" y="1604520"/>
-          <a:ext cx="10972080" cy="3372840"/>
+          <a:ext cx="10972080" cy="3477240"/>
         </p:xfrm>
         <a:graphic>
           <a:graphicData uri="http://schemas.openxmlformats.org/drawingml/2006/table">
@@ -22525,14 +24178,14 @@
       </p:grpSpPr>
       <p:sp>
         <p:nvSpPr>
-          <p:cNvPr id="321" name="CustomShape 1"/>
+          <p:cNvPr id="359" name="CustomShape 1"/>
           <p:cNvSpPr/>
           <p:nvPr/>
         </p:nvSpPr>
         <p:spPr>
           <a:xfrm>
             <a:off x="609480" y="273600"/>
-            <a:ext cx="10972080" cy="1144440"/>
+            <a:ext cx="10971720" cy="1144080"/>
           </a:xfrm>
           <a:prstGeom prst="rect">
             <a:avLst/>
@@ -22551,14 +24204,14 @@
       </p:sp>
       <p:sp>
         <p:nvSpPr>
-          <p:cNvPr id="322" name="CustomShape 2"/>
+          <p:cNvPr id="360" name="CustomShape 2"/>
           <p:cNvSpPr/>
           <p:nvPr/>
         </p:nvSpPr>
         <p:spPr>
           <a:xfrm>
             <a:off x="609480" y="1604520"/>
-            <a:ext cx="10972080" cy="3976920"/>
+            <a:ext cx="10971720" cy="3976560"/>
           </a:xfrm>
           <a:prstGeom prst="rect">
             <a:avLst/>
@@ -22579,7 +24232,7 @@
             <a:normAutofit/>
           </a:bodyPr>
           <a:p>
-            <a:pPr marL="432000" indent="-323640">
+            <a:pPr marL="432000" indent="-323280">
               <a:lnSpc>
                 <a:spcPct val="100000"/>
               </a:lnSpc>
@@ -22595,7 +24248,11 @@
             </a:pPr>
             <a:r>
               <a:rPr b="0" lang="en-US" sz="3200" spc="-1" strike="noStrike">
+                <a:solidFill>
+                  <a:srgbClr val="000000"/>
+                </a:solidFill>
                 <a:latin typeface="Arial"/>
+                <a:ea typeface="DejaVu Sans"/>
               </a:rPr>
               <a:t>Limit</a:t>
             </a:r>
@@ -22604,7 +24261,7 @@
             </a:endParaRPr>
           </a:p>
           <a:p>
-            <a:pPr lvl="1" marL="864000" indent="-323640">
+            <a:pPr lvl="1" marL="864000" indent="-323280">
               <a:lnSpc>
                 <a:spcPct val="100000"/>
               </a:lnSpc>
@@ -22620,7 +24277,11 @@
             </a:pPr>
             <a:r>
               <a:rPr b="0" lang="en-US" sz="2800" spc="-1" strike="noStrike">
+                <a:solidFill>
+                  <a:srgbClr val="000000"/>
+                </a:solidFill>
                 <a:latin typeface="Arial"/>
+                <a:ea typeface="DejaVu Sans"/>
               </a:rPr>
               <a:t>No vocabulary for name person, landmark, landscape …</a:t>
             </a:r>
@@ -22629,7 +24290,7 @@
             </a:endParaRPr>
           </a:p>
           <a:p>
-            <a:pPr lvl="1" marL="864000" indent="-323640">
+            <a:pPr lvl="1" marL="864000" indent="-323280">
               <a:lnSpc>
                 <a:spcPct val="100000"/>
               </a:lnSpc>
@@ -22645,7 +24306,11 @@
             </a:pPr>
             <a:r>
               <a:rPr b="0" lang="en-US" sz="2800" spc="-1" strike="noStrike">
+                <a:solidFill>
+                  <a:srgbClr val="000000"/>
+                </a:solidFill>
                 <a:latin typeface="Arial"/>
+                <a:ea typeface="DejaVu Sans"/>
               </a:rPr>
               <a:t>With a word that usually has an erorr.</a:t>
             </a:r>
@@ -22654,7 +24319,7 @@
             </a:endParaRPr>
           </a:p>
           <a:p>
-            <a:pPr lvl="1" marL="864000" indent="-323640">
+            <a:pPr lvl="1" marL="864000" indent="-323280">
               <a:lnSpc>
                 <a:spcPct val="100000"/>
               </a:lnSpc>
@@ -22670,7 +24335,11 @@
             </a:pPr>
             <a:r>
               <a:rPr b="0" lang="en-US" sz="2800" spc="-1" strike="noStrike">
+                <a:solidFill>
+                  <a:srgbClr val="000000"/>
+                </a:solidFill>
                 <a:latin typeface="Arial"/>
+                <a:ea typeface="DejaVu Sans"/>
               </a:rPr>
               <a:t>Ther are many issues such as abbreviations, teencode… that have not been processed.</a:t>
             </a:r>
@@ -22679,7 +24348,7 @@
             </a:endParaRPr>
           </a:p>
           <a:p>
-            <a:pPr lvl="1" marL="864000" indent="-323640">
+            <a:pPr lvl="1" marL="864000" indent="-323280">
               <a:lnSpc>
                 <a:spcPct val="100000"/>
               </a:lnSpc>
@@ -22695,7 +24364,11 @@
             </a:pPr>
             <a:r>
               <a:rPr b="0" lang="en-US" sz="2800" spc="-1" strike="noStrike">
+                <a:solidFill>
+                  <a:srgbClr val="000000"/>
+                </a:solidFill>
                 <a:latin typeface="Arial"/>
+                <a:ea typeface="DejaVu Sans"/>
               </a:rPr>
               <a:t> </a:t>
             </a:r>
@@ -22756,7 +24429,7 @@
       </p:grpSpPr>
       <p:graphicFrame>
         <p:nvGraphicFramePr>
-          <p:cNvPr id="323" name="Table 1"/>
+          <p:cNvPr id="361" name="Table 1"/>
           <p:cNvGraphicFramePr/>
           <p:nvPr/>
         </p:nvGraphicFramePr>
@@ -23908,7 +25581,7 @@
       </p:graphicFrame>
       <p:graphicFrame>
         <p:nvGraphicFramePr>
-          <p:cNvPr id="324" name="Table 2"/>
+          <p:cNvPr id="362" name="Table 2"/>
           <p:cNvGraphicFramePr/>
           <p:nvPr/>
         </p:nvGraphicFramePr>
@@ -24747,14 +26420,14 @@
       </p:graphicFrame>
       <p:sp>
         <p:nvSpPr>
-          <p:cNvPr id="325" name="CustomShape 3"/>
+          <p:cNvPr id="363" name="CustomShape 3"/>
           <p:cNvSpPr/>
           <p:nvPr/>
         </p:nvSpPr>
         <p:spPr>
           <a:xfrm>
             <a:off x="838080" y="365040"/>
-            <a:ext cx="10514160" cy="1324080"/>
+            <a:ext cx="10513800" cy="1323720"/>
           </a:xfrm>
           <a:prstGeom prst="rect">
             <a:avLst/>
@@ -24773,7 +26446,7 @@
       </p:sp>
       <p:graphicFrame>
         <p:nvGraphicFramePr>
-          <p:cNvPr id="326" name="Table 4"/>
+          <p:cNvPr id="364" name="Table 4"/>
           <p:cNvGraphicFramePr/>
           <p:nvPr/>
         </p:nvGraphicFramePr>
@@ -25505,14 +27178,14 @@
       </p:grpSpPr>
       <p:sp>
         <p:nvSpPr>
-          <p:cNvPr id="327" name="CustomShape 1"/>
+          <p:cNvPr id="365" name="CustomShape 1"/>
           <p:cNvSpPr/>
           <p:nvPr/>
         </p:nvSpPr>
         <p:spPr>
           <a:xfrm>
             <a:off x="838080" y="365040"/>
-            <a:ext cx="10514160" cy="1324080"/>
+            <a:ext cx="10513800" cy="1323720"/>
           </a:xfrm>
           <a:prstGeom prst="rect">
             <a:avLst/>
@@ -25531,14 +27204,14 @@
       </p:sp>
       <p:sp>
         <p:nvSpPr>
-          <p:cNvPr id="328" name="CustomShape 2"/>
+          <p:cNvPr id="366" name="CustomShape 2"/>
           <p:cNvSpPr/>
           <p:nvPr/>
         </p:nvSpPr>
         <p:spPr>
           <a:xfrm>
             <a:off x="838080" y="1825560"/>
-            <a:ext cx="10514160" cy="4349880"/>
+            <a:ext cx="10513800" cy="4349520"/>
           </a:xfrm>
           <a:prstGeom prst="rect">
             <a:avLst/>
@@ -25559,7 +27232,7 @@
             <a:normAutofit/>
           </a:bodyPr>
           <a:p>
-            <a:pPr marL="432000" indent="-323280">
+            <a:pPr marL="432000" indent="-322920">
               <a:lnSpc>
                 <a:spcPct val="100000"/>
               </a:lnSpc>
@@ -25588,7 +27261,7 @@
             </a:endParaRPr>
           </a:p>
           <a:p>
-            <a:pPr marL="432000" indent="-323280">
+            <a:pPr marL="432000" indent="-322920">
               <a:lnSpc>
                 <a:spcPct val="100000"/>
               </a:lnSpc>
@@ -25617,7 +27290,7 @@
             </a:endParaRPr>
           </a:p>
           <a:p>
-            <a:pPr marL="432000" indent="-323280">
+            <a:pPr marL="432000" indent="-322920">
               <a:lnSpc>
                 <a:spcPct val="100000"/>
               </a:lnSpc>
@@ -25698,14 +27371,14 @@
       </p:grpSpPr>
       <p:sp>
         <p:nvSpPr>
-          <p:cNvPr id="240" name="CustomShape 1"/>
+          <p:cNvPr id="278" name="CustomShape 1"/>
           <p:cNvSpPr/>
           <p:nvPr/>
         </p:nvSpPr>
         <p:spPr>
           <a:xfrm>
             <a:off x="838080" y="365040"/>
-            <a:ext cx="10514160" cy="1324080"/>
+            <a:ext cx="10513800" cy="1323720"/>
           </a:xfrm>
           <a:prstGeom prst="rect">
             <a:avLst/>
@@ -25747,14 +27420,14 @@
       </p:sp>
       <p:sp>
         <p:nvSpPr>
-          <p:cNvPr id="241" name="CustomShape 2"/>
+          <p:cNvPr id="279" name="CustomShape 2"/>
           <p:cNvSpPr/>
           <p:nvPr/>
         </p:nvSpPr>
         <p:spPr>
           <a:xfrm>
             <a:off x="838080" y="1825560"/>
-            <a:ext cx="11180880" cy="4350240"/>
+            <a:ext cx="11180520" cy="4349880"/>
           </a:xfrm>
           <a:prstGeom prst="rect">
             <a:avLst/>
@@ -25773,7 +27446,7 @@
         <p:txBody>
           <a:bodyPr lIns="90000" rIns="90000" tIns="45000" bIns="45000"/>
           <a:p>
-            <a:pPr marL="228600" indent="-227160">
+            <a:pPr marL="228600" indent="-226800">
               <a:lnSpc>
                 <a:spcPct val="90000"/>
               </a:lnSpc>
@@ -25811,7 +27484,7 @@
             </a:endParaRPr>
           </a:p>
           <a:p>
-            <a:pPr marL="228600" indent="-227160">
+            <a:pPr marL="228600" indent="-226800">
               <a:lnSpc>
                 <a:spcPct val="90000"/>
               </a:lnSpc>
@@ -25849,7 +27522,7 @@
             </a:endParaRPr>
           </a:p>
           <a:p>
-            <a:pPr marL="228600" indent="-227160">
+            <a:pPr marL="228600" indent="-226800">
               <a:lnSpc>
                 <a:spcPct val="90000"/>
               </a:lnSpc>
@@ -25887,7 +27560,7 @@
             </a:endParaRPr>
           </a:p>
           <a:p>
-            <a:pPr marL="228600" indent="-227160">
+            <a:pPr marL="228600" indent="-226800">
               <a:lnSpc>
                 <a:spcPct val="90000"/>
               </a:lnSpc>
@@ -25925,7 +27598,7 @@
             </a:endParaRPr>
           </a:p>
           <a:p>
-            <a:pPr marL="228600" indent="-227160">
+            <a:pPr marL="228600" indent="-226800">
               <a:lnSpc>
                 <a:spcPct val="90000"/>
               </a:lnSpc>
@@ -25963,7 +27636,7 @@
             </a:endParaRPr>
           </a:p>
           <a:p>
-            <a:pPr marL="228600" indent="-227160">
+            <a:pPr marL="228600" indent="-226800">
               <a:lnSpc>
                 <a:spcPct val="90000"/>
               </a:lnSpc>
@@ -26001,7 +27674,7 @@
             </a:endParaRPr>
           </a:p>
           <a:p>
-            <a:pPr marL="228600" indent="-227160">
+            <a:pPr marL="228600" indent="-226800">
               <a:lnSpc>
                 <a:spcPct val="90000"/>
               </a:lnSpc>
@@ -26042,14 +27715,14 @@
       </p:sp>
       <p:sp>
         <p:nvSpPr>
-          <p:cNvPr id="242" name="CustomShape 3"/>
+          <p:cNvPr id="280" name="CustomShape 3"/>
           <p:cNvSpPr/>
           <p:nvPr/>
         </p:nvSpPr>
         <p:spPr>
           <a:xfrm>
             <a:off x="995040" y="5398920"/>
-            <a:ext cx="10929960" cy="740160"/>
+            <a:ext cx="10929600" cy="739800"/>
           </a:xfrm>
           <a:prstGeom prst="round2DiagRect">
             <a:avLst>
@@ -26150,14 +27823,14 @@
       </p:grpSpPr>
       <p:sp>
         <p:nvSpPr>
-          <p:cNvPr id="243" name="CustomShape 1"/>
+          <p:cNvPr id="281" name="CustomShape 1"/>
           <p:cNvSpPr/>
           <p:nvPr/>
         </p:nvSpPr>
         <p:spPr>
           <a:xfrm>
             <a:off x="838080" y="365040"/>
-            <a:ext cx="10514160" cy="1324080"/>
+            <a:ext cx="10513800" cy="1323720"/>
           </a:xfrm>
           <a:prstGeom prst="rect">
             <a:avLst/>
@@ -26199,14 +27872,14 @@
       </p:sp>
       <p:sp>
         <p:nvSpPr>
-          <p:cNvPr id="244" name="CustomShape 2"/>
+          <p:cNvPr id="282" name="CustomShape 2"/>
           <p:cNvSpPr/>
           <p:nvPr/>
         </p:nvSpPr>
         <p:spPr>
           <a:xfrm>
             <a:off x="838080" y="1825560"/>
-            <a:ext cx="10514160" cy="4349880"/>
+            <a:ext cx="10513800" cy="4349520"/>
           </a:xfrm>
           <a:prstGeom prst="rect">
             <a:avLst/>
@@ -26225,7 +27898,7 @@
         <p:txBody>
           <a:bodyPr lIns="90000" rIns="90000" tIns="45000" bIns="45000"/>
           <a:p>
-            <a:pPr marL="228600" indent="-227160" algn="just">
+            <a:pPr marL="228600" indent="-226800" algn="just">
               <a:lnSpc>
                 <a:spcPct val="90000"/>
               </a:lnSpc>
@@ -26253,7 +27926,7 @@
             </a:endParaRPr>
           </a:p>
           <a:p>
-            <a:pPr marL="228600" indent="-227160" algn="just">
+            <a:pPr marL="228600" indent="-226800" algn="just">
               <a:lnSpc>
                 <a:spcPct val="90000"/>
               </a:lnSpc>
@@ -26281,7 +27954,7 @@
             </a:endParaRPr>
           </a:p>
           <a:p>
-            <a:pPr marL="228600" indent="-227160" algn="just">
+            <a:pPr marL="228600" indent="-226800" algn="just">
               <a:lnSpc>
                 <a:spcPct val="90000"/>
               </a:lnSpc>
@@ -26319,7 +27992,7 @@
             </a:endParaRPr>
           </a:p>
           <a:p>
-            <a:pPr marL="228600" indent="-227160" algn="just">
+            <a:pPr marL="228600" indent="-226800" algn="just">
               <a:lnSpc>
                 <a:spcPct val="90000"/>
               </a:lnSpc>
@@ -26412,14 +28085,14 @@
       </p:grpSpPr>
       <p:sp>
         <p:nvSpPr>
-          <p:cNvPr id="245" name="CustomShape 1"/>
+          <p:cNvPr id="283" name="CustomShape 1"/>
           <p:cNvSpPr/>
           <p:nvPr/>
         </p:nvSpPr>
         <p:spPr>
           <a:xfrm>
             <a:off x="838080" y="365040"/>
-            <a:ext cx="10514160" cy="1324080"/>
+            <a:ext cx="10513800" cy="1323720"/>
           </a:xfrm>
           <a:prstGeom prst="rect">
             <a:avLst/>
@@ -26461,14 +28134,14 @@
       </p:sp>
       <p:sp>
         <p:nvSpPr>
-          <p:cNvPr id="246" name="CustomShape 2"/>
+          <p:cNvPr id="284" name="CustomShape 2"/>
           <p:cNvSpPr/>
           <p:nvPr/>
         </p:nvSpPr>
         <p:spPr>
           <a:xfrm>
             <a:off x="838080" y="1825560"/>
-            <a:ext cx="10514160" cy="4349880"/>
+            <a:ext cx="10513800" cy="4349520"/>
           </a:xfrm>
           <a:prstGeom prst="rect">
             <a:avLst/>
@@ -26487,7 +28160,7 @@
         <p:txBody>
           <a:bodyPr lIns="90000" rIns="90000" tIns="45000" bIns="45000"/>
           <a:p>
-            <a:pPr marL="228600" indent="-227160" algn="just">
+            <a:pPr marL="228600" indent="-226800" algn="just">
               <a:lnSpc>
                 <a:spcPct val="90000"/>
               </a:lnSpc>
@@ -26619,14 +28292,14 @@
       </p:grpSpPr>
       <p:sp>
         <p:nvSpPr>
-          <p:cNvPr id="247" name="CustomShape 1"/>
+          <p:cNvPr id="285" name="CustomShape 1"/>
           <p:cNvSpPr/>
           <p:nvPr/>
         </p:nvSpPr>
         <p:spPr>
           <a:xfrm>
             <a:off x="838080" y="365040"/>
-            <a:ext cx="10514160" cy="1324080"/>
+            <a:ext cx="10513800" cy="1323720"/>
           </a:xfrm>
           <a:prstGeom prst="rect">
             <a:avLst/>
@@ -26668,14 +28341,14 @@
       </p:sp>
       <p:sp>
         <p:nvSpPr>
-          <p:cNvPr id="248" name="CustomShape 2"/>
+          <p:cNvPr id="286" name="CustomShape 2"/>
           <p:cNvSpPr/>
           <p:nvPr/>
         </p:nvSpPr>
         <p:spPr>
           <a:xfrm>
             <a:off x="838080" y="1825560"/>
-            <a:ext cx="10514160" cy="4349880"/>
+            <a:ext cx="10513800" cy="4349520"/>
           </a:xfrm>
           <a:prstGeom prst="rect">
             <a:avLst/>
@@ -26694,7 +28367,7 @@
         <p:txBody>
           <a:bodyPr lIns="90000" rIns="90000" tIns="45000" bIns="45000"/>
           <a:p>
-            <a:pPr marL="228600" indent="-227160" algn="just">
+            <a:pPr marL="228600" indent="-226800" algn="just">
               <a:lnSpc>
                 <a:spcPct val="90000"/>
               </a:lnSpc>
@@ -26722,7 +28395,7 @@
             </a:endParaRPr>
           </a:p>
           <a:p>
-            <a:pPr marL="228600" indent="-227160" algn="just">
+            <a:pPr marL="228600" indent="-226800" algn="just">
               <a:lnSpc>
                 <a:spcPct val="90000"/>
               </a:lnSpc>
@@ -26805,7 +28478,7 @@
       </p:sp>
       <p:pic>
         <p:nvPicPr>
-          <p:cNvPr id="249" name="Picture 3" descr=""/>
+          <p:cNvPr id="287" name="Picture 3" descr=""/>
           <p:cNvPicPr/>
           <p:nvPr/>
         </p:nvPicPr>
@@ -26816,7 +28489,7 @@
         <p:spPr>
           <a:xfrm>
             <a:off x="1476360" y="3422160"/>
-            <a:ext cx="9038880" cy="2670120"/>
+            <a:ext cx="9038520" cy="2669760"/>
           </a:xfrm>
           <a:prstGeom prst="rect">
             <a:avLst/>
@@ -26877,14 +28550,14 @@
       </p:grpSpPr>
       <p:sp>
         <p:nvSpPr>
-          <p:cNvPr id="250" name="CustomShape 1"/>
+          <p:cNvPr id="288" name="CustomShape 1"/>
           <p:cNvSpPr/>
           <p:nvPr/>
         </p:nvSpPr>
         <p:spPr>
           <a:xfrm>
             <a:off x="838080" y="365040"/>
-            <a:ext cx="10514160" cy="1324080"/>
+            <a:ext cx="10513800" cy="1323720"/>
           </a:xfrm>
           <a:prstGeom prst="rect">
             <a:avLst/>
@@ -26928,14 +28601,14 @@
       </p:sp>
       <p:sp>
         <p:nvSpPr>
-          <p:cNvPr id="251" name="CustomShape 2"/>
+          <p:cNvPr id="289" name="CustomShape 2"/>
           <p:cNvSpPr/>
           <p:nvPr/>
         </p:nvSpPr>
         <p:spPr>
           <a:xfrm>
             <a:off x="838080" y="1825560"/>
-            <a:ext cx="10514160" cy="4349880"/>
+            <a:ext cx="10513800" cy="4349520"/>
           </a:xfrm>
           <a:prstGeom prst="rect">
             <a:avLst/>
@@ -26983,14 +28656,14 @@
       </p:sp>
       <p:sp>
         <p:nvSpPr>
-          <p:cNvPr id="252" name="CustomShape 3"/>
+          <p:cNvPr id="290" name="CustomShape 3"/>
           <p:cNvSpPr/>
           <p:nvPr/>
         </p:nvSpPr>
         <p:spPr>
           <a:xfrm>
             <a:off x="984960" y="1580040"/>
-            <a:ext cx="8219160" cy="5877360"/>
+            <a:ext cx="8218800" cy="5877000"/>
           </a:xfrm>
           <a:prstGeom prst="rect">
             <a:avLst/>
@@ -27009,7 +28682,7 @@
         <p:txBody>
           <a:bodyPr lIns="90000" rIns="90000" tIns="45000" bIns="45000"/>
           <a:p>
-            <a:pPr marL="285840" indent="-284400">
+            <a:pPr marL="285840" indent="-284040">
               <a:lnSpc>
                 <a:spcPct val="100000"/>
               </a:lnSpc>
@@ -27114,7 +28787,7 @@
             </a:endParaRPr>
           </a:p>
           <a:p>
-            <a:pPr marL="285840" indent="-284400">
+            <a:pPr marL="285840" indent="-284040">
               <a:lnSpc>
                 <a:spcPct val="100000"/>
               </a:lnSpc>
@@ -27219,7 +28892,7 @@
             </a:endParaRPr>
           </a:p>
           <a:p>
-            <a:pPr marL="285840" indent="-284400">
+            <a:pPr marL="285840" indent="-284040">
               <a:lnSpc>
                 <a:spcPct val="100000"/>
               </a:lnSpc>
@@ -27374,7 +29047,7 @@
             </a:endParaRPr>
           </a:p>
           <a:p>
-            <a:pPr marL="285840" indent="-284400">
+            <a:pPr marL="285840" indent="-284040">
               <a:lnSpc>
                 <a:spcPct val="100000"/>
               </a:lnSpc>
@@ -27409,7 +29082,7 @@
             </a:endParaRPr>
           </a:p>
           <a:p>
-            <a:pPr marL="285840" indent="-284400">
+            <a:pPr marL="285840" indent="-284040">
               <a:lnSpc>
                 <a:spcPct val="100000"/>
               </a:lnSpc>
@@ -27504,7 +29177,7 @@
             </a:endParaRPr>
           </a:p>
           <a:p>
-            <a:pPr marL="285840" indent="-284400">
+            <a:pPr marL="285840" indent="-284040">
               <a:lnSpc>
                 <a:spcPct val="100000"/>
               </a:lnSpc>
@@ -27609,7 +29282,7 @@
             </a:endParaRPr>
           </a:p>
           <a:p>
-            <a:pPr marL="285840" indent="-284400">
+            <a:pPr marL="285840" indent="-284040">
               <a:lnSpc>
                 <a:spcPct val="100000"/>
               </a:lnSpc>
@@ -27744,7 +29417,7 @@
             </a:endParaRPr>
           </a:p>
           <a:p>
-            <a:pPr marL="285840" indent="-284400">
+            <a:pPr marL="285840" indent="-284040">
               <a:lnSpc>
                 <a:spcPct val="100000"/>
               </a:lnSpc>
@@ -27779,7 +29452,7 @@
             </a:endParaRPr>
           </a:p>
           <a:p>
-            <a:pPr marL="285840" indent="-284400">
+            <a:pPr marL="285840" indent="-284040">
               <a:lnSpc>
                 <a:spcPct val="100000"/>
               </a:lnSpc>
@@ -27837,7 +29510,7 @@
       </p:sp>
       <p:pic>
         <p:nvPicPr>
-          <p:cNvPr id="253" name="Picture 5" descr=""/>
+          <p:cNvPr id="291" name="Picture 5" descr=""/>
           <p:cNvPicPr/>
           <p:nvPr/>
         </p:nvPicPr>
@@ -27848,7 +29521,7 @@
         <p:spPr>
           <a:xfrm>
             <a:off x="3764160" y="2741760"/>
-            <a:ext cx="1722600" cy="909720"/>
+            <a:ext cx="1722240" cy="909360"/>
           </a:xfrm>
           <a:prstGeom prst="rect">
             <a:avLst/>
@@ -27860,7 +29533,7 @@
       </p:pic>
       <p:pic>
         <p:nvPicPr>
-          <p:cNvPr id="254" name="Picture 6" descr=""/>
+          <p:cNvPr id="292" name="Picture 6" descr=""/>
           <p:cNvPicPr/>
           <p:nvPr/>
         </p:nvPicPr>
@@ -27871,7 +29544,7 @@
         <p:spPr>
           <a:xfrm>
             <a:off x="3828960" y="4979160"/>
-            <a:ext cx="3880800" cy="919800"/>
+            <a:ext cx="3880440" cy="919440"/>
           </a:xfrm>
           <a:prstGeom prst="rect">
             <a:avLst/>
@@ -27932,14 +29605,14 @@
       </p:grpSpPr>
       <p:sp>
         <p:nvSpPr>
-          <p:cNvPr id="255" name="CustomShape 1"/>
+          <p:cNvPr id="293" name="CustomShape 1"/>
           <p:cNvSpPr/>
           <p:nvPr/>
         </p:nvSpPr>
         <p:spPr>
           <a:xfrm>
             <a:off x="838080" y="365040"/>
-            <a:ext cx="10514160" cy="1324080"/>
+            <a:ext cx="10513800" cy="1323720"/>
           </a:xfrm>
           <a:prstGeom prst="rect">
             <a:avLst/>
@@ -27958,14 +29631,14 @@
       </p:sp>
       <p:sp>
         <p:nvSpPr>
-          <p:cNvPr id="256" name="CustomShape 2"/>
+          <p:cNvPr id="294" name="CustomShape 2"/>
           <p:cNvSpPr/>
           <p:nvPr/>
         </p:nvSpPr>
         <p:spPr>
           <a:xfrm>
             <a:off x="838080" y="1825560"/>
-            <a:ext cx="10514160" cy="4349880"/>
+            <a:ext cx="10513800" cy="4349520"/>
           </a:xfrm>
           <a:prstGeom prst="rect">
             <a:avLst/>
@@ -28023,7 +29696,7 @@
             </a:endParaRPr>
           </a:p>
           <a:p>
-            <a:pPr marL="228600" indent="-227160" algn="ctr">
+            <a:pPr marL="228600" indent="-226800" algn="ctr">
               <a:lnSpc>
                 <a:spcPct val="90000"/>
               </a:lnSpc>
@@ -29643,4 +31316,227 @@
     </a:fmtScheme>
   </a:themeElements>
 </a:theme>
+</file>
+
+<file path=ppt/theme/theme8.xml><?xml version="1.0" encoding="utf-8"?>
+<a:theme xmlns:a="http://schemas.openxmlformats.org/drawingml/2006/main" name="Office Theme">
+  <a:themeElements>
+    <a:clrScheme name="Office">
+      <a:dk1>
+        <a:sysClr val="windowText" lastClr="000000"/>
+      </a:dk1>
+      <a:lt1>
+        <a:sysClr val="window" lastClr="FFFFFF"/>
+      </a:lt1>
+      <a:dk2>
+        <a:srgbClr val="44546a"/>
+      </a:dk2>
+      <a:lt2>
+        <a:srgbClr val="e7e6e6"/>
+      </a:lt2>
+      <a:accent1>
+        <a:srgbClr val="5b9bd5"/>
+      </a:accent1>
+      <a:accent2>
+        <a:srgbClr val="ed7d31"/>
+      </a:accent2>
+      <a:accent3>
+        <a:srgbClr val="a5a5a5"/>
+      </a:accent3>
+      <a:accent4>
+        <a:srgbClr val="ffc000"/>
+      </a:accent4>
+      <a:accent5>
+        <a:srgbClr val="4472c4"/>
+      </a:accent5>
+      <a:accent6>
+        <a:srgbClr val="70ad47"/>
+      </a:accent6>
+      <a:hlink>
+        <a:srgbClr val="0563c1"/>
+      </a:hlink>
+      <a:folHlink>
+        <a:srgbClr val="954f72"/>
+      </a:folHlink>
+    </a:clrScheme>
+    <a:fontScheme name="Office">
+      <a:majorFont>
+        <a:latin typeface="Arial"/>
+        <a:ea typeface="DejaVu Sans"/>
+        <a:cs typeface="DejaVu Sans"/>
+      </a:majorFont>
+      <a:minorFont>
+        <a:latin typeface="Arial"/>
+        <a:ea typeface="DejaVu Sans"/>
+        <a:cs typeface="DejaVu Sans"/>
+      </a:minorFont>
+    </a:fontScheme>
+    <a:fmtScheme name="Office">
+      <a:fillStyleLst>
+        <a:solidFill>
+          <a:schemeClr val="phClr"/>
+        </a:solidFill>
+        <a:gradFill rotWithShape="1">
+          <a:gsLst>
+            <a:gs pos="0">
+              <a:schemeClr val="phClr">
+                <a:tint val="50000"/>
+                <a:satMod val="300000"/>
+              </a:schemeClr>
+            </a:gs>
+            <a:gs pos="35000">
+              <a:schemeClr val="phClr">
+                <a:tint val="37000"/>
+                <a:satMod val="300000"/>
+              </a:schemeClr>
+            </a:gs>
+            <a:gs pos="100000">
+              <a:schemeClr val="phClr">
+                <a:tint val="15000"/>
+                <a:satMod val="350000"/>
+              </a:schemeClr>
+            </a:gs>
+          </a:gsLst>
+          <a:lin ang="16200000" scaled="1"/>
+        </a:gradFill>
+        <a:gradFill rotWithShape="1">
+          <a:gsLst>
+            <a:gs pos="0">
+              <a:schemeClr val="phClr">
+                <a:shade val="51000"/>
+                <a:satMod val="130000"/>
+              </a:schemeClr>
+            </a:gs>
+            <a:gs pos="80000">
+              <a:schemeClr val="phClr">
+                <a:shade val="93000"/>
+                <a:satMod val="130000"/>
+              </a:schemeClr>
+            </a:gs>
+            <a:gs pos="100000">
+              <a:schemeClr val="phClr">
+                <a:shade val="94000"/>
+                <a:satMod val="135000"/>
+              </a:schemeClr>
+            </a:gs>
+          </a:gsLst>
+          <a:lin ang="16200000" scaled="0"/>
+        </a:gradFill>
+      </a:fillStyleLst>
+      <a:lnStyleLst>
+        <a:ln w="9525" cap="flat" cmpd="sng" algn="ctr">
+          <a:solidFill>
+            <a:schemeClr val="phClr">
+              <a:shade val="95000"/>
+              <a:satMod val="105000"/>
+            </a:schemeClr>
+          </a:solidFill>
+          <a:prstDash val="solid"/>
+        </a:ln>
+        <a:ln w="25400" cap="flat" cmpd="sng" algn="ctr">
+          <a:solidFill>
+            <a:schemeClr val="phClr"/>
+          </a:solidFill>
+          <a:prstDash val="solid"/>
+        </a:ln>
+        <a:ln w="38100" cap="flat" cmpd="sng" algn="ctr">
+          <a:solidFill>
+            <a:schemeClr val="phClr"/>
+          </a:solidFill>
+          <a:prstDash val="solid"/>
+        </a:ln>
+      </a:lnStyleLst>
+      <a:effectStyleLst>
+        <a:effectStyle>
+          <a:effectLst>
+            <a:outerShdw blurRad="40000" dist="20000" dir="5400000" rotWithShape="0">
+              <a:srgbClr val="000000">
+                <a:alpha val="38000"/>
+              </a:srgbClr>
+            </a:outerShdw>
+          </a:effectLst>
+        </a:effectStyle>
+        <a:effectStyle>
+          <a:effectLst>
+            <a:outerShdw blurRad="40000" dist="23000" dir="5400000" rotWithShape="0">
+              <a:srgbClr val="000000">
+                <a:alpha val="35000"/>
+              </a:srgbClr>
+            </a:outerShdw>
+          </a:effectLst>
+        </a:effectStyle>
+        <a:effectStyle>
+          <a:effectLst>
+            <a:outerShdw blurRad="40000" dist="23000" dir="5400000" rotWithShape="0">
+              <a:srgbClr val="000000">
+                <a:alpha val="35000"/>
+              </a:srgbClr>
+            </a:outerShdw>
+          </a:effectLst>
+          <a:scene3d>
+            <a:camera prst="orthographicFront">
+              <a:rot lat="0" lon="0" rev="0"/>
+            </a:camera>
+            <a:lightRig rig="threePt" dir="t">
+              <a:rot lat="0" lon="0" rev="1200000"/>
+            </a:lightRig>
+          </a:scene3d>
+          <a:sp3d>
+            <a:bevelT w="63500" h="25400"/>
+          </a:sp3d>
+        </a:effectStyle>
+      </a:effectStyleLst>
+      <a:bgFillStyleLst>
+        <a:solidFill>
+          <a:schemeClr val="phClr"/>
+        </a:solidFill>
+        <a:gradFill rotWithShape="1">
+          <a:gsLst>
+            <a:gs pos="0">
+              <a:schemeClr val="phClr">
+                <a:tint val="40000"/>
+                <a:satMod val="350000"/>
+              </a:schemeClr>
+            </a:gs>
+            <a:gs pos="40000">
+              <a:schemeClr val="phClr">
+                <a:tint val="45000"/>
+                <a:shade val="99000"/>
+                <a:satMod val="350000"/>
+              </a:schemeClr>
+            </a:gs>
+            <a:gs pos="100000">
+              <a:schemeClr val="phClr">
+                <a:shade val="20000"/>
+                <a:satMod val="255000"/>
+              </a:schemeClr>
+            </a:gs>
+          </a:gsLst>
+          <a:path path="circle">
+            <a:fillToRect l="50000" t="-80000" r="50000" b="180000"/>
+          </a:path>
+        </a:gradFill>
+        <a:gradFill rotWithShape="1">
+          <a:gsLst>
+            <a:gs pos="0">
+              <a:schemeClr val="phClr">
+                <a:tint val="80000"/>
+                <a:satMod val="300000"/>
+              </a:schemeClr>
+            </a:gs>
+            <a:gs pos="100000">
+              <a:schemeClr val="phClr">
+                <a:shade val="30000"/>
+                <a:satMod val="200000"/>
+              </a:schemeClr>
+            </a:gs>
+          </a:gsLst>
+          <a:path path="circle">
+            <a:fillToRect l="50000" t="50000" r="50000" b="50000"/>
+          </a:path>
+        </a:gradFill>
+      </a:bgFillStyleLst>
+    </a:fmtScheme>
+  </a:themeElements>
+</a:theme>
 </file>